--- a/Entity-Based Document Classification on the CORD- 19 Corpus.pptx
+++ b/Entity-Based Document Classification on the CORD- 19 Corpus.pptx
@@ -4053,8 +4053,8 @@
         </p:nvSpPr>
         <p:spPr>
           <a:xfrm>
-            <a:off x="457200" y="245880"/>
-            <a:ext cx="8227800" cy="624960"/>
+            <a:off x="457200" y="205200"/>
+            <a:ext cx="8229240" cy="858600"/>
           </a:xfrm>
           <a:prstGeom prst="rect">
             <a:avLst/>
@@ -4063,13 +4063,20 @@
         <p:txBody>
           <a:bodyPr lIns="0" rIns="0" tIns="0" bIns="0" anchor="ctr"/>
           <a:p>
+            <a:pPr algn="ctr"/>
             <a:r>
-              <a:rPr b="0" lang="en-US" sz="1800" spc="-1" strike="noStrike">
+              <a:rPr b="0" lang="en-US" sz="4400" spc="-1" strike="noStrike">
                 <a:latin typeface="Arial"/>
               </a:rPr>
-              <a:t>Click to edit the title text format</a:t>
+              <a:t>Click to edit the title </a:t>
             </a:r>
-            <a:endParaRPr b="0" lang="en-US" sz="1800" spc="-1" strike="noStrike">
+            <a:r>
+              <a:rPr b="0" lang="en-US" sz="4400" spc="-1" strike="noStrike">
+                <a:latin typeface="Arial"/>
+              </a:rPr>
+              <a:t>text format</a:t>
+            </a:r>
+            <a:endParaRPr b="0" lang="en-US" sz="4400" spc="-1" strike="noStrike">
               <a:latin typeface="Arial"/>
             </a:endParaRPr>
           </a:p>
@@ -4088,7 +4095,7 @@
         <p:spPr>
           <a:xfrm>
             <a:off x="457200" y="1203480"/>
-            <a:ext cx="8228520" cy="2982240"/>
+            <a:ext cx="8229240" cy="2982960"/>
           </a:xfrm>
           <a:prstGeom prst="rect">
             <a:avLst/>
@@ -4111,12 +4118,12 @@
               <a:buChar char=""/>
             </a:pPr>
             <a:r>
-              <a:rPr b="0" lang="en-US" sz="1800" spc="-1" strike="noStrike">
+              <a:rPr b="0" lang="en-US" sz="3200" spc="-1" strike="noStrike">
                 <a:latin typeface="Arial"/>
               </a:rPr>
               <a:t>Click to edit the outline text format</a:t>
             </a:r>
-            <a:endParaRPr b="0" lang="en-US" sz="1800" spc="-1" strike="noStrike">
+            <a:endParaRPr b="0" lang="en-US" sz="3200" spc="-1" strike="noStrike">
               <a:latin typeface="Arial"/>
             </a:endParaRPr>
           </a:p>
@@ -4133,12 +4140,12 @@
               <a:buChar char=""/>
             </a:pPr>
             <a:r>
-              <a:rPr b="0" lang="en-US" sz="1800" spc="-1" strike="noStrike">
+              <a:rPr b="0" lang="en-US" sz="2800" spc="-1" strike="noStrike">
                 <a:latin typeface="Arial"/>
               </a:rPr>
               <a:t>Second Outline Level</a:t>
             </a:r>
-            <a:endParaRPr b="0" lang="en-US" sz="1800" spc="-1" strike="noStrike">
+            <a:endParaRPr b="0" lang="en-US" sz="2800" spc="-1" strike="noStrike">
               <a:latin typeface="Arial"/>
             </a:endParaRPr>
           </a:p>
@@ -4155,12 +4162,12 @@
               <a:buChar char=""/>
             </a:pPr>
             <a:r>
-              <a:rPr b="0" lang="en-US" sz="1800" spc="-1" strike="noStrike">
+              <a:rPr b="0" lang="en-US" sz="2400" spc="-1" strike="noStrike">
                 <a:latin typeface="Arial"/>
               </a:rPr>
               <a:t>Third Outline Level</a:t>
             </a:r>
-            <a:endParaRPr b="0" lang="en-US" sz="1800" spc="-1" strike="noStrike">
+            <a:endParaRPr b="0" lang="en-US" sz="2400" spc="-1" strike="noStrike">
               <a:latin typeface="Arial"/>
             </a:endParaRPr>
           </a:p>
@@ -4177,12 +4184,12 @@
               <a:buChar char=""/>
             </a:pPr>
             <a:r>
-              <a:rPr b="0" lang="en-US" sz="1800" spc="-1" strike="noStrike">
+              <a:rPr b="0" lang="en-US" sz="2000" spc="-1" strike="noStrike">
                 <a:latin typeface="Arial"/>
               </a:rPr>
               <a:t>Fourth Outline Level</a:t>
             </a:r>
-            <a:endParaRPr b="0" lang="en-US" sz="1800" spc="-1" strike="noStrike">
+            <a:endParaRPr b="0" lang="en-US" sz="2000" spc="-1" strike="noStrike">
               <a:latin typeface="Arial"/>
             </a:endParaRPr>
           </a:p>
@@ -4199,12 +4206,12 @@
               <a:buChar char=""/>
             </a:pPr>
             <a:r>
-              <a:rPr b="0" lang="en-US" sz="1800" spc="-1" strike="noStrike">
+              <a:rPr b="0" lang="en-US" sz="2000" spc="-1" strike="noStrike">
                 <a:latin typeface="Arial"/>
               </a:rPr>
               <a:t>Fifth Outline Level</a:t>
             </a:r>
-            <a:endParaRPr b="0" lang="en-US" sz="1800" spc="-1" strike="noStrike">
+            <a:endParaRPr b="0" lang="en-US" sz="2000" spc="-1" strike="noStrike">
               <a:latin typeface="Arial"/>
             </a:endParaRPr>
           </a:p>
@@ -4221,12 +4228,12 @@
               <a:buChar char=""/>
             </a:pPr>
             <a:r>
-              <a:rPr b="0" lang="en-US" sz="1800" spc="-1" strike="noStrike">
+              <a:rPr b="0" lang="en-US" sz="2000" spc="-1" strike="noStrike">
                 <a:latin typeface="Arial"/>
               </a:rPr>
               <a:t>Sixth Outline Level</a:t>
             </a:r>
-            <a:endParaRPr b="0" lang="en-US" sz="1800" spc="-1" strike="noStrike">
+            <a:endParaRPr b="0" lang="en-US" sz="2000" spc="-1" strike="noStrike">
               <a:latin typeface="Arial"/>
             </a:endParaRPr>
           </a:p>
@@ -4243,12 +4250,12 @@
               <a:buChar char=""/>
             </a:pPr>
             <a:r>
-              <a:rPr b="0" lang="en-US" sz="1800" spc="-1" strike="noStrike">
+              <a:rPr b="0" lang="en-US" sz="2000" spc="-1" strike="noStrike">
                 <a:latin typeface="Arial"/>
               </a:rPr>
               <a:t>Seventh Outline Level</a:t>
             </a:r>
-            <a:endParaRPr b="0" lang="en-US" sz="1800" spc="-1" strike="noStrike">
+            <a:endParaRPr b="0" lang="en-US" sz="2000" spc="-1" strike="noStrike">
               <a:latin typeface="Arial"/>
             </a:endParaRPr>
           </a:p>
@@ -4565,7 +4572,7 @@
         <p:spPr>
           <a:xfrm>
             <a:off x="-14760" y="842760"/>
-            <a:ext cx="9161640" cy="360"/>
+            <a:ext cx="9160920" cy="360"/>
           </a:xfrm>
           <a:custGeom>
             <a:avLst/>
@@ -4607,7 +4614,7 @@
         <p:spPr>
           <a:xfrm>
             <a:off x="292320" y="4749840"/>
-            <a:ext cx="8443440" cy="360"/>
+            <a:ext cx="8442720" cy="360"/>
           </a:xfrm>
           <a:custGeom>
             <a:avLst/>
@@ -4631,8 +4638,8 @@
               <a:schemeClr val="dk2"/>
             </a:solidFill>
             <a:custDash>
-              <a:ds d="800000" sp="600000"/>
-              <a:ds d="100000" sp="600000"/>
+              <a:ds d="1300000" sp="1000000"/>
+              <a:ds d="100000" sp="1000000"/>
             </a:custDash>
             <a:round/>
           </a:ln>
@@ -4904,7 +4911,7 @@
         <p:spPr>
           <a:xfrm>
             <a:off x="311760" y="744480"/>
-            <a:ext cx="8519400" cy="2051640"/>
+            <a:ext cx="8518680" cy="2050920"/>
           </a:xfrm>
           <a:prstGeom prst="rect">
             <a:avLst/>
@@ -4964,7 +4971,7 @@
         <p:spPr>
           <a:xfrm>
             <a:off x="311760" y="2834280"/>
-            <a:ext cx="8727840" cy="791640"/>
+            <a:ext cx="8727120" cy="790920"/>
           </a:xfrm>
           <a:prstGeom prst="rect">
             <a:avLst/>
@@ -5054,7 +5061,7 @@
         <p:spPr>
           <a:xfrm>
             <a:off x="8472600" y="4663080"/>
-            <a:ext cx="547560" cy="392400"/>
+            <a:ext cx="546840" cy="391680"/>
           </a:xfrm>
           <a:prstGeom prst="rect">
             <a:avLst/>
@@ -5070,29 +5077,6 @@
           <a:effectRef idx="0"/>
           <a:fontRef idx="minor"/>
         </p:style>
-        <p:txBody>
-          <a:bodyPr lIns="90000" rIns="90000" tIns="91440" bIns="91440" anchor="ctr"/>
-          <a:p>
-            <a:pPr algn="r">
-              <a:lnSpc>
-                <a:spcPct val="100000"/>
-              </a:lnSpc>
-            </a:pPr>
-            <a:fld id="{737636D0-5629-4A11-9667-3064390BCB8B}" type="slidenum">
-              <a:rPr b="0" lang="en-US" sz="1000" spc="-1" strike="noStrike">
-                <a:solidFill>
-                  <a:srgbClr val="595959"/>
-                </a:solidFill>
-                <a:latin typeface="Arial"/>
-                <a:ea typeface="Arial"/>
-              </a:rPr>
-              <a:t>1</a:t>
-            </a:fld>
-            <a:endParaRPr b="0" lang="en-US" sz="1000" spc="-1" strike="noStrike">
-              <a:latin typeface="Arial"/>
-            </a:endParaRPr>
-          </a:p>
-        </p:txBody>
       </p:sp>
     </p:spTree>
   </p:cSld>
@@ -5152,7 +5136,7 @@
         <p:spPr>
           <a:xfrm>
             <a:off x="311760" y="444960"/>
-            <a:ext cx="8519400" cy="571680"/>
+            <a:ext cx="8518680" cy="570960"/>
           </a:xfrm>
           <a:prstGeom prst="rect">
             <a:avLst/>
@@ -5201,7 +5185,7 @@
         <p:spPr>
           <a:xfrm>
             <a:off x="311760" y="1152360"/>
-            <a:ext cx="8519400" cy="3415320"/>
+            <a:ext cx="8518680" cy="3414600"/>
           </a:xfrm>
           <a:prstGeom prst="rect">
             <a:avLst/>
@@ -5220,15 +5204,10 @@
         <p:txBody>
           <a:bodyPr lIns="90000" rIns="90000" tIns="91440" bIns="91440"/>
           <a:p>
-            <a:pPr marL="457200" indent="-335520">
+            <a:pPr>
               <a:lnSpc>
                 <a:spcPct val="115000"/>
               </a:lnSpc>
-              <a:buClr>
-                <a:srgbClr val="000000"/>
-              </a:buClr>
-              <a:buFont typeface="Calibri"/>
-              <a:buChar char="●"/>
             </a:pPr>
             <a:r>
               <a:rPr b="0" lang="en-US" sz="1700" spc="-1" strike="noStrike">
@@ -5238,22 +5217,17 @@
                 <a:latin typeface="Calibri"/>
                 <a:ea typeface="Calibri"/>
               </a:rPr>
-              <a:t>Transforming CORD-19 to a flat csv file (e.g. with resources corresponding to columns) to which standard rule learning tools can be applied. </a:t>
+              <a:t>1. Transforming CORD-19 to a flat csv file (e.g. with resources corresponding to columns) to which standard rule learning tools/algorithm can be applied. 2. The task is to predict the (academic) success of a paper (as measured by citations). </a:t>
             </a:r>
             <a:endParaRPr b="0" lang="en-US" sz="1700" spc="-1" strike="noStrike">
               <a:latin typeface="Arial"/>
             </a:endParaRPr>
           </a:p>
           <a:p>
-            <a:pPr marL="457200" indent="-335520">
+            <a:pPr>
               <a:lnSpc>
                 <a:spcPct val="115000"/>
               </a:lnSpc>
-              <a:buClr>
-                <a:srgbClr val="000000"/>
-              </a:buClr>
-              <a:buFont typeface="Calibri"/>
-              <a:buChar char="●"/>
             </a:pPr>
             <a:r>
               <a:rPr b="0" lang="en-US" sz="1700" spc="-1" strike="noStrike">
@@ -5263,32 +5237,7 @@
                 <a:latin typeface="Calibri"/>
                 <a:ea typeface="Calibri"/>
               </a:rPr>
-              <a:t>The task is to predict the (academic) success of a paper (as measured by citations). </a:t>
-            </a:r>
-            <a:endParaRPr b="0" lang="en-US" sz="1700" spc="-1" strike="noStrike">
-              <a:latin typeface="Arial"/>
-            </a:endParaRPr>
-          </a:p>
-          <a:p>
-            <a:pPr marL="457200" indent="-335520">
-              <a:lnSpc>
-                <a:spcPct val="115000"/>
-              </a:lnSpc>
-              <a:buClr>
-                <a:srgbClr val="000000"/>
-              </a:buClr>
-              <a:buFont typeface="Calibri"/>
-              <a:buChar char="●"/>
-            </a:pPr>
-            <a:r>
-              <a:rPr b="0" lang="en-US" sz="1700" spc="-1" strike="noStrike">
-                <a:solidFill>
-                  <a:srgbClr val="000000"/>
-                </a:solidFill>
-                <a:latin typeface="Calibri"/>
-                <a:ea typeface="Calibri"/>
-              </a:rPr>
-              <a:t>Since we use an "explainable" machine learning tool, we could find which combination of concepts (e.g. chemical substances) is predictive of paper success.</a:t>
+              <a:t>3. Since we use an "explainable" machine learning tool/algorithm, we could find which combination of concepts (e.g. chemical substances) is predictive of paper success.</a:t>
             </a:r>
             <a:endParaRPr b="0" lang="en-US" sz="1700" spc="-1" strike="noStrike">
               <a:latin typeface="Arial"/>
@@ -5321,7 +5270,7 @@
         <p:spPr>
           <a:xfrm>
             <a:off x="3202920" y="4643640"/>
-            <a:ext cx="2998800" cy="372600"/>
+            <a:ext cx="2998080" cy="371880"/>
           </a:xfrm>
           <a:prstGeom prst="rect">
             <a:avLst/>
@@ -5370,7 +5319,7 @@
         <p:spPr>
           <a:xfrm>
             <a:off x="8472600" y="4663080"/>
-            <a:ext cx="547560" cy="392400"/>
+            <a:ext cx="546840" cy="391680"/>
           </a:xfrm>
           <a:prstGeom prst="rect">
             <a:avLst/>
@@ -5386,29 +5335,6 @@
           <a:effectRef idx="0"/>
           <a:fontRef idx="minor"/>
         </p:style>
-        <p:txBody>
-          <a:bodyPr lIns="90000" rIns="90000" tIns="91440" bIns="91440" anchor="ctr"/>
-          <a:p>
-            <a:pPr algn="r">
-              <a:lnSpc>
-                <a:spcPct val="100000"/>
-              </a:lnSpc>
-            </a:pPr>
-            <a:fld id="{131FF312-B16D-40E1-B3C4-603F9B498FEA}" type="slidenum">
-              <a:rPr b="0" lang="en-US" sz="1000" spc="-1" strike="noStrike">
-                <a:solidFill>
-                  <a:srgbClr val="595959"/>
-                </a:solidFill>
-                <a:latin typeface="Arial"/>
-                <a:ea typeface="Arial"/>
-              </a:rPr>
-              <a:t>1</a:t>
-            </a:fld>
-            <a:endParaRPr b="0" lang="en-US" sz="1000" spc="-1" strike="noStrike">
-              <a:latin typeface="Arial"/>
-            </a:endParaRPr>
-          </a:p>
-        </p:txBody>
       </p:sp>
     </p:spTree>
   </p:cSld>
@@ -5468,7 +5394,7 @@
         <p:spPr>
           <a:xfrm>
             <a:off x="311760" y="444960"/>
-            <a:ext cx="8519400" cy="571680"/>
+            <a:ext cx="8518680" cy="570960"/>
           </a:xfrm>
           <a:prstGeom prst="rect">
             <a:avLst/>
@@ -5500,7 +5426,7 @@
                 <a:latin typeface="Arial"/>
                 <a:ea typeface="Arial"/>
               </a:rPr>
-              <a:t>Project - Preprocessing data</a:t>
+              <a:t>Project - Pre-processing data</a:t>
             </a:r>
             <a:endParaRPr b="0" lang="en-US" sz="2800" spc="-1" strike="noStrike">
               <a:latin typeface="Arial"/>
@@ -5517,7 +5443,7 @@
         <p:spPr>
           <a:xfrm>
             <a:off x="311760" y="1152360"/>
-            <a:ext cx="8519400" cy="3415320"/>
+            <a:ext cx="8518680" cy="3414600"/>
           </a:xfrm>
           <a:prstGeom prst="rect">
             <a:avLst/>
@@ -5547,7 +5473,7 @@
         <p:spPr>
           <a:xfrm>
             <a:off x="163800" y="1092600"/>
-            <a:ext cx="9142920" cy="4050000"/>
+            <a:ext cx="9142200" cy="4049280"/>
           </a:xfrm>
           <a:prstGeom prst="rect">
             <a:avLst/>
@@ -5566,7 +5492,7 @@
         <p:spPr>
           <a:xfrm>
             <a:off x="8472600" y="4663080"/>
-            <a:ext cx="547560" cy="392400"/>
+            <a:ext cx="546840" cy="391680"/>
           </a:xfrm>
           <a:prstGeom prst="rect">
             <a:avLst/>
@@ -5582,29 +5508,6 @@
           <a:effectRef idx="0"/>
           <a:fontRef idx="minor"/>
         </p:style>
-        <p:txBody>
-          <a:bodyPr lIns="90000" rIns="90000" tIns="91440" bIns="91440" anchor="ctr"/>
-          <a:p>
-            <a:pPr algn="r">
-              <a:lnSpc>
-                <a:spcPct val="100000"/>
-              </a:lnSpc>
-            </a:pPr>
-            <a:fld id="{F6B521E7-BAFB-4206-BA3C-D5C1319EE222}" type="slidenum">
-              <a:rPr b="0" lang="en-US" sz="1000" spc="-1" strike="noStrike">
-                <a:solidFill>
-                  <a:srgbClr val="595959"/>
-                </a:solidFill>
-                <a:latin typeface="Arial"/>
-                <a:ea typeface="Arial"/>
-              </a:rPr>
-              <a:t>1</a:t>
-            </a:fld>
-            <a:endParaRPr b="0" lang="en-US" sz="1000" spc="-1" strike="noStrike">
-              <a:latin typeface="Arial"/>
-            </a:endParaRPr>
-          </a:p>
-        </p:txBody>
       </p:sp>
     </p:spTree>
   </p:cSld>
@@ -5664,7 +5567,7 @@
         <p:spPr>
           <a:xfrm>
             <a:off x="311760" y="444960"/>
-            <a:ext cx="8519400" cy="571680"/>
+            <a:ext cx="8518680" cy="570960"/>
           </a:xfrm>
           <a:prstGeom prst="rect">
             <a:avLst/>
@@ -5690,7 +5593,7 @@
         <p:spPr>
           <a:xfrm>
             <a:off x="311760" y="1152360"/>
-            <a:ext cx="8519400" cy="3415320"/>
+            <a:ext cx="8518680" cy="3414600"/>
           </a:xfrm>
           <a:prstGeom prst="rect">
             <a:avLst/>
@@ -5716,7 +5619,7 @@
         <p:spPr>
           <a:xfrm>
             <a:off x="8472600" y="4663080"/>
-            <a:ext cx="547560" cy="392400"/>
+            <a:ext cx="546840" cy="391680"/>
           </a:xfrm>
           <a:prstGeom prst="rect">
             <a:avLst/>
@@ -5732,29 +5635,6 @@
           <a:effectRef idx="0"/>
           <a:fontRef idx="minor"/>
         </p:style>
-        <p:txBody>
-          <a:bodyPr lIns="90000" rIns="90000" tIns="91440" bIns="91440" anchor="ctr"/>
-          <a:p>
-            <a:pPr algn="r">
-              <a:lnSpc>
-                <a:spcPct val="100000"/>
-              </a:lnSpc>
-            </a:pPr>
-            <a:fld id="{7F476B5C-9937-4981-8BF8-3D01081B8120}" type="slidenum">
-              <a:rPr b="0" lang="en-US" sz="1000" spc="-1" strike="noStrike">
-                <a:solidFill>
-                  <a:srgbClr val="595959"/>
-                </a:solidFill>
-                <a:latin typeface="Arial"/>
-                <a:ea typeface="Arial"/>
-              </a:rPr>
-              <a:t>1</a:t>
-            </a:fld>
-            <a:endParaRPr b="0" lang="en-US" sz="1000" spc="-1" strike="noStrike">
-              <a:latin typeface="Arial"/>
-            </a:endParaRPr>
-          </a:p>
-        </p:txBody>
       </p:sp>
       <p:pic>
         <p:nvPicPr>
@@ -5769,7 +5649,7 @@
         <p:spPr>
           <a:xfrm>
             <a:off x="0" y="761040"/>
-            <a:ext cx="9142920" cy="3620520"/>
+            <a:ext cx="9142200" cy="3619800"/>
           </a:xfrm>
           <a:prstGeom prst="rect">
             <a:avLst/>
@@ -5837,7 +5717,7 @@
         <p:spPr>
           <a:xfrm>
             <a:off x="311760" y="444960"/>
-            <a:ext cx="8519400" cy="571680"/>
+            <a:ext cx="8518680" cy="570960"/>
           </a:xfrm>
           <a:prstGeom prst="rect">
             <a:avLst/>
@@ -5886,7 +5766,7 @@
         <p:spPr>
           <a:xfrm>
             <a:off x="311760" y="1152360"/>
-            <a:ext cx="8519400" cy="3415320"/>
+            <a:ext cx="8518680" cy="3414600"/>
           </a:xfrm>
           <a:prstGeom prst="rect">
             <a:avLst/>
@@ -5912,7 +5792,7 @@
         <p:spPr>
           <a:xfrm>
             <a:off x="8472600" y="4663080"/>
-            <a:ext cx="547560" cy="392400"/>
+            <a:ext cx="546840" cy="391680"/>
           </a:xfrm>
           <a:prstGeom prst="rect">
             <a:avLst/>
@@ -5928,29 +5808,6 @@
           <a:effectRef idx="0"/>
           <a:fontRef idx="minor"/>
         </p:style>
-        <p:txBody>
-          <a:bodyPr lIns="90000" rIns="90000" tIns="91440" bIns="91440" anchor="ctr"/>
-          <a:p>
-            <a:pPr algn="r">
-              <a:lnSpc>
-                <a:spcPct val="100000"/>
-              </a:lnSpc>
-            </a:pPr>
-            <a:fld id="{B40A7BF7-56FE-419A-9920-FB2FA22079A0}" type="slidenum">
-              <a:rPr b="0" lang="en-US" sz="1000" spc="-1" strike="noStrike">
-                <a:solidFill>
-                  <a:srgbClr val="595959"/>
-                </a:solidFill>
-                <a:latin typeface="Arial"/>
-                <a:ea typeface="Arial"/>
-              </a:rPr>
-              <a:t>1</a:t>
-            </a:fld>
-            <a:endParaRPr b="0" lang="en-US" sz="1000" spc="-1" strike="noStrike">
-              <a:latin typeface="Arial"/>
-            </a:endParaRPr>
-          </a:p>
-        </p:txBody>
       </p:sp>
       <p:pic>
         <p:nvPicPr>
@@ -5965,7 +5822,7 @@
         <p:spPr>
           <a:xfrm>
             <a:off x="266760" y="1209600"/>
-            <a:ext cx="8609400" cy="2723040"/>
+            <a:ext cx="8608680" cy="2722320"/>
           </a:xfrm>
           <a:prstGeom prst="rect">
             <a:avLst/>
@@ -5984,7 +5841,7 @@
         <p:spPr>
           <a:xfrm>
             <a:off x="8283240" y="1439280"/>
-            <a:ext cx="438840" cy="90720"/>
+            <a:ext cx="438120" cy="90000"/>
           </a:xfrm>
           <a:prstGeom prst="rect">
             <a:avLst/>
@@ -6014,7 +5871,7 @@
         <p:spPr>
           <a:xfrm>
             <a:off x="8229600" y="1463040"/>
-            <a:ext cx="128520" cy="90720"/>
+            <a:ext cx="127800" cy="90000"/>
           </a:xfrm>
           <a:prstGeom prst="rect">
             <a:avLst/>
@@ -6093,7 +5950,7 @@
         <p:spPr>
           <a:xfrm>
             <a:off x="311760" y="444960"/>
-            <a:ext cx="8519400" cy="571680"/>
+            <a:ext cx="8518680" cy="570960"/>
           </a:xfrm>
           <a:prstGeom prst="rect">
             <a:avLst/>
@@ -6142,7 +5999,7 @@
         <p:spPr>
           <a:xfrm>
             <a:off x="311760" y="1152360"/>
-            <a:ext cx="8519400" cy="3415320"/>
+            <a:ext cx="8518680" cy="3414600"/>
           </a:xfrm>
           <a:prstGeom prst="rect">
             <a:avLst/>
@@ -6168,7 +6025,7 @@
         <p:spPr>
           <a:xfrm>
             <a:off x="8472600" y="4663080"/>
-            <a:ext cx="547560" cy="392400"/>
+            <a:ext cx="546840" cy="391680"/>
           </a:xfrm>
           <a:prstGeom prst="rect">
             <a:avLst/>
@@ -6184,29 +6041,6 @@
           <a:effectRef idx="0"/>
           <a:fontRef idx="minor"/>
         </p:style>
-        <p:txBody>
-          <a:bodyPr lIns="90000" rIns="90000" tIns="91440" bIns="91440" anchor="ctr"/>
-          <a:p>
-            <a:pPr algn="r">
-              <a:lnSpc>
-                <a:spcPct val="100000"/>
-              </a:lnSpc>
-            </a:pPr>
-            <a:fld id="{1BF16161-1979-44B2-9724-D73DCB30C1E8}" type="slidenum">
-              <a:rPr b="0" lang="en-US" sz="1000" spc="-1" strike="noStrike">
-                <a:solidFill>
-                  <a:srgbClr val="595959"/>
-                </a:solidFill>
-                <a:latin typeface="Arial"/>
-                <a:ea typeface="Arial"/>
-              </a:rPr>
-              <a:t>1</a:t>
-            </a:fld>
-            <a:endParaRPr b="0" lang="en-US" sz="1000" spc="-1" strike="noStrike">
-              <a:latin typeface="Arial"/>
-            </a:endParaRPr>
-          </a:p>
-        </p:txBody>
       </p:sp>
       <p:pic>
         <p:nvPicPr>
@@ -6221,7 +6055,7 @@
         <p:spPr>
           <a:xfrm>
             <a:off x="548640" y="1466280"/>
-            <a:ext cx="7955280" cy="3101400"/>
+            <a:ext cx="7954560" cy="3100680"/>
           </a:xfrm>
           <a:prstGeom prst="rect">
             <a:avLst/>
@@ -6289,7 +6123,7 @@
         <p:spPr>
           <a:xfrm>
             <a:off x="457200" y="246240"/>
-            <a:ext cx="8227800" cy="624240"/>
+            <a:ext cx="8227080" cy="623520"/>
           </a:xfrm>
           <a:prstGeom prst="rect">
             <a:avLst/>
@@ -6338,7 +6172,7 @@
         <p:spPr>
           <a:xfrm>
             <a:off x="347760" y="1240560"/>
-            <a:ext cx="3605760" cy="3103200"/>
+            <a:ext cx="3605040" cy="3102480"/>
           </a:xfrm>
           <a:prstGeom prst="rect">
             <a:avLst/>
@@ -6364,7 +6198,7 @@
         <p:spPr>
           <a:xfrm>
             <a:off x="4051440" y="1484280"/>
-            <a:ext cx="5091480" cy="3723840"/>
+            <a:ext cx="5090760" cy="3723120"/>
           </a:xfrm>
           <a:prstGeom prst="rect">
             <a:avLst/>
@@ -6426,7 +6260,7 @@
         <p:spPr>
           <a:xfrm>
             <a:off x="8556840" y="4749840"/>
-            <a:ext cx="547560" cy="392400"/>
+            <a:ext cx="546840" cy="391680"/>
           </a:xfrm>
           <a:prstGeom prst="rect">
             <a:avLst/>
@@ -6442,67 +6276,50 @@
           <a:effectRef idx="0"/>
           <a:fontRef idx="minor"/>
         </p:style>
-        <p:txBody>
-          <a:bodyPr lIns="90000" rIns="90000" tIns="91440" bIns="91440"/>
-          <a:p>
-            <a:pPr algn="r">
+      </p:sp>
+      <p:sp>
+        <p:nvSpPr>
+          <p:cNvPr id="145" name="CustomShape 5"/>
+          <p:cNvSpPr/>
+          <p:nvPr/>
+        </p:nvSpPr>
+        <p:spPr>
+          <a:xfrm>
+            <a:off x="0" y="1280160"/>
+            <a:ext cx="9016200" cy="2925360"/>
+          </a:xfrm>
+          <a:prstGeom prst="rect">
+            <a:avLst/>
+          </a:prstGeom>
+          <a:noFill/>
+          <a:ln>
+            <a:noFill/>
+          </a:ln>
+        </p:spPr>
+        <p:style>
+          <a:lnRef idx="0"/>
+          <a:fillRef idx="0"/>
+          <a:effectRef idx="0"/>
+          <a:fontRef idx="minor"/>
+        </p:style>
+        <p:txBody>
+          <a:bodyPr lIns="90000" rIns="90000" tIns="45000" bIns="45000"/>
+          <a:p>
+            <a:pPr>
               <a:lnSpc>
                 <a:spcPct val="100000"/>
               </a:lnSpc>
             </a:pPr>
-            <a:fld id="{789D19F8-B0EE-4248-8ED7-9C2FF04E8EAA}" type="slidenum">
-              <a:rPr b="0" lang="en-US" sz="1300" spc="-1" strike="noStrike">
-                <a:solidFill>
-                  <a:srgbClr val="000000"/>
-                </a:solidFill>
-                <a:latin typeface="Arial"/>
-                <a:ea typeface="Arial"/>
-              </a:rPr>
-              <a:t>1</a:t>
-            </a:fld>
-            <a:endParaRPr b="0" lang="en-US" sz="1300" spc="-1" strike="noStrike">
-              <a:latin typeface="Arial"/>
-            </a:endParaRPr>
-          </a:p>
-        </p:txBody>
-      </p:sp>
-      <p:sp>
-        <p:nvSpPr>
-          <p:cNvPr id="145" name="TextShape 5"/>
-          <p:cNvSpPr txBox="1"/>
-          <p:nvPr/>
-        </p:nvSpPr>
-        <p:spPr>
-          <a:xfrm>
-            <a:off x="0" y="1280160"/>
-            <a:ext cx="9016920" cy="2926080"/>
-          </a:xfrm>
-          <a:prstGeom prst="rect">
-            <a:avLst/>
-          </a:prstGeom>
-          <a:noFill/>
-          <a:ln>
-            <a:noFill/>
-          </a:ln>
-        </p:spPr>
-        <p:txBody>
-          <a:bodyPr lIns="90000" rIns="90000" tIns="45000" bIns="45000"/>
-          <a:p>
-            <a:r>
-              <a:rPr b="1" lang="en-US" sz="1600" spc="-1" strike="noStrike">
-                <a:solidFill>
-                  <a:srgbClr val="000000"/>
-                </a:solidFill>
-                <a:latin typeface="Calibri"/>
-                <a:ea typeface="Calibri"/>
-              </a:rPr>
-              <a:t>Feedback appreciated</a:t>
-            </a:r>
-            <a:endParaRPr b="0" lang="en-US" sz="1600" spc="-1" strike="noStrike">
-              <a:latin typeface="Arial"/>
-            </a:endParaRPr>
-          </a:p>
-          <a:p>
+            <a:endParaRPr b="0" lang="en-US" sz="1800" spc="-1" strike="noStrike">
+              <a:latin typeface="Arial"/>
+            </a:endParaRPr>
+          </a:p>
+          <a:p>
+            <a:pPr>
+              <a:lnSpc>
+                <a:spcPct val="100000"/>
+              </a:lnSpc>
+            </a:pPr>
             <a:r>
               <a:rPr b="0" lang="en-US" sz="1600" spc="-1" strike="noStrike">
                 <a:solidFill>
@@ -6511,7 +6328,7 @@
                 <a:latin typeface="Calibri"/>
                 <a:ea typeface="Calibri"/>
               </a:rPr>
-              <a:t> </a:t>
+              <a:t>	</a:t>
             </a:r>
             <a:r>
               <a:rPr b="0" lang="en-US" sz="1600" spc="-1" strike="noStrike">
@@ -6521,42 +6338,7 @@
                 <a:latin typeface="Calibri"/>
                 <a:ea typeface="Calibri"/>
               </a:rPr>
-              <a:t>We would appreciate any pointers to code in the Jupyter notebook, particularly:</a:t>
-            </a:r>
-            <a:endParaRPr b="0" lang="en-US" sz="1600" spc="-1" strike="noStrike">
-              <a:latin typeface="Arial"/>
-            </a:endParaRPr>
-          </a:p>
-          <a:p>
-            <a:r>
-              <a:rPr b="0" lang="en-US" sz="1600" spc="-1" strike="noStrike">
-                <a:solidFill>
-                  <a:srgbClr val="4a86e8"/>
-                </a:solidFill>
-                <a:latin typeface="Calibri"/>
-                <a:ea typeface="Calibri"/>
-              </a:rPr>
-              <a:t>	</a:t>
-            </a:r>
-            <a:r>
-              <a:rPr b="0" lang="en-US" sz="1600" spc="-1" strike="noStrike">
-                <a:solidFill>
-                  <a:srgbClr val="4a86e8"/>
-                </a:solidFill>
-                <a:latin typeface="Calibri"/>
-                <a:ea typeface="Calibri"/>
-              </a:rPr>
-              <a:t>1. </a:t>
-            </a:r>
-            <a:r>
-              <a:rPr b="0" lang="en-US" sz="1600" spc="-1" strike="noStrike">
-                <a:solidFill>
-                  <a:srgbClr val="000000"/>
-                </a:solidFill>
-                <a:latin typeface="Calibri"/>
-                <a:ea typeface="Calibri"/>
-              </a:rPr>
-              <a:t>Ways to generate higher quality entities, assign weights to entities, remove </a:t>
+              <a:t>1. Ways to generate higher quality entities, assign weights to entities, remove </a:t>
             </a:r>
             <a:r>
               <a:rPr b="0" lang="en-US" sz="1600" spc="-1" strike="noStrike">
@@ -6636,7 +6418,27 @@
                 <a:latin typeface="Calibri"/>
                 <a:ea typeface="Calibri"/>
               </a:rPr>
-              <a:t>ConceptNet, </a:t>
+              <a:t>ConceptNet, Scispacy with ConceptNet and TF-IDF model.</a:t>
+            </a:r>
+            <a:endParaRPr b="0" lang="en-US" sz="1600" spc="-1" strike="noStrike">
+              <a:latin typeface="Arial"/>
+            </a:endParaRPr>
+          </a:p>
+          <a:p>
+            <a:pPr>
+              <a:lnSpc>
+                <a:spcPct val="100000"/>
+              </a:lnSpc>
+            </a:pPr>
+            <a:r>
+              <a:rPr b="0" lang="en-US" sz="1600" spc="-1" strike="noStrike">
+                <a:solidFill>
+                  <a:srgbClr val="000000"/>
+                </a:solidFill>
+                <a:latin typeface="Calibri"/>
+                <a:ea typeface="Calibri"/>
+              </a:rPr>
+              <a:t>	</a:t>
             </a:r>
             <a:r>
               <a:rPr b="0" lang="en-US" sz="1600" spc="-1" strike="noStrike">
@@ -6646,42 +6448,7 @@
                 <a:latin typeface="Calibri"/>
                 <a:ea typeface="Calibri"/>
               </a:rPr>
-              <a:t>Scispacy with ConceptNet and TF-IDF model.</a:t>
-            </a:r>
-            <a:endParaRPr b="0" lang="en-US" sz="1600" spc="-1" strike="noStrike">
-              <a:latin typeface="Arial"/>
-            </a:endParaRPr>
-          </a:p>
-          <a:p>
-            <a:r>
-              <a:rPr b="0" lang="en-US" sz="1600" spc="-1" strike="noStrike">
-                <a:solidFill>
-                  <a:srgbClr val="538cd5"/>
-                </a:solidFill>
-                <a:latin typeface="Calibri"/>
-                <a:ea typeface="Calibri"/>
-              </a:rPr>
-              <a:t>	</a:t>
-            </a:r>
-            <a:r>
-              <a:rPr b="0" lang="en-US" sz="1600" spc="-1" strike="noStrike">
-                <a:solidFill>
-                  <a:srgbClr val="538cd5"/>
-                </a:solidFill>
-                <a:latin typeface="Calibri"/>
-                <a:ea typeface="Calibri"/>
-              </a:rPr>
-              <a:t>2. </a:t>
-            </a:r>
-            <a:r>
-              <a:rPr b="0" lang="en-US" sz="1600" spc="-1" strike="noStrike">
-                <a:solidFill>
-                  <a:srgbClr val="000000"/>
-                </a:solidFill>
-                <a:latin typeface="Calibri"/>
-                <a:ea typeface="Calibri"/>
-              </a:rPr>
-              <a:t>We use a number of citations (OpenCitations Ontology) as a proxy of the </a:t>
+              <a:t>2. We use a number of citations (OpenCitations Ontology) as a proxy of the </a:t>
             </a:r>
             <a:r>
               <a:rPr b="0" lang="en-US" sz="1600" spc="-1" strike="noStrike">
@@ -6722,6 +6489,56 @@
                 <a:ea typeface="Calibri"/>
               </a:rPr>
               <a:t>significance of results reported in the paper. Do you have a better suggestion?</a:t>
+            </a:r>
+            <a:endParaRPr b="0" lang="en-US" sz="1600" spc="-1" strike="noStrike">
+              <a:latin typeface="Arial"/>
+            </a:endParaRPr>
+          </a:p>
+          <a:p>
+            <a:pPr>
+              <a:lnSpc>
+                <a:spcPct val="100000"/>
+              </a:lnSpc>
+            </a:pPr>
+            <a:r>
+              <a:rPr b="0" lang="en-US" sz="1600" spc="-1" strike="noStrike">
+                <a:solidFill>
+                  <a:srgbClr val="000000"/>
+                </a:solidFill>
+                <a:latin typeface="Calibri"/>
+                <a:ea typeface="Calibri"/>
+              </a:rPr>
+              <a:t>	</a:t>
+            </a:r>
+            <a:r>
+              <a:rPr b="0" lang="en-US" sz="1600" spc="-1" strike="noStrike">
+                <a:solidFill>
+                  <a:srgbClr val="000000"/>
+                </a:solidFill>
+                <a:latin typeface="Calibri"/>
+                <a:ea typeface="Calibri"/>
+              </a:rPr>
+              <a:t>3. Use  SBRL, CORELS and Random Forest for finding the combination of concepts </a:t>
+            </a:r>
+            <a:r>
+              <a:rPr b="0" lang="en-US" sz="1600" spc="-1" strike="noStrike">
+                <a:solidFill>
+                  <a:srgbClr val="000000"/>
+                </a:solidFill>
+                <a:latin typeface="Calibri"/>
+                <a:ea typeface="Calibri"/>
+              </a:rPr>
+              <a:t>	</a:t>
+            </a:r>
+            <a:r>
+              <a:rPr b="0" lang="en-US" sz="1600" spc="-1" strike="noStrike">
+                <a:solidFill>
+                  <a:srgbClr val="000000"/>
+                </a:solidFill>
+                <a:latin typeface="Calibri"/>
+                <a:ea typeface="Calibri"/>
+              </a:rPr>
+              <a:t>from research papers. </a:t>
             </a:r>
             <a:endParaRPr b="0" lang="en-US" sz="1600" spc="-1" strike="noStrike">
               <a:latin typeface="Arial"/>
@@ -6787,7 +6604,7 @@
         <p:spPr>
           <a:xfrm>
             <a:off x="457200" y="246240"/>
-            <a:ext cx="8227800" cy="624240"/>
+            <a:ext cx="8227080" cy="623520"/>
           </a:xfrm>
           <a:prstGeom prst="rect">
             <a:avLst/>
@@ -6836,7 +6653,7 @@
         <p:spPr>
           <a:xfrm>
             <a:off x="347760" y="1240560"/>
-            <a:ext cx="3605760" cy="3103200"/>
+            <a:ext cx="3605040" cy="3102480"/>
           </a:xfrm>
           <a:prstGeom prst="rect">
             <a:avLst/>
@@ -6862,7 +6679,7 @@
         <p:spPr>
           <a:xfrm>
             <a:off x="4480560" y="1097280"/>
-            <a:ext cx="4296960" cy="3199680"/>
+            <a:ext cx="4296240" cy="3198960"/>
           </a:xfrm>
           <a:prstGeom prst="rect">
             <a:avLst/>
@@ -6888,7 +6705,7 @@
         <p:spPr>
           <a:xfrm>
             <a:off x="8556840" y="4749840"/>
-            <a:ext cx="547560" cy="392400"/>
+            <a:ext cx="546840" cy="391680"/>
           </a:xfrm>
           <a:prstGeom prst="rect">
             <a:avLst/>
@@ -6904,57 +6721,50 @@
           <a:effectRef idx="0"/>
           <a:fontRef idx="minor"/>
         </p:style>
-        <p:txBody>
-          <a:bodyPr lIns="90000" rIns="90000" tIns="91440" bIns="91440"/>
-          <a:p>
-            <a:pPr algn="r">
+      </p:sp>
+      <p:sp>
+        <p:nvSpPr>
+          <p:cNvPr id="150" name="CustomShape 5"/>
+          <p:cNvSpPr/>
+          <p:nvPr/>
+        </p:nvSpPr>
+        <p:spPr>
+          <a:xfrm>
+            <a:off x="640080" y="1554480"/>
+            <a:ext cx="7954560" cy="2559600"/>
+          </a:xfrm>
+          <a:prstGeom prst="rect">
+            <a:avLst/>
+          </a:prstGeom>
+          <a:noFill/>
+          <a:ln>
+            <a:noFill/>
+          </a:ln>
+        </p:spPr>
+        <p:style>
+          <a:lnRef idx="0"/>
+          <a:fillRef idx="0"/>
+          <a:effectRef idx="0"/>
+          <a:fontRef idx="minor"/>
+        </p:style>
+        <p:txBody>
+          <a:bodyPr lIns="90000" rIns="90000" tIns="45000" bIns="45000"/>
+          <a:p>
+            <a:pPr>
               <a:lnSpc>
                 <a:spcPct val="100000"/>
               </a:lnSpc>
             </a:pPr>
-            <a:fld id="{060D7FFB-EB39-40F1-83CB-D1640DC4228F}" type="slidenum">
-              <a:rPr b="0" lang="en-US" sz="1300" spc="-1" strike="noStrike">
-                <a:solidFill>
-                  <a:srgbClr val="000000"/>
-                </a:solidFill>
-                <a:latin typeface="Arial"/>
-                <a:ea typeface="Arial"/>
-              </a:rPr>
-              <a:t>1</a:t>
-            </a:fld>
-            <a:endParaRPr b="0" lang="en-US" sz="1300" spc="-1" strike="noStrike">
-              <a:latin typeface="Arial"/>
-            </a:endParaRPr>
-          </a:p>
-        </p:txBody>
-      </p:sp>
-      <p:sp>
-        <p:nvSpPr>
-          <p:cNvPr id="150" name="TextShape 5"/>
-          <p:cNvSpPr txBox="1"/>
-          <p:nvPr/>
-        </p:nvSpPr>
-        <p:spPr>
-          <a:xfrm>
-            <a:off x="640080" y="1554480"/>
-            <a:ext cx="7955280" cy="2560320"/>
-          </a:xfrm>
-          <a:prstGeom prst="rect">
-            <a:avLst/>
-          </a:prstGeom>
-          <a:noFill/>
-          <a:ln>
-            <a:noFill/>
-          </a:ln>
-        </p:spPr>
-        <p:txBody>
-          <a:bodyPr lIns="90000" rIns="90000" tIns="45000" bIns="45000"/>
-          <a:p>
             <a:endParaRPr b="0" lang="en-US" sz="1800" spc="-1" strike="noStrike">
               <a:latin typeface="Arial"/>
             </a:endParaRPr>
           </a:p>
           <a:p>
+            <a:pPr>
+              <a:lnSpc>
+                <a:spcPct val="100000"/>
+              </a:lnSpc>
+            </a:pPr>
             <a:r>
               <a:rPr b="0" lang="en-US" sz="1600" spc="-1" strike="noStrike">
                 <a:solidFill>
@@ -6970,6 +6780,11 @@
             </a:endParaRPr>
           </a:p>
           <a:p>
+            <a:pPr>
+              <a:lnSpc>
+                <a:spcPct val="100000"/>
+              </a:lnSpc>
+            </a:pPr>
             <a:r>
               <a:rPr b="0" lang="en-US" sz="1600" spc="-1" strike="noStrike">
                 <a:solidFill>
@@ -6985,6 +6800,11 @@
             </a:endParaRPr>
           </a:p>
           <a:p>
+            <a:pPr>
+              <a:lnSpc>
+                <a:spcPct val="100000"/>
+              </a:lnSpc>
+            </a:pPr>
             <a:r>
               <a:rPr b="0" lang="en-US" sz="1600" spc="-1" strike="noStrike">
                 <a:solidFill>
@@ -7000,6 +6820,11 @@
             </a:endParaRPr>
           </a:p>
           <a:p>
+            <a:pPr>
+              <a:lnSpc>
+                <a:spcPct val="100000"/>
+              </a:lnSpc>
+            </a:pPr>
             <a:r>
               <a:rPr b="0" lang="en-US" sz="1600" spc="-1" strike="noStrike">
                 <a:solidFill>

--- a/Entity-Based Document Classification on the CORD- 19 Corpus.pptx
+++ b/Entity-Based Document Classification on the CORD- 19 Corpus.pptx
@@ -5,16 +5,21 @@
     <p:sldMasterId id="2147483648" r:id="rId2"/>
     <p:sldMasterId id="2147483661" r:id="rId3"/>
     <p:sldMasterId id="2147483674" r:id="rId4"/>
+    <p:sldMasterId id="2147483687" r:id="rId5"/>
+    <p:sldMasterId id="2147483700" r:id="rId6"/>
   </p:sldMasterIdLst>
   <p:sldIdLst>
-    <p:sldId id="256" r:id="rId5"/>
-    <p:sldId id="257" r:id="rId6"/>
-    <p:sldId id="258" r:id="rId7"/>
-    <p:sldId id="259" r:id="rId8"/>
-    <p:sldId id="260" r:id="rId9"/>
-    <p:sldId id="261" r:id="rId10"/>
-    <p:sldId id="262" r:id="rId11"/>
-    <p:sldId id="263" r:id="rId12"/>
+    <p:sldId id="256" r:id="rId7"/>
+    <p:sldId id="257" r:id="rId8"/>
+    <p:sldId id="258" r:id="rId9"/>
+    <p:sldId id="259" r:id="rId10"/>
+    <p:sldId id="260" r:id="rId11"/>
+    <p:sldId id="261" r:id="rId12"/>
+    <p:sldId id="262" r:id="rId13"/>
+    <p:sldId id="263" r:id="rId14"/>
+    <p:sldId id="264" r:id="rId15"/>
+    <p:sldId id="265" r:id="rId16"/>
+    <p:sldId id="266" r:id="rId17"/>
   </p:sldIdLst>
   <p:sldSz cx="9144000" cy="5143500"/>
   <p:notesSz cx="7559675" cy="10691812"/>
@@ -73,7 +78,7 @@
         <p:spPr>
           <a:xfrm>
             <a:off x="457200" y="205200"/>
-            <a:ext cx="8229240" cy="858600"/>
+            <a:ext cx="8228880" cy="858240"/>
           </a:xfrm>
           <a:prstGeom prst="rect">
             <a:avLst/>
@@ -102,7 +107,7 @@
         <p:spPr>
           <a:xfrm>
             <a:off x="457200" y="1203480"/>
-            <a:ext cx="8229240" cy="1422720"/>
+            <a:ext cx="8228880" cy="1422360"/>
           </a:xfrm>
           <a:prstGeom prst="rect">
             <a:avLst/>
@@ -131,8 +136,8 @@
         </p:nvSpPr>
         <p:spPr>
           <a:xfrm>
-            <a:off x="457200" y="2761920"/>
-            <a:ext cx="8229240" cy="1422720"/>
+            <a:off x="457200" y="2761200"/>
+            <a:ext cx="8228880" cy="1422360"/>
           </a:xfrm>
           <a:prstGeom prst="rect">
             <a:avLst/>
@@ -184,7 +189,7 @@
         <p:spPr>
           <a:xfrm>
             <a:off x="457200" y="205200"/>
-            <a:ext cx="8229240" cy="858600"/>
+            <a:ext cx="8228880" cy="858240"/>
           </a:xfrm>
           <a:prstGeom prst="rect">
             <a:avLst/>
@@ -213,7 +218,7 @@
         <p:spPr>
           <a:xfrm>
             <a:off x="457200" y="1203480"/>
-            <a:ext cx="4015800" cy="1422720"/>
+            <a:ext cx="4015440" cy="1422360"/>
           </a:xfrm>
           <a:prstGeom prst="rect">
             <a:avLst/>
@@ -242,8 +247,8 @@
         </p:nvSpPr>
         <p:spPr>
           <a:xfrm>
-            <a:off x="4674240" y="1203480"/>
-            <a:ext cx="4015800" cy="1422720"/>
+            <a:off x="4673880" y="1203480"/>
+            <a:ext cx="4015440" cy="1422360"/>
           </a:xfrm>
           <a:prstGeom prst="rect">
             <a:avLst/>
@@ -272,8 +277,8 @@
         </p:nvSpPr>
         <p:spPr>
           <a:xfrm>
-            <a:off x="457200" y="2761920"/>
-            <a:ext cx="4015800" cy="1422720"/>
+            <a:off x="457200" y="2761200"/>
+            <a:ext cx="4015440" cy="1422360"/>
           </a:xfrm>
           <a:prstGeom prst="rect">
             <a:avLst/>
@@ -302,8 +307,8 @@
         </p:nvSpPr>
         <p:spPr>
           <a:xfrm>
-            <a:off x="4674240" y="2761920"/>
-            <a:ext cx="4015800" cy="1422720"/>
+            <a:off x="4673880" y="2761200"/>
+            <a:ext cx="4015440" cy="1422360"/>
           </a:xfrm>
           <a:prstGeom prst="rect">
             <a:avLst/>
@@ -355,7 +360,7 @@
         <p:spPr>
           <a:xfrm>
             <a:off x="457200" y="205200"/>
-            <a:ext cx="8229240" cy="858600"/>
+            <a:ext cx="8228880" cy="858240"/>
           </a:xfrm>
           <a:prstGeom prst="rect">
             <a:avLst/>
@@ -384,7 +389,7 @@
         <p:spPr>
           <a:xfrm>
             <a:off x="457200" y="1203480"/>
-            <a:ext cx="2649600" cy="1422720"/>
+            <a:ext cx="2649600" cy="1422360"/>
           </a:xfrm>
           <a:prstGeom prst="rect">
             <a:avLst/>
@@ -414,7 +419,7 @@
         <p:spPr>
           <a:xfrm>
             <a:off x="3239640" y="1203480"/>
-            <a:ext cx="2649600" cy="1422720"/>
+            <a:ext cx="2649600" cy="1422360"/>
           </a:xfrm>
           <a:prstGeom prst="rect">
             <a:avLst/>
@@ -444,7 +449,7 @@
         <p:spPr>
           <a:xfrm>
             <a:off x="6022080" y="1203480"/>
-            <a:ext cx="2649600" cy="1422720"/>
+            <a:ext cx="2649600" cy="1422360"/>
           </a:xfrm>
           <a:prstGeom prst="rect">
             <a:avLst/>
@@ -473,8 +478,8 @@
         </p:nvSpPr>
         <p:spPr>
           <a:xfrm>
-            <a:off x="457200" y="2761920"/>
-            <a:ext cx="2649600" cy="1422720"/>
+            <a:off x="457200" y="2761200"/>
+            <a:ext cx="2649600" cy="1422360"/>
           </a:xfrm>
           <a:prstGeom prst="rect">
             <a:avLst/>
@@ -503,8 +508,8 @@
         </p:nvSpPr>
         <p:spPr>
           <a:xfrm>
-            <a:off x="3239640" y="2761920"/>
-            <a:ext cx="2649600" cy="1422720"/>
+            <a:off x="3239640" y="2761200"/>
+            <a:ext cx="2649600" cy="1422360"/>
           </a:xfrm>
           <a:prstGeom prst="rect">
             <a:avLst/>
@@ -533,8 +538,8 @@
         </p:nvSpPr>
         <p:spPr>
           <a:xfrm>
-            <a:off x="6022080" y="2761920"/>
-            <a:ext cx="2649600" cy="1422720"/>
+            <a:off x="6022080" y="2761200"/>
+            <a:ext cx="2649600" cy="1422360"/>
           </a:xfrm>
           <a:prstGeom prst="rect">
             <a:avLst/>
@@ -608,7 +613,7 @@
         <p:spPr>
           <a:xfrm>
             <a:off x="457200" y="205200"/>
-            <a:ext cx="8229240" cy="858600"/>
+            <a:ext cx="8228880" cy="858240"/>
           </a:xfrm>
           <a:prstGeom prst="rect">
             <a:avLst/>
@@ -637,7 +642,7 @@
         <p:spPr>
           <a:xfrm>
             <a:off x="457200" y="1203480"/>
-            <a:ext cx="8229240" cy="2982960"/>
+            <a:ext cx="8228880" cy="2982600"/>
           </a:xfrm>
           <a:prstGeom prst="rect">
             <a:avLst/>
@@ -688,7 +693,7 @@
         <p:spPr>
           <a:xfrm>
             <a:off x="457200" y="205200"/>
-            <a:ext cx="8229240" cy="858600"/>
+            <a:ext cx="8228880" cy="858240"/>
           </a:xfrm>
           <a:prstGeom prst="rect">
             <a:avLst/>
@@ -717,7 +722,7 @@
         <p:spPr>
           <a:xfrm>
             <a:off x="457200" y="1203480"/>
-            <a:ext cx="8229240" cy="2982960"/>
+            <a:ext cx="8228880" cy="2982600"/>
           </a:xfrm>
           <a:prstGeom prst="rect">
             <a:avLst/>
@@ -769,7 +774,7 @@
         <p:spPr>
           <a:xfrm>
             <a:off x="457200" y="205200"/>
-            <a:ext cx="8229240" cy="858600"/>
+            <a:ext cx="8228880" cy="858240"/>
           </a:xfrm>
           <a:prstGeom prst="rect">
             <a:avLst/>
@@ -798,7 +803,7 @@
         <p:spPr>
           <a:xfrm>
             <a:off x="457200" y="1203480"/>
-            <a:ext cx="4015800" cy="2982960"/>
+            <a:ext cx="4015440" cy="2982600"/>
           </a:xfrm>
           <a:prstGeom prst="rect">
             <a:avLst/>
@@ -827,8 +832,8 @@
         </p:nvSpPr>
         <p:spPr>
           <a:xfrm>
-            <a:off x="4674240" y="1203480"/>
-            <a:ext cx="4015800" cy="2982960"/>
+            <a:off x="4673880" y="1203480"/>
+            <a:ext cx="4015440" cy="2982600"/>
           </a:xfrm>
           <a:prstGeom prst="rect">
             <a:avLst/>
@@ -880,7 +885,7 @@
         <p:spPr>
           <a:xfrm>
             <a:off x="457200" y="205200"/>
-            <a:ext cx="8229240" cy="858600"/>
+            <a:ext cx="8228880" cy="858240"/>
           </a:xfrm>
           <a:prstGeom prst="rect">
             <a:avLst/>
@@ -931,7 +936,7 @@
         <p:spPr>
           <a:xfrm>
             <a:off x="457200" y="205200"/>
-            <a:ext cx="8229240" cy="3981240"/>
+            <a:ext cx="8228880" cy="3979440"/>
           </a:xfrm>
           <a:prstGeom prst="rect">
             <a:avLst/>
@@ -982,7 +987,7 @@
         <p:spPr>
           <a:xfrm>
             <a:off x="457200" y="205200"/>
-            <a:ext cx="8229240" cy="858600"/>
+            <a:ext cx="8228880" cy="858240"/>
           </a:xfrm>
           <a:prstGeom prst="rect">
             <a:avLst/>
@@ -1011,7 +1016,7 @@
         <p:spPr>
           <a:xfrm>
             <a:off x="457200" y="1203480"/>
-            <a:ext cx="4015800" cy="1422720"/>
+            <a:ext cx="4015440" cy="1422360"/>
           </a:xfrm>
           <a:prstGeom prst="rect">
             <a:avLst/>
@@ -1040,8 +1045,8 @@
         </p:nvSpPr>
         <p:spPr>
           <a:xfrm>
-            <a:off x="4674240" y="1203480"/>
-            <a:ext cx="4015800" cy="2982960"/>
+            <a:off x="4673880" y="1203480"/>
+            <a:ext cx="4015440" cy="2982600"/>
           </a:xfrm>
           <a:prstGeom prst="rect">
             <a:avLst/>
@@ -1070,8 +1075,8 @@
         </p:nvSpPr>
         <p:spPr>
           <a:xfrm>
-            <a:off x="457200" y="2761920"/>
-            <a:ext cx="4015800" cy="1422720"/>
+            <a:off x="457200" y="2761200"/>
+            <a:ext cx="4015440" cy="1422360"/>
           </a:xfrm>
           <a:prstGeom prst="rect">
             <a:avLst/>
@@ -1123,7 +1128,7 @@
         <p:spPr>
           <a:xfrm>
             <a:off x="457200" y="205200"/>
-            <a:ext cx="8229240" cy="858600"/>
+            <a:ext cx="8228880" cy="858240"/>
           </a:xfrm>
           <a:prstGeom prst="rect">
             <a:avLst/>
@@ -1152,7 +1157,7 @@
         <p:spPr>
           <a:xfrm>
             <a:off x="457200" y="1203480"/>
-            <a:ext cx="8229240" cy="2982960"/>
+            <a:ext cx="8228880" cy="2982600"/>
           </a:xfrm>
           <a:prstGeom prst="rect">
             <a:avLst/>
@@ -1203,7 +1208,7 @@
         <p:spPr>
           <a:xfrm>
             <a:off x="457200" y="205200"/>
-            <a:ext cx="8229240" cy="858600"/>
+            <a:ext cx="8228880" cy="858240"/>
           </a:xfrm>
           <a:prstGeom prst="rect">
             <a:avLst/>
@@ -1232,7 +1237,7 @@
         <p:spPr>
           <a:xfrm>
             <a:off x="457200" y="1203480"/>
-            <a:ext cx="4015800" cy="2982960"/>
+            <a:ext cx="4015440" cy="2982600"/>
           </a:xfrm>
           <a:prstGeom prst="rect">
             <a:avLst/>
@@ -1261,8 +1266,8 @@
         </p:nvSpPr>
         <p:spPr>
           <a:xfrm>
-            <a:off x="4674240" y="1203480"/>
-            <a:ext cx="4015800" cy="1422720"/>
+            <a:off x="4673880" y="1203480"/>
+            <a:ext cx="4015440" cy="1422360"/>
           </a:xfrm>
           <a:prstGeom prst="rect">
             <a:avLst/>
@@ -1291,8 +1296,8 @@
         </p:nvSpPr>
         <p:spPr>
           <a:xfrm>
-            <a:off x="4674240" y="2761920"/>
-            <a:ext cx="4015800" cy="1422720"/>
+            <a:off x="4673880" y="2761200"/>
+            <a:ext cx="4015440" cy="1422360"/>
           </a:xfrm>
           <a:prstGeom prst="rect">
             <a:avLst/>
@@ -1344,7 +1349,7 @@
         <p:spPr>
           <a:xfrm>
             <a:off x="457200" y="205200"/>
-            <a:ext cx="8229240" cy="858600"/>
+            <a:ext cx="8228880" cy="858240"/>
           </a:xfrm>
           <a:prstGeom prst="rect">
             <a:avLst/>
@@ -1373,7 +1378,7 @@
         <p:spPr>
           <a:xfrm>
             <a:off x="457200" y="1203480"/>
-            <a:ext cx="4015800" cy="1422720"/>
+            <a:ext cx="4015440" cy="1422360"/>
           </a:xfrm>
           <a:prstGeom prst="rect">
             <a:avLst/>
@@ -1402,8 +1407,8 @@
         </p:nvSpPr>
         <p:spPr>
           <a:xfrm>
-            <a:off x="4674240" y="1203480"/>
-            <a:ext cx="4015800" cy="1422720"/>
+            <a:off x="4673880" y="1203480"/>
+            <a:ext cx="4015440" cy="1422360"/>
           </a:xfrm>
           <a:prstGeom prst="rect">
             <a:avLst/>
@@ -1432,8 +1437,8 @@
         </p:nvSpPr>
         <p:spPr>
           <a:xfrm>
-            <a:off x="457200" y="2761920"/>
-            <a:ext cx="8229240" cy="1422720"/>
+            <a:off x="457200" y="2761200"/>
+            <a:ext cx="8228880" cy="1422360"/>
           </a:xfrm>
           <a:prstGeom prst="rect">
             <a:avLst/>
@@ -1485,7 +1490,7 @@
         <p:spPr>
           <a:xfrm>
             <a:off x="457200" y="205200"/>
-            <a:ext cx="8229240" cy="858600"/>
+            <a:ext cx="8228880" cy="858240"/>
           </a:xfrm>
           <a:prstGeom prst="rect">
             <a:avLst/>
@@ -1514,7 +1519,7 @@
         <p:spPr>
           <a:xfrm>
             <a:off x="457200" y="1203480"/>
-            <a:ext cx="8229240" cy="1422720"/>
+            <a:ext cx="8228880" cy="1422360"/>
           </a:xfrm>
           <a:prstGeom prst="rect">
             <a:avLst/>
@@ -1543,8 +1548,8 @@
         </p:nvSpPr>
         <p:spPr>
           <a:xfrm>
-            <a:off x="457200" y="2761920"/>
-            <a:ext cx="8229240" cy="1422720"/>
+            <a:off x="457200" y="2761200"/>
+            <a:ext cx="8228880" cy="1422360"/>
           </a:xfrm>
           <a:prstGeom prst="rect">
             <a:avLst/>
@@ -1596,7 +1601,7 @@
         <p:spPr>
           <a:xfrm>
             <a:off x="457200" y="205200"/>
-            <a:ext cx="8229240" cy="858600"/>
+            <a:ext cx="8228880" cy="858240"/>
           </a:xfrm>
           <a:prstGeom prst="rect">
             <a:avLst/>
@@ -1625,7 +1630,7 @@
         <p:spPr>
           <a:xfrm>
             <a:off x="457200" y="1203480"/>
-            <a:ext cx="4015800" cy="1422720"/>
+            <a:ext cx="4015440" cy="1422360"/>
           </a:xfrm>
           <a:prstGeom prst="rect">
             <a:avLst/>
@@ -1654,8 +1659,8 @@
         </p:nvSpPr>
         <p:spPr>
           <a:xfrm>
-            <a:off x="4674240" y="1203480"/>
-            <a:ext cx="4015800" cy="1422720"/>
+            <a:off x="4673880" y="1203480"/>
+            <a:ext cx="4015440" cy="1422360"/>
           </a:xfrm>
           <a:prstGeom prst="rect">
             <a:avLst/>
@@ -1684,8 +1689,8 @@
         </p:nvSpPr>
         <p:spPr>
           <a:xfrm>
-            <a:off x="457200" y="2761920"/>
-            <a:ext cx="4015800" cy="1422720"/>
+            <a:off x="457200" y="2761200"/>
+            <a:ext cx="4015440" cy="1422360"/>
           </a:xfrm>
           <a:prstGeom prst="rect">
             <a:avLst/>
@@ -1714,8 +1719,8 @@
         </p:nvSpPr>
         <p:spPr>
           <a:xfrm>
-            <a:off x="4674240" y="2761920"/>
-            <a:ext cx="4015800" cy="1422720"/>
+            <a:off x="4673880" y="2761200"/>
+            <a:ext cx="4015440" cy="1422360"/>
           </a:xfrm>
           <a:prstGeom prst="rect">
             <a:avLst/>
@@ -1767,7 +1772,7 @@
         <p:spPr>
           <a:xfrm>
             <a:off x="457200" y="205200"/>
-            <a:ext cx="8229240" cy="858600"/>
+            <a:ext cx="8228880" cy="858240"/>
           </a:xfrm>
           <a:prstGeom prst="rect">
             <a:avLst/>
@@ -1796,7 +1801,7 @@
         <p:spPr>
           <a:xfrm>
             <a:off x="457200" y="1203480"/>
-            <a:ext cx="2649600" cy="1422720"/>
+            <a:ext cx="2649600" cy="1422360"/>
           </a:xfrm>
           <a:prstGeom prst="rect">
             <a:avLst/>
@@ -1826,7 +1831,7 @@
         <p:spPr>
           <a:xfrm>
             <a:off x="3239640" y="1203480"/>
-            <a:ext cx="2649600" cy="1422720"/>
+            <a:ext cx="2649600" cy="1422360"/>
           </a:xfrm>
           <a:prstGeom prst="rect">
             <a:avLst/>
@@ -1856,7 +1861,7 @@
         <p:spPr>
           <a:xfrm>
             <a:off x="6022080" y="1203480"/>
-            <a:ext cx="2649600" cy="1422720"/>
+            <a:ext cx="2649600" cy="1422360"/>
           </a:xfrm>
           <a:prstGeom prst="rect">
             <a:avLst/>
@@ -1885,8 +1890,8 @@
         </p:nvSpPr>
         <p:spPr>
           <a:xfrm>
-            <a:off x="457200" y="2761920"/>
-            <a:ext cx="2649600" cy="1422720"/>
+            <a:off x="457200" y="2761200"/>
+            <a:ext cx="2649600" cy="1422360"/>
           </a:xfrm>
           <a:prstGeom prst="rect">
             <a:avLst/>
@@ -1915,8 +1920,8 @@
         </p:nvSpPr>
         <p:spPr>
           <a:xfrm>
-            <a:off x="3239640" y="2761920"/>
-            <a:ext cx="2649600" cy="1422720"/>
+            <a:off x="3239640" y="2761200"/>
+            <a:ext cx="2649600" cy="1422360"/>
           </a:xfrm>
           <a:prstGeom prst="rect">
             <a:avLst/>
@@ -1945,8 +1950,8 @@
         </p:nvSpPr>
         <p:spPr>
           <a:xfrm>
-            <a:off x="6022080" y="2761920"/>
-            <a:ext cx="2649600" cy="1422720"/>
+            <a:off x="6022080" y="2761200"/>
+            <a:ext cx="2649600" cy="1422360"/>
           </a:xfrm>
           <a:prstGeom prst="rect">
             <a:avLst/>
@@ -2020,7 +2025,7 @@
         <p:spPr>
           <a:xfrm>
             <a:off x="457200" y="205200"/>
-            <a:ext cx="8229240" cy="858600"/>
+            <a:ext cx="8228880" cy="858240"/>
           </a:xfrm>
           <a:prstGeom prst="rect">
             <a:avLst/>
@@ -2049,7 +2054,7 @@
         <p:spPr>
           <a:xfrm>
             <a:off x="457200" y="1203480"/>
-            <a:ext cx="8229240" cy="2982960"/>
+            <a:ext cx="8228880" cy="2982600"/>
           </a:xfrm>
           <a:prstGeom prst="rect">
             <a:avLst/>
@@ -2100,7 +2105,7 @@
         <p:spPr>
           <a:xfrm>
             <a:off x="457200" y="205200"/>
-            <a:ext cx="8229240" cy="858600"/>
+            <a:ext cx="8228880" cy="858240"/>
           </a:xfrm>
           <a:prstGeom prst="rect">
             <a:avLst/>
@@ -2129,7 +2134,7 @@
         <p:spPr>
           <a:xfrm>
             <a:off x="457200" y="1203480"/>
-            <a:ext cx="8229240" cy="2982960"/>
+            <a:ext cx="8228880" cy="2982600"/>
           </a:xfrm>
           <a:prstGeom prst="rect">
             <a:avLst/>
@@ -2181,7 +2186,7 @@
         <p:spPr>
           <a:xfrm>
             <a:off x="457200" y="205200"/>
-            <a:ext cx="8229240" cy="858600"/>
+            <a:ext cx="8228880" cy="858240"/>
           </a:xfrm>
           <a:prstGeom prst="rect">
             <a:avLst/>
@@ -2210,7 +2215,7 @@
         <p:spPr>
           <a:xfrm>
             <a:off x="457200" y="1203480"/>
-            <a:ext cx="4015800" cy="2982960"/>
+            <a:ext cx="4015440" cy="2982600"/>
           </a:xfrm>
           <a:prstGeom prst="rect">
             <a:avLst/>
@@ -2239,8 +2244,8 @@
         </p:nvSpPr>
         <p:spPr>
           <a:xfrm>
-            <a:off x="4674240" y="1203480"/>
-            <a:ext cx="4015800" cy="2982960"/>
+            <a:off x="4673880" y="1203480"/>
+            <a:ext cx="4015440" cy="2982600"/>
           </a:xfrm>
           <a:prstGeom prst="rect">
             <a:avLst/>
@@ -2292,7 +2297,7 @@
         <p:spPr>
           <a:xfrm>
             <a:off x="457200" y="205200"/>
-            <a:ext cx="8229240" cy="858600"/>
+            <a:ext cx="8228880" cy="858240"/>
           </a:xfrm>
           <a:prstGeom prst="rect">
             <a:avLst/>
@@ -2343,7 +2348,7 @@
         <p:spPr>
           <a:xfrm>
             <a:off x="457200" y="205200"/>
-            <a:ext cx="8229240" cy="858600"/>
+            <a:ext cx="8228880" cy="858240"/>
           </a:xfrm>
           <a:prstGeom prst="rect">
             <a:avLst/>
@@ -2372,7 +2377,7 @@
         <p:spPr>
           <a:xfrm>
             <a:off x="457200" y="1203480"/>
-            <a:ext cx="8229240" cy="2982960"/>
+            <a:ext cx="8228880" cy="2982600"/>
           </a:xfrm>
           <a:prstGeom prst="rect">
             <a:avLst/>
@@ -2424,7 +2429,7 @@
         <p:spPr>
           <a:xfrm>
             <a:off x="457200" y="205200"/>
-            <a:ext cx="8229240" cy="3981240"/>
+            <a:ext cx="8228880" cy="3979440"/>
           </a:xfrm>
           <a:prstGeom prst="rect">
             <a:avLst/>
@@ -2475,7 +2480,7 @@
         <p:spPr>
           <a:xfrm>
             <a:off x="457200" y="205200"/>
-            <a:ext cx="8229240" cy="858600"/>
+            <a:ext cx="8228880" cy="858240"/>
           </a:xfrm>
           <a:prstGeom prst="rect">
             <a:avLst/>
@@ -2504,7 +2509,7 @@
         <p:spPr>
           <a:xfrm>
             <a:off x="457200" y="1203480"/>
-            <a:ext cx="4015800" cy="1422720"/>
+            <a:ext cx="4015440" cy="1422360"/>
           </a:xfrm>
           <a:prstGeom prst="rect">
             <a:avLst/>
@@ -2533,8 +2538,8 @@
         </p:nvSpPr>
         <p:spPr>
           <a:xfrm>
-            <a:off x="4674240" y="1203480"/>
-            <a:ext cx="4015800" cy="2982960"/>
+            <a:off x="4673880" y="1203480"/>
+            <a:ext cx="4015440" cy="2982600"/>
           </a:xfrm>
           <a:prstGeom prst="rect">
             <a:avLst/>
@@ -2563,8 +2568,8 @@
         </p:nvSpPr>
         <p:spPr>
           <a:xfrm>
-            <a:off x="457200" y="2761920"/>
-            <a:ext cx="4015800" cy="1422720"/>
+            <a:off x="457200" y="2761200"/>
+            <a:ext cx="4015440" cy="1422360"/>
           </a:xfrm>
           <a:prstGeom prst="rect">
             <a:avLst/>
@@ -2616,7 +2621,7 @@
         <p:spPr>
           <a:xfrm>
             <a:off x="457200" y="205200"/>
-            <a:ext cx="8229240" cy="858600"/>
+            <a:ext cx="8228880" cy="858240"/>
           </a:xfrm>
           <a:prstGeom prst="rect">
             <a:avLst/>
@@ -2645,7 +2650,7 @@
         <p:spPr>
           <a:xfrm>
             <a:off x="457200" y="1203480"/>
-            <a:ext cx="4015800" cy="2982960"/>
+            <a:ext cx="4015440" cy="2982600"/>
           </a:xfrm>
           <a:prstGeom prst="rect">
             <a:avLst/>
@@ -2674,8 +2679,8 @@
         </p:nvSpPr>
         <p:spPr>
           <a:xfrm>
-            <a:off x="4674240" y="1203480"/>
-            <a:ext cx="4015800" cy="1422720"/>
+            <a:off x="4673880" y="1203480"/>
+            <a:ext cx="4015440" cy="1422360"/>
           </a:xfrm>
           <a:prstGeom prst="rect">
             <a:avLst/>
@@ -2704,8 +2709,8 @@
         </p:nvSpPr>
         <p:spPr>
           <a:xfrm>
-            <a:off x="4674240" y="2761920"/>
-            <a:ext cx="4015800" cy="1422720"/>
+            <a:off x="4673880" y="2761200"/>
+            <a:ext cx="4015440" cy="1422360"/>
           </a:xfrm>
           <a:prstGeom prst="rect">
             <a:avLst/>
@@ -2757,7 +2762,7 @@
         <p:spPr>
           <a:xfrm>
             <a:off x="457200" y="205200"/>
-            <a:ext cx="8229240" cy="858600"/>
+            <a:ext cx="8228880" cy="858240"/>
           </a:xfrm>
           <a:prstGeom prst="rect">
             <a:avLst/>
@@ -2786,7 +2791,7 @@
         <p:spPr>
           <a:xfrm>
             <a:off x="457200" y="1203480"/>
-            <a:ext cx="4015800" cy="1422720"/>
+            <a:ext cx="4015440" cy="1422360"/>
           </a:xfrm>
           <a:prstGeom prst="rect">
             <a:avLst/>
@@ -2815,8 +2820,8 @@
         </p:nvSpPr>
         <p:spPr>
           <a:xfrm>
-            <a:off x="4674240" y="1203480"/>
-            <a:ext cx="4015800" cy="1422720"/>
+            <a:off x="4673880" y="1203480"/>
+            <a:ext cx="4015440" cy="1422360"/>
           </a:xfrm>
           <a:prstGeom prst="rect">
             <a:avLst/>
@@ -2845,8 +2850,8 @@
         </p:nvSpPr>
         <p:spPr>
           <a:xfrm>
-            <a:off x="457200" y="2761920"/>
-            <a:ext cx="8229240" cy="1422720"/>
+            <a:off x="457200" y="2761200"/>
+            <a:ext cx="8228880" cy="1422360"/>
           </a:xfrm>
           <a:prstGeom prst="rect">
             <a:avLst/>
@@ -2898,7 +2903,7 @@
         <p:spPr>
           <a:xfrm>
             <a:off x="457200" y="205200"/>
-            <a:ext cx="8229240" cy="858600"/>
+            <a:ext cx="8228880" cy="858240"/>
           </a:xfrm>
           <a:prstGeom prst="rect">
             <a:avLst/>
@@ -2927,7 +2932,7 @@
         <p:spPr>
           <a:xfrm>
             <a:off x="457200" y="1203480"/>
-            <a:ext cx="8229240" cy="1422720"/>
+            <a:ext cx="8228880" cy="1422360"/>
           </a:xfrm>
           <a:prstGeom prst="rect">
             <a:avLst/>
@@ -2956,8 +2961,8 @@
         </p:nvSpPr>
         <p:spPr>
           <a:xfrm>
-            <a:off x="457200" y="2761920"/>
-            <a:ext cx="8229240" cy="1422720"/>
+            <a:off x="457200" y="2761200"/>
+            <a:ext cx="8228880" cy="1422360"/>
           </a:xfrm>
           <a:prstGeom prst="rect">
             <a:avLst/>
@@ -3009,7 +3014,7 @@
         <p:spPr>
           <a:xfrm>
             <a:off x="457200" y="205200"/>
-            <a:ext cx="8229240" cy="858600"/>
+            <a:ext cx="8228880" cy="858240"/>
           </a:xfrm>
           <a:prstGeom prst="rect">
             <a:avLst/>
@@ -3038,7 +3043,7 @@
         <p:spPr>
           <a:xfrm>
             <a:off x="457200" y="1203480"/>
-            <a:ext cx="4015800" cy="1422720"/>
+            <a:ext cx="4015440" cy="1422360"/>
           </a:xfrm>
           <a:prstGeom prst="rect">
             <a:avLst/>
@@ -3067,8 +3072,8 @@
         </p:nvSpPr>
         <p:spPr>
           <a:xfrm>
-            <a:off x="4674240" y="1203480"/>
-            <a:ext cx="4015800" cy="1422720"/>
+            <a:off x="4673880" y="1203480"/>
+            <a:ext cx="4015440" cy="1422360"/>
           </a:xfrm>
           <a:prstGeom prst="rect">
             <a:avLst/>
@@ -3097,8 +3102,8 @@
         </p:nvSpPr>
         <p:spPr>
           <a:xfrm>
-            <a:off x="457200" y="2761920"/>
-            <a:ext cx="4015800" cy="1422720"/>
+            <a:off x="457200" y="2761200"/>
+            <a:ext cx="4015440" cy="1422360"/>
           </a:xfrm>
           <a:prstGeom prst="rect">
             <a:avLst/>
@@ -3127,8 +3132,8 @@
         </p:nvSpPr>
         <p:spPr>
           <a:xfrm>
-            <a:off x="4674240" y="2761920"/>
-            <a:ext cx="4015800" cy="1422720"/>
+            <a:off x="4673880" y="2761200"/>
+            <a:ext cx="4015440" cy="1422360"/>
           </a:xfrm>
           <a:prstGeom prst="rect">
             <a:avLst/>
@@ -3180,7 +3185,7 @@
         <p:spPr>
           <a:xfrm>
             <a:off x="457200" y="205200"/>
-            <a:ext cx="8229240" cy="858600"/>
+            <a:ext cx="8228880" cy="858240"/>
           </a:xfrm>
           <a:prstGeom prst="rect">
             <a:avLst/>
@@ -3209,7 +3214,7 @@
         <p:spPr>
           <a:xfrm>
             <a:off x="457200" y="1203480"/>
-            <a:ext cx="2649600" cy="1422720"/>
+            <a:ext cx="2649600" cy="1422360"/>
           </a:xfrm>
           <a:prstGeom prst="rect">
             <a:avLst/>
@@ -3239,7 +3244,7 @@
         <p:spPr>
           <a:xfrm>
             <a:off x="3239640" y="1203480"/>
-            <a:ext cx="2649600" cy="1422720"/>
+            <a:ext cx="2649600" cy="1422360"/>
           </a:xfrm>
           <a:prstGeom prst="rect">
             <a:avLst/>
@@ -3269,7 +3274,7 @@
         <p:spPr>
           <a:xfrm>
             <a:off x="6022080" y="1203480"/>
-            <a:ext cx="2649600" cy="1422720"/>
+            <a:ext cx="2649600" cy="1422360"/>
           </a:xfrm>
           <a:prstGeom prst="rect">
             <a:avLst/>
@@ -3298,8 +3303,8 @@
         </p:nvSpPr>
         <p:spPr>
           <a:xfrm>
-            <a:off x="457200" y="2761920"/>
-            <a:ext cx="2649600" cy="1422720"/>
+            <a:off x="457200" y="2761200"/>
+            <a:ext cx="2649600" cy="1422360"/>
           </a:xfrm>
           <a:prstGeom prst="rect">
             <a:avLst/>
@@ -3328,8 +3333,8 @@
         </p:nvSpPr>
         <p:spPr>
           <a:xfrm>
-            <a:off x="3239640" y="2761920"/>
-            <a:ext cx="2649600" cy="1422720"/>
+            <a:off x="3239640" y="2761200"/>
+            <a:ext cx="2649600" cy="1422360"/>
           </a:xfrm>
           <a:prstGeom prst="rect">
             <a:avLst/>
@@ -3358,8 +3363,191 @@
         </p:nvSpPr>
         <p:spPr>
           <a:xfrm>
-            <a:off x="6022080" y="2761920"/>
-            <a:ext cx="2649600" cy="1422720"/>
+            <a:off x="6022080" y="2761200"/>
+            <a:ext cx="2649600" cy="1422360"/>
+          </a:xfrm>
+          <a:prstGeom prst="rect">
+            <a:avLst/>
+          </a:prstGeom>
+        </p:spPr>
+        <p:txBody>
+          <a:bodyPr lIns="0" rIns="0" tIns="0" bIns="0">
+            <a:normAutofit/>
+          </a:bodyPr>
+          <a:p>
+            <a:endParaRPr b="0" lang="en-US" sz="3200" spc="-1" strike="noStrike">
+              <a:latin typeface="Arial"/>
+            </a:endParaRPr>
+          </a:p>
+        </p:txBody>
+      </p:sp>
+    </p:spTree>
+  </p:cSld>
+</p:sldLayout>
+</file>
+
+<file path=ppt/slideLayouts/slideLayout37.xml><?xml version="1.0" encoding="utf-8"?>
+<p:sldLayout xmlns:a="http://schemas.openxmlformats.org/drawingml/2006/main" xmlns:p="http://schemas.openxmlformats.org/presentationml/2006/main" xmlns:r="http://schemas.openxmlformats.org/officeDocument/2006/relationships" xmlns:p14="http://schemas.microsoft.com/office/powerpoint/2010/main" xmlns:p15="http://schemas.microsoft.com/office/powerpoint/2012/main" xmlns:mc="http://schemas.openxmlformats.org/markup-compatibility/2006" type="blank" preserve="1">
+  <p:cSld name="Blank Slide">
+    <p:spTree>
+      <p:nvGrpSpPr>
+        <p:cNvPr id="1" name=""/>
+        <p:cNvGrpSpPr/>
+        <p:nvPr/>
+      </p:nvGrpSpPr>
+      <p:grpSpPr>
+        <a:xfrm>
+          <a:off x="0" y="0"/>
+          <a:ext cx="0" cy="0"/>
+          <a:chOff x="0" y="0"/>
+          <a:chExt cx="0" cy="0"/>
+        </a:xfrm>
+      </p:grpSpPr>
+    </p:spTree>
+  </p:cSld>
+</p:sldLayout>
+</file>
+
+<file path=ppt/slideLayouts/slideLayout38.xml><?xml version="1.0" encoding="utf-8"?>
+<p:sldLayout xmlns:a="http://schemas.openxmlformats.org/drawingml/2006/main" xmlns:p="http://schemas.openxmlformats.org/presentationml/2006/main" xmlns:r="http://schemas.openxmlformats.org/officeDocument/2006/relationships" xmlns:p14="http://schemas.microsoft.com/office/powerpoint/2010/main" xmlns:p15="http://schemas.microsoft.com/office/powerpoint/2012/main" xmlns:mc="http://schemas.openxmlformats.org/markup-compatibility/2006" type="tx" preserve="1">
+  <p:cSld name="Title Slide">
+    <p:spTree>
+      <p:nvGrpSpPr>
+        <p:cNvPr id="1" name=""/>
+        <p:cNvGrpSpPr/>
+        <p:nvPr/>
+      </p:nvGrpSpPr>
+      <p:grpSpPr>
+        <a:xfrm>
+          <a:off x="0" y="0"/>
+          <a:ext cx="0" cy="0"/>
+          <a:chOff x="0" y="0"/>
+          <a:chExt cx="0" cy="0"/>
+        </a:xfrm>
+      </p:grpSpPr>
+      <p:sp>
+        <p:nvSpPr>
+          <p:cNvPr id="118" name="PlaceHolder 1"/>
+          <p:cNvSpPr>
+            <a:spLocks noGrp="1"/>
+          </p:cNvSpPr>
+          <p:nvPr>
+            <p:ph type="title"/>
+          </p:nvPr>
+        </p:nvSpPr>
+        <p:spPr>
+          <a:xfrm>
+            <a:off x="457200" y="205200"/>
+            <a:ext cx="8228880" cy="858240"/>
+          </a:xfrm>
+          <a:prstGeom prst="rect">
+            <a:avLst/>
+          </a:prstGeom>
+        </p:spPr>
+        <p:txBody>
+          <a:bodyPr lIns="0" rIns="0" tIns="0" bIns="0" anchor="ctr"/>
+          <a:p>
+            <a:pPr algn="ctr"/>
+            <a:endParaRPr b="0" lang="en-US" sz="4400" spc="-1" strike="noStrike">
+              <a:latin typeface="Arial"/>
+            </a:endParaRPr>
+          </a:p>
+        </p:txBody>
+      </p:sp>
+      <p:sp>
+        <p:nvSpPr>
+          <p:cNvPr id="119" name="PlaceHolder 2"/>
+          <p:cNvSpPr>
+            <a:spLocks noGrp="1"/>
+          </p:cNvSpPr>
+          <p:nvPr>
+            <p:ph type="subTitle"/>
+          </p:nvPr>
+        </p:nvSpPr>
+        <p:spPr>
+          <a:xfrm>
+            <a:off x="457200" y="1203480"/>
+            <a:ext cx="8228880" cy="2982600"/>
+          </a:xfrm>
+          <a:prstGeom prst="rect">
+            <a:avLst/>
+          </a:prstGeom>
+        </p:spPr>
+        <p:txBody>
+          <a:bodyPr lIns="0" rIns="0" tIns="0" bIns="0" anchor="ctr"/>
+          <a:p>
+            <a:pPr algn="ctr"/>
+            <a:endParaRPr b="0" lang="en-US" sz="3200" spc="-1" strike="noStrike">
+              <a:latin typeface="Arial"/>
+            </a:endParaRPr>
+          </a:p>
+        </p:txBody>
+      </p:sp>
+    </p:spTree>
+  </p:cSld>
+</p:sldLayout>
+</file>
+
+<file path=ppt/slideLayouts/slideLayout39.xml><?xml version="1.0" encoding="utf-8"?>
+<p:sldLayout xmlns:a="http://schemas.openxmlformats.org/drawingml/2006/main" xmlns:p="http://schemas.openxmlformats.org/presentationml/2006/main" xmlns:r="http://schemas.openxmlformats.org/officeDocument/2006/relationships" xmlns:p14="http://schemas.microsoft.com/office/powerpoint/2010/main" xmlns:p15="http://schemas.microsoft.com/office/powerpoint/2012/main" xmlns:mc="http://schemas.openxmlformats.org/markup-compatibility/2006" type="obj" preserve="1">
+  <p:cSld name="Title, Content">
+    <p:spTree>
+      <p:nvGrpSpPr>
+        <p:cNvPr id="1" name=""/>
+        <p:cNvGrpSpPr/>
+        <p:nvPr/>
+      </p:nvGrpSpPr>
+      <p:grpSpPr>
+        <a:xfrm>
+          <a:off x="0" y="0"/>
+          <a:ext cx="0" cy="0"/>
+          <a:chOff x="0" y="0"/>
+          <a:chExt cx="0" cy="0"/>
+        </a:xfrm>
+      </p:grpSpPr>
+      <p:sp>
+        <p:nvSpPr>
+          <p:cNvPr id="120" name="PlaceHolder 1"/>
+          <p:cNvSpPr>
+            <a:spLocks noGrp="1"/>
+          </p:cNvSpPr>
+          <p:nvPr>
+            <p:ph type="title"/>
+          </p:nvPr>
+        </p:nvSpPr>
+        <p:spPr>
+          <a:xfrm>
+            <a:off x="457200" y="205200"/>
+            <a:ext cx="8228880" cy="858240"/>
+          </a:xfrm>
+          <a:prstGeom prst="rect">
+            <a:avLst/>
+          </a:prstGeom>
+        </p:spPr>
+        <p:txBody>
+          <a:bodyPr lIns="0" rIns="0" tIns="0" bIns="0" anchor="ctr"/>
+          <a:p>
+            <a:pPr algn="ctr"/>
+            <a:endParaRPr b="0" lang="en-US" sz="4400" spc="-1" strike="noStrike">
+              <a:latin typeface="Arial"/>
+            </a:endParaRPr>
+          </a:p>
+        </p:txBody>
+      </p:sp>
+      <p:sp>
+        <p:nvSpPr>
+          <p:cNvPr id="121" name="PlaceHolder 2"/>
+          <p:cNvSpPr>
+            <a:spLocks noGrp="1"/>
+          </p:cNvSpPr>
+          <p:nvPr>
+            <p:ph type="body"/>
+          </p:nvPr>
+        </p:nvSpPr>
+        <p:spPr>
+          <a:xfrm>
+            <a:off x="457200" y="1203480"/>
+            <a:ext cx="8228880" cy="2982600"/>
           </a:xfrm>
           <a:prstGeom prst="rect">
             <a:avLst/>
@@ -3411,7 +3599,7 @@
         <p:spPr>
           <a:xfrm>
             <a:off x="457200" y="205200"/>
-            <a:ext cx="8229240" cy="858600"/>
+            <a:ext cx="8228880" cy="858240"/>
           </a:xfrm>
           <a:prstGeom prst="rect">
             <a:avLst/>
@@ -3440,7 +3628,7 @@
         <p:spPr>
           <a:xfrm>
             <a:off x="457200" y="1203480"/>
-            <a:ext cx="4015800" cy="2982960"/>
+            <a:ext cx="4015440" cy="2982600"/>
           </a:xfrm>
           <a:prstGeom prst="rect">
             <a:avLst/>
@@ -3469,8 +3657,8 @@
         </p:nvSpPr>
         <p:spPr>
           <a:xfrm>
-            <a:off x="4674240" y="1203480"/>
-            <a:ext cx="4015800" cy="2982960"/>
+            <a:off x="4673880" y="1203480"/>
+            <a:ext cx="4015440" cy="2982600"/>
           </a:xfrm>
           <a:prstGeom prst="rect">
             <a:avLst/>
@@ -3487,6 +3675,1177 @@
           </a:p>
         </p:txBody>
       </p:sp>
+    </p:spTree>
+  </p:cSld>
+</p:sldLayout>
+</file>
+
+<file path=ppt/slideLayouts/slideLayout40.xml><?xml version="1.0" encoding="utf-8"?>
+<p:sldLayout xmlns:a="http://schemas.openxmlformats.org/drawingml/2006/main" xmlns:p="http://schemas.openxmlformats.org/presentationml/2006/main" xmlns:r="http://schemas.openxmlformats.org/officeDocument/2006/relationships" xmlns:p14="http://schemas.microsoft.com/office/powerpoint/2010/main" xmlns:p15="http://schemas.microsoft.com/office/powerpoint/2012/main" xmlns:mc="http://schemas.openxmlformats.org/markup-compatibility/2006" type="twoObj" preserve="1">
+  <p:cSld name="Title, 2 Content">
+    <p:spTree>
+      <p:nvGrpSpPr>
+        <p:cNvPr id="1" name=""/>
+        <p:cNvGrpSpPr/>
+        <p:nvPr/>
+      </p:nvGrpSpPr>
+      <p:grpSpPr>
+        <a:xfrm>
+          <a:off x="0" y="0"/>
+          <a:ext cx="0" cy="0"/>
+          <a:chOff x="0" y="0"/>
+          <a:chExt cx="0" cy="0"/>
+        </a:xfrm>
+      </p:grpSpPr>
+      <p:sp>
+        <p:nvSpPr>
+          <p:cNvPr id="122" name="PlaceHolder 1"/>
+          <p:cNvSpPr>
+            <a:spLocks noGrp="1"/>
+          </p:cNvSpPr>
+          <p:nvPr>
+            <p:ph type="title"/>
+          </p:nvPr>
+        </p:nvSpPr>
+        <p:spPr>
+          <a:xfrm>
+            <a:off x="457200" y="205200"/>
+            <a:ext cx="8228880" cy="858240"/>
+          </a:xfrm>
+          <a:prstGeom prst="rect">
+            <a:avLst/>
+          </a:prstGeom>
+        </p:spPr>
+        <p:txBody>
+          <a:bodyPr lIns="0" rIns="0" tIns="0" bIns="0" anchor="ctr"/>
+          <a:p>
+            <a:pPr algn="ctr"/>
+            <a:endParaRPr b="0" lang="en-US" sz="4400" spc="-1" strike="noStrike">
+              <a:latin typeface="Arial"/>
+            </a:endParaRPr>
+          </a:p>
+        </p:txBody>
+      </p:sp>
+      <p:sp>
+        <p:nvSpPr>
+          <p:cNvPr id="123" name="PlaceHolder 2"/>
+          <p:cNvSpPr>
+            <a:spLocks noGrp="1"/>
+          </p:cNvSpPr>
+          <p:nvPr>
+            <p:ph type="body"/>
+          </p:nvPr>
+        </p:nvSpPr>
+        <p:spPr>
+          <a:xfrm>
+            <a:off x="457200" y="1203480"/>
+            <a:ext cx="4015440" cy="2982600"/>
+          </a:xfrm>
+          <a:prstGeom prst="rect">
+            <a:avLst/>
+          </a:prstGeom>
+        </p:spPr>
+        <p:txBody>
+          <a:bodyPr lIns="0" rIns="0" tIns="0" bIns="0">
+            <a:normAutofit/>
+          </a:bodyPr>
+          <a:p>
+            <a:endParaRPr b="0" lang="en-US" sz="3200" spc="-1" strike="noStrike">
+              <a:latin typeface="Arial"/>
+            </a:endParaRPr>
+          </a:p>
+        </p:txBody>
+      </p:sp>
+      <p:sp>
+        <p:nvSpPr>
+          <p:cNvPr id="124" name="PlaceHolder 3"/>
+          <p:cNvSpPr>
+            <a:spLocks noGrp="1"/>
+          </p:cNvSpPr>
+          <p:nvPr>
+            <p:ph type="body"/>
+          </p:nvPr>
+        </p:nvSpPr>
+        <p:spPr>
+          <a:xfrm>
+            <a:off x="4673880" y="1203480"/>
+            <a:ext cx="4015440" cy="2982600"/>
+          </a:xfrm>
+          <a:prstGeom prst="rect">
+            <a:avLst/>
+          </a:prstGeom>
+        </p:spPr>
+        <p:txBody>
+          <a:bodyPr lIns="0" rIns="0" tIns="0" bIns="0">
+            <a:normAutofit/>
+          </a:bodyPr>
+          <a:p>
+            <a:endParaRPr b="0" lang="en-US" sz="3200" spc="-1" strike="noStrike">
+              <a:latin typeface="Arial"/>
+            </a:endParaRPr>
+          </a:p>
+        </p:txBody>
+      </p:sp>
+    </p:spTree>
+  </p:cSld>
+</p:sldLayout>
+</file>
+
+<file path=ppt/slideLayouts/slideLayout41.xml><?xml version="1.0" encoding="utf-8"?>
+<p:sldLayout xmlns:a="http://schemas.openxmlformats.org/drawingml/2006/main" xmlns:p="http://schemas.openxmlformats.org/presentationml/2006/main" xmlns:r="http://schemas.openxmlformats.org/officeDocument/2006/relationships" xmlns:p14="http://schemas.microsoft.com/office/powerpoint/2010/main" xmlns:p15="http://schemas.microsoft.com/office/powerpoint/2012/main" xmlns:mc="http://schemas.openxmlformats.org/markup-compatibility/2006" type="titleOnly" preserve="1">
+  <p:cSld name="Title Only">
+    <p:spTree>
+      <p:nvGrpSpPr>
+        <p:cNvPr id="1" name=""/>
+        <p:cNvGrpSpPr/>
+        <p:nvPr/>
+      </p:nvGrpSpPr>
+      <p:grpSpPr>
+        <a:xfrm>
+          <a:off x="0" y="0"/>
+          <a:ext cx="0" cy="0"/>
+          <a:chOff x="0" y="0"/>
+          <a:chExt cx="0" cy="0"/>
+        </a:xfrm>
+      </p:grpSpPr>
+      <p:sp>
+        <p:nvSpPr>
+          <p:cNvPr id="125" name="PlaceHolder 1"/>
+          <p:cNvSpPr>
+            <a:spLocks noGrp="1"/>
+          </p:cNvSpPr>
+          <p:nvPr>
+            <p:ph type="title"/>
+          </p:nvPr>
+        </p:nvSpPr>
+        <p:spPr>
+          <a:xfrm>
+            <a:off x="457200" y="205200"/>
+            <a:ext cx="8228880" cy="858240"/>
+          </a:xfrm>
+          <a:prstGeom prst="rect">
+            <a:avLst/>
+          </a:prstGeom>
+        </p:spPr>
+        <p:txBody>
+          <a:bodyPr lIns="0" rIns="0" tIns="0" bIns="0" anchor="ctr"/>
+          <a:p>
+            <a:pPr algn="ctr"/>
+            <a:endParaRPr b="0" lang="en-US" sz="4400" spc="-1" strike="noStrike">
+              <a:latin typeface="Arial"/>
+            </a:endParaRPr>
+          </a:p>
+        </p:txBody>
+      </p:sp>
+    </p:spTree>
+  </p:cSld>
+</p:sldLayout>
+</file>
+
+<file path=ppt/slideLayouts/slideLayout42.xml><?xml version="1.0" encoding="utf-8"?>
+<p:sldLayout xmlns:a="http://schemas.openxmlformats.org/drawingml/2006/main" xmlns:p="http://schemas.openxmlformats.org/presentationml/2006/main" xmlns:r="http://schemas.openxmlformats.org/officeDocument/2006/relationships" xmlns:p14="http://schemas.microsoft.com/office/powerpoint/2010/main" xmlns:p15="http://schemas.microsoft.com/office/powerpoint/2012/main" xmlns:mc="http://schemas.openxmlformats.org/markup-compatibility/2006" type="objOnly" preserve="1">
+  <p:cSld name="Centered Text">
+    <p:spTree>
+      <p:nvGrpSpPr>
+        <p:cNvPr id="1" name=""/>
+        <p:cNvGrpSpPr/>
+        <p:nvPr/>
+      </p:nvGrpSpPr>
+      <p:grpSpPr>
+        <a:xfrm>
+          <a:off x="0" y="0"/>
+          <a:ext cx="0" cy="0"/>
+          <a:chOff x="0" y="0"/>
+          <a:chExt cx="0" cy="0"/>
+        </a:xfrm>
+      </p:grpSpPr>
+      <p:sp>
+        <p:nvSpPr>
+          <p:cNvPr id="126" name="PlaceHolder 1"/>
+          <p:cNvSpPr>
+            <a:spLocks noGrp="1"/>
+          </p:cNvSpPr>
+          <p:nvPr>
+            <p:ph type="subTitle"/>
+          </p:nvPr>
+        </p:nvSpPr>
+        <p:spPr>
+          <a:xfrm>
+            <a:off x="457200" y="205200"/>
+            <a:ext cx="8228880" cy="3979440"/>
+          </a:xfrm>
+          <a:prstGeom prst="rect">
+            <a:avLst/>
+          </a:prstGeom>
+        </p:spPr>
+        <p:txBody>
+          <a:bodyPr lIns="0" rIns="0" tIns="0" bIns="0" anchor="ctr"/>
+          <a:p>
+            <a:pPr algn="ctr"/>
+            <a:endParaRPr b="0" lang="en-US" sz="3200" spc="-1" strike="noStrike">
+              <a:latin typeface="Arial"/>
+            </a:endParaRPr>
+          </a:p>
+        </p:txBody>
+      </p:sp>
+    </p:spTree>
+  </p:cSld>
+</p:sldLayout>
+</file>
+
+<file path=ppt/slideLayouts/slideLayout43.xml><?xml version="1.0" encoding="utf-8"?>
+<p:sldLayout xmlns:a="http://schemas.openxmlformats.org/drawingml/2006/main" xmlns:p="http://schemas.openxmlformats.org/presentationml/2006/main" xmlns:r="http://schemas.openxmlformats.org/officeDocument/2006/relationships" xmlns:p14="http://schemas.microsoft.com/office/powerpoint/2010/main" xmlns:p15="http://schemas.microsoft.com/office/powerpoint/2012/main" xmlns:mc="http://schemas.openxmlformats.org/markup-compatibility/2006" type="twoObjAndObj" preserve="1">
+  <p:cSld name="Title, 2 Content and Content">
+    <p:spTree>
+      <p:nvGrpSpPr>
+        <p:cNvPr id="1" name=""/>
+        <p:cNvGrpSpPr/>
+        <p:nvPr/>
+      </p:nvGrpSpPr>
+      <p:grpSpPr>
+        <a:xfrm>
+          <a:off x="0" y="0"/>
+          <a:ext cx="0" cy="0"/>
+          <a:chOff x="0" y="0"/>
+          <a:chExt cx="0" cy="0"/>
+        </a:xfrm>
+      </p:grpSpPr>
+      <p:sp>
+        <p:nvSpPr>
+          <p:cNvPr id="127" name="PlaceHolder 1"/>
+          <p:cNvSpPr>
+            <a:spLocks noGrp="1"/>
+          </p:cNvSpPr>
+          <p:nvPr>
+            <p:ph type="title"/>
+          </p:nvPr>
+        </p:nvSpPr>
+        <p:spPr>
+          <a:xfrm>
+            <a:off x="457200" y="205200"/>
+            <a:ext cx="8228880" cy="858240"/>
+          </a:xfrm>
+          <a:prstGeom prst="rect">
+            <a:avLst/>
+          </a:prstGeom>
+        </p:spPr>
+        <p:txBody>
+          <a:bodyPr lIns="0" rIns="0" tIns="0" bIns="0" anchor="ctr"/>
+          <a:p>
+            <a:pPr algn="ctr"/>
+            <a:endParaRPr b="0" lang="en-US" sz="4400" spc="-1" strike="noStrike">
+              <a:latin typeface="Arial"/>
+            </a:endParaRPr>
+          </a:p>
+        </p:txBody>
+      </p:sp>
+      <p:sp>
+        <p:nvSpPr>
+          <p:cNvPr id="128" name="PlaceHolder 2"/>
+          <p:cNvSpPr>
+            <a:spLocks noGrp="1"/>
+          </p:cNvSpPr>
+          <p:nvPr>
+            <p:ph type="body"/>
+          </p:nvPr>
+        </p:nvSpPr>
+        <p:spPr>
+          <a:xfrm>
+            <a:off x="457200" y="1203480"/>
+            <a:ext cx="4015440" cy="1422360"/>
+          </a:xfrm>
+          <a:prstGeom prst="rect">
+            <a:avLst/>
+          </a:prstGeom>
+        </p:spPr>
+        <p:txBody>
+          <a:bodyPr lIns="0" rIns="0" tIns="0" bIns="0">
+            <a:normAutofit/>
+          </a:bodyPr>
+          <a:p>
+            <a:endParaRPr b="0" lang="en-US" sz="3200" spc="-1" strike="noStrike">
+              <a:latin typeface="Arial"/>
+            </a:endParaRPr>
+          </a:p>
+        </p:txBody>
+      </p:sp>
+      <p:sp>
+        <p:nvSpPr>
+          <p:cNvPr id="129" name="PlaceHolder 3"/>
+          <p:cNvSpPr>
+            <a:spLocks noGrp="1"/>
+          </p:cNvSpPr>
+          <p:nvPr>
+            <p:ph type="body"/>
+          </p:nvPr>
+        </p:nvSpPr>
+        <p:spPr>
+          <a:xfrm>
+            <a:off x="4673880" y="1203480"/>
+            <a:ext cx="4015440" cy="2982600"/>
+          </a:xfrm>
+          <a:prstGeom prst="rect">
+            <a:avLst/>
+          </a:prstGeom>
+        </p:spPr>
+        <p:txBody>
+          <a:bodyPr lIns="0" rIns="0" tIns="0" bIns="0">
+            <a:normAutofit/>
+          </a:bodyPr>
+          <a:p>
+            <a:endParaRPr b="0" lang="en-US" sz="3200" spc="-1" strike="noStrike">
+              <a:latin typeface="Arial"/>
+            </a:endParaRPr>
+          </a:p>
+        </p:txBody>
+      </p:sp>
+      <p:sp>
+        <p:nvSpPr>
+          <p:cNvPr id="130" name="PlaceHolder 4"/>
+          <p:cNvSpPr>
+            <a:spLocks noGrp="1"/>
+          </p:cNvSpPr>
+          <p:nvPr>
+            <p:ph type="body"/>
+          </p:nvPr>
+        </p:nvSpPr>
+        <p:spPr>
+          <a:xfrm>
+            <a:off x="457200" y="2761200"/>
+            <a:ext cx="4015440" cy="1422360"/>
+          </a:xfrm>
+          <a:prstGeom prst="rect">
+            <a:avLst/>
+          </a:prstGeom>
+        </p:spPr>
+        <p:txBody>
+          <a:bodyPr lIns="0" rIns="0" tIns="0" bIns="0">
+            <a:normAutofit/>
+          </a:bodyPr>
+          <a:p>
+            <a:endParaRPr b="0" lang="en-US" sz="3200" spc="-1" strike="noStrike">
+              <a:latin typeface="Arial"/>
+            </a:endParaRPr>
+          </a:p>
+        </p:txBody>
+      </p:sp>
+    </p:spTree>
+  </p:cSld>
+</p:sldLayout>
+</file>
+
+<file path=ppt/slideLayouts/slideLayout44.xml><?xml version="1.0" encoding="utf-8"?>
+<p:sldLayout xmlns:a="http://schemas.openxmlformats.org/drawingml/2006/main" xmlns:p="http://schemas.openxmlformats.org/presentationml/2006/main" xmlns:r="http://schemas.openxmlformats.org/officeDocument/2006/relationships" xmlns:p14="http://schemas.microsoft.com/office/powerpoint/2010/main" xmlns:p15="http://schemas.microsoft.com/office/powerpoint/2012/main" xmlns:mc="http://schemas.openxmlformats.org/markup-compatibility/2006" type="objAndTwoObj" preserve="1">
+  <p:cSld name="Title Content and 2 Content">
+    <p:spTree>
+      <p:nvGrpSpPr>
+        <p:cNvPr id="1" name=""/>
+        <p:cNvGrpSpPr/>
+        <p:nvPr/>
+      </p:nvGrpSpPr>
+      <p:grpSpPr>
+        <a:xfrm>
+          <a:off x="0" y="0"/>
+          <a:ext cx="0" cy="0"/>
+          <a:chOff x="0" y="0"/>
+          <a:chExt cx="0" cy="0"/>
+        </a:xfrm>
+      </p:grpSpPr>
+      <p:sp>
+        <p:nvSpPr>
+          <p:cNvPr id="131" name="PlaceHolder 1"/>
+          <p:cNvSpPr>
+            <a:spLocks noGrp="1"/>
+          </p:cNvSpPr>
+          <p:nvPr>
+            <p:ph type="title"/>
+          </p:nvPr>
+        </p:nvSpPr>
+        <p:spPr>
+          <a:xfrm>
+            <a:off x="457200" y="205200"/>
+            <a:ext cx="8228880" cy="858240"/>
+          </a:xfrm>
+          <a:prstGeom prst="rect">
+            <a:avLst/>
+          </a:prstGeom>
+        </p:spPr>
+        <p:txBody>
+          <a:bodyPr lIns="0" rIns="0" tIns="0" bIns="0" anchor="ctr"/>
+          <a:p>
+            <a:pPr algn="ctr"/>
+            <a:endParaRPr b="0" lang="en-US" sz="4400" spc="-1" strike="noStrike">
+              <a:latin typeface="Arial"/>
+            </a:endParaRPr>
+          </a:p>
+        </p:txBody>
+      </p:sp>
+      <p:sp>
+        <p:nvSpPr>
+          <p:cNvPr id="132" name="PlaceHolder 2"/>
+          <p:cNvSpPr>
+            <a:spLocks noGrp="1"/>
+          </p:cNvSpPr>
+          <p:nvPr>
+            <p:ph type="body"/>
+          </p:nvPr>
+        </p:nvSpPr>
+        <p:spPr>
+          <a:xfrm>
+            <a:off x="457200" y="1203480"/>
+            <a:ext cx="4015440" cy="2982600"/>
+          </a:xfrm>
+          <a:prstGeom prst="rect">
+            <a:avLst/>
+          </a:prstGeom>
+        </p:spPr>
+        <p:txBody>
+          <a:bodyPr lIns="0" rIns="0" tIns="0" bIns="0">
+            <a:normAutofit/>
+          </a:bodyPr>
+          <a:p>
+            <a:endParaRPr b="0" lang="en-US" sz="3200" spc="-1" strike="noStrike">
+              <a:latin typeface="Arial"/>
+            </a:endParaRPr>
+          </a:p>
+        </p:txBody>
+      </p:sp>
+      <p:sp>
+        <p:nvSpPr>
+          <p:cNvPr id="133" name="PlaceHolder 3"/>
+          <p:cNvSpPr>
+            <a:spLocks noGrp="1"/>
+          </p:cNvSpPr>
+          <p:nvPr>
+            <p:ph type="body"/>
+          </p:nvPr>
+        </p:nvSpPr>
+        <p:spPr>
+          <a:xfrm>
+            <a:off x="4673880" y="1203480"/>
+            <a:ext cx="4015440" cy="1422360"/>
+          </a:xfrm>
+          <a:prstGeom prst="rect">
+            <a:avLst/>
+          </a:prstGeom>
+        </p:spPr>
+        <p:txBody>
+          <a:bodyPr lIns="0" rIns="0" tIns="0" bIns="0">
+            <a:normAutofit/>
+          </a:bodyPr>
+          <a:p>
+            <a:endParaRPr b="0" lang="en-US" sz="3200" spc="-1" strike="noStrike">
+              <a:latin typeface="Arial"/>
+            </a:endParaRPr>
+          </a:p>
+        </p:txBody>
+      </p:sp>
+      <p:sp>
+        <p:nvSpPr>
+          <p:cNvPr id="134" name="PlaceHolder 4"/>
+          <p:cNvSpPr>
+            <a:spLocks noGrp="1"/>
+          </p:cNvSpPr>
+          <p:nvPr>
+            <p:ph type="body"/>
+          </p:nvPr>
+        </p:nvSpPr>
+        <p:spPr>
+          <a:xfrm>
+            <a:off x="4673880" y="2761200"/>
+            <a:ext cx="4015440" cy="1422360"/>
+          </a:xfrm>
+          <a:prstGeom prst="rect">
+            <a:avLst/>
+          </a:prstGeom>
+        </p:spPr>
+        <p:txBody>
+          <a:bodyPr lIns="0" rIns="0" tIns="0" bIns="0">
+            <a:normAutofit/>
+          </a:bodyPr>
+          <a:p>
+            <a:endParaRPr b="0" lang="en-US" sz="3200" spc="-1" strike="noStrike">
+              <a:latin typeface="Arial"/>
+            </a:endParaRPr>
+          </a:p>
+        </p:txBody>
+      </p:sp>
+    </p:spTree>
+  </p:cSld>
+</p:sldLayout>
+</file>
+
+<file path=ppt/slideLayouts/slideLayout45.xml><?xml version="1.0" encoding="utf-8"?>
+<p:sldLayout xmlns:a="http://schemas.openxmlformats.org/drawingml/2006/main" xmlns:p="http://schemas.openxmlformats.org/presentationml/2006/main" xmlns:r="http://schemas.openxmlformats.org/officeDocument/2006/relationships" xmlns:p14="http://schemas.microsoft.com/office/powerpoint/2010/main" xmlns:p15="http://schemas.microsoft.com/office/powerpoint/2012/main" xmlns:mc="http://schemas.openxmlformats.org/markup-compatibility/2006" type="twoObjOverTx" preserve="1">
+  <p:cSld name="Title, 2 Content over Content">
+    <p:spTree>
+      <p:nvGrpSpPr>
+        <p:cNvPr id="1" name=""/>
+        <p:cNvGrpSpPr/>
+        <p:nvPr/>
+      </p:nvGrpSpPr>
+      <p:grpSpPr>
+        <a:xfrm>
+          <a:off x="0" y="0"/>
+          <a:ext cx="0" cy="0"/>
+          <a:chOff x="0" y="0"/>
+          <a:chExt cx="0" cy="0"/>
+        </a:xfrm>
+      </p:grpSpPr>
+      <p:sp>
+        <p:nvSpPr>
+          <p:cNvPr id="135" name="PlaceHolder 1"/>
+          <p:cNvSpPr>
+            <a:spLocks noGrp="1"/>
+          </p:cNvSpPr>
+          <p:nvPr>
+            <p:ph type="title"/>
+          </p:nvPr>
+        </p:nvSpPr>
+        <p:spPr>
+          <a:xfrm>
+            <a:off x="457200" y="205200"/>
+            <a:ext cx="8228880" cy="858240"/>
+          </a:xfrm>
+          <a:prstGeom prst="rect">
+            <a:avLst/>
+          </a:prstGeom>
+        </p:spPr>
+        <p:txBody>
+          <a:bodyPr lIns="0" rIns="0" tIns="0" bIns="0" anchor="ctr"/>
+          <a:p>
+            <a:pPr algn="ctr"/>
+            <a:endParaRPr b="0" lang="en-US" sz="4400" spc="-1" strike="noStrike">
+              <a:latin typeface="Arial"/>
+            </a:endParaRPr>
+          </a:p>
+        </p:txBody>
+      </p:sp>
+      <p:sp>
+        <p:nvSpPr>
+          <p:cNvPr id="136" name="PlaceHolder 2"/>
+          <p:cNvSpPr>
+            <a:spLocks noGrp="1"/>
+          </p:cNvSpPr>
+          <p:nvPr>
+            <p:ph type="body"/>
+          </p:nvPr>
+        </p:nvSpPr>
+        <p:spPr>
+          <a:xfrm>
+            <a:off x="457200" y="1203480"/>
+            <a:ext cx="4015440" cy="1422360"/>
+          </a:xfrm>
+          <a:prstGeom prst="rect">
+            <a:avLst/>
+          </a:prstGeom>
+        </p:spPr>
+        <p:txBody>
+          <a:bodyPr lIns="0" rIns="0" tIns="0" bIns="0">
+            <a:normAutofit/>
+          </a:bodyPr>
+          <a:p>
+            <a:endParaRPr b="0" lang="en-US" sz="3200" spc="-1" strike="noStrike">
+              <a:latin typeface="Arial"/>
+            </a:endParaRPr>
+          </a:p>
+        </p:txBody>
+      </p:sp>
+      <p:sp>
+        <p:nvSpPr>
+          <p:cNvPr id="137" name="PlaceHolder 3"/>
+          <p:cNvSpPr>
+            <a:spLocks noGrp="1"/>
+          </p:cNvSpPr>
+          <p:nvPr>
+            <p:ph type="body"/>
+          </p:nvPr>
+        </p:nvSpPr>
+        <p:spPr>
+          <a:xfrm>
+            <a:off x="4673880" y="1203480"/>
+            <a:ext cx="4015440" cy="1422360"/>
+          </a:xfrm>
+          <a:prstGeom prst="rect">
+            <a:avLst/>
+          </a:prstGeom>
+        </p:spPr>
+        <p:txBody>
+          <a:bodyPr lIns="0" rIns="0" tIns="0" bIns="0">
+            <a:normAutofit/>
+          </a:bodyPr>
+          <a:p>
+            <a:endParaRPr b="0" lang="en-US" sz="3200" spc="-1" strike="noStrike">
+              <a:latin typeface="Arial"/>
+            </a:endParaRPr>
+          </a:p>
+        </p:txBody>
+      </p:sp>
+      <p:sp>
+        <p:nvSpPr>
+          <p:cNvPr id="138" name="PlaceHolder 4"/>
+          <p:cNvSpPr>
+            <a:spLocks noGrp="1"/>
+          </p:cNvSpPr>
+          <p:nvPr>
+            <p:ph type="body"/>
+          </p:nvPr>
+        </p:nvSpPr>
+        <p:spPr>
+          <a:xfrm>
+            <a:off x="457200" y="2761200"/>
+            <a:ext cx="8228880" cy="1422360"/>
+          </a:xfrm>
+          <a:prstGeom prst="rect">
+            <a:avLst/>
+          </a:prstGeom>
+        </p:spPr>
+        <p:txBody>
+          <a:bodyPr lIns="0" rIns="0" tIns="0" bIns="0">
+            <a:normAutofit/>
+          </a:bodyPr>
+          <a:p>
+            <a:endParaRPr b="0" lang="en-US" sz="3200" spc="-1" strike="noStrike">
+              <a:latin typeface="Arial"/>
+            </a:endParaRPr>
+          </a:p>
+        </p:txBody>
+      </p:sp>
+    </p:spTree>
+  </p:cSld>
+</p:sldLayout>
+</file>
+
+<file path=ppt/slideLayouts/slideLayout46.xml><?xml version="1.0" encoding="utf-8"?>
+<p:sldLayout xmlns:a="http://schemas.openxmlformats.org/drawingml/2006/main" xmlns:p="http://schemas.openxmlformats.org/presentationml/2006/main" xmlns:r="http://schemas.openxmlformats.org/officeDocument/2006/relationships" xmlns:p14="http://schemas.microsoft.com/office/powerpoint/2010/main" xmlns:p15="http://schemas.microsoft.com/office/powerpoint/2012/main" xmlns:mc="http://schemas.openxmlformats.org/markup-compatibility/2006" type="objOverTx" preserve="1">
+  <p:cSld name="Title, Content over Content">
+    <p:spTree>
+      <p:nvGrpSpPr>
+        <p:cNvPr id="1" name=""/>
+        <p:cNvGrpSpPr/>
+        <p:nvPr/>
+      </p:nvGrpSpPr>
+      <p:grpSpPr>
+        <a:xfrm>
+          <a:off x="0" y="0"/>
+          <a:ext cx="0" cy="0"/>
+          <a:chOff x="0" y="0"/>
+          <a:chExt cx="0" cy="0"/>
+        </a:xfrm>
+      </p:grpSpPr>
+      <p:sp>
+        <p:nvSpPr>
+          <p:cNvPr id="139" name="PlaceHolder 1"/>
+          <p:cNvSpPr>
+            <a:spLocks noGrp="1"/>
+          </p:cNvSpPr>
+          <p:nvPr>
+            <p:ph type="title"/>
+          </p:nvPr>
+        </p:nvSpPr>
+        <p:spPr>
+          <a:xfrm>
+            <a:off x="457200" y="205200"/>
+            <a:ext cx="8228880" cy="858240"/>
+          </a:xfrm>
+          <a:prstGeom prst="rect">
+            <a:avLst/>
+          </a:prstGeom>
+        </p:spPr>
+        <p:txBody>
+          <a:bodyPr lIns="0" rIns="0" tIns="0" bIns="0" anchor="ctr"/>
+          <a:p>
+            <a:pPr algn="ctr"/>
+            <a:endParaRPr b="0" lang="en-US" sz="4400" spc="-1" strike="noStrike">
+              <a:latin typeface="Arial"/>
+            </a:endParaRPr>
+          </a:p>
+        </p:txBody>
+      </p:sp>
+      <p:sp>
+        <p:nvSpPr>
+          <p:cNvPr id="140" name="PlaceHolder 2"/>
+          <p:cNvSpPr>
+            <a:spLocks noGrp="1"/>
+          </p:cNvSpPr>
+          <p:nvPr>
+            <p:ph type="body"/>
+          </p:nvPr>
+        </p:nvSpPr>
+        <p:spPr>
+          <a:xfrm>
+            <a:off x="457200" y="1203480"/>
+            <a:ext cx="8228880" cy="1422360"/>
+          </a:xfrm>
+          <a:prstGeom prst="rect">
+            <a:avLst/>
+          </a:prstGeom>
+        </p:spPr>
+        <p:txBody>
+          <a:bodyPr lIns="0" rIns="0" tIns="0" bIns="0">
+            <a:normAutofit/>
+          </a:bodyPr>
+          <a:p>
+            <a:endParaRPr b="0" lang="en-US" sz="3200" spc="-1" strike="noStrike">
+              <a:latin typeface="Arial"/>
+            </a:endParaRPr>
+          </a:p>
+        </p:txBody>
+      </p:sp>
+      <p:sp>
+        <p:nvSpPr>
+          <p:cNvPr id="141" name="PlaceHolder 3"/>
+          <p:cNvSpPr>
+            <a:spLocks noGrp="1"/>
+          </p:cNvSpPr>
+          <p:nvPr>
+            <p:ph type="body"/>
+          </p:nvPr>
+        </p:nvSpPr>
+        <p:spPr>
+          <a:xfrm>
+            <a:off x="457200" y="2761200"/>
+            <a:ext cx="8228880" cy="1422360"/>
+          </a:xfrm>
+          <a:prstGeom prst="rect">
+            <a:avLst/>
+          </a:prstGeom>
+        </p:spPr>
+        <p:txBody>
+          <a:bodyPr lIns="0" rIns="0" tIns="0" bIns="0">
+            <a:normAutofit/>
+          </a:bodyPr>
+          <a:p>
+            <a:endParaRPr b="0" lang="en-US" sz="3200" spc="-1" strike="noStrike">
+              <a:latin typeface="Arial"/>
+            </a:endParaRPr>
+          </a:p>
+        </p:txBody>
+      </p:sp>
+    </p:spTree>
+  </p:cSld>
+</p:sldLayout>
+</file>
+
+<file path=ppt/slideLayouts/slideLayout47.xml><?xml version="1.0" encoding="utf-8"?>
+<p:sldLayout xmlns:a="http://schemas.openxmlformats.org/drawingml/2006/main" xmlns:p="http://schemas.openxmlformats.org/presentationml/2006/main" xmlns:r="http://schemas.openxmlformats.org/officeDocument/2006/relationships" xmlns:p14="http://schemas.microsoft.com/office/powerpoint/2010/main" xmlns:p15="http://schemas.microsoft.com/office/powerpoint/2012/main" xmlns:mc="http://schemas.openxmlformats.org/markup-compatibility/2006" type="fourObj" preserve="1">
+  <p:cSld name="Title, 4 Content">
+    <p:spTree>
+      <p:nvGrpSpPr>
+        <p:cNvPr id="1" name=""/>
+        <p:cNvGrpSpPr/>
+        <p:nvPr/>
+      </p:nvGrpSpPr>
+      <p:grpSpPr>
+        <a:xfrm>
+          <a:off x="0" y="0"/>
+          <a:ext cx="0" cy="0"/>
+          <a:chOff x="0" y="0"/>
+          <a:chExt cx="0" cy="0"/>
+        </a:xfrm>
+      </p:grpSpPr>
+      <p:sp>
+        <p:nvSpPr>
+          <p:cNvPr id="142" name="PlaceHolder 1"/>
+          <p:cNvSpPr>
+            <a:spLocks noGrp="1"/>
+          </p:cNvSpPr>
+          <p:nvPr>
+            <p:ph type="title"/>
+          </p:nvPr>
+        </p:nvSpPr>
+        <p:spPr>
+          <a:xfrm>
+            <a:off x="457200" y="205200"/>
+            <a:ext cx="8228880" cy="858240"/>
+          </a:xfrm>
+          <a:prstGeom prst="rect">
+            <a:avLst/>
+          </a:prstGeom>
+        </p:spPr>
+        <p:txBody>
+          <a:bodyPr lIns="0" rIns="0" tIns="0" bIns="0" anchor="ctr"/>
+          <a:p>
+            <a:pPr algn="ctr"/>
+            <a:endParaRPr b="0" lang="en-US" sz="4400" spc="-1" strike="noStrike">
+              <a:latin typeface="Arial"/>
+            </a:endParaRPr>
+          </a:p>
+        </p:txBody>
+      </p:sp>
+      <p:sp>
+        <p:nvSpPr>
+          <p:cNvPr id="143" name="PlaceHolder 2"/>
+          <p:cNvSpPr>
+            <a:spLocks noGrp="1"/>
+          </p:cNvSpPr>
+          <p:nvPr>
+            <p:ph type="body"/>
+          </p:nvPr>
+        </p:nvSpPr>
+        <p:spPr>
+          <a:xfrm>
+            <a:off x="457200" y="1203480"/>
+            <a:ext cx="4015440" cy="1422360"/>
+          </a:xfrm>
+          <a:prstGeom prst="rect">
+            <a:avLst/>
+          </a:prstGeom>
+        </p:spPr>
+        <p:txBody>
+          <a:bodyPr lIns="0" rIns="0" tIns="0" bIns="0">
+            <a:normAutofit/>
+          </a:bodyPr>
+          <a:p>
+            <a:endParaRPr b="0" lang="en-US" sz="3200" spc="-1" strike="noStrike">
+              <a:latin typeface="Arial"/>
+            </a:endParaRPr>
+          </a:p>
+        </p:txBody>
+      </p:sp>
+      <p:sp>
+        <p:nvSpPr>
+          <p:cNvPr id="144" name="PlaceHolder 3"/>
+          <p:cNvSpPr>
+            <a:spLocks noGrp="1"/>
+          </p:cNvSpPr>
+          <p:nvPr>
+            <p:ph type="body"/>
+          </p:nvPr>
+        </p:nvSpPr>
+        <p:spPr>
+          <a:xfrm>
+            <a:off x="4673880" y="1203480"/>
+            <a:ext cx="4015440" cy="1422360"/>
+          </a:xfrm>
+          <a:prstGeom prst="rect">
+            <a:avLst/>
+          </a:prstGeom>
+        </p:spPr>
+        <p:txBody>
+          <a:bodyPr lIns="0" rIns="0" tIns="0" bIns="0">
+            <a:normAutofit/>
+          </a:bodyPr>
+          <a:p>
+            <a:endParaRPr b="0" lang="en-US" sz="3200" spc="-1" strike="noStrike">
+              <a:latin typeface="Arial"/>
+            </a:endParaRPr>
+          </a:p>
+        </p:txBody>
+      </p:sp>
+      <p:sp>
+        <p:nvSpPr>
+          <p:cNvPr id="145" name="PlaceHolder 4"/>
+          <p:cNvSpPr>
+            <a:spLocks noGrp="1"/>
+          </p:cNvSpPr>
+          <p:nvPr>
+            <p:ph type="body"/>
+          </p:nvPr>
+        </p:nvSpPr>
+        <p:spPr>
+          <a:xfrm>
+            <a:off x="457200" y="2761200"/>
+            <a:ext cx="4015440" cy="1422360"/>
+          </a:xfrm>
+          <a:prstGeom prst="rect">
+            <a:avLst/>
+          </a:prstGeom>
+        </p:spPr>
+        <p:txBody>
+          <a:bodyPr lIns="0" rIns="0" tIns="0" bIns="0">
+            <a:normAutofit/>
+          </a:bodyPr>
+          <a:p>
+            <a:endParaRPr b="0" lang="en-US" sz="3200" spc="-1" strike="noStrike">
+              <a:latin typeface="Arial"/>
+            </a:endParaRPr>
+          </a:p>
+        </p:txBody>
+      </p:sp>
+      <p:sp>
+        <p:nvSpPr>
+          <p:cNvPr id="146" name="PlaceHolder 5"/>
+          <p:cNvSpPr>
+            <a:spLocks noGrp="1"/>
+          </p:cNvSpPr>
+          <p:nvPr>
+            <p:ph type="body"/>
+          </p:nvPr>
+        </p:nvSpPr>
+        <p:spPr>
+          <a:xfrm>
+            <a:off x="4673880" y="2761200"/>
+            <a:ext cx="4015440" cy="1422360"/>
+          </a:xfrm>
+          <a:prstGeom prst="rect">
+            <a:avLst/>
+          </a:prstGeom>
+        </p:spPr>
+        <p:txBody>
+          <a:bodyPr lIns="0" rIns="0" tIns="0" bIns="0">
+            <a:normAutofit/>
+          </a:bodyPr>
+          <a:p>
+            <a:endParaRPr b="0" lang="en-US" sz="3200" spc="-1" strike="noStrike">
+              <a:latin typeface="Arial"/>
+            </a:endParaRPr>
+          </a:p>
+        </p:txBody>
+      </p:sp>
+    </p:spTree>
+  </p:cSld>
+</p:sldLayout>
+</file>
+
+<file path=ppt/slideLayouts/slideLayout48.xml><?xml version="1.0" encoding="utf-8"?>
+<p:sldLayout xmlns:a="http://schemas.openxmlformats.org/drawingml/2006/main" xmlns:p="http://schemas.openxmlformats.org/presentationml/2006/main" xmlns:r="http://schemas.openxmlformats.org/officeDocument/2006/relationships" xmlns:p14="http://schemas.microsoft.com/office/powerpoint/2010/main" xmlns:p15="http://schemas.microsoft.com/office/powerpoint/2012/main" xmlns:mc="http://schemas.openxmlformats.org/markup-compatibility/2006" type="blank" preserve="1">
+  <p:cSld name="Title, 6 Content">
+    <p:spTree>
+      <p:nvGrpSpPr>
+        <p:cNvPr id="1" name=""/>
+        <p:cNvGrpSpPr/>
+        <p:nvPr/>
+      </p:nvGrpSpPr>
+      <p:grpSpPr>
+        <a:xfrm>
+          <a:off x="0" y="0"/>
+          <a:ext cx="0" cy="0"/>
+          <a:chOff x="0" y="0"/>
+          <a:chExt cx="0" cy="0"/>
+        </a:xfrm>
+      </p:grpSpPr>
+      <p:sp>
+        <p:nvSpPr>
+          <p:cNvPr id="147" name="PlaceHolder 1"/>
+          <p:cNvSpPr>
+            <a:spLocks noGrp="1"/>
+          </p:cNvSpPr>
+          <p:nvPr>
+            <p:ph type="title"/>
+          </p:nvPr>
+        </p:nvSpPr>
+        <p:spPr>
+          <a:xfrm>
+            <a:off x="457200" y="205200"/>
+            <a:ext cx="8228880" cy="858240"/>
+          </a:xfrm>
+          <a:prstGeom prst="rect">
+            <a:avLst/>
+          </a:prstGeom>
+        </p:spPr>
+        <p:txBody>
+          <a:bodyPr lIns="0" rIns="0" tIns="0" bIns="0" anchor="ctr"/>
+          <a:p>
+            <a:pPr algn="ctr"/>
+            <a:endParaRPr b="0" lang="en-US" sz="4400" spc="-1" strike="noStrike">
+              <a:latin typeface="Arial"/>
+            </a:endParaRPr>
+          </a:p>
+        </p:txBody>
+      </p:sp>
+      <p:sp>
+        <p:nvSpPr>
+          <p:cNvPr id="148" name="PlaceHolder 2"/>
+          <p:cNvSpPr>
+            <a:spLocks noGrp="1"/>
+          </p:cNvSpPr>
+          <p:nvPr>
+            <p:ph type="body"/>
+          </p:nvPr>
+        </p:nvSpPr>
+        <p:spPr>
+          <a:xfrm>
+            <a:off x="457200" y="1203480"/>
+            <a:ext cx="2649600" cy="1422360"/>
+          </a:xfrm>
+          <a:prstGeom prst="rect">
+            <a:avLst/>
+          </a:prstGeom>
+        </p:spPr>
+        <p:txBody>
+          <a:bodyPr lIns="0" rIns="0" tIns="0" bIns="0">
+            <a:normAutofit/>
+          </a:bodyPr>
+          <a:p>
+            <a:endParaRPr b="0" lang="en-US" sz="3200" spc="-1" strike="noStrike">
+              <a:latin typeface="Arial"/>
+            </a:endParaRPr>
+          </a:p>
+        </p:txBody>
+      </p:sp>
+      <p:sp>
+        <p:nvSpPr>
+          <p:cNvPr id="149" name="PlaceHolder 3"/>
+          <p:cNvSpPr>
+            <a:spLocks noGrp="1"/>
+          </p:cNvSpPr>
+          <p:nvPr>
+            <p:ph type="body"/>
+          </p:nvPr>
+        </p:nvSpPr>
+        <p:spPr>
+          <a:xfrm>
+            <a:off x="3239640" y="1203480"/>
+            <a:ext cx="2649600" cy="1422360"/>
+          </a:xfrm>
+          <a:prstGeom prst="rect">
+            <a:avLst/>
+          </a:prstGeom>
+        </p:spPr>
+        <p:txBody>
+          <a:bodyPr lIns="0" rIns="0" tIns="0" bIns="0">
+            <a:normAutofit/>
+          </a:bodyPr>
+          <a:p>
+            <a:endParaRPr b="0" lang="en-US" sz="3200" spc="-1" strike="noStrike">
+              <a:latin typeface="Arial"/>
+            </a:endParaRPr>
+          </a:p>
+        </p:txBody>
+      </p:sp>
+      <p:sp>
+        <p:nvSpPr>
+          <p:cNvPr id="150" name="PlaceHolder 4"/>
+          <p:cNvSpPr>
+            <a:spLocks noGrp="1"/>
+          </p:cNvSpPr>
+          <p:nvPr>
+            <p:ph type="body"/>
+          </p:nvPr>
+        </p:nvSpPr>
+        <p:spPr>
+          <a:xfrm>
+            <a:off x="6022080" y="1203480"/>
+            <a:ext cx="2649600" cy="1422360"/>
+          </a:xfrm>
+          <a:prstGeom prst="rect">
+            <a:avLst/>
+          </a:prstGeom>
+        </p:spPr>
+        <p:txBody>
+          <a:bodyPr lIns="0" rIns="0" tIns="0" bIns="0">
+            <a:normAutofit/>
+          </a:bodyPr>
+          <a:p>
+            <a:endParaRPr b="0" lang="en-US" sz="3200" spc="-1" strike="noStrike">
+              <a:latin typeface="Arial"/>
+            </a:endParaRPr>
+          </a:p>
+        </p:txBody>
+      </p:sp>
+      <p:sp>
+        <p:nvSpPr>
+          <p:cNvPr id="151" name="PlaceHolder 5"/>
+          <p:cNvSpPr>
+            <a:spLocks noGrp="1"/>
+          </p:cNvSpPr>
+          <p:nvPr>
+            <p:ph type="body"/>
+          </p:nvPr>
+        </p:nvSpPr>
+        <p:spPr>
+          <a:xfrm>
+            <a:off x="457200" y="2761200"/>
+            <a:ext cx="2649600" cy="1422360"/>
+          </a:xfrm>
+          <a:prstGeom prst="rect">
+            <a:avLst/>
+          </a:prstGeom>
+        </p:spPr>
+        <p:txBody>
+          <a:bodyPr lIns="0" rIns="0" tIns="0" bIns="0">
+            <a:normAutofit/>
+          </a:bodyPr>
+          <a:p>
+            <a:endParaRPr b="0" lang="en-US" sz="3200" spc="-1" strike="noStrike">
+              <a:latin typeface="Arial"/>
+            </a:endParaRPr>
+          </a:p>
+        </p:txBody>
+      </p:sp>
+      <p:sp>
+        <p:nvSpPr>
+          <p:cNvPr id="152" name="PlaceHolder 6"/>
+          <p:cNvSpPr>
+            <a:spLocks noGrp="1"/>
+          </p:cNvSpPr>
+          <p:nvPr>
+            <p:ph type="body"/>
+          </p:nvPr>
+        </p:nvSpPr>
+        <p:spPr>
+          <a:xfrm>
+            <a:off x="3239640" y="2761200"/>
+            <a:ext cx="2649600" cy="1422360"/>
+          </a:xfrm>
+          <a:prstGeom prst="rect">
+            <a:avLst/>
+          </a:prstGeom>
+        </p:spPr>
+        <p:txBody>
+          <a:bodyPr lIns="0" rIns="0" tIns="0" bIns="0">
+            <a:normAutofit/>
+          </a:bodyPr>
+          <a:p>
+            <a:endParaRPr b="0" lang="en-US" sz="3200" spc="-1" strike="noStrike">
+              <a:latin typeface="Arial"/>
+            </a:endParaRPr>
+          </a:p>
+        </p:txBody>
+      </p:sp>
+      <p:sp>
+        <p:nvSpPr>
+          <p:cNvPr id="153" name="PlaceHolder 7"/>
+          <p:cNvSpPr>
+            <a:spLocks noGrp="1"/>
+          </p:cNvSpPr>
+          <p:nvPr>
+            <p:ph type="body"/>
+          </p:nvPr>
+        </p:nvSpPr>
+        <p:spPr>
+          <a:xfrm>
+            <a:off x="6022080" y="2761200"/>
+            <a:ext cx="2649600" cy="1422360"/>
+          </a:xfrm>
+          <a:prstGeom prst="rect">
+            <a:avLst/>
+          </a:prstGeom>
+        </p:spPr>
+        <p:txBody>
+          <a:bodyPr lIns="0" rIns="0" tIns="0" bIns="0">
+            <a:normAutofit/>
+          </a:bodyPr>
+          <a:p>
+            <a:endParaRPr b="0" lang="en-US" sz="3200" spc="-1" strike="noStrike">
+              <a:latin typeface="Arial"/>
+            </a:endParaRPr>
+          </a:p>
+        </p:txBody>
+      </p:sp>
+    </p:spTree>
+  </p:cSld>
+</p:sldLayout>
+</file>
+
+<file path=ppt/slideLayouts/slideLayout49.xml><?xml version="1.0" encoding="utf-8"?>
+<p:sldLayout xmlns:a="http://schemas.openxmlformats.org/drawingml/2006/main" xmlns:p="http://schemas.openxmlformats.org/presentationml/2006/main" xmlns:r="http://schemas.openxmlformats.org/officeDocument/2006/relationships" xmlns:p14="http://schemas.microsoft.com/office/powerpoint/2010/main" xmlns:p15="http://schemas.microsoft.com/office/powerpoint/2012/main" xmlns:mc="http://schemas.openxmlformats.org/markup-compatibility/2006" type="blank" preserve="1">
+  <p:cSld name="Blank Slide">
+    <p:spTree>
+      <p:nvGrpSpPr>
+        <p:cNvPr id="1" name=""/>
+        <p:cNvGrpSpPr/>
+        <p:nvPr/>
+      </p:nvGrpSpPr>
+      <p:grpSpPr>
+        <a:xfrm>
+          <a:off x="0" y="0"/>
+          <a:ext cx="0" cy="0"/>
+          <a:chOff x="0" y="0"/>
+          <a:chExt cx="0" cy="0"/>
+        </a:xfrm>
+      </p:grpSpPr>
     </p:spTree>
   </p:cSld>
 </p:sldLayout>
@@ -3522,7 +4881,7 @@
         <p:spPr>
           <a:xfrm>
             <a:off x="457200" y="205200"/>
-            <a:ext cx="8229240" cy="858600"/>
+            <a:ext cx="8228880" cy="858240"/>
           </a:xfrm>
           <a:prstGeom prst="rect">
             <a:avLst/>
@@ -3533,6 +4892,1085 @@
           <a:p>
             <a:pPr algn="ctr"/>
             <a:endParaRPr b="0" lang="en-US" sz="4400" spc="-1" strike="noStrike">
+              <a:latin typeface="Arial"/>
+            </a:endParaRPr>
+          </a:p>
+        </p:txBody>
+      </p:sp>
+    </p:spTree>
+  </p:cSld>
+</p:sldLayout>
+</file>
+
+<file path=ppt/slideLayouts/slideLayout50.xml><?xml version="1.0" encoding="utf-8"?>
+<p:sldLayout xmlns:a="http://schemas.openxmlformats.org/drawingml/2006/main" xmlns:p="http://schemas.openxmlformats.org/presentationml/2006/main" xmlns:r="http://schemas.openxmlformats.org/officeDocument/2006/relationships" xmlns:p14="http://schemas.microsoft.com/office/powerpoint/2010/main" xmlns:p15="http://schemas.microsoft.com/office/powerpoint/2012/main" xmlns:mc="http://schemas.openxmlformats.org/markup-compatibility/2006" type="tx" preserve="1">
+  <p:cSld name="Title Slide">
+    <p:spTree>
+      <p:nvGrpSpPr>
+        <p:cNvPr id="1" name=""/>
+        <p:cNvGrpSpPr/>
+        <p:nvPr/>
+      </p:nvGrpSpPr>
+      <p:grpSpPr>
+        <a:xfrm>
+          <a:off x="0" y="0"/>
+          <a:ext cx="0" cy="0"/>
+          <a:chOff x="0" y="0"/>
+          <a:chExt cx="0" cy="0"/>
+        </a:xfrm>
+      </p:grpSpPr>
+      <p:sp>
+        <p:nvSpPr>
+          <p:cNvPr id="159" name="PlaceHolder 1"/>
+          <p:cNvSpPr>
+            <a:spLocks noGrp="1"/>
+          </p:cNvSpPr>
+          <p:nvPr>
+            <p:ph type="title"/>
+          </p:nvPr>
+        </p:nvSpPr>
+        <p:spPr>
+          <a:xfrm>
+            <a:off x="457200" y="205200"/>
+            <a:ext cx="8228880" cy="858240"/>
+          </a:xfrm>
+          <a:prstGeom prst="rect">
+            <a:avLst/>
+          </a:prstGeom>
+        </p:spPr>
+        <p:txBody>
+          <a:bodyPr lIns="0" rIns="0" tIns="0" bIns="0" anchor="ctr"/>
+          <a:p>
+            <a:pPr algn="ctr"/>
+            <a:endParaRPr b="0" lang="en-US" sz="4400" spc="-1" strike="noStrike">
+              <a:latin typeface="Arial"/>
+            </a:endParaRPr>
+          </a:p>
+        </p:txBody>
+      </p:sp>
+      <p:sp>
+        <p:nvSpPr>
+          <p:cNvPr id="160" name="PlaceHolder 2"/>
+          <p:cNvSpPr>
+            <a:spLocks noGrp="1"/>
+          </p:cNvSpPr>
+          <p:nvPr>
+            <p:ph type="subTitle"/>
+          </p:nvPr>
+        </p:nvSpPr>
+        <p:spPr>
+          <a:xfrm>
+            <a:off x="457200" y="1203480"/>
+            <a:ext cx="8228880" cy="2982600"/>
+          </a:xfrm>
+          <a:prstGeom prst="rect">
+            <a:avLst/>
+          </a:prstGeom>
+        </p:spPr>
+        <p:txBody>
+          <a:bodyPr lIns="0" rIns="0" tIns="0" bIns="0" anchor="ctr"/>
+          <a:p>
+            <a:pPr algn="ctr"/>
+            <a:endParaRPr b="0" lang="en-US" sz="3200" spc="-1" strike="noStrike">
+              <a:latin typeface="Arial"/>
+            </a:endParaRPr>
+          </a:p>
+        </p:txBody>
+      </p:sp>
+    </p:spTree>
+  </p:cSld>
+</p:sldLayout>
+</file>
+
+<file path=ppt/slideLayouts/slideLayout51.xml><?xml version="1.0" encoding="utf-8"?>
+<p:sldLayout xmlns:a="http://schemas.openxmlformats.org/drawingml/2006/main" xmlns:p="http://schemas.openxmlformats.org/presentationml/2006/main" xmlns:r="http://schemas.openxmlformats.org/officeDocument/2006/relationships" xmlns:p14="http://schemas.microsoft.com/office/powerpoint/2010/main" xmlns:p15="http://schemas.microsoft.com/office/powerpoint/2012/main" xmlns:mc="http://schemas.openxmlformats.org/markup-compatibility/2006" type="obj" preserve="1">
+  <p:cSld name="Title, Content">
+    <p:spTree>
+      <p:nvGrpSpPr>
+        <p:cNvPr id="1" name=""/>
+        <p:cNvGrpSpPr/>
+        <p:nvPr/>
+      </p:nvGrpSpPr>
+      <p:grpSpPr>
+        <a:xfrm>
+          <a:off x="0" y="0"/>
+          <a:ext cx="0" cy="0"/>
+          <a:chOff x="0" y="0"/>
+          <a:chExt cx="0" cy="0"/>
+        </a:xfrm>
+      </p:grpSpPr>
+      <p:sp>
+        <p:nvSpPr>
+          <p:cNvPr id="161" name="PlaceHolder 1"/>
+          <p:cNvSpPr>
+            <a:spLocks noGrp="1"/>
+          </p:cNvSpPr>
+          <p:nvPr>
+            <p:ph type="title"/>
+          </p:nvPr>
+        </p:nvSpPr>
+        <p:spPr>
+          <a:xfrm>
+            <a:off x="457200" y="205200"/>
+            <a:ext cx="8228880" cy="858240"/>
+          </a:xfrm>
+          <a:prstGeom prst="rect">
+            <a:avLst/>
+          </a:prstGeom>
+        </p:spPr>
+        <p:txBody>
+          <a:bodyPr lIns="0" rIns="0" tIns="0" bIns="0" anchor="ctr"/>
+          <a:p>
+            <a:pPr algn="ctr"/>
+            <a:endParaRPr b="0" lang="en-US" sz="4400" spc="-1" strike="noStrike">
+              <a:latin typeface="Arial"/>
+            </a:endParaRPr>
+          </a:p>
+        </p:txBody>
+      </p:sp>
+      <p:sp>
+        <p:nvSpPr>
+          <p:cNvPr id="162" name="PlaceHolder 2"/>
+          <p:cNvSpPr>
+            <a:spLocks noGrp="1"/>
+          </p:cNvSpPr>
+          <p:nvPr>
+            <p:ph type="body"/>
+          </p:nvPr>
+        </p:nvSpPr>
+        <p:spPr>
+          <a:xfrm>
+            <a:off x="457200" y="1203480"/>
+            <a:ext cx="8228880" cy="2982600"/>
+          </a:xfrm>
+          <a:prstGeom prst="rect">
+            <a:avLst/>
+          </a:prstGeom>
+        </p:spPr>
+        <p:txBody>
+          <a:bodyPr lIns="0" rIns="0" tIns="0" bIns="0">
+            <a:normAutofit/>
+          </a:bodyPr>
+          <a:p>
+            <a:endParaRPr b="0" lang="en-US" sz="3200" spc="-1" strike="noStrike">
+              <a:latin typeface="Arial"/>
+            </a:endParaRPr>
+          </a:p>
+        </p:txBody>
+      </p:sp>
+    </p:spTree>
+  </p:cSld>
+</p:sldLayout>
+</file>
+
+<file path=ppt/slideLayouts/slideLayout52.xml><?xml version="1.0" encoding="utf-8"?>
+<p:sldLayout xmlns:a="http://schemas.openxmlformats.org/drawingml/2006/main" xmlns:p="http://schemas.openxmlformats.org/presentationml/2006/main" xmlns:r="http://schemas.openxmlformats.org/officeDocument/2006/relationships" xmlns:p14="http://schemas.microsoft.com/office/powerpoint/2010/main" xmlns:p15="http://schemas.microsoft.com/office/powerpoint/2012/main" xmlns:mc="http://schemas.openxmlformats.org/markup-compatibility/2006" type="twoObj" preserve="1">
+  <p:cSld name="Title, 2 Content">
+    <p:spTree>
+      <p:nvGrpSpPr>
+        <p:cNvPr id="1" name=""/>
+        <p:cNvGrpSpPr/>
+        <p:nvPr/>
+      </p:nvGrpSpPr>
+      <p:grpSpPr>
+        <a:xfrm>
+          <a:off x="0" y="0"/>
+          <a:ext cx="0" cy="0"/>
+          <a:chOff x="0" y="0"/>
+          <a:chExt cx="0" cy="0"/>
+        </a:xfrm>
+      </p:grpSpPr>
+      <p:sp>
+        <p:nvSpPr>
+          <p:cNvPr id="163" name="PlaceHolder 1"/>
+          <p:cNvSpPr>
+            <a:spLocks noGrp="1"/>
+          </p:cNvSpPr>
+          <p:nvPr>
+            <p:ph type="title"/>
+          </p:nvPr>
+        </p:nvSpPr>
+        <p:spPr>
+          <a:xfrm>
+            <a:off x="457200" y="205200"/>
+            <a:ext cx="8228880" cy="858240"/>
+          </a:xfrm>
+          <a:prstGeom prst="rect">
+            <a:avLst/>
+          </a:prstGeom>
+        </p:spPr>
+        <p:txBody>
+          <a:bodyPr lIns="0" rIns="0" tIns="0" bIns="0" anchor="ctr"/>
+          <a:p>
+            <a:pPr algn="ctr"/>
+            <a:endParaRPr b="0" lang="en-US" sz="4400" spc="-1" strike="noStrike">
+              <a:latin typeface="Arial"/>
+            </a:endParaRPr>
+          </a:p>
+        </p:txBody>
+      </p:sp>
+      <p:sp>
+        <p:nvSpPr>
+          <p:cNvPr id="164" name="PlaceHolder 2"/>
+          <p:cNvSpPr>
+            <a:spLocks noGrp="1"/>
+          </p:cNvSpPr>
+          <p:nvPr>
+            <p:ph type="body"/>
+          </p:nvPr>
+        </p:nvSpPr>
+        <p:spPr>
+          <a:xfrm>
+            <a:off x="457200" y="1203480"/>
+            <a:ext cx="4015440" cy="2982600"/>
+          </a:xfrm>
+          <a:prstGeom prst="rect">
+            <a:avLst/>
+          </a:prstGeom>
+        </p:spPr>
+        <p:txBody>
+          <a:bodyPr lIns="0" rIns="0" tIns="0" bIns="0">
+            <a:normAutofit/>
+          </a:bodyPr>
+          <a:p>
+            <a:endParaRPr b="0" lang="en-US" sz="3200" spc="-1" strike="noStrike">
+              <a:latin typeface="Arial"/>
+            </a:endParaRPr>
+          </a:p>
+        </p:txBody>
+      </p:sp>
+      <p:sp>
+        <p:nvSpPr>
+          <p:cNvPr id="165" name="PlaceHolder 3"/>
+          <p:cNvSpPr>
+            <a:spLocks noGrp="1"/>
+          </p:cNvSpPr>
+          <p:nvPr>
+            <p:ph type="body"/>
+          </p:nvPr>
+        </p:nvSpPr>
+        <p:spPr>
+          <a:xfrm>
+            <a:off x="4673880" y="1203480"/>
+            <a:ext cx="4015440" cy="2982600"/>
+          </a:xfrm>
+          <a:prstGeom prst="rect">
+            <a:avLst/>
+          </a:prstGeom>
+        </p:spPr>
+        <p:txBody>
+          <a:bodyPr lIns="0" rIns="0" tIns="0" bIns="0">
+            <a:normAutofit/>
+          </a:bodyPr>
+          <a:p>
+            <a:endParaRPr b="0" lang="en-US" sz="3200" spc="-1" strike="noStrike">
+              <a:latin typeface="Arial"/>
+            </a:endParaRPr>
+          </a:p>
+        </p:txBody>
+      </p:sp>
+    </p:spTree>
+  </p:cSld>
+</p:sldLayout>
+</file>
+
+<file path=ppt/slideLayouts/slideLayout53.xml><?xml version="1.0" encoding="utf-8"?>
+<p:sldLayout xmlns:a="http://schemas.openxmlformats.org/drawingml/2006/main" xmlns:p="http://schemas.openxmlformats.org/presentationml/2006/main" xmlns:r="http://schemas.openxmlformats.org/officeDocument/2006/relationships" xmlns:p14="http://schemas.microsoft.com/office/powerpoint/2010/main" xmlns:p15="http://schemas.microsoft.com/office/powerpoint/2012/main" xmlns:mc="http://schemas.openxmlformats.org/markup-compatibility/2006" type="titleOnly" preserve="1">
+  <p:cSld name="Title Only">
+    <p:spTree>
+      <p:nvGrpSpPr>
+        <p:cNvPr id="1" name=""/>
+        <p:cNvGrpSpPr/>
+        <p:nvPr/>
+      </p:nvGrpSpPr>
+      <p:grpSpPr>
+        <a:xfrm>
+          <a:off x="0" y="0"/>
+          <a:ext cx="0" cy="0"/>
+          <a:chOff x="0" y="0"/>
+          <a:chExt cx="0" cy="0"/>
+        </a:xfrm>
+      </p:grpSpPr>
+      <p:sp>
+        <p:nvSpPr>
+          <p:cNvPr id="166" name="PlaceHolder 1"/>
+          <p:cNvSpPr>
+            <a:spLocks noGrp="1"/>
+          </p:cNvSpPr>
+          <p:nvPr>
+            <p:ph type="title"/>
+          </p:nvPr>
+        </p:nvSpPr>
+        <p:spPr>
+          <a:xfrm>
+            <a:off x="457200" y="205200"/>
+            <a:ext cx="8228880" cy="858240"/>
+          </a:xfrm>
+          <a:prstGeom prst="rect">
+            <a:avLst/>
+          </a:prstGeom>
+        </p:spPr>
+        <p:txBody>
+          <a:bodyPr lIns="0" rIns="0" tIns="0" bIns="0" anchor="ctr"/>
+          <a:p>
+            <a:pPr algn="ctr"/>
+            <a:endParaRPr b="0" lang="en-US" sz="4400" spc="-1" strike="noStrike">
+              <a:latin typeface="Arial"/>
+            </a:endParaRPr>
+          </a:p>
+        </p:txBody>
+      </p:sp>
+    </p:spTree>
+  </p:cSld>
+</p:sldLayout>
+</file>
+
+<file path=ppt/slideLayouts/slideLayout54.xml><?xml version="1.0" encoding="utf-8"?>
+<p:sldLayout xmlns:a="http://schemas.openxmlformats.org/drawingml/2006/main" xmlns:p="http://schemas.openxmlformats.org/presentationml/2006/main" xmlns:r="http://schemas.openxmlformats.org/officeDocument/2006/relationships" xmlns:p14="http://schemas.microsoft.com/office/powerpoint/2010/main" xmlns:p15="http://schemas.microsoft.com/office/powerpoint/2012/main" xmlns:mc="http://schemas.openxmlformats.org/markup-compatibility/2006" type="objOnly" preserve="1">
+  <p:cSld name="Centered Text">
+    <p:spTree>
+      <p:nvGrpSpPr>
+        <p:cNvPr id="1" name=""/>
+        <p:cNvGrpSpPr/>
+        <p:nvPr/>
+      </p:nvGrpSpPr>
+      <p:grpSpPr>
+        <a:xfrm>
+          <a:off x="0" y="0"/>
+          <a:ext cx="0" cy="0"/>
+          <a:chOff x="0" y="0"/>
+          <a:chExt cx="0" cy="0"/>
+        </a:xfrm>
+      </p:grpSpPr>
+      <p:sp>
+        <p:nvSpPr>
+          <p:cNvPr id="167" name="PlaceHolder 1"/>
+          <p:cNvSpPr>
+            <a:spLocks noGrp="1"/>
+          </p:cNvSpPr>
+          <p:nvPr>
+            <p:ph type="subTitle"/>
+          </p:nvPr>
+        </p:nvSpPr>
+        <p:spPr>
+          <a:xfrm>
+            <a:off x="457200" y="205200"/>
+            <a:ext cx="8228880" cy="3979440"/>
+          </a:xfrm>
+          <a:prstGeom prst="rect">
+            <a:avLst/>
+          </a:prstGeom>
+        </p:spPr>
+        <p:txBody>
+          <a:bodyPr lIns="0" rIns="0" tIns="0" bIns="0" anchor="ctr"/>
+          <a:p>
+            <a:pPr algn="ctr"/>
+            <a:endParaRPr b="0" lang="en-US" sz="3200" spc="-1" strike="noStrike">
+              <a:latin typeface="Arial"/>
+            </a:endParaRPr>
+          </a:p>
+        </p:txBody>
+      </p:sp>
+    </p:spTree>
+  </p:cSld>
+</p:sldLayout>
+</file>
+
+<file path=ppt/slideLayouts/slideLayout55.xml><?xml version="1.0" encoding="utf-8"?>
+<p:sldLayout xmlns:a="http://schemas.openxmlformats.org/drawingml/2006/main" xmlns:p="http://schemas.openxmlformats.org/presentationml/2006/main" xmlns:r="http://schemas.openxmlformats.org/officeDocument/2006/relationships" xmlns:p14="http://schemas.microsoft.com/office/powerpoint/2010/main" xmlns:p15="http://schemas.microsoft.com/office/powerpoint/2012/main" xmlns:mc="http://schemas.openxmlformats.org/markup-compatibility/2006" type="twoObjAndObj" preserve="1">
+  <p:cSld name="Title, 2 Content and Content">
+    <p:spTree>
+      <p:nvGrpSpPr>
+        <p:cNvPr id="1" name=""/>
+        <p:cNvGrpSpPr/>
+        <p:nvPr/>
+      </p:nvGrpSpPr>
+      <p:grpSpPr>
+        <a:xfrm>
+          <a:off x="0" y="0"/>
+          <a:ext cx="0" cy="0"/>
+          <a:chOff x="0" y="0"/>
+          <a:chExt cx="0" cy="0"/>
+        </a:xfrm>
+      </p:grpSpPr>
+      <p:sp>
+        <p:nvSpPr>
+          <p:cNvPr id="168" name="PlaceHolder 1"/>
+          <p:cNvSpPr>
+            <a:spLocks noGrp="1"/>
+          </p:cNvSpPr>
+          <p:nvPr>
+            <p:ph type="title"/>
+          </p:nvPr>
+        </p:nvSpPr>
+        <p:spPr>
+          <a:xfrm>
+            <a:off x="457200" y="205200"/>
+            <a:ext cx="8228880" cy="858240"/>
+          </a:xfrm>
+          <a:prstGeom prst="rect">
+            <a:avLst/>
+          </a:prstGeom>
+        </p:spPr>
+        <p:txBody>
+          <a:bodyPr lIns="0" rIns="0" tIns="0" bIns="0" anchor="ctr"/>
+          <a:p>
+            <a:pPr algn="ctr"/>
+            <a:endParaRPr b="0" lang="en-US" sz="4400" spc="-1" strike="noStrike">
+              <a:latin typeface="Arial"/>
+            </a:endParaRPr>
+          </a:p>
+        </p:txBody>
+      </p:sp>
+      <p:sp>
+        <p:nvSpPr>
+          <p:cNvPr id="169" name="PlaceHolder 2"/>
+          <p:cNvSpPr>
+            <a:spLocks noGrp="1"/>
+          </p:cNvSpPr>
+          <p:nvPr>
+            <p:ph type="body"/>
+          </p:nvPr>
+        </p:nvSpPr>
+        <p:spPr>
+          <a:xfrm>
+            <a:off x="457200" y="1203480"/>
+            <a:ext cx="4015440" cy="1422360"/>
+          </a:xfrm>
+          <a:prstGeom prst="rect">
+            <a:avLst/>
+          </a:prstGeom>
+        </p:spPr>
+        <p:txBody>
+          <a:bodyPr lIns="0" rIns="0" tIns="0" bIns="0">
+            <a:normAutofit/>
+          </a:bodyPr>
+          <a:p>
+            <a:endParaRPr b="0" lang="en-US" sz="3200" spc="-1" strike="noStrike">
+              <a:latin typeface="Arial"/>
+            </a:endParaRPr>
+          </a:p>
+        </p:txBody>
+      </p:sp>
+      <p:sp>
+        <p:nvSpPr>
+          <p:cNvPr id="170" name="PlaceHolder 3"/>
+          <p:cNvSpPr>
+            <a:spLocks noGrp="1"/>
+          </p:cNvSpPr>
+          <p:nvPr>
+            <p:ph type="body"/>
+          </p:nvPr>
+        </p:nvSpPr>
+        <p:spPr>
+          <a:xfrm>
+            <a:off x="4673880" y="1203480"/>
+            <a:ext cx="4015440" cy="2982600"/>
+          </a:xfrm>
+          <a:prstGeom prst="rect">
+            <a:avLst/>
+          </a:prstGeom>
+        </p:spPr>
+        <p:txBody>
+          <a:bodyPr lIns="0" rIns="0" tIns="0" bIns="0">
+            <a:normAutofit/>
+          </a:bodyPr>
+          <a:p>
+            <a:endParaRPr b="0" lang="en-US" sz="3200" spc="-1" strike="noStrike">
+              <a:latin typeface="Arial"/>
+            </a:endParaRPr>
+          </a:p>
+        </p:txBody>
+      </p:sp>
+      <p:sp>
+        <p:nvSpPr>
+          <p:cNvPr id="171" name="PlaceHolder 4"/>
+          <p:cNvSpPr>
+            <a:spLocks noGrp="1"/>
+          </p:cNvSpPr>
+          <p:nvPr>
+            <p:ph type="body"/>
+          </p:nvPr>
+        </p:nvSpPr>
+        <p:spPr>
+          <a:xfrm>
+            <a:off x="457200" y="2761200"/>
+            <a:ext cx="4015440" cy="1422360"/>
+          </a:xfrm>
+          <a:prstGeom prst="rect">
+            <a:avLst/>
+          </a:prstGeom>
+        </p:spPr>
+        <p:txBody>
+          <a:bodyPr lIns="0" rIns="0" tIns="0" bIns="0">
+            <a:normAutofit/>
+          </a:bodyPr>
+          <a:p>
+            <a:endParaRPr b="0" lang="en-US" sz="3200" spc="-1" strike="noStrike">
+              <a:latin typeface="Arial"/>
+            </a:endParaRPr>
+          </a:p>
+        </p:txBody>
+      </p:sp>
+    </p:spTree>
+  </p:cSld>
+</p:sldLayout>
+</file>
+
+<file path=ppt/slideLayouts/slideLayout56.xml><?xml version="1.0" encoding="utf-8"?>
+<p:sldLayout xmlns:a="http://schemas.openxmlformats.org/drawingml/2006/main" xmlns:p="http://schemas.openxmlformats.org/presentationml/2006/main" xmlns:r="http://schemas.openxmlformats.org/officeDocument/2006/relationships" xmlns:p14="http://schemas.microsoft.com/office/powerpoint/2010/main" xmlns:p15="http://schemas.microsoft.com/office/powerpoint/2012/main" xmlns:mc="http://schemas.openxmlformats.org/markup-compatibility/2006" type="objAndTwoObj" preserve="1">
+  <p:cSld name="Title Content and 2 Content">
+    <p:spTree>
+      <p:nvGrpSpPr>
+        <p:cNvPr id="1" name=""/>
+        <p:cNvGrpSpPr/>
+        <p:nvPr/>
+      </p:nvGrpSpPr>
+      <p:grpSpPr>
+        <a:xfrm>
+          <a:off x="0" y="0"/>
+          <a:ext cx="0" cy="0"/>
+          <a:chOff x="0" y="0"/>
+          <a:chExt cx="0" cy="0"/>
+        </a:xfrm>
+      </p:grpSpPr>
+      <p:sp>
+        <p:nvSpPr>
+          <p:cNvPr id="172" name="PlaceHolder 1"/>
+          <p:cNvSpPr>
+            <a:spLocks noGrp="1"/>
+          </p:cNvSpPr>
+          <p:nvPr>
+            <p:ph type="title"/>
+          </p:nvPr>
+        </p:nvSpPr>
+        <p:spPr>
+          <a:xfrm>
+            <a:off x="457200" y="205200"/>
+            <a:ext cx="8228880" cy="858240"/>
+          </a:xfrm>
+          <a:prstGeom prst="rect">
+            <a:avLst/>
+          </a:prstGeom>
+        </p:spPr>
+        <p:txBody>
+          <a:bodyPr lIns="0" rIns="0" tIns="0" bIns="0" anchor="ctr"/>
+          <a:p>
+            <a:pPr algn="ctr"/>
+            <a:endParaRPr b="0" lang="en-US" sz="4400" spc="-1" strike="noStrike">
+              <a:latin typeface="Arial"/>
+            </a:endParaRPr>
+          </a:p>
+        </p:txBody>
+      </p:sp>
+      <p:sp>
+        <p:nvSpPr>
+          <p:cNvPr id="173" name="PlaceHolder 2"/>
+          <p:cNvSpPr>
+            <a:spLocks noGrp="1"/>
+          </p:cNvSpPr>
+          <p:nvPr>
+            <p:ph type="body"/>
+          </p:nvPr>
+        </p:nvSpPr>
+        <p:spPr>
+          <a:xfrm>
+            <a:off x="457200" y="1203480"/>
+            <a:ext cx="4015440" cy="2982600"/>
+          </a:xfrm>
+          <a:prstGeom prst="rect">
+            <a:avLst/>
+          </a:prstGeom>
+        </p:spPr>
+        <p:txBody>
+          <a:bodyPr lIns="0" rIns="0" tIns="0" bIns="0">
+            <a:normAutofit/>
+          </a:bodyPr>
+          <a:p>
+            <a:endParaRPr b="0" lang="en-US" sz="3200" spc="-1" strike="noStrike">
+              <a:latin typeface="Arial"/>
+            </a:endParaRPr>
+          </a:p>
+        </p:txBody>
+      </p:sp>
+      <p:sp>
+        <p:nvSpPr>
+          <p:cNvPr id="174" name="PlaceHolder 3"/>
+          <p:cNvSpPr>
+            <a:spLocks noGrp="1"/>
+          </p:cNvSpPr>
+          <p:nvPr>
+            <p:ph type="body"/>
+          </p:nvPr>
+        </p:nvSpPr>
+        <p:spPr>
+          <a:xfrm>
+            <a:off x="4673880" y="1203480"/>
+            <a:ext cx="4015440" cy="1422360"/>
+          </a:xfrm>
+          <a:prstGeom prst="rect">
+            <a:avLst/>
+          </a:prstGeom>
+        </p:spPr>
+        <p:txBody>
+          <a:bodyPr lIns="0" rIns="0" tIns="0" bIns="0">
+            <a:normAutofit/>
+          </a:bodyPr>
+          <a:p>
+            <a:endParaRPr b="0" lang="en-US" sz="3200" spc="-1" strike="noStrike">
+              <a:latin typeface="Arial"/>
+            </a:endParaRPr>
+          </a:p>
+        </p:txBody>
+      </p:sp>
+      <p:sp>
+        <p:nvSpPr>
+          <p:cNvPr id="175" name="PlaceHolder 4"/>
+          <p:cNvSpPr>
+            <a:spLocks noGrp="1"/>
+          </p:cNvSpPr>
+          <p:nvPr>
+            <p:ph type="body"/>
+          </p:nvPr>
+        </p:nvSpPr>
+        <p:spPr>
+          <a:xfrm>
+            <a:off x="4673880" y="2761200"/>
+            <a:ext cx="4015440" cy="1422360"/>
+          </a:xfrm>
+          <a:prstGeom prst="rect">
+            <a:avLst/>
+          </a:prstGeom>
+        </p:spPr>
+        <p:txBody>
+          <a:bodyPr lIns="0" rIns="0" tIns="0" bIns="0">
+            <a:normAutofit/>
+          </a:bodyPr>
+          <a:p>
+            <a:endParaRPr b="0" lang="en-US" sz="3200" spc="-1" strike="noStrike">
+              <a:latin typeface="Arial"/>
+            </a:endParaRPr>
+          </a:p>
+        </p:txBody>
+      </p:sp>
+    </p:spTree>
+  </p:cSld>
+</p:sldLayout>
+</file>
+
+<file path=ppt/slideLayouts/slideLayout57.xml><?xml version="1.0" encoding="utf-8"?>
+<p:sldLayout xmlns:a="http://schemas.openxmlformats.org/drawingml/2006/main" xmlns:p="http://schemas.openxmlformats.org/presentationml/2006/main" xmlns:r="http://schemas.openxmlformats.org/officeDocument/2006/relationships" xmlns:p14="http://schemas.microsoft.com/office/powerpoint/2010/main" xmlns:p15="http://schemas.microsoft.com/office/powerpoint/2012/main" xmlns:mc="http://schemas.openxmlformats.org/markup-compatibility/2006" type="twoObjOverTx" preserve="1">
+  <p:cSld name="Title, 2 Content over Content">
+    <p:spTree>
+      <p:nvGrpSpPr>
+        <p:cNvPr id="1" name=""/>
+        <p:cNvGrpSpPr/>
+        <p:nvPr/>
+      </p:nvGrpSpPr>
+      <p:grpSpPr>
+        <a:xfrm>
+          <a:off x="0" y="0"/>
+          <a:ext cx="0" cy="0"/>
+          <a:chOff x="0" y="0"/>
+          <a:chExt cx="0" cy="0"/>
+        </a:xfrm>
+      </p:grpSpPr>
+      <p:sp>
+        <p:nvSpPr>
+          <p:cNvPr id="176" name="PlaceHolder 1"/>
+          <p:cNvSpPr>
+            <a:spLocks noGrp="1"/>
+          </p:cNvSpPr>
+          <p:nvPr>
+            <p:ph type="title"/>
+          </p:nvPr>
+        </p:nvSpPr>
+        <p:spPr>
+          <a:xfrm>
+            <a:off x="457200" y="205200"/>
+            <a:ext cx="8228880" cy="858240"/>
+          </a:xfrm>
+          <a:prstGeom prst="rect">
+            <a:avLst/>
+          </a:prstGeom>
+        </p:spPr>
+        <p:txBody>
+          <a:bodyPr lIns="0" rIns="0" tIns="0" bIns="0" anchor="ctr"/>
+          <a:p>
+            <a:pPr algn="ctr"/>
+            <a:endParaRPr b="0" lang="en-US" sz="4400" spc="-1" strike="noStrike">
+              <a:latin typeface="Arial"/>
+            </a:endParaRPr>
+          </a:p>
+        </p:txBody>
+      </p:sp>
+      <p:sp>
+        <p:nvSpPr>
+          <p:cNvPr id="177" name="PlaceHolder 2"/>
+          <p:cNvSpPr>
+            <a:spLocks noGrp="1"/>
+          </p:cNvSpPr>
+          <p:nvPr>
+            <p:ph type="body"/>
+          </p:nvPr>
+        </p:nvSpPr>
+        <p:spPr>
+          <a:xfrm>
+            <a:off x="457200" y="1203480"/>
+            <a:ext cx="4015440" cy="1422360"/>
+          </a:xfrm>
+          <a:prstGeom prst="rect">
+            <a:avLst/>
+          </a:prstGeom>
+        </p:spPr>
+        <p:txBody>
+          <a:bodyPr lIns="0" rIns="0" tIns="0" bIns="0">
+            <a:normAutofit/>
+          </a:bodyPr>
+          <a:p>
+            <a:endParaRPr b="0" lang="en-US" sz="3200" spc="-1" strike="noStrike">
+              <a:latin typeface="Arial"/>
+            </a:endParaRPr>
+          </a:p>
+        </p:txBody>
+      </p:sp>
+      <p:sp>
+        <p:nvSpPr>
+          <p:cNvPr id="178" name="PlaceHolder 3"/>
+          <p:cNvSpPr>
+            <a:spLocks noGrp="1"/>
+          </p:cNvSpPr>
+          <p:nvPr>
+            <p:ph type="body"/>
+          </p:nvPr>
+        </p:nvSpPr>
+        <p:spPr>
+          <a:xfrm>
+            <a:off x="4673880" y="1203480"/>
+            <a:ext cx="4015440" cy="1422360"/>
+          </a:xfrm>
+          <a:prstGeom prst="rect">
+            <a:avLst/>
+          </a:prstGeom>
+        </p:spPr>
+        <p:txBody>
+          <a:bodyPr lIns="0" rIns="0" tIns="0" bIns="0">
+            <a:normAutofit/>
+          </a:bodyPr>
+          <a:p>
+            <a:endParaRPr b="0" lang="en-US" sz="3200" spc="-1" strike="noStrike">
+              <a:latin typeface="Arial"/>
+            </a:endParaRPr>
+          </a:p>
+        </p:txBody>
+      </p:sp>
+      <p:sp>
+        <p:nvSpPr>
+          <p:cNvPr id="179" name="PlaceHolder 4"/>
+          <p:cNvSpPr>
+            <a:spLocks noGrp="1"/>
+          </p:cNvSpPr>
+          <p:nvPr>
+            <p:ph type="body"/>
+          </p:nvPr>
+        </p:nvSpPr>
+        <p:spPr>
+          <a:xfrm>
+            <a:off x="457200" y="2761200"/>
+            <a:ext cx="8228880" cy="1422360"/>
+          </a:xfrm>
+          <a:prstGeom prst="rect">
+            <a:avLst/>
+          </a:prstGeom>
+        </p:spPr>
+        <p:txBody>
+          <a:bodyPr lIns="0" rIns="0" tIns="0" bIns="0">
+            <a:normAutofit/>
+          </a:bodyPr>
+          <a:p>
+            <a:endParaRPr b="0" lang="en-US" sz="3200" spc="-1" strike="noStrike">
+              <a:latin typeface="Arial"/>
+            </a:endParaRPr>
+          </a:p>
+        </p:txBody>
+      </p:sp>
+    </p:spTree>
+  </p:cSld>
+</p:sldLayout>
+</file>
+
+<file path=ppt/slideLayouts/slideLayout58.xml><?xml version="1.0" encoding="utf-8"?>
+<p:sldLayout xmlns:a="http://schemas.openxmlformats.org/drawingml/2006/main" xmlns:p="http://schemas.openxmlformats.org/presentationml/2006/main" xmlns:r="http://schemas.openxmlformats.org/officeDocument/2006/relationships" xmlns:p14="http://schemas.microsoft.com/office/powerpoint/2010/main" xmlns:p15="http://schemas.microsoft.com/office/powerpoint/2012/main" xmlns:mc="http://schemas.openxmlformats.org/markup-compatibility/2006" type="objOverTx" preserve="1">
+  <p:cSld name="Title, Content over Content">
+    <p:spTree>
+      <p:nvGrpSpPr>
+        <p:cNvPr id="1" name=""/>
+        <p:cNvGrpSpPr/>
+        <p:nvPr/>
+      </p:nvGrpSpPr>
+      <p:grpSpPr>
+        <a:xfrm>
+          <a:off x="0" y="0"/>
+          <a:ext cx="0" cy="0"/>
+          <a:chOff x="0" y="0"/>
+          <a:chExt cx="0" cy="0"/>
+        </a:xfrm>
+      </p:grpSpPr>
+      <p:sp>
+        <p:nvSpPr>
+          <p:cNvPr id="180" name="PlaceHolder 1"/>
+          <p:cNvSpPr>
+            <a:spLocks noGrp="1"/>
+          </p:cNvSpPr>
+          <p:nvPr>
+            <p:ph type="title"/>
+          </p:nvPr>
+        </p:nvSpPr>
+        <p:spPr>
+          <a:xfrm>
+            <a:off x="457200" y="205200"/>
+            <a:ext cx="8228880" cy="858240"/>
+          </a:xfrm>
+          <a:prstGeom prst="rect">
+            <a:avLst/>
+          </a:prstGeom>
+        </p:spPr>
+        <p:txBody>
+          <a:bodyPr lIns="0" rIns="0" tIns="0" bIns="0" anchor="ctr"/>
+          <a:p>
+            <a:pPr algn="ctr"/>
+            <a:endParaRPr b="0" lang="en-US" sz="4400" spc="-1" strike="noStrike">
+              <a:latin typeface="Arial"/>
+            </a:endParaRPr>
+          </a:p>
+        </p:txBody>
+      </p:sp>
+      <p:sp>
+        <p:nvSpPr>
+          <p:cNvPr id="181" name="PlaceHolder 2"/>
+          <p:cNvSpPr>
+            <a:spLocks noGrp="1"/>
+          </p:cNvSpPr>
+          <p:nvPr>
+            <p:ph type="body"/>
+          </p:nvPr>
+        </p:nvSpPr>
+        <p:spPr>
+          <a:xfrm>
+            <a:off x="457200" y="1203480"/>
+            <a:ext cx="8228880" cy="1422360"/>
+          </a:xfrm>
+          <a:prstGeom prst="rect">
+            <a:avLst/>
+          </a:prstGeom>
+        </p:spPr>
+        <p:txBody>
+          <a:bodyPr lIns="0" rIns="0" tIns="0" bIns="0">
+            <a:normAutofit/>
+          </a:bodyPr>
+          <a:p>
+            <a:endParaRPr b="0" lang="en-US" sz="3200" spc="-1" strike="noStrike">
+              <a:latin typeface="Arial"/>
+            </a:endParaRPr>
+          </a:p>
+        </p:txBody>
+      </p:sp>
+      <p:sp>
+        <p:nvSpPr>
+          <p:cNvPr id="182" name="PlaceHolder 3"/>
+          <p:cNvSpPr>
+            <a:spLocks noGrp="1"/>
+          </p:cNvSpPr>
+          <p:nvPr>
+            <p:ph type="body"/>
+          </p:nvPr>
+        </p:nvSpPr>
+        <p:spPr>
+          <a:xfrm>
+            <a:off x="457200" y="2761200"/>
+            <a:ext cx="8228880" cy="1422360"/>
+          </a:xfrm>
+          <a:prstGeom prst="rect">
+            <a:avLst/>
+          </a:prstGeom>
+        </p:spPr>
+        <p:txBody>
+          <a:bodyPr lIns="0" rIns="0" tIns="0" bIns="0">
+            <a:normAutofit/>
+          </a:bodyPr>
+          <a:p>
+            <a:endParaRPr b="0" lang="en-US" sz="3200" spc="-1" strike="noStrike">
+              <a:latin typeface="Arial"/>
+            </a:endParaRPr>
+          </a:p>
+        </p:txBody>
+      </p:sp>
+    </p:spTree>
+  </p:cSld>
+</p:sldLayout>
+</file>
+
+<file path=ppt/slideLayouts/slideLayout59.xml><?xml version="1.0" encoding="utf-8"?>
+<p:sldLayout xmlns:a="http://schemas.openxmlformats.org/drawingml/2006/main" xmlns:p="http://schemas.openxmlformats.org/presentationml/2006/main" xmlns:r="http://schemas.openxmlformats.org/officeDocument/2006/relationships" xmlns:p14="http://schemas.microsoft.com/office/powerpoint/2010/main" xmlns:p15="http://schemas.microsoft.com/office/powerpoint/2012/main" xmlns:mc="http://schemas.openxmlformats.org/markup-compatibility/2006" type="fourObj" preserve="1">
+  <p:cSld name="Title, 4 Content">
+    <p:spTree>
+      <p:nvGrpSpPr>
+        <p:cNvPr id="1" name=""/>
+        <p:cNvGrpSpPr/>
+        <p:nvPr/>
+      </p:nvGrpSpPr>
+      <p:grpSpPr>
+        <a:xfrm>
+          <a:off x="0" y="0"/>
+          <a:ext cx="0" cy="0"/>
+          <a:chOff x="0" y="0"/>
+          <a:chExt cx="0" cy="0"/>
+        </a:xfrm>
+      </p:grpSpPr>
+      <p:sp>
+        <p:nvSpPr>
+          <p:cNvPr id="183" name="PlaceHolder 1"/>
+          <p:cNvSpPr>
+            <a:spLocks noGrp="1"/>
+          </p:cNvSpPr>
+          <p:nvPr>
+            <p:ph type="title"/>
+          </p:nvPr>
+        </p:nvSpPr>
+        <p:spPr>
+          <a:xfrm>
+            <a:off x="457200" y="205200"/>
+            <a:ext cx="8228880" cy="858240"/>
+          </a:xfrm>
+          <a:prstGeom prst="rect">
+            <a:avLst/>
+          </a:prstGeom>
+        </p:spPr>
+        <p:txBody>
+          <a:bodyPr lIns="0" rIns="0" tIns="0" bIns="0" anchor="ctr"/>
+          <a:p>
+            <a:pPr algn="ctr"/>
+            <a:endParaRPr b="0" lang="en-US" sz="4400" spc="-1" strike="noStrike">
+              <a:latin typeface="Arial"/>
+            </a:endParaRPr>
+          </a:p>
+        </p:txBody>
+      </p:sp>
+      <p:sp>
+        <p:nvSpPr>
+          <p:cNvPr id="184" name="PlaceHolder 2"/>
+          <p:cNvSpPr>
+            <a:spLocks noGrp="1"/>
+          </p:cNvSpPr>
+          <p:nvPr>
+            <p:ph type="body"/>
+          </p:nvPr>
+        </p:nvSpPr>
+        <p:spPr>
+          <a:xfrm>
+            <a:off x="457200" y="1203480"/>
+            <a:ext cx="4015440" cy="1422360"/>
+          </a:xfrm>
+          <a:prstGeom prst="rect">
+            <a:avLst/>
+          </a:prstGeom>
+        </p:spPr>
+        <p:txBody>
+          <a:bodyPr lIns="0" rIns="0" tIns="0" bIns="0">
+            <a:normAutofit/>
+          </a:bodyPr>
+          <a:p>
+            <a:endParaRPr b="0" lang="en-US" sz="3200" spc="-1" strike="noStrike">
+              <a:latin typeface="Arial"/>
+            </a:endParaRPr>
+          </a:p>
+        </p:txBody>
+      </p:sp>
+      <p:sp>
+        <p:nvSpPr>
+          <p:cNvPr id="185" name="PlaceHolder 3"/>
+          <p:cNvSpPr>
+            <a:spLocks noGrp="1"/>
+          </p:cNvSpPr>
+          <p:nvPr>
+            <p:ph type="body"/>
+          </p:nvPr>
+        </p:nvSpPr>
+        <p:spPr>
+          <a:xfrm>
+            <a:off x="4673880" y="1203480"/>
+            <a:ext cx="4015440" cy="1422360"/>
+          </a:xfrm>
+          <a:prstGeom prst="rect">
+            <a:avLst/>
+          </a:prstGeom>
+        </p:spPr>
+        <p:txBody>
+          <a:bodyPr lIns="0" rIns="0" tIns="0" bIns="0">
+            <a:normAutofit/>
+          </a:bodyPr>
+          <a:p>
+            <a:endParaRPr b="0" lang="en-US" sz="3200" spc="-1" strike="noStrike">
+              <a:latin typeface="Arial"/>
+            </a:endParaRPr>
+          </a:p>
+        </p:txBody>
+      </p:sp>
+      <p:sp>
+        <p:nvSpPr>
+          <p:cNvPr id="186" name="PlaceHolder 4"/>
+          <p:cNvSpPr>
+            <a:spLocks noGrp="1"/>
+          </p:cNvSpPr>
+          <p:nvPr>
+            <p:ph type="body"/>
+          </p:nvPr>
+        </p:nvSpPr>
+        <p:spPr>
+          <a:xfrm>
+            <a:off x="457200" y="2761200"/>
+            <a:ext cx="4015440" cy="1422360"/>
+          </a:xfrm>
+          <a:prstGeom prst="rect">
+            <a:avLst/>
+          </a:prstGeom>
+        </p:spPr>
+        <p:txBody>
+          <a:bodyPr lIns="0" rIns="0" tIns="0" bIns="0">
+            <a:normAutofit/>
+          </a:bodyPr>
+          <a:p>
+            <a:endParaRPr b="0" lang="en-US" sz="3200" spc="-1" strike="noStrike">
+              <a:latin typeface="Arial"/>
+            </a:endParaRPr>
+          </a:p>
+        </p:txBody>
+      </p:sp>
+      <p:sp>
+        <p:nvSpPr>
+          <p:cNvPr id="187" name="PlaceHolder 5"/>
+          <p:cNvSpPr>
+            <a:spLocks noGrp="1"/>
+          </p:cNvSpPr>
+          <p:nvPr>
+            <p:ph type="body"/>
+          </p:nvPr>
+        </p:nvSpPr>
+        <p:spPr>
+          <a:xfrm>
+            <a:off x="4673880" y="2761200"/>
+            <a:ext cx="4015440" cy="1422360"/>
+          </a:xfrm>
+          <a:prstGeom prst="rect">
+            <a:avLst/>
+          </a:prstGeom>
+        </p:spPr>
+        <p:txBody>
+          <a:bodyPr lIns="0" rIns="0" tIns="0" bIns="0">
+            <a:normAutofit/>
+          </a:bodyPr>
+          <a:p>
+            <a:endParaRPr b="0" lang="en-US" sz="3200" spc="-1" strike="noStrike">
               <a:latin typeface="Arial"/>
             </a:endParaRPr>
           </a:p>
@@ -3573,7 +6011,7 @@
         <p:spPr>
           <a:xfrm>
             <a:off x="457200" y="205200"/>
-            <a:ext cx="8229240" cy="3981240"/>
+            <a:ext cx="8228880" cy="3979440"/>
           </a:xfrm>
           <a:prstGeom prst="rect">
             <a:avLst/>
@@ -3583,6 +6021,237 @@
           <a:bodyPr lIns="0" rIns="0" tIns="0" bIns="0" anchor="ctr"/>
           <a:p>
             <a:pPr algn="ctr"/>
+            <a:endParaRPr b="0" lang="en-US" sz="3200" spc="-1" strike="noStrike">
+              <a:latin typeface="Arial"/>
+            </a:endParaRPr>
+          </a:p>
+        </p:txBody>
+      </p:sp>
+    </p:spTree>
+  </p:cSld>
+</p:sldLayout>
+</file>
+
+<file path=ppt/slideLayouts/slideLayout60.xml><?xml version="1.0" encoding="utf-8"?>
+<p:sldLayout xmlns:a="http://schemas.openxmlformats.org/drawingml/2006/main" xmlns:p="http://schemas.openxmlformats.org/presentationml/2006/main" xmlns:r="http://schemas.openxmlformats.org/officeDocument/2006/relationships" xmlns:p14="http://schemas.microsoft.com/office/powerpoint/2010/main" xmlns:p15="http://schemas.microsoft.com/office/powerpoint/2012/main" xmlns:mc="http://schemas.openxmlformats.org/markup-compatibility/2006" type="blank" preserve="1">
+  <p:cSld name="Title, 6 Content">
+    <p:spTree>
+      <p:nvGrpSpPr>
+        <p:cNvPr id="1" name=""/>
+        <p:cNvGrpSpPr/>
+        <p:nvPr/>
+      </p:nvGrpSpPr>
+      <p:grpSpPr>
+        <a:xfrm>
+          <a:off x="0" y="0"/>
+          <a:ext cx="0" cy="0"/>
+          <a:chOff x="0" y="0"/>
+          <a:chExt cx="0" cy="0"/>
+        </a:xfrm>
+      </p:grpSpPr>
+      <p:sp>
+        <p:nvSpPr>
+          <p:cNvPr id="188" name="PlaceHolder 1"/>
+          <p:cNvSpPr>
+            <a:spLocks noGrp="1"/>
+          </p:cNvSpPr>
+          <p:nvPr>
+            <p:ph type="title"/>
+          </p:nvPr>
+        </p:nvSpPr>
+        <p:spPr>
+          <a:xfrm>
+            <a:off x="457200" y="205200"/>
+            <a:ext cx="8228880" cy="858240"/>
+          </a:xfrm>
+          <a:prstGeom prst="rect">
+            <a:avLst/>
+          </a:prstGeom>
+        </p:spPr>
+        <p:txBody>
+          <a:bodyPr lIns="0" rIns="0" tIns="0" bIns="0" anchor="ctr"/>
+          <a:p>
+            <a:pPr algn="ctr"/>
+            <a:endParaRPr b="0" lang="en-US" sz="4400" spc="-1" strike="noStrike">
+              <a:latin typeface="Arial"/>
+            </a:endParaRPr>
+          </a:p>
+        </p:txBody>
+      </p:sp>
+      <p:sp>
+        <p:nvSpPr>
+          <p:cNvPr id="189" name="PlaceHolder 2"/>
+          <p:cNvSpPr>
+            <a:spLocks noGrp="1"/>
+          </p:cNvSpPr>
+          <p:nvPr>
+            <p:ph type="body"/>
+          </p:nvPr>
+        </p:nvSpPr>
+        <p:spPr>
+          <a:xfrm>
+            <a:off x="457200" y="1203480"/>
+            <a:ext cx="2649600" cy="1422360"/>
+          </a:xfrm>
+          <a:prstGeom prst="rect">
+            <a:avLst/>
+          </a:prstGeom>
+        </p:spPr>
+        <p:txBody>
+          <a:bodyPr lIns="0" rIns="0" tIns="0" bIns="0">
+            <a:normAutofit/>
+          </a:bodyPr>
+          <a:p>
+            <a:endParaRPr b="0" lang="en-US" sz="3200" spc="-1" strike="noStrike">
+              <a:latin typeface="Arial"/>
+            </a:endParaRPr>
+          </a:p>
+        </p:txBody>
+      </p:sp>
+      <p:sp>
+        <p:nvSpPr>
+          <p:cNvPr id="190" name="PlaceHolder 3"/>
+          <p:cNvSpPr>
+            <a:spLocks noGrp="1"/>
+          </p:cNvSpPr>
+          <p:nvPr>
+            <p:ph type="body"/>
+          </p:nvPr>
+        </p:nvSpPr>
+        <p:spPr>
+          <a:xfrm>
+            <a:off x="3239640" y="1203480"/>
+            <a:ext cx="2649600" cy="1422360"/>
+          </a:xfrm>
+          <a:prstGeom prst="rect">
+            <a:avLst/>
+          </a:prstGeom>
+        </p:spPr>
+        <p:txBody>
+          <a:bodyPr lIns="0" rIns="0" tIns="0" bIns="0">
+            <a:normAutofit/>
+          </a:bodyPr>
+          <a:p>
+            <a:endParaRPr b="0" lang="en-US" sz="3200" spc="-1" strike="noStrike">
+              <a:latin typeface="Arial"/>
+            </a:endParaRPr>
+          </a:p>
+        </p:txBody>
+      </p:sp>
+      <p:sp>
+        <p:nvSpPr>
+          <p:cNvPr id="191" name="PlaceHolder 4"/>
+          <p:cNvSpPr>
+            <a:spLocks noGrp="1"/>
+          </p:cNvSpPr>
+          <p:nvPr>
+            <p:ph type="body"/>
+          </p:nvPr>
+        </p:nvSpPr>
+        <p:spPr>
+          <a:xfrm>
+            <a:off x="6022080" y="1203480"/>
+            <a:ext cx="2649600" cy="1422360"/>
+          </a:xfrm>
+          <a:prstGeom prst="rect">
+            <a:avLst/>
+          </a:prstGeom>
+        </p:spPr>
+        <p:txBody>
+          <a:bodyPr lIns="0" rIns="0" tIns="0" bIns="0">
+            <a:normAutofit/>
+          </a:bodyPr>
+          <a:p>
+            <a:endParaRPr b="0" lang="en-US" sz="3200" spc="-1" strike="noStrike">
+              <a:latin typeface="Arial"/>
+            </a:endParaRPr>
+          </a:p>
+        </p:txBody>
+      </p:sp>
+      <p:sp>
+        <p:nvSpPr>
+          <p:cNvPr id="192" name="PlaceHolder 5"/>
+          <p:cNvSpPr>
+            <a:spLocks noGrp="1"/>
+          </p:cNvSpPr>
+          <p:nvPr>
+            <p:ph type="body"/>
+          </p:nvPr>
+        </p:nvSpPr>
+        <p:spPr>
+          <a:xfrm>
+            <a:off x="457200" y="2761200"/>
+            <a:ext cx="2649600" cy="1422360"/>
+          </a:xfrm>
+          <a:prstGeom prst="rect">
+            <a:avLst/>
+          </a:prstGeom>
+        </p:spPr>
+        <p:txBody>
+          <a:bodyPr lIns="0" rIns="0" tIns="0" bIns="0">
+            <a:normAutofit/>
+          </a:bodyPr>
+          <a:p>
+            <a:endParaRPr b="0" lang="en-US" sz="3200" spc="-1" strike="noStrike">
+              <a:latin typeface="Arial"/>
+            </a:endParaRPr>
+          </a:p>
+        </p:txBody>
+      </p:sp>
+      <p:sp>
+        <p:nvSpPr>
+          <p:cNvPr id="193" name="PlaceHolder 6"/>
+          <p:cNvSpPr>
+            <a:spLocks noGrp="1"/>
+          </p:cNvSpPr>
+          <p:nvPr>
+            <p:ph type="body"/>
+          </p:nvPr>
+        </p:nvSpPr>
+        <p:spPr>
+          <a:xfrm>
+            <a:off x="3239640" y="2761200"/>
+            <a:ext cx="2649600" cy="1422360"/>
+          </a:xfrm>
+          <a:prstGeom prst="rect">
+            <a:avLst/>
+          </a:prstGeom>
+        </p:spPr>
+        <p:txBody>
+          <a:bodyPr lIns="0" rIns="0" tIns="0" bIns="0">
+            <a:normAutofit/>
+          </a:bodyPr>
+          <a:p>
+            <a:endParaRPr b="0" lang="en-US" sz="3200" spc="-1" strike="noStrike">
+              <a:latin typeface="Arial"/>
+            </a:endParaRPr>
+          </a:p>
+        </p:txBody>
+      </p:sp>
+      <p:sp>
+        <p:nvSpPr>
+          <p:cNvPr id="194" name="PlaceHolder 7"/>
+          <p:cNvSpPr>
+            <a:spLocks noGrp="1"/>
+          </p:cNvSpPr>
+          <p:nvPr>
+            <p:ph type="body"/>
+          </p:nvPr>
+        </p:nvSpPr>
+        <p:spPr>
+          <a:xfrm>
+            <a:off x="6022080" y="2761200"/>
+            <a:ext cx="2649600" cy="1422360"/>
+          </a:xfrm>
+          <a:prstGeom prst="rect">
+            <a:avLst/>
+          </a:prstGeom>
+        </p:spPr>
+        <p:txBody>
+          <a:bodyPr lIns="0" rIns="0" tIns="0" bIns="0">
+            <a:normAutofit/>
+          </a:bodyPr>
+          <a:p>
             <a:endParaRPr b="0" lang="en-US" sz="3200" spc="-1" strike="noStrike">
               <a:latin typeface="Arial"/>
             </a:endParaRPr>
@@ -3624,7 +6293,7 @@
         <p:spPr>
           <a:xfrm>
             <a:off x="457200" y="205200"/>
-            <a:ext cx="8229240" cy="858600"/>
+            <a:ext cx="8228880" cy="858240"/>
           </a:xfrm>
           <a:prstGeom prst="rect">
             <a:avLst/>
@@ -3653,7 +6322,7 @@
         <p:spPr>
           <a:xfrm>
             <a:off x="457200" y="1203480"/>
-            <a:ext cx="4015800" cy="1422720"/>
+            <a:ext cx="4015440" cy="1422360"/>
           </a:xfrm>
           <a:prstGeom prst="rect">
             <a:avLst/>
@@ -3682,8 +6351,8 @@
         </p:nvSpPr>
         <p:spPr>
           <a:xfrm>
-            <a:off x="4674240" y="1203480"/>
-            <a:ext cx="4015800" cy="2982960"/>
+            <a:off x="4673880" y="1203480"/>
+            <a:ext cx="4015440" cy="2982600"/>
           </a:xfrm>
           <a:prstGeom prst="rect">
             <a:avLst/>
@@ -3712,8 +6381,8 @@
         </p:nvSpPr>
         <p:spPr>
           <a:xfrm>
-            <a:off x="457200" y="2761920"/>
-            <a:ext cx="4015800" cy="1422720"/>
+            <a:off x="457200" y="2761200"/>
+            <a:ext cx="4015440" cy="1422360"/>
           </a:xfrm>
           <a:prstGeom prst="rect">
             <a:avLst/>
@@ -3765,7 +6434,7 @@
         <p:spPr>
           <a:xfrm>
             <a:off x="457200" y="205200"/>
-            <a:ext cx="8229240" cy="858600"/>
+            <a:ext cx="8228880" cy="858240"/>
           </a:xfrm>
           <a:prstGeom prst="rect">
             <a:avLst/>
@@ -3794,7 +6463,7 @@
         <p:spPr>
           <a:xfrm>
             <a:off x="457200" y="1203480"/>
-            <a:ext cx="4015800" cy="2982960"/>
+            <a:ext cx="4015440" cy="2982600"/>
           </a:xfrm>
           <a:prstGeom prst="rect">
             <a:avLst/>
@@ -3823,8 +6492,8 @@
         </p:nvSpPr>
         <p:spPr>
           <a:xfrm>
-            <a:off x="4674240" y="1203480"/>
-            <a:ext cx="4015800" cy="1422720"/>
+            <a:off x="4673880" y="1203480"/>
+            <a:ext cx="4015440" cy="1422360"/>
           </a:xfrm>
           <a:prstGeom prst="rect">
             <a:avLst/>
@@ -3853,8 +6522,8 @@
         </p:nvSpPr>
         <p:spPr>
           <a:xfrm>
-            <a:off x="4674240" y="2761920"/>
-            <a:ext cx="4015800" cy="1422720"/>
+            <a:off x="4673880" y="2761200"/>
+            <a:ext cx="4015440" cy="1422360"/>
           </a:xfrm>
           <a:prstGeom prst="rect">
             <a:avLst/>
@@ -3906,7 +6575,7 @@
         <p:spPr>
           <a:xfrm>
             <a:off x="457200" y="205200"/>
-            <a:ext cx="8229240" cy="858600"/>
+            <a:ext cx="8228880" cy="858240"/>
           </a:xfrm>
           <a:prstGeom prst="rect">
             <a:avLst/>
@@ -3935,7 +6604,7 @@
         <p:spPr>
           <a:xfrm>
             <a:off x="457200" y="1203480"/>
-            <a:ext cx="4015800" cy="1422720"/>
+            <a:ext cx="4015440" cy="1422360"/>
           </a:xfrm>
           <a:prstGeom prst="rect">
             <a:avLst/>
@@ -3964,8 +6633,8 @@
         </p:nvSpPr>
         <p:spPr>
           <a:xfrm>
-            <a:off x="4674240" y="1203480"/>
-            <a:ext cx="4015800" cy="1422720"/>
+            <a:off x="4673880" y="1203480"/>
+            <a:ext cx="4015440" cy="1422360"/>
           </a:xfrm>
           <a:prstGeom prst="rect">
             <a:avLst/>
@@ -3994,8 +6663,8 @@
         </p:nvSpPr>
         <p:spPr>
           <a:xfrm>
-            <a:off x="457200" y="2761920"/>
-            <a:ext cx="8229240" cy="1422720"/>
+            <a:off x="457200" y="2761200"/>
+            <a:ext cx="8228880" cy="1422360"/>
           </a:xfrm>
           <a:prstGeom prst="rect">
             <a:avLst/>
@@ -4068,13 +6737,49 @@
               <a:rPr b="0" lang="en-US" sz="4400" spc="-1" strike="noStrike">
                 <a:latin typeface="Arial"/>
               </a:rPr>
-              <a:t>Click to edit the title </a:t>
+              <a:t>Clic</a:t>
             </a:r>
             <a:r>
               <a:rPr b="0" lang="en-US" sz="4400" spc="-1" strike="noStrike">
                 <a:latin typeface="Arial"/>
               </a:rPr>
-              <a:t>text format</a:t>
+              <a:t>k to </a:t>
+            </a:r>
+            <a:r>
+              <a:rPr b="0" lang="en-US" sz="4400" spc="-1" strike="noStrike">
+                <a:latin typeface="Arial"/>
+              </a:rPr>
+              <a:t>edit </a:t>
+            </a:r>
+            <a:r>
+              <a:rPr b="0" lang="en-US" sz="4400" spc="-1" strike="noStrike">
+                <a:latin typeface="Arial"/>
+              </a:rPr>
+              <a:t>the </a:t>
+            </a:r>
+            <a:r>
+              <a:rPr b="0" lang="en-US" sz="4400" spc="-1" strike="noStrike">
+                <a:latin typeface="Arial"/>
+              </a:rPr>
+              <a:t>title </a:t>
+            </a:r>
+            <a:r>
+              <a:rPr b="0" lang="en-US" sz="4400" spc="-1" strike="noStrike">
+                <a:latin typeface="Arial"/>
+              </a:rPr>
+              <a:t>text </a:t>
+            </a:r>
+            <a:r>
+              <a:rPr b="0" lang="en-US" sz="4400" spc="-1" strike="noStrike">
+                <a:latin typeface="Arial"/>
+              </a:rPr>
+              <a:t>for</a:t>
+            </a:r>
+            <a:r>
+              <a:rPr b="0" lang="en-US" sz="4400" spc="-1" strike="noStrike">
+                <a:latin typeface="Arial"/>
+              </a:rPr>
+              <a:t>mat</a:t>
             </a:r>
             <a:endParaRPr b="0" lang="en-US" sz="4400" spc="-1" strike="noStrike">
               <a:latin typeface="Arial"/>
@@ -4572,7 +7277,7 @@
         <p:spPr>
           <a:xfrm>
             <a:off x="-14760" y="842760"/>
-            <a:ext cx="9160920" cy="360"/>
+            <a:ext cx="9159840" cy="360"/>
           </a:xfrm>
           <a:custGeom>
             <a:avLst/>
@@ -4614,7 +7319,7 @@
         <p:spPr>
           <a:xfrm>
             <a:off x="292320" y="4749840"/>
-            <a:ext cx="8442720" cy="360"/>
+            <a:ext cx="8441640" cy="360"/>
           </a:xfrm>
           <a:custGeom>
             <a:avLst/>
@@ -4638,8 +7343,8 @@
               <a:schemeClr val="dk2"/>
             </a:solidFill>
             <a:custDash>
-              <a:ds d="1300000" sp="1000000"/>
-              <a:ds d="100000" sp="1000000"/>
+              <a:ds d="2900000" sp="2200000"/>
+              <a:ds d="100000" sp="2200000"/>
             </a:custDash>
             <a:round/>
           </a:ln>
@@ -4881,6 +7586,847 @@
     <p:sldLayoutId id="2147483684" r:id="rId11"/>
     <p:sldLayoutId id="2147483685" r:id="rId12"/>
     <p:sldLayoutId id="2147483686" r:id="rId13"/>
+  </p:sldLayoutIdLst>
+</p:sldMaster>
+</file>
+
+<file path=ppt/slideMasters/slideMaster4.xml><?xml version="1.0" encoding="utf-8"?>
+<p:sldMaster xmlns:a="http://schemas.openxmlformats.org/drawingml/2006/main" xmlns:p="http://schemas.openxmlformats.org/presentationml/2006/main" xmlns:r="http://schemas.openxmlformats.org/officeDocument/2006/relationships" xmlns:p14="http://schemas.microsoft.com/office/powerpoint/2010/main" xmlns:p15="http://schemas.microsoft.com/office/powerpoint/2012/main" xmlns:mc="http://schemas.openxmlformats.org/markup-compatibility/2006">
+  <p:cSld>
+    <p:bg>
+      <p:bgPr>
+        <a:solidFill>
+          <a:srgbClr val="ffffff"/>
+        </a:solidFill>
+      </p:bgPr>
+    </p:bg>
+    <p:spTree>
+      <p:nvGrpSpPr>
+        <p:cNvPr id="1" name=""/>
+        <p:cNvGrpSpPr/>
+        <p:nvPr/>
+      </p:nvGrpSpPr>
+      <p:grpSpPr>
+        <a:xfrm>
+          <a:off x="0" y="0"/>
+          <a:ext cx="0" cy="0"/>
+          <a:chOff x="0" y="0"/>
+          <a:chExt cx="0" cy="0"/>
+        </a:xfrm>
+      </p:grpSpPr>
+      <p:sp>
+        <p:nvSpPr>
+          <p:cNvPr id="116" name="PlaceHolder 1"/>
+          <p:cNvSpPr>
+            <a:spLocks noGrp="1"/>
+          </p:cNvSpPr>
+          <p:nvPr>
+            <p:ph type="title"/>
+          </p:nvPr>
+        </p:nvSpPr>
+        <p:spPr>
+          <a:xfrm>
+            <a:off x="457200" y="205200"/>
+            <a:ext cx="8228880" cy="858240"/>
+          </a:xfrm>
+          <a:prstGeom prst="rect">
+            <a:avLst/>
+          </a:prstGeom>
+        </p:spPr>
+        <p:txBody>
+          <a:bodyPr lIns="0" rIns="0" tIns="0" bIns="0" anchor="ctr"/>
+          <a:p>
+            <a:r>
+              <a:rPr b="0" lang="en-US" sz="1800" spc="-1" strike="noStrike">
+                <a:latin typeface="Arial"/>
+              </a:rPr>
+              <a:t>Click to edit the title text format</a:t>
+            </a:r>
+            <a:endParaRPr b="0" lang="en-US" sz="1800" spc="-1" strike="noStrike">
+              <a:latin typeface="Arial"/>
+            </a:endParaRPr>
+          </a:p>
+        </p:txBody>
+      </p:sp>
+      <p:sp>
+        <p:nvSpPr>
+          <p:cNvPr id="117" name="PlaceHolder 2"/>
+          <p:cNvSpPr>
+            <a:spLocks noGrp="1"/>
+          </p:cNvSpPr>
+          <p:nvPr>
+            <p:ph type="body"/>
+          </p:nvPr>
+        </p:nvSpPr>
+        <p:spPr>
+          <a:xfrm>
+            <a:off x="457200" y="1203480"/>
+            <a:ext cx="8228880" cy="2982600"/>
+          </a:xfrm>
+          <a:prstGeom prst="rect">
+            <a:avLst/>
+          </a:prstGeom>
+        </p:spPr>
+        <p:txBody>
+          <a:bodyPr lIns="0" rIns="0" tIns="0" bIns="0">
+            <a:normAutofit/>
+          </a:bodyPr>
+          <a:p>
+            <a:pPr marL="432000" indent="-324000">
+              <a:spcBef>
+                <a:spcPts val="1417"/>
+              </a:spcBef>
+              <a:buClr>
+                <a:srgbClr val="000000"/>
+              </a:buClr>
+              <a:buSzPct val="45000"/>
+              <a:buFont typeface="Wingdings" charset="2"/>
+              <a:buChar char=""/>
+            </a:pPr>
+            <a:r>
+              <a:rPr b="0" lang="en-US" sz="1800" spc="-1" strike="noStrike">
+                <a:latin typeface="Arial"/>
+              </a:rPr>
+              <a:t>Click to edit the outline text format</a:t>
+            </a:r>
+            <a:endParaRPr b="0" lang="en-US" sz="1800" spc="-1" strike="noStrike">
+              <a:latin typeface="Arial"/>
+            </a:endParaRPr>
+          </a:p>
+          <a:p>
+            <a:pPr lvl="1" marL="864000" indent="-324000">
+              <a:spcBef>
+                <a:spcPts val="1134"/>
+              </a:spcBef>
+              <a:buClr>
+                <a:srgbClr val="000000"/>
+              </a:buClr>
+              <a:buSzPct val="75000"/>
+              <a:buFont typeface="Symbol" charset="2"/>
+              <a:buChar char=""/>
+            </a:pPr>
+            <a:r>
+              <a:rPr b="0" lang="en-US" sz="1800" spc="-1" strike="noStrike">
+                <a:latin typeface="Arial"/>
+              </a:rPr>
+              <a:t>Second Outline Level</a:t>
+            </a:r>
+            <a:endParaRPr b="0" lang="en-US" sz="1800" spc="-1" strike="noStrike">
+              <a:latin typeface="Arial"/>
+            </a:endParaRPr>
+          </a:p>
+          <a:p>
+            <a:pPr lvl="2" marL="1296000" indent="-288000">
+              <a:spcBef>
+                <a:spcPts val="850"/>
+              </a:spcBef>
+              <a:buClr>
+                <a:srgbClr val="000000"/>
+              </a:buClr>
+              <a:buSzPct val="45000"/>
+              <a:buFont typeface="Wingdings" charset="2"/>
+              <a:buChar char=""/>
+            </a:pPr>
+            <a:r>
+              <a:rPr b="0" lang="en-US" sz="1800" spc="-1" strike="noStrike">
+                <a:latin typeface="Arial"/>
+              </a:rPr>
+              <a:t>Third Outline Level</a:t>
+            </a:r>
+            <a:endParaRPr b="0" lang="en-US" sz="1800" spc="-1" strike="noStrike">
+              <a:latin typeface="Arial"/>
+            </a:endParaRPr>
+          </a:p>
+          <a:p>
+            <a:pPr lvl="3" marL="1728000" indent="-216000">
+              <a:spcBef>
+                <a:spcPts val="567"/>
+              </a:spcBef>
+              <a:buClr>
+                <a:srgbClr val="000000"/>
+              </a:buClr>
+              <a:buSzPct val="75000"/>
+              <a:buFont typeface="Symbol" charset="2"/>
+              <a:buChar char=""/>
+            </a:pPr>
+            <a:r>
+              <a:rPr b="0" lang="en-US" sz="1800" spc="-1" strike="noStrike">
+                <a:latin typeface="Arial"/>
+              </a:rPr>
+              <a:t>Fourth Outline Level</a:t>
+            </a:r>
+            <a:endParaRPr b="0" lang="en-US" sz="1800" spc="-1" strike="noStrike">
+              <a:latin typeface="Arial"/>
+            </a:endParaRPr>
+          </a:p>
+          <a:p>
+            <a:pPr lvl="4" marL="2160000" indent="-216000">
+              <a:spcBef>
+                <a:spcPts val="283"/>
+              </a:spcBef>
+              <a:buClr>
+                <a:srgbClr val="000000"/>
+              </a:buClr>
+              <a:buSzPct val="45000"/>
+              <a:buFont typeface="Wingdings" charset="2"/>
+              <a:buChar char=""/>
+            </a:pPr>
+            <a:r>
+              <a:rPr b="0" lang="en-US" sz="1800" spc="-1" strike="noStrike">
+                <a:latin typeface="Arial"/>
+              </a:rPr>
+              <a:t>Fifth Outline Level</a:t>
+            </a:r>
+            <a:endParaRPr b="0" lang="en-US" sz="1800" spc="-1" strike="noStrike">
+              <a:latin typeface="Arial"/>
+            </a:endParaRPr>
+          </a:p>
+          <a:p>
+            <a:pPr lvl="5" marL="2592000" indent="-216000">
+              <a:spcBef>
+                <a:spcPts val="283"/>
+              </a:spcBef>
+              <a:buClr>
+                <a:srgbClr val="000000"/>
+              </a:buClr>
+              <a:buSzPct val="45000"/>
+              <a:buFont typeface="Wingdings" charset="2"/>
+              <a:buChar char=""/>
+            </a:pPr>
+            <a:r>
+              <a:rPr b="0" lang="en-US" sz="1800" spc="-1" strike="noStrike">
+                <a:latin typeface="Arial"/>
+              </a:rPr>
+              <a:t>Sixth Outline Level</a:t>
+            </a:r>
+            <a:endParaRPr b="0" lang="en-US" sz="1800" spc="-1" strike="noStrike">
+              <a:latin typeface="Arial"/>
+            </a:endParaRPr>
+          </a:p>
+          <a:p>
+            <a:pPr lvl="6" marL="3024000" indent="-216000">
+              <a:spcBef>
+                <a:spcPts val="283"/>
+              </a:spcBef>
+              <a:buClr>
+                <a:srgbClr val="000000"/>
+              </a:buClr>
+              <a:buSzPct val="45000"/>
+              <a:buFont typeface="Wingdings" charset="2"/>
+              <a:buChar char=""/>
+            </a:pPr>
+            <a:r>
+              <a:rPr b="0" lang="en-US" sz="1800" spc="-1" strike="noStrike">
+                <a:latin typeface="Arial"/>
+              </a:rPr>
+              <a:t>Seventh Outline Level</a:t>
+            </a:r>
+            <a:endParaRPr b="0" lang="en-US" sz="1800" spc="-1" strike="noStrike">
+              <a:latin typeface="Arial"/>
+            </a:endParaRPr>
+          </a:p>
+        </p:txBody>
+      </p:sp>
+    </p:spTree>
+  </p:cSld>
+  <p:clrMap bg1="lt1" bg2="lt2" tx1="dk1" tx2="dk2" accent1="accent1" accent2="accent2" accent3="accent3" accent4="accent4" accent5="accent5" accent6="accent6" hlink="hlink" folHlink="folHlink"/>
+  <p:sldLayoutIdLst>
+    <p:sldLayoutId id="2147483688" r:id="rId2"/>
+    <p:sldLayoutId id="2147483689" r:id="rId3"/>
+    <p:sldLayoutId id="2147483690" r:id="rId4"/>
+    <p:sldLayoutId id="2147483691" r:id="rId5"/>
+    <p:sldLayoutId id="2147483692" r:id="rId6"/>
+    <p:sldLayoutId id="2147483693" r:id="rId7"/>
+    <p:sldLayoutId id="2147483694" r:id="rId8"/>
+    <p:sldLayoutId id="2147483695" r:id="rId9"/>
+    <p:sldLayoutId id="2147483696" r:id="rId10"/>
+    <p:sldLayoutId id="2147483697" r:id="rId11"/>
+    <p:sldLayoutId id="2147483698" r:id="rId12"/>
+    <p:sldLayoutId id="2147483699" r:id="rId13"/>
+  </p:sldLayoutIdLst>
+</p:sldMaster>
+</file>
+
+<file path=ppt/slideMasters/slideMaster5.xml><?xml version="1.0" encoding="utf-8"?>
+<p:sldMaster xmlns:a="http://schemas.openxmlformats.org/drawingml/2006/main" xmlns:p="http://schemas.openxmlformats.org/presentationml/2006/main" xmlns:r="http://schemas.openxmlformats.org/officeDocument/2006/relationships" xmlns:p14="http://schemas.microsoft.com/office/powerpoint/2010/main" xmlns:p15="http://schemas.microsoft.com/office/powerpoint/2012/main" xmlns:mc="http://schemas.openxmlformats.org/markup-compatibility/2006">
+  <p:cSld>
+    <p:bg>
+      <p:bgPr>
+        <a:solidFill>
+          <a:srgbClr val="ffffff"/>
+        </a:solidFill>
+      </p:bgPr>
+    </p:bg>
+    <p:spTree>
+      <p:nvGrpSpPr>
+        <p:cNvPr id="1" name=""/>
+        <p:cNvGrpSpPr/>
+        <p:nvPr/>
+      </p:nvGrpSpPr>
+      <p:grpSpPr>
+        <a:xfrm>
+          <a:off x="0" y="0"/>
+          <a:ext cx="0" cy="0"/>
+          <a:chOff x="0" y="0"/>
+          <a:chExt cx="0" cy="0"/>
+        </a:xfrm>
+      </p:grpSpPr>
+      <p:sp>
+        <p:nvSpPr>
+          <p:cNvPr id="154" name="CustomShape 1"/>
+          <p:cNvSpPr/>
+          <p:nvPr/>
+        </p:nvSpPr>
+        <p:spPr>
+          <a:xfrm>
+            <a:off x="-14760" y="842760"/>
+            <a:ext cx="9162000" cy="360"/>
+          </a:xfrm>
+          <a:custGeom>
+            <a:avLst/>
+            <a:gdLst/>
+            <a:ahLst/>
+            <a:rect l="l" t="t" r="r" b="b"/>
+            <a:pathLst>
+              <a:path w="21600" h="21600">
+                <a:moveTo>
+                  <a:pt x="0" y="0"/>
+                </a:moveTo>
+                <a:lnTo>
+                  <a:pt x="21600" y="21600"/>
+                </a:lnTo>
+              </a:path>
+            </a:pathLst>
+          </a:custGeom>
+          <a:noFill/>
+          <a:ln w="19080">
+            <a:solidFill>
+              <a:schemeClr val="dk2"/>
+            </a:solidFill>
+            <a:round/>
+          </a:ln>
+        </p:spPr>
+        <p:style>
+          <a:lnRef idx="0"/>
+          <a:fillRef idx="0"/>
+          <a:effectRef idx="0"/>
+          <a:fontRef idx="minor"/>
+        </p:style>
+      </p:sp>
+      <p:sp>
+        <p:nvSpPr>
+          <p:cNvPr id="155" name="CustomShape 2"/>
+          <p:cNvSpPr/>
+          <p:nvPr/>
+        </p:nvSpPr>
+        <p:spPr>
+          <a:xfrm>
+            <a:off x="292320" y="4749840"/>
+            <a:ext cx="8443800" cy="360"/>
+          </a:xfrm>
+          <a:custGeom>
+            <a:avLst/>
+            <a:gdLst/>
+            <a:ahLst/>
+            <a:rect l="l" t="t" r="r" b="b"/>
+            <a:pathLst>
+              <a:path w="21600" h="21600">
+                <a:moveTo>
+                  <a:pt x="0" y="0"/>
+                </a:moveTo>
+                <a:lnTo>
+                  <a:pt x="21600" y="21600"/>
+                </a:lnTo>
+              </a:path>
+            </a:pathLst>
+          </a:custGeom>
+          <a:noFill/>
+          <a:ln cap="rnd" w="9360">
+            <a:solidFill>
+              <a:schemeClr val="dk2"/>
+            </a:solidFill>
+            <a:custDash>
+              <a:ds d="600000" sp="500000"/>
+              <a:ds d="100000" sp="500000"/>
+            </a:custDash>
+            <a:round/>
+          </a:ln>
+        </p:spPr>
+        <p:style>
+          <a:lnRef idx="0"/>
+          <a:fillRef idx="0"/>
+          <a:effectRef idx="0"/>
+          <a:fontRef idx="minor"/>
+        </p:style>
+      </p:sp>
+      <p:sp>
+        <p:nvSpPr>
+          <p:cNvPr id="156" name="PlaceHolder 3"/>
+          <p:cNvSpPr>
+            <a:spLocks noGrp="1"/>
+          </p:cNvSpPr>
+          <p:nvPr>
+            <p:ph type="title"/>
+          </p:nvPr>
+        </p:nvSpPr>
+        <p:spPr>
+          <a:xfrm>
+            <a:off x="457200" y="205200"/>
+            <a:ext cx="8228880" cy="858240"/>
+          </a:xfrm>
+          <a:prstGeom prst="rect">
+            <a:avLst/>
+          </a:prstGeom>
+        </p:spPr>
+        <p:txBody>
+          <a:bodyPr lIns="0" rIns="0" tIns="0" bIns="0" anchor="ctr"/>
+          <a:p>
+            <a:r>
+              <a:rPr b="0" lang="en-US" sz="1800" spc="-1" strike="noStrike">
+                <a:latin typeface="Arial"/>
+              </a:rPr>
+              <a:t>Cli</a:t>
+            </a:r>
+            <a:r>
+              <a:rPr b="0" lang="en-US" sz="1800" spc="-1" strike="noStrike">
+                <a:latin typeface="Arial"/>
+              </a:rPr>
+              <a:t>ck </a:t>
+            </a:r>
+            <a:r>
+              <a:rPr b="0" lang="en-US" sz="1800" spc="-1" strike="noStrike">
+                <a:latin typeface="Arial"/>
+              </a:rPr>
+              <a:t>to </a:t>
+            </a:r>
+            <a:r>
+              <a:rPr b="0" lang="en-US" sz="1800" spc="-1" strike="noStrike">
+                <a:latin typeface="Arial"/>
+              </a:rPr>
+              <a:t>edit </a:t>
+            </a:r>
+            <a:r>
+              <a:rPr b="0" lang="en-US" sz="1800" spc="-1" strike="noStrike">
+                <a:latin typeface="Arial"/>
+              </a:rPr>
+              <a:t>the </a:t>
+            </a:r>
+            <a:r>
+              <a:rPr b="0" lang="en-US" sz="1800" spc="-1" strike="noStrike">
+                <a:latin typeface="Arial"/>
+              </a:rPr>
+              <a:t>title </a:t>
+            </a:r>
+            <a:r>
+              <a:rPr b="0" lang="en-US" sz="1800" spc="-1" strike="noStrike">
+                <a:latin typeface="Arial"/>
+              </a:rPr>
+              <a:t>tex</a:t>
+            </a:r>
+            <a:r>
+              <a:rPr b="0" lang="en-US" sz="1800" spc="-1" strike="noStrike">
+                <a:latin typeface="Arial"/>
+              </a:rPr>
+              <a:t>t </a:t>
+            </a:r>
+            <a:r>
+              <a:rPr b="0" lang="en-US" sz="1800" spc="-1" strike="noStrike">
+                <a:latin typeface="Arial"/>
+              </a:rPr>
+              <a:t>for</a:t>
+            </a:r>
+            <a:r>
+              <a:rPr b="0" lang="en-US" sz="1800" spc="-1" strike="noStrike">
+                <a:latin typeface="Arial"/>
+              </a:rPr>
+              <a:t>ma</a:t>
+            </a:r>
+            <a:r>
+              <a:rPr b="0" lang="en-US" sz="1800" spc="-1" strike="noStrike">
+                <a:latin typeface="Arial"/>
+              </a:rPr>
+              <a:t>t</a:t>
+            </a:r>
+            <a:endParaRPr b="0" lang="en-US" sz="1800" spc="-1" strike="noStrike">
+              <a:latin typeface="Arial"/>
+            </a:endParaRPr>
+          </a:p>
+        </p:txBody>
+      </p:sp>
+      <p:sp>
+        <p:nvSpPr>
+          <p:cNvPr id="157" name="PlaceHolder 4"/>
+          <p:cNvSpPr>
+            <a:spLocks noGrp="1"/>
+          </p:cNvSpPr>
+          <p:nvPr>
+            <p:ph type="body"/>
+          </p:nvPr>
+        </p:nvSpPr>
+        <p:spPr>
+          <a:xfrm>
+            <a:off x="457200" y="1203480"/>
+            <a:ext cx="4015440" cy="2982600"/>
+          </a:xfrm>
+          <a:prstGeom prst="rect">
+            <a:avLst/>
+          </a:prstGeom>
+        </p:spPr>
+        <p:txBody>
+          <a:bodyPr lIns="0" rIns="0" tIns="0" bIns="0">
+            <a:normAutofit/>
+          </a:bodyPr>
+          <a:p>
+            <a:pPr marL="432000" indent="-324000">
+              <a:spcBef>
+                <a:spcPts val="1417"/>
+              </a:spcBef>
+              <a:buClr>
+                <a:srgbClr val="000000"/>
+              </a:buClr>
+              <a:buSzPct val="45000"/>
+              <a:buFont typeface="Wingdings" charset="2"/>
+              <a:buChar char=""/>
+            </a:pPr>
+            <a:r>
+              <a:rPr b="0" lang="en-US" sz="1800" spc="-1" strike="noStrike">
+                <a:latin typeface="Arial"/>
+              </a:rPr>
+              <a:t>Click to edit the outline text format</a:t>
+            </a:r>
+            <a:endParaRPr b="0" lang="en-US" sz="1800" spc="-1" strike="noStrike">
+              <a:latin typeface="Arial"/>
+            </a:endParaRPr>
+          </a:p>
+          <a:p>
+            <a:pPr lvl="1" marL="864000" indent="-324000">
+              <a:spcBef>
+                <a:spcPts val="1134"/>
+              </a:spcBef>
+              <a:buClr>
+                <a:srgbClr val="000000"/>
+              </a:buClr>
+              <a:buSzPct val="75000"/>
+              <a:buFont typeface="Symbol" charset="2"/>
+              <a:buChar char=""/>
+            </a:pPr>
+            <a:r>
+              <a:rPr b="0" lang="en-US" sz="1800" spc="-1" strike="noStrike">
+                <a:latin typeface="Arial"/>
+              </a:rPr>
+              <a:t>Second Outline Level</a:t>
+            </a:r>
+            <a:endParaRPr b="0" lang="en-US" sz="1800" spc="-1" strike="noStrike">
+              <a:latin typeface="Arial"/>
+            </a:endParaRPr>
+          </a:p>
+          <a:p>
+            <a:pPr lvl="2" marL="1296000" indent="-288000">
+              <a:spcBef>
+                <a:spcPts val="850"/>
+              </a:spcBef>
+              <a:buClr>
+                <a:srgbClr val="000000"/>
+              </a:buClr>
+              <a:buSzPct val="45000"/>
+              <a:buFont typeface="Wingdings" charset="2"/>
+              <a:buChar char=""/>
+            </a:pPr>
+            <a:r>
+              <a:rPr b="0" lang="en-US" sz="1800" spc="-1" strike="noStrike">
+                <a:latin typeface="Arial"/>
+              </a:rPr>
+              <a:t>Third Outline Level</a:t>
+            </a:r>
+            <a:endParaRPr b="0" lang="en-US" sz="1800" spc="-1" strike="noStrike">
+              <a:latin typeface="Arial"/>
+            </a:endParaRPr>
+          </a:p>
+          <a:p>
+            <a:pPr lvl="3" marL="1728000" indent="-216000">
+              <a:spcBef>
+                <a:spcPts val="567"/>
+              </a:spcBef>
+              <a:buClr>
+                <a:srgbClr val="000000"/>
+              </a:buClr>
+              <a:buSzPct val="75000"/>
+              <a:buFont typeface="Symbol" charset="2"/>
+              <a:buChar char=""/>
+            </a:pPr>
+            <a:r>
+              <a:rPr b="0" lang="en-US" sz="1800" spc="-1" strike="noStrike">
+                <a:latin typeface="Arial"/>
+              </a:rPr>
+              <a:t>Fourth Outline Level</a:t>
+            </a:r>
+            <a:endParaRPr b="0" lang="en-US" sz="1800" spc="-1" strike="noStrike">
+              <a:latin typeface="Arial"/>
+            </a:endParaRPr>
+          </a:p>
+          <a:p>
+            <a:pPr lvl="4" marL="2160000" indent="-216000">
+              <a:spcBef>
+                <a:spcPts val="283"/>
+              </a:spcBef>
+              <a:buClr>
+                <a:srgbClr val="000000"/>
+              </a:buClr>
+              <a:buSzPct val="45000"/>
+              <a:buFont typeface="Wingdings" charset="2"/>
+              <a:buChar char=""/>
+            </a:pPr>
+            <a:r>
+              <a:rPr b="0" lang="en-US" sz="1800" spc="-1" strike="noStrike">
+                <a:latin typeface="Arial"/>
+              </a:rPr>
+              <a:t>Fifth Outline Level</a:t>
+            </a:r>
+            <a:endParaRPr b="0" lang="en-US" sz="1800" spc="-1" strike="noStrike">
+              <a:latin typeface="Arial"/>
+            </a:endParaRPr>
+          </a:p>
+          <a:p>
+            <a:pPr lvl="5" marL="2592000" indent="-216000">
+              <a:spcBef>
+                <a:spcPts val="283"/>
+              </a:spcBef>
+              <a:buClr>
+                <a:srgbClr val="000000"/>
+              </a:buClr>
+              <a:buSzPct val="45000"/>
+              <a:buFont typeface="Wingdings" charset="2"/>
+              <a:buChar char=""/>
+            </a:pPr>
+            <a:r>
+              <a:rPr b="0" lang="en-US" sz="1800" spc="-1" strike="noStrike">
+                <a:latin typeface="Arial"/>
+              </a:rPr>
+              <a:t>Sixth Outline Level</a:t>
+            </a:r>
+            <a:endParaRPr b="0" lang="en-US" sz="1800" spc="-1" strike="noStrike">
+              <a:latin typeface="Arial"/>
+            </a:endParaRPr>
+          </a:p>
+          <a:p>
+            <a:pPr lvl="6" marL="3024000" indent="-216000">
+              <a:spcBef>
+                <a:spcPts val="283"/>
+              </a:spcBef>
+              <a:buClr>
+                <a:srgbClr val="000000"/>
+              </a:buClr>
+              <a:buSzPct val="45000"/>
+              <a:buFont typeface="Wingdings" charset="2"/>
+              <a:buChar char=""/>
+            </a:pPr>
+            <a:r>
+              <a:rPr b="0" lang="en-US" sz="1800" spc="-1" strike="noStrike">
+                <a:latin typeface="Arial"/>
+              </a:rPr>
+              <a:t>Seventh Outline Level</a:t>
+            </a:r>
+            <a:endParaRPr b="0" lang="en-US" sz="1800" spc="-1" strike="noStrike">
+              <a:latin typeface="Arial"/>
+            </a:endParaRPr>
+          </a:p>
+        </p:txBody>
+      </p:sp>
+      <p:sp>
+        <p:nvSpPr>
+          <p:cNvPr id="158" name="PlaceHolder 5"/>
+          <p:cNvSpPr>
+            <a:spLocks noGrp="1"/>
+          </p:cNvSpPr>
+          <p:nvPr>
+            <p:ph type="body"/>
+          </p:nvPr>
+        </p:nvSpPr>
+        <p:spPr>
+          <a:xfrm>
+            <a:off x="4674240" y="1203480"/>
+            <a:ext cx="4015440" cy="2982600"/>
+          </a:xfrm>
+          <a:prstGeom prst="rect">
+            <a:avLst/>
+          </a:prstGeom>
+        </p:spPr>
+        <p:txBody>
+          <a:bodyPr lIns="0" rIns="0" tIns="0" bIns="0">
+            <a:normAutofit/>
+          </a:bodyPr>
+          <a:p>
+            <a:pPr marL="432000" indent="-324000">
+              <a:spcBef>
+                <a:spcPts val="1417"/>
+              </a:spcBef>
+              <a:buClr>
+                <a:srgbClr val="000000"/>
+              </a:buClr>
+              <a:buSzPct val="45000"/>
+              <a:buFont typeface="Wingdings" charset="2"/>
+              <a:buChar char=""/>
+            </a:pPr>
+            <a:r>
+              <a:rPr b="0" lang="en-US" sz="1800" spc="-1" strike="noStrike">
+                <a:latin typeface="Arial"/>
+              </a:rPr>
+              <a:t>Click to edit the outline text format</a:t>
+            </a:r>
+            <a:endParaRPr b="0" lang="en-US" sz="1800" spc="-1" strike="noStrike">
+              <a:latin typeface="Arial"/>
+            </a:endParaRPr>
+          </a:p>
+          <a:p>
+            <a:pPr lvl="1" marL="864000" indent="-324000">
+              <a:spcBef>
+                <a:spcPts val="1134"/>
+              </a:spcBef>
+              <a:buClr>
+                <a:srgbClr val="000000"/>
+              </a:buClr>
+              <a:buSzPct val="75000"/>
+              <a:buFont typeface="Symbol" charset="2"/>
+              <a:buChar char=""/>
+            </a:pPr>
+            <a:r>
+              <a:rPr b="0" lang="en-US" sz="1800" spc="-1" strike="noStrike">
+                <a:latin typeface="Arial"/>
+              </a:rPr>
+              <a:t>Second Outline Level</a:t>
+            </a:r>
+            <a:endParaRPr b="0" lang="en-US" sz="1800" spc="-1" strike="noStrike">
+              <a:latin typeface="Arial"/>
+            </a:endParaRPr>
+          </a:p>
+          <a:p>
+            <a:pPr lvl="2" marL="1296000" indent="-288000">
+              <a:spcBef>
+                <a:spcPts val="850"/>
+              </a:spcBef>
+              <a:buClr>
+                <a:srgbClr val="000000"/>
+              </a:buClr>
+              <a:buSzPct val="45000"/>
+              <a:buFont typeface="Wingdings" charset="2"/>
+              <a:buChar char=""/>
+            </a:pPr>
+            <a:r>
+              <a:rPr b="0" lang="en-US" sz="1800" spc="-1" strike="noStrike">
+                <a:latin typeface="Arial"/>
+              </a:rPr>
+              <a:t>Third Outline Level</a:t>
+            </a:r>
+            <a:endParaRPr b="0" lang="en-US" sz="1800" spc="-1" strike="noStrike">
+              <a:latin typeface="Arial"/>
+            </a:endParaRPr>
+          </a:p>
+          <a:p>
+            <a:pPr lvl="3" marL="1728000" indent="-216000">
+              <a:spcBef>
+                <a:spcPts val="567"/>
+              </a:spcBef>
+              <a:buClr>
+                <a:srgbClr val="000000"/>
+              </a:buClr>
+              <a:buSzPct val="75000"/>
+              <a:buFont typeface="Symbol" charset="2"/>
+              <a:buChar char=""/>
+            </a:pPr>
+            <a:r>
+              <a:rPr b="0" lang="en-US" sz="1800" spc="-1" strike="noStrike">
+                <a:latin typeface="Arial"/>
+              </a:rPr>
+              <a:t>Fourth Outline Level</a:t>
+            </a:r>
+            <a:endParaRPr b="0" lang="en-US" sz="1800" spc="-1" strike="noStrike">
+              <a:latin typeface="Arial"/>
+            </a:endParaRPr>
+          </a:p>
+          <a:p>
+            <a:pPr lvl="4" marL="2160000" indent="-216000">
+              <a:spcBef>
+                <a:spcPts val="283"/>
+              </a:spcBef>
+              <a:buClr>
+                <a:srgbClr val="000000"/>
+              </a:buClr>
+              <a:buSzPct val="45000"/>
+              <a:buFont typeface="Wingdings" charset="2"/>
+              <a:buChar char=""/>
+            </a:pPr>
+            <a:r>
+              <a:rPr b="0" lang="en-US" sz="1800" spc="-1" strike="noStrike">
+                <a:latin typeface="Arial"/>
+              </a:rPr>
+              <a:t>Fifth Outline Level</a:t>
+            </a:r>
+            <a:endParaRPr b="0" lang="en-US" sz="1800" spc="-1" strike="noStrike">
+              <a:latin typeface="Arial"/>
+            </a:endParaRPr>
+          </a:p>
+          <a:p>
+            <a:pPr lvl="5" marL="2592000" indent="-216000">
+              <a:spcBef>
+                <a:spcPts val="283"/>
+              </a:spcBef>
+              <a:buClr>
+                <a:srgbClr val="000000"/>
+              </a:buClr>
+              <a:buSzPct val="45000"/>
+              <a:buFont typeface="Wingdings" charset="2"/>
+              <a:buChar char=""/>
+            </a:pPr>
+            <a:r>
+              <a:rPr b="0" lang="en-US" sz="1800" spc="-1" strike="noStrike">
+                <a:latin typeface="Arial"/>
+              </a:rPr>
+              <a:t>Sixth Outline Level</a:t>
+            </a:r>
+            <a:endParaRPr b="0" lang="en-US" sz="1800" spc="-1" strike="noStrike">
+              <a:latin typeface="Arial"/>
+            </a:endParaRPr>
+          </a:p>
+          <a:p>
+            <a:pPr lvl="6" marL="3024000" indent="-216000">
+              <a:spcBef>
+                <a:spcPts val="283"/>
+              </a:spcBef>
+              <a:buClr>
+                <a:srgbClr val="000000"/>
+              </a:buClr>
+              <a:buSzPct val="45000"/>
+              <a:buFont typeface="Wingdings" charset="2"/>
+              <a:buChar char=""/>
+            </a:pPr>
+            <a:r>
+              <a:rPr b="0" lang="en-US" sz="1800" spc="-1" strike="noStrike">
+                <a:latin typeface="Arial"/>
+              </a:rPr>
+              <a:t>Seventh Outline Level</a:t>
+            </a:r>
+            <a:endParaRPr b="0" lang="en-US" sz="1800" spc="-1" strike="noStrike">
+              <a:latin typeface="Arial"/>
+            </a:endParaRPr>
+          </a:p>
+        </p:txBody>
+      </p:sp>
+    </p:spTree>
+  </p:cSld>
+  <p:clrMap bg1="lt1" bg2="lt2" tx1="dk1" tx2="dk2" accent1="accent1" accent2="accent2" accent3="accent3" accent4="accent4" accent5="accent5" accent6="accent6" hlink="hlink" folHlink="folHlink"/>
+  <p:sldLayoutIdLst>
+    <p:sldLayoutId id="2147483701" r:id="rId2"/>
+    <p:sldLayoutId id="2147483702" r:id="rId3"/>
+    <p:sldLayoutId id="2147483703" r:id="rId4"/>
+    <p:sldLayoutId id="2147483704" r:id="rId5"/>
+    <p:sldLayoutId id="2147483705" r:id="rId6"/>
+    <p:sldLayoutId id="2147483706" r:id="rId7"/>
+    <p:sldLayoutId id="2147483707" r:id="rId8"/>
+    <p:sldLayoutId id="2147483708" r:id="rId9"/>
+    <p:sldLayoutId id="2147483709" r:id="rId10"/>
+    <p:sldLayoutId id="2147483710" r:id="rId11"/>
+    <p:sldLayoutId id="2147483711" r:id="rId12"/>
+    <p:sldLayoutId id="2147483712" r:id="rId13"/>
   </p:sldLayoutIdLst>
 </p:sldMaster>
 </file>
@@ -4904,14 +8450,14 @@
       </p:grpSpPr>
       <p:sp>
         <p:nvSpPr>
-          <p:cNvPr id="116" name="CustomShape 1"/>
+          <p:cNvPr id="195" name="CustomShape 1"/>
           <p:cNvSpPr/>
           <p:nvPr/>
         </p:nvSpPr>
         <p:spPr>
           <a:xfrm>
             <a:off x="311760" y="744480"/>
-            <a:ext cx="8518680" cy="2050920"/>
+            <a:ext cx="8517600" cy="2049840"/>
           </a:xfrm>
           <a:prstGeom prst="rect">
             <a:avLst/>
@@ -4964,14 +8510,14 @@
       </p:sp>
       <p:sp>
         <p:nvSpPr>
-          <p:cNvPr id="117" name="CustomShape 2"/>
+          <p:cNvPr id="196" name="CustomShape 2"/>
           <p:cNvSpPr/>
           <p:nvPr/>
         </p:nvSpPr>
         <p:spPr>
           <a:xfrm>
             <a:off x="311760" y="2834280"/>
-            <a:ext cx="8727120" cy="790920"/>
+            <a:ext cx="8726040" cy="789840"/>
           </a:xfrm>
           <a:prstGeom prst="rect">
             <a:avLst/>
@@ -5054,14 +8600,14 @@
       </p:sp>
       <p:sp>
         <p:nvSpPr>
-          <p:cNvPr id="118" name="CustomShape 3"/>
+          <p:cNvPr id="197" name="CustomShape 3"/>
           <p:cNvSpPr/>
           <p:nvPr/>
         </p:nvSpPr>
         <p:spPr>
           <a:xfrm>
             <a:off x="8472600" y="4663080"/>
-            <a:ext cx="546840" cy="391680"/>
+            <a:ext cx="545760" cy="390600"/>
           </a:xfrm>
           <a:prstGeom prst="rect">
             <a:avLst/>
@@ -5087,6 +8633,632 @@
           <p:childTnLst>
             <p:seq>
               <p:cTn id="2" dur="indefinite" nodeType="mainSeq"/>
+              <p:prevCondLst>
+                <p:cond delay="0" evt="onPrev">
+                  <p:tgtEl>
+                    <p:sldTgt/>
+                  </p:tgtEl>
+                </p:cond>
+              </p:prevCondLst>
+              <p:nextCondLst>
+                <p:cond delay="0" evt="onNext">
+                  <p:tgtEl>
+                    <p:sldTgt/>
+                  </p:tgtEl>
+                </p:cond>
+              </p:nextCondLst>
+            </p:seq>
+          </p:childTnLst>
+        </p:cTn>
+      </p:par>
+    </p:tnLst>
+  </p:timing>
+</p:sld>
+</file>
+
+<file path=ppt/slides/slide10.xml><?xml version="1.0" encoding="utf-8"?>
+<p:sld xmlns:a="http://schemas.openxmlformats.org/drawingml/2006/main" xmlns:p="http://schemas.openxmlformats.org/presentationml/2006/main" xmlns:r="http://schemas.openxmlformats.org/officeDocument/2006/relationships" xmlns:p14="http://schemas.microsoft.com/office/powerpoint/2010/main" xmlns:p15="http://schemas.microsoft.com/office/powerpoint/2012/main" xmlns:mc="http://schemas.openxmlformats.org/markup-compatibility/2006">
+  <p:cSld>
+    <p:spTree>
+      <p:nvGrpSpPr>
+        <p:cNvPr id="1" name=""/>
+        <p:cNvGrpSpPr/>
+        <p:nvPr/>
+      </p:nvGrpSpPr>
+      <p:grpSpPr>
+        <a:xfrm>
+          <a:off x="0" y="0"/>
+          <a:ext cx="0" cy="0"/>
+          <a:chOff x="0" y="0"/>
+          <a:chExt cx="0" cy="0"/>
+        </a:xfrm>
+      </p:grpSpPr>
+      <p:sp>
+        <p:nvSpPr>
+          <p:cNvPr id="248" name="CustomShape 1"/>
+          <p:cNvSpPr/>
+          <p:nvPr/>
+        </p:nvSpPr>
+        <p:spPr>
+          <a:xfrm>
+            <a:off x="457200" y="341280"/>
+            <a:ext cx="8228160" cy="434160"/>
+          </a:xfrm>
+          <a:prstGeom prst="rect">
+            <a:avLst/>
+          </a:prstGeom>
+          <a:noFill/>
+          <a:ln>
+            <a:noFill/>
+          </a:ln>
+        </p:spPr>
+        <p:style>
+          <a:lnRef idx="0"/>
+          <a:fillRef idx="0"/>
+          <a:effectRef idx="0"/>
+          <a:fontRef idx="minor"/>
+        </p:style>
+        <p:txBody>
+          <a:bodyPr lIns="90000" rIns="90000" tIns="91440" bIns="91440" anchor="b"/>
+          <a:p>
+            <a:pPr>
+              <a:lnSpc>
+                <a:spcPct val="100000"/>
+              </a:lnSpc>
+            </a:pPr>
+            <a:r>
+              <a:rPr b="0" lang="en-US" sz="4400" spc="-1" strike="noStrike">
+                <a:solidFill>
+                  <a:srgbClr val="000000"/>
+                </a:solidFill>
+                <a:latin typeface="Arial"/>
+                <a:ea typeface="Arial"/>
+              </a:rPr>
+              <a:t>Future Work</a:t>
+            </a:r>
+            <a:r>
+              <a:rPr b="0" lang="en-US" sz="2800" spc="-1" strike="noStrike">
+                <a:solidFill>
+                  <a:srgbClr val="000000"/>
+                </a:solidFill>
+                <a:latin typeface="Arial"/>
+                <a:ea typeface="Arial"/>
+              </a:rPr>
+              <a:t> - Mining data with RDFRules</a:t>
+            </a:r>
+            <a:endParaRPr b="0" lang="en-US" sz="2800" spc="-1" strike="noStrike">
+              <a:latin typeface="Arial"/>
+            </a:endParaRPr>
+          </a:p>
+        </p:txBody>
+      </p:sp>
+      <p:sp>
+        <p:nvSpPr>
+          <p:cNvPr id="249" name="CustomShape 2"/>
+          <p:cNvSpPr/>
+          <p:nvPr/>
+        </p:nvSpPr>
+        <p:spPr>
+          <a:xfrm>
+            <a:off x="513360" y="1623960"/>
+            <a:ext cx="1222200" cy="980280"/>
+          </a:xfrm>
+          <a:prstGeom prst="flowChartDocument">
+            <a:avLst/>
+          </a:prstGeom>
+          <a:solidFill>
+            <a:schemeClr val="lt1"/>
+          </a:solidFill>
+          <a:ln w="25560">
+            <a:solidFill>
+              <a:schemeClr val="accent3"/>
+            </a:solidFill>
+            <a:round/>
+          </a:ln>
+        </p:spPr>
+        <p:style>
+          <a:lnRef idx="0"/>
+          <a:fillRef idx="0"/>
+          <a:effectRef idx="0"/>
+          <a:fontRef idx="minor"/>
+        </p:style>
+        <p:txBody>
+          <a:bodyPr lIns="90000" rIns="90000" tIns="45000" bIns="45000" anchor="ctr"/>
+          <a:p>
+            <a:pPr algn="ctr">
+              <a:lnSpc>
+                <a:spcPct val="100000"/>
+              </a:lnSpc>
+            </a:pPr>
+            <a:r>
+              <a:rPr b="0" lang="en-US" sz="1800" spc="-1" strike="noStrike">
+                <a:solidFill>
+                  <a:srgbClr val="000000"/>
+                </a:solidFill>
+                <a:latin typeface="Arial"/>
+                <a:ea typeface="Arial"/>
+              </a:rPr>
+              <a:t>COVID19 KG</a:t>
+            </a:r>
+            <a:endParaRPr b="0" lang="en-US" sz="1800" spc="-1" strike="noStrike">
+              <a:latin typeface="Arial"/>
+            </a:endParaRPr>
+          </a:p>
+        </p:txBody>
+      </p:sp>
+      <p:sp>
+        <p:nvSpPr>
+          <p:cNvPr id="250" name="CustomShape 3"/>
+          <p:cNvSpPr/>
+          <p:nvPr/>
+        </p:nvSpPr>
+        <p:spPr>
+          <a:xfrm>
+            <a:off x="2963160" y="1574280"/>
+            <a:ext cx="1413720" cy="1011240"/>
+          </a:xfrm>
+          <a:prstGeom prst="flowChartMultidocument">
+            <a:avLst/>
+          </a:prstGeom>
+          <a:solidFill>
+            <a:schemeClr val="lt1"/>
+          </a:solidFill>
+          <a:ln w="25560">
+            <a:solidFill>
+              <a:schemeClr val="accent5"/>
+            </a:solidFill>
+            <a:round/>
+          </a:ln>
+        </p:spPr>
+        <p:style>
+          <a:lnRef idx="0"/>
+          <a:fillRef idx="0"/>
+          <a:effectRef idx="0"/>
+          <a:fontRef idx="minor"/>
+        </p:style>
+        <p:txBody>
+          <a:bodyPr lIns="90000" rIns="90000" tIns="45000" bIns="45000" anchor="ctr"/>
+          <a:p>
+            <a:pPr algn="ctr">
+              <a:lnSpc>
+                <a:spcPct val="100000"/>
+              </a:lnSpc>
+            </a:pPr>
+            <a:r>
+              <a:rPr b="0" lang="en-US" sz="1800" spc="-1" strike="noStrike">
+                <a:solidFill>
+                  <a:srgbClr val="000000"/>
+                </a:solidFill>
+                <a:latin typeface="Arial"/>
+                <a:ea typeface="Arial"/>
+              </a:rPr>
+              <a:t>TRIPLES</a:t>
+            </a:r>
+            <a:endParaRPr b="0" lang="en-US" sz="1800" spc="-1" strike="noStrike">
+              <a:latin typeface="Arial"/>
+            </a:endParaRPr>
+          </a:p>
+        </p:txBody>
+      </p:sp>
+      <p:sp>
+        <p:nvSpPr>
+          <p:cNvPr id="251" name="CustomShape 4"/>
+          <p:cNvSpPr/>
+          <p:nvPr/>
+        </p:nvSpPr>
+        <p:spPr>
+          <a:xfrm>
+            <a:off x="5797800" y="1299240"/>
+            <a:ext cx="2703600" cy="1346760"/>
+          </a:xfrm>
+          <a:prstGeom prst="flowChartProcess">
+            <a:avLst/>
+          </a:prstGeom>
+          <a:solidFill>
+            <a:schemeClr val="accent1"/>
+          </a:solidFill>
+          <a:ln w="25560">
+            <a:solidFill>
+              <a:srgbClr val="395e89"/>
+            </a:solidFill>
+            <a:round/>
+          </a:ln>
+        </p:spPr>
+        <p:style>
+          <a:lnRef idx="0"/>
+          <a:fillRef idx="0"/>
+          <a:effectRef idx="0"/>
+          <a:fontRef idx="minor"/>
+        </p:style>
+        <p:txBody>
+          <a:bodyPr lIns="90000" rIns="90000" tIns="45000" bIns="45000" anchor="ctr"/>
+          <a:p>
+            <a:pPr algn="ctr">
+              <a:lnSpc>
+                <a:spcPct val="100000"/>
+              </a:lnSpc>
+            </a:pPr>
+            <a:r>
+              <a:rPr b="1" lang="en-US" sz="1600" spc="-1" strike="noStrike">
+                <a:solidFill>
+                  <a:srgbClr val="ffffff"/>
+                </a:solidFill>
+                <a:latin typeface="Arial"/>
+                <a:ea typeface="Arial"/>
+              </a:rPr>
+              <a:t>Mine</a:t>
+            </a:r>
+            <a:br/>
+            <a:r>
+              <a:rPr b="0" lang="en-US" sz="1600" spc="-1" strike="noStrike">
+                <a:solidFill>
+                  <a:srgbClr val="ffffff"/>
+                </a:solidFill>
+                <a:latin typeface="Arial"/>
+                <a:ea typeface="Arial"/>
+              </a:rPr>
+              <a:t>only logical rules with default thresholds</a:t>
+            </a:r>
+            <a:endParaRPr b="0" lang="en-US" sz="1600" spc="-1" strike="noStrike">
+              <a:latin typeface="Arial"/>
+            </a:endParaRPr>
+          </a:p>
+        </p:txBody>
+      </p:sp>
+      <p:sp>
+        <p:nvSpPr>
+          <p:cNvPr id="252" name="CustomShape 5"/>
+          <p:cNvSpPr/>
+          <p:nvPr/>
+        </p:nvSpPr>
+        <p:spPr>
+          <a:xfrm>
+            <a:off x="6493320" y="3286800"/>
+            <a:ext cx="1312560" cy="938880"/>
+          </a:xfrm>
+          <a:prstGeom prst="flowChartMultidocument">
+            <a:avLst/>
+          </a:prstGeom>
+          <a:solidFill>
+            <a:schemeClr val="lt1"/>
+          </a:solidFill>
+          <a:ln w="25560">
+            <a:solidFill>
+              <a:schemeClr val="accent5"/>
+            </a:solidFill>
+            <a:round/>
+          </a:ln>
+        </p:spPr>
+        <p:style>
+          <a:lnRef idx="0"/>
+          <a:fillRef idx="0"/>
+          <a:effectRef idx="0"/>
+          <a:fontRef idx="minor"/>
+        </p:style>
+        <p:txBody>
+          <a:bodyPr lIns="90000" rIns="90000" tIns="45000" bIns="45000" anchor="ctr"/>
+          <a:p>
+            <a:pPr algn="ctr">
+              <a:lnSpc>
+                <a:spcPct val="100000"/>
+              </a:lnSpc>
+            </a:pPr>
+            <a:r>
+              <a:rPr b="0" lang="en-US" sz="1800" spc="-1" strike="noStrike">
+                <a:solidFill>
+                  <a:srgbClr val="000000"/>
+                </a:solidFill>
+                <a:latin typeface="Arial"/>
+                <a:ea typeface="Arial"/>
+              </a:rPr>
+              <a:t>Exported</a:t>
+            </a:r>
+            <a:endParaRPr b="0" lang="en-US" sz="1800" spc="-1" strike="noStrike">
+              <a:latin typeface="Arial"/>
+            </a:endParaRPr>
+          </a:p>
+          <a:p>
+            <a:pPr algn="ctr">
+              <a:lnSpc>
+                <a:spcPct val="100000"/>
+              </a:lnSpc>
+            </a:pPr>
+            <a:r>
+              <a:rPr b="0" lang="en-US" sz="1800" spc="-1" strike="noStrike">
+                <a:solidFill>
+                  <a:srgbClr val="000000"/>
+                </a:solidFill>
+                <a:latin typeface="Arial"/>
+                <a:ea typeface="Arial"/>
+              </a:rPr>
+              <a:t>Rules</a:t>
+            </a:r>
+            <a:endParaRPr b="0" lang="en-US" sz="1800" spc="-1" strike="noStrike">
+              <a:latin typeface="Arial"/>
+            </a:endParaRPr>
+          </a:p>
+        </p:txBody>
+      </p:sp>
+      <p:sp>
+        <p:nvSpPr>
+          <p:cNvPr id="253" name="CustomShape 6"/>
+          <p:cNvSpPr/>
+          <p:nvPr/>
+        </p:nvSpPr>
+        <p:spPr>
+          <a:xfrm>
+            <a:off x="4377600" y="1976400"/>
+            <a:ext cx="1419840" cy="360"/>
+          </a:xfrm>
+          <a:custGeom>
+            <a:avLst/>
+            <a:gdLst/>
+            <a:ahLst/>
+            <a:rect l="l" t="t" r="r" b="b"/>
+            <a:pathLst>
+              <a:path w="21600" h="21600">
+                <a:moveTo>
+                  <a:pt x="0" y="0"/>
+                </a:moveTo>
+                <a:lnTo>
+                  <a:pt x="21600" y="21600"/>
+                </a:lnTo>
+              </a:path>
+            </a:pathLst>
+          </a:custGeom>
+          <a:noFill/>
+          <a:ln w="38160">
+            <a:solidFill>
+              <a:schemeClr val="accent1"/>
+            </a:solidFill>
+            <a:round/>
+            <a:tailEnd len="med" type="triangle" w="med"/>
+          </a:ln>
+          <a:effectLst>
+            <a:outerShdw blurRad="40000" dir="5400000" dist="23000" rotWithShape="0">
+              <a:srgbClr val="000000">
+                <a:alpha val="35000"/>
+              </a:srgbClr>
+            </a:outerShdw>
+          </a:effectLst>
+        </p:spPr>
+        <p:style>
+          <a:lnRef idx="0"/>
+          <a:fillRef idx="0"/>
+          <a:effectRef idx="0"/>
+          <a:fontRef idx="minor"/>
+        </p:style>
+      </p:sp>
+      <p:sp>
+        <p:nvSpPr>
+          <p:cNvPr id="254" name="CustomShape 7"/>
+          <p:cNvSpPr/>
+          <p:nvPr/>
+        </p:nvSpPr>
+        <p:spPr>
+          <a:xfrm>
+            <a:off x="7149960" y="2646720"/>
+            <a:ext cx="360" cy="639360"/>
+          </a:xfrm>
+          <a:custGeom>
+            <a:avLst/>
+            <a:gdLst/>
+            <a:ahLst/>
+            <a:rect l="l" t="t" r="r" b="b"/>
+            <a:pathLst>
+              <a:path w="21600" h="21600">
+                <a:moveTo>
+                  <a:pt x="0" y="0"/>
+                </a:moveTo>
+                <a:lnTo>
+                  <a:pt x="21600" y="21600"/>
+                </a:lnTo>
+              </a:path>
+            </a:pathLst>
+          </a:custGeom>
+          <a:noFill/>
+          <a:ln w="38160">
+            <a:solidFill>
+              <a:schemeClr val="accent1"/>
+            </a:solidFill>
+            <a:round/>
+            <a:tailEnd len="med" type="triangle" w="med"/>
+          </a:ln>
+          <a:effectLst>
+            <a:outerShdw blurRad="40000" dir="5400000" dist="23000" rotWithShape="0">
+              <a:srgbClr val="000000">
+                <a:alpha val="35000"/>
+              </a:srgbClr>
+            </a:outerShdw>
+          </a:effectLst>
+        </p:spPr>
+        <p:style>
+          <a:lnRef idx="0"/>
+          <a:fillRef idx="0"/>
+          <a:effectRef idx="0"/>
+          <a:fontRef idx="minor"/>
+        </p:style>
+      </p:sp>
+      <p:sp>
+        <p:nvSpPr>
+          <p:cNvPr id="255" name="CustomShape 8"/>
+          <p:cNvSpPr/>
+          <p:nvPr/>
+        </p:nvSpPr>
+        <p:spPr>
+          <a:xfrm>
+            <a:off x="1736280" y="1987200"/>
+            <a:ext cx="1226160" cy="360"/>
+          </a:xfrm>
+          <a:custGeom>
+            <a:avLst/>
+            <a:gdLst/>
+            <a:ahLst/>
+            <a:rect l="l" t="t" r="r" b="b"/>
+            <a:pathLst>
+              <a:path w="21600" h="21600">
+                <a:moveTo>
+                  <a:pt x="0" y="0"/>
+                </a:moveTo>
+                <a:lnTo>
+                  <a:pt x="21600" y="21600"/>
+                </a:lnTo>
+              </a:path>
+            </a:pathLst>
+          </a:custGeom>
+          <a:noFill/>
+          <a:ln w="38160">
+            <a:solidFill>
+              <a:schemeClr val="accent1"/>
+            </a:solidFill>
+            <a:round/>
+            <a:tailEnd len="med" type="triangle" w="med"/>
+          </a:ln>
+          <a:effectLst>
+            <a:outerShdw blurRad="40000" dir="5400000" dist="23000" rotWithShape="0">
+              <a:srgbClr val="000000">
+                <a:alpha val="35000"/>
+              </a:srgbClr>
+            </a:outerShdw>
+          </a:effectLst>
+        </p:spPr>
+        <p:style>
+          <a:lnRef idx="0"/>
+          <a:fillRef idx="0"/>
+          <a:effectRef idx="0"/>
+          <a:fontRef idx="minor"/>
+        </p:style>
+      </p:sp>
+      <p:sp>
+        <p:nvSpPr>
+          <p:cNvPr id="256" name="CustomShape 9"/>
+          <p:cNvSpPr/>
+          <p:nvPr/>
+        </p:nvSpPr>
+        <p:spPr>
+          <a:xfrm>
+            <a:off x="8556840" y="4749840"/>
+            <a:ext cx="547920" cy="392760"/>
+          </a:xfrm>
+          <a:prstGeom prst="rect">
+            <a:avLst/>
+          </a:prstGeom>
+          <a:noFill/>
+          <a:ln>
+            <a:noFill/>
+          </a:ln>
+        </p:spPr>
+        <p:style>
+          <a:lnRef idx="0"/>
+          <a:fillRef idx="0"/>
+          <a:effectRef idx="0"/>
+          <a:fontRef idx="minor"/>
+        </p:style>
+        <p:txBody>
+          <a:bodyPr lIns="90000" rIns="90000" tIns="91440" bIns="91440"/>
+          <a:p>
+            <a:pPr algn="r">
+              <a:lnSpc>
+                <a:spcPct val="100000"/>
+              </a:lnSpc>
+            </a:pPr>
+            <a:fld id="{2E35A694-8BF8-413F-9B8C-08E058A52535}" type="slidenum">
+              <a:rPr b="0" lang="en-US" sz="1300" spc="-1" strike="noStrike">
+                <a:solidFill>
+                  <a:srgbClr val="000000"/>
+                </a:solidFill>
+                <a:latin typeface="Arial"/>
+                <a:ea typeface="Arial"/>
+              </a:rPr>
+              <a:t>1</a:t>
+            </a:fld>
+            <a:endParaRPr b="0" lang="en-US" sz="1300" spc="-1" strike="noStrike">
+              <a:latin typeface="Arial"/>
+            </a:endParaRPr>
+          </a:p>
+        </p:txBody>
+      </p:sp>
+    </p:spTree>
+  </p:cSld>
+  <p:timing>
+    <p:tnLst>
+      <p:par>
+        <p:cTn id="19" dur="indefinite" restart="never" nodeType="tmRoot">
+          <p:childTnLst>
+            <p:seq>
+              <p:cTn id="20" dur="indefinite" nodeType="mainSeq"/>
+              <p:prevCondLst>
+                <p:cond delay="0" evt="onPrev">
+                  <p:tgtEl>
+                    <p:sldTgt/>
+                  </p:tgtEl>
+                </p:cond>
+              </p:prevCondLst>
+              <p:nextCondLst>
+                <p:cond delay="0" evt="onNext">
+                  <p:tgtEl>
+                    <p:sldTgt/>
+                  </p:tgtEl>
+                </p:cond>
+              </p:nextCondLst>
+            </p:seq>
+          </p:childTnLst>
+        </p:cTn>
+      </p:par>
+    </p:tnLst>
+  </p:timing>
+</p:sld>
+</file>
+
+<file path=ppt/slides/slide11.xml><?xml version="1.0" encoding="utf-8"?>
+<p:sld xmlns:a="http://schemas.openxmlformats.org/drawingml/2006/main" xmlns:p="http://schemas.openxmlformats.org/presentationml/2006/main" xmlns:r="http://schemas.openxmlformats.org/officeDocument/2006/relationships" xmlns:p14="http://schemas.microsoft.com/office/powerpoint/2010/main" xmlns:p15="http://schemas.microsoft.com/office/powerpoint/2012/main" xmlns:mc="http://schemas.openxmlformats.org/markup-compatibility/2006">
+  <p:cSld>
+    <p:spTree>
+      <p:nvGrpSpPr>
+        <p:cNvPr id="1" name=""/>
+        <p:cNvGrpSpPr/>
+        <p:nvPr/>
+      </p:nvGrpSpPr>
+      <p:grpSpPr>
+        <a:xfrm>
+          <a:off x="0" y="0"/>
+          <a:ext cx="0" cy="0"/>
+          <a:chOff x="0" y="0"/>
+          <a:chExt cx="0" cy="0"/>
+        </a:xfrm>
+      </p:grpSpPr>
+      <p:pic>
+        <p:nvPicPr>
+          <p:cNvPr id="257" name="" descr=""/>
+          <p:cNvPicPr/>
+          <p:nvPr/>
+        </p:nvPicPr>
+        <p:blipFill>
+          <a:blip r:embed="rId1"/>
+          <a:stretch/>
+        </p:blipFill>
+        <p:spPr>
+          <a:xfrm>
+            <a:off x="1371600" y="1203480"/>
+            <a:ext cx="6035040" cy="2982600"/>
+          </a:xfrm>
+          <a:prstGeom prst="rect">
+            <a:avLst/>
+          </a:prstGeom>
+          <a:ln>
+            <a:noFill/>
+          </a:ln>
+        </p:spPr>
+      </p:pic>
+    </p:spTree>
+  </p:cSld>
+  <p:timing>
+    <p:tnLst>
+      <p:par>
+        <p:cTn id="21" dur="indefinite" restart="never" nodeType="tmRoot">
+          <p:childTnLst>
+            <p:seq>
+              <p:cTn id="22" dur="indefinite" nodeType="mainSeq"/>
               <p:prevCondLst>
                 <p:cond delay="0" evt="onPrev">
                   <p:tgtEl>
@@ -5129,14 +9301,14 @@
       </p:grpSpPr>
       <p:sp>
         <p:nvSpPr>
-          <p:cNvPr id="119" name="CustomShape 1"/>
+          <p:cNvPr id="198" name="CustomShape 1"/>
           <p:cNvSpPr/>
           <p:nvPr/>
         </p:nvSpPr>
         <p:spPr>
           <a:xfrm>
             <a:off x="311760" y="444960"/>
-            <a:ext cx="8518680" cy="570960"/>
+            <a:ext cx="8517600" cy="569880"/>
           </a:xfrm>
           <a:prstGeom prst="rect">
             <a:avLst/>
@@ -5178,14 +9350,14 @@
       </p:sp>
       <p:sp>
         <p:nvSpPr>
-          <p:cNvPr id="120" name="CustomShape 2"/>
+          <p:cNvPr id="199" name="CustomShape 2"/>
           <p:cNvSpPr/>
           <p:nvPr/>
         </p:nvSpPr>
         <p:spPr>
           <a:xfrm>
             <a:off x="311760" y="1152360"/>
-            <a:ext cx="8518680" cy="3414600"/>
+            <a:ext cx="8517600" cy="3413520"/>
           </a:xfrm>
           <a:prstGeom prst="rect">
             <a:avLst/>
@@ -5263,14 +9435,14 @@
       </p:sp>
       <p:sp>
         <p:nvSpPr>
-          <p:cNvPr id="121" name="CustomShape 3"/>
+          <p:cNvPr id="200" name="CustomShape 3"/>
           <p:cNvSpPr/>
           <p:nvPr/>
         </p:nvSpPr>
         <p:spPr>
           <a:xfrm>
             <a:off x="3202920" y="4643640"/>
-            <a:ext cx="2998080" cy="371880"/>
+            <a:ext cx="2997000" cy="370800"/>
           </a:xfrm>
           <a:prstGeom prst="rect">
             <a:avLst/>
@@ -5286,40 +9458,17 @@
           <a:effectRef idx="0"/>
           <a:fontRef idx="minor"/>
         </p:style>
-        <p:txBody>
-          <a:bodyPr lIns="90000" rIns="90000" tIns="91440" bIns="91440"/>
-          <a:p>
-            <a:pPr>
-              <a:lnSpc>
-                <a:spcPct val="100000"/>
-              </a:lnSpc>
-            </a:pPr>
-            <a:r>
-              <a:rPr b="0" lang="en-US" sz="1400" spc="-1" strike="noStrike">
-                <a:solidFill>
-                  <a:srgbClr val="000000"/>
-                </a:solidFill>
-                <a:latin typeface="Arial"/>
-                <a:ea typeface="Arial"/>
-              </a:rPr>
-              <a:t>Sample discovered rules</a:t>
-            </a:r>
-            <a:endParaRPr b="0" lang="en-US" sz="1400" spc="-1" strike="noStrike">
-              <a:latin typeface="Arial"/>
-            </a:endParaRPr>
-          </a:p>
-        </p:txBody>
-      </p:sp>
-      <p:sp>
-        <p:nvSpPr>
-          <p:cNvPr id="122" name="CustomShape 4"/>
+      </p:sp>
+      <p:sp>
+        <p:nvSpPr>
+          <p:cNvPr id="201" name="CustomShape 4"/>
           <p:cNvSpPr/>
           <p:nvPr/>
         </p:nvSpPr>
         <p:spPr>
           <a:xfrm>
             <a:off x="8472600" y="4663080"/>
-            <a:ext cx="546840" cy="391680"/>
+            <a:ext cx="545760" cy="390600"/>
           </a:xfrm>
           <a:prstGeom prst="rect">
             <a:avLst/>
@@ -5335,6 +9484,55 @@
           <a:effectRef idx="0"/>
           <a:fontRef idx="minor"/>
         </p:style>
+      </p:sp>
+      <p:sp>
+        <p:nvSpPr>
+          <p:cNvPr id="202" name="CustomShape 5"/>
+          <p:cNvSpPr/>
+          <p:nvPr/>
+        </p:nvSpPr>
+        <p:spPr>
+          <a:xfrm>
+            <a:off x="8557200" y="4749840"/>
+            <a:ext cx="547920" cy="392760"/>
+          </a:xfrm>
+          <a:prstGeom prst="rect">
+            <a:avLst/>
+          </a:prstGeom>
+          <a:noFill/>
+          <a:ln>
+            <a:noFill/>
+          </a:ln>
+        </p:spPr>
+        <p:style>
+          <a:lnRef idx="0"/>
+          <a:fillRef idx="0"/>
+          <a:effectRef idx="0"/>
+          <a:fontRef idx="minor"/>
+        </p:style>
+        <p:txBody>
+          <a:bodyPr lIns="90000" rIns="90000" tIns="91440" bIns="91440"/>
+          <a:p>
+            <a:pPr algn="r">
+              <a:lnSpc>
+                <a:spcPct val="100000"/>
+              </a:lnSpc>
+            </a:pPr>
+            <a:fld id="{40318FF2-B673-4343-AB5F-6882911EDA8C}" type="slidenum">
+              <a:rPr b="0" lang="en-US" sz="1300" spc="-1" strike="noStrike">
+                <a:solidFill>
+                  <a:srgbClr val="000000"/>
+                </a:solidFill>
+                <a:latin typeface="Arial"/>
+                <a:ea typeface="Arial"/>
+              </a:rPr>
+              <a:t>1</a:t>
+            </a:fld>
+            <a:endParaRPr b="0" lang="en-US" sz="1300" spc="-1" strike="noStrike">
+              <a:latin typeface="Arial"/>
+            </a:endParaRPr>
+          </a:p>
+        </p:txBody>
       </p:sp>
     </p:spTree>
   </p:cSld>
@@ -5387,14 +9585,14 @@
       </p:grpSpPr>
       <p:sp>
         <p:nvSpPr>
-          <p:cNvPr id="123" name="CustomShape 1"/>
+          <p:cNvPr id="203" name="CustomShape 1"/>
           <p:cNvSpPr/>
           <p:nvPr/>
         </p:nvSpPr>
         <p:spPr>
           <a:xfrm>
             <a:off x="311760" y="444960"/>
-            <a:ext cx="8518680" cy="570960"/>
+            <a:ext cx="8517600" cy="569880"/>
           </a:xfrm>
           <a:prstGeom prst="rect">
             <a:avLst/>
@@ -5436,14 +9634,14 @@
       </p:sp>
       <p:sp>
         <p:nvSpPr>
-          <p:cNvPr id="124" name="CustomShape 2"/>
+          <p:cNvPr id="204" name="CustomShape 2"/>
           <p:cNvSpPr/>
           <p:nvPr/>
         </p:nvSpPr>
         <p:spPr>
           <a:xfrm>
             <a:off x="311760" y="1152360"/>
-            <a:ext cx="8518680" cy="3414600"/>
+            <a:ext cx="8517600" cy="3413520"/>
           </a:xfrm>
           <a:prstGeom prst="rect">
             <a:avLst/>
@@ -5462,7 +9660,7 @@
       </p:sp>
       <p:pic>
         <p:nvPicPr>
-          <p:cNvPr id="125" name="Google Shape;149;p29" descr=""/>
+          <p:cNvPr id="205" name="Google Shape;149;p29" descr=""/>
           <p:cNvPicPr/>
           <p:nvPr/>
         </p:nvPicPr>
@@ -5472,8 +9670,8 @@
         </p:blipFill>
         <p:spPr>
           <a:xfrm>
-            <a:off x="163800" y="1092600"/>
-            <a:ext cx="9142200" cy="4049280"/>
+            <a:off x="225000" y="1152360"/>
+            <a:ext cx="7638120" cy="3382560"/>
           </a:xfrm>
           <a:prstGeom prst="rect">
             <a:avLst/>
@@ -5485,14 +9683,14 @@
       </p:pic>
       <p:sp>
         <p:nvSpPr>
-          <p:cNvPr id="126" name="CustomShape 3"/>
+          <p:cNvPr id="206" name="CustomShape 3"/>
           <p:cNvSpPr/>
           <p:nvPr/>
         </p:nvSpPr>
         <p:spPr>
           <a:xfrm>
             <a:off x="8472600" y="4663080"/>
-            <a:ext cx="546840" cy="391680"/>
+            <a:ext cx="545760" cy="390600"/>
           </a:xfrm>
           <a:prstGeom prst="rect">
             <a:avLst/>
@@ -5508,6 +9706,55 @@
           <a:effectRef idx="0"/>
           <a:fontRef idx="minor"/>
         </p:style>
+      </p:sp>
+      <p:sp>
+        <p:nvSpPr>
+          <p:cNvPr id="207" name="CustomShape 4"/>
+          <p:cNvSpPr/>
+          <p:nvPr/>
+        </p:nvSpPr>
+        <p:spPr>
+          <a:xfrm>
+            <a:off x="8557200" y="4749840"/>
+            <a:ext cx="547920" cy="392760"/>
+          </a:xfrm>
+          <a:prstGeom prst="rect">
+            <a:avLst/>
+          </a:prstGeom>
+          <a:noFill/>
+          <a:ln>
+            <a:noFill/>
+          </a:ln>
+        </p:spPr>
+        <p:style>
+          <a:lnRef idx="0"/>
+          <a:fillRef idx="0"/>
+          <a:effectRef idx="0"/>
+          <a:fontRef idx="minor"/>
+        </p:style>
+        <p:txBody>
+          <a:bodyPr lIns="90000" rIns="90000" tIns="91440" bIns="91440"/>
+          <a:p>
+            <a:pPr algn="r">
+              <a:lnSpc>
+                <a:spcPct val="100000"/>
+              </a:lnSpc>
+            </a:pPr>
+            <a:fld id="{8D2FCDF5-DE16-4B3F-A2C1-1225A639D94D}" type="slidenum">
+              <a:rPr b="0" lang="en-US" sz="1300" spc="-1" strike="noStrike">
+                <a:solidFill>
+                  <a:srgbClr val="000000"/>
+                </a:solidFill>
+                <a:latin typeface="Arial"/>
+                <a:ea typeface="Arial"/>
+              </a:rPr>
+              <a:t>1</a:t>
+            </a:fld>
+            <a:endParaRPr b="0" lang="en-US" sz="1300" spc="-1" strike="noStrike">
+              <a:latin typeface="Arial"/>
+            </a:endParaRPr>
+          </a:p>
+        </p:txBody>
       </p:sp>
     </p:spTree>
   </p:cSld>
@@ -5560,14 +9807,14 @@
       </p:grpSpPr>
       <p:sp>
         <p:nvSpPr>
-          <p:cNvPr id="127" name="CustomShape 1"/>
+          <p:cNvPr id="208" name="CustomShape 1"/>
           <p:cNvSpPr/>
           <p:nvPr/>
         </p:nvSpPr>
         <p:spPr>
           <a:xfrm>
             <a:off x="311760" y="444960"/>
-            <a:ext cx="8518680" cy="570960"/>
+            <a:ext cx="8517600" cy="569880"/>
           </a:xfrm>
           <a:prstGeom prst="rect">
             <a:avLst/>
@@ -5586,14 +9833,14 @@
       </p:sp>
       <p:sp>
         <p:nvSpPr>
-          <p:cNvPr id="128" name="CustomShape 2"/>
+          <p:cNvPr id="209" name="CustomShape 2"/>
           <p:cNvSpPr/>
           <p:nvPr/>
         </p:nvSpPr>
         <p:spPr>
           <a:xfrm>
             <a:off x="311760" y="1152360"/>
-            <a:ext cx="8518680" cy="3414600"/>
+            <a:ext cx="8517600" cy="3413520"/>
           </a:xfrm>
           <a:prstGeom prst="rect">
             <a:avLst/>
@@ -5612,14 +9859,14 @@
       </p:sp>
       <p:sp>
         <p:nvSpPr>
-          <p:cNvPr id="129" name="CustomShape 3"/>
+          <p:cNvPr id="210" name="CustomShape 3"/>
           <p:cNvSpPr/>
           <p:nvPr/>
         </p:nvSpPr>
         <p:spPr>
           <a:xfrm>
             <a:off x="8472600" y="4663080"/>
-            <a:ext cx="546840" cy="391680"/>
+            <a:ext cx="545760" cy="390600"/>
           </a:xfrm>
           <a:prstGeom prst="rect">
             <a:avLst/>
@@ -5638,7 +9885,7 @@
       </p:sp>
       <p:pic>
         <p:nvPicPr>
-          <p:cNvPr id="130" name="Google Shape;158;p30" descr=""/>
+          <p:cNvPr id="211" name="Google Shape;158;p30" descr=""/>
           <p:cNvPicPr/>
           <p:nvPr/>
         </p:nvPicPr>
@@ -5648,8 +9895,8 @@
         </p:blipFill>
         <p:spPr>
           <a:xfrm>
-            <a:off x="0" y="761040"/>
-            <a:ext cx="9142200" cy="3619800"/>
+            <a:off x="548640" y="1097280"/>
+            <a:ext cx="7830000" cy="3291120"/>
           </a:xfrm>
           <a:prstGeom prst="rect">
             <a:avLst/>
@@ -5659,6 +9906,55 @@
           </a:ln>
         </p:spPr>
       </p:pic>
+      <p:sp>
+        <p:nvSpPr>
+          <p:cNvPr id="212" name="CustomShape 4"/>
+          <p:cNvSpPr/>
+          <p:nvPr/>
+        </p:nvSpPr>
+        <p:spPr>
+          <a:xfrm>
+            <a:off x="8557200" y="4749840"/>
+            <a:ext cx="547920" cy="392760"/>
+          </a:xfrm>
+          <a:prstGeom prst="rect">
+            <a:avLst/>
+          </a:prstGeom>
+          <a:noFill/>
+          <a:ln>
+            <a:noFill/>
+          </a:ln>
+        </p:spPr>
+        <p:style>
+          <a:lnRef idx="0"/>
+          <a:fillRef idx="0"/>
+          <a:effectRef idx="0"/>
+          <a:fontRef idx="minor"/>
+        </p:style>
+        <p:txBody>
+          <a:bodyPr lIns="90000" rIns="90000" tIns="91440" bIns="91440"/>
+          <a:p>
+            <a:pPr algn="r">
+              <a:lnSpc>
+                <a:spcPct val="100000"/>
+              </a:lnSpc>
+            </a:pPr>
+            <a:fld id="{6B238F70-9314-4E0E-89B8-DE21AB1B4564}" type="slidenum">
+              <a:rPr b="0" lang="en-US" sz="1300" spc="-1" strike="noStrike">
+                <a:solidFill>
+                  <a:srgbClr val="000000"/>
+                </a:solidFill>
+                <a:latin typeface="Arial"/>
+                <a:ea typeface="Arial"/>
+              </a:rPr>
+              <a:t>1</a:t>
+            </a:fld>
+            <a:endParaRPr b="0" lang="en-US" sz="1300" spc="-1" strike="noStrike">
+              <a:latin typeface="Arial"/>
+            </a:endParaRPr>
+          </a:p>
+        </p:txBody>
+      </p:sp>
     </p:spTree>
   </p:cSld>
   <p:timing>
@@ -5710,14 +10006,14 @@
       </p:grpSpPr>
       <p:sp>
         <p:nvSpPr>
-          <p:cNvPr id="131" name="CustomShape 1"/>
+          <p:cNvPr id="213" name="CustomShape 1"/>
           <p:cNvSpPr/>
           <p:nvPr/>
         </p:nvSpPr>
         <p:spPr>
           <a:xfrm>
             <a:off x="311760" y="444960"/>
-            <a:ext cx="8518680" cy="570960"/>
+            <a:ext cx="8517600" cy="569880"/>
           </a:xfrm>
           <a:prstGeom prst="rect">
             <a:avLst/>
@@ -5759,14 +10055,14 @@
       </p:sp>
       <p:sp>
         <p:nvSpPr>
-          <p:cNvPr id="132" name="CustomShape 2"/>
+          <p:cNvPr id="214" name="CustomShape 2"/>
           <p:cNvSpPr/>
           <p:nvPr/>
         </p:nvSpPr>
         <p:spPr>
           <a:xfrm>
             <a:off x="311760" y="1152360"/>
-            <a:ext cx="8518680" cy="3414600"/>
+            <a:ext cx="8517600" cy="3413520"/>
           </a:xfrm>
           <a:prstGeom prst="rect">
             <a:avLst/>
@@ -5785,14 +10081,14 @@
       </p:sp>
       <p:sp>
         <p:nvSpPr>
-          <p:cNvPr id="133" name="CustomShape 3"/>
+          <p:cNvPr id="215" name="CustomShape 3"/>
           <p:cNvSpPr/>
           <p:nvPr/>
         </p:nvSpPr>
         <p:spPr>
           <a:xfrm>
             <a:off x="8472600" y="4663080"/>
-            <a:ext cx="546840" cy="391680"/>
+            <a:ext cx="545760" cy="390600"/>
           </a:xfrm>
           <a:prstGeom prst="rect">
             <a:avLst/>
@@ -5811,7 +10107,7 @@
       </p:sp>
       <p:pic>
         <p:nvPicPr>
-          <p:cNvPr id="134" name="Google Shape;166;p31" descr=""/>
+          <p:cNvPr id="216" name="Google Shape;166;p31" descr=""/>
           <p:cNvPicPr/>
           <p:nvPr/>
         </p:nvPicPr>
@@ -5822,7 +10118,7 @@
         <p:spPr>
           <a:xfrm>
             <a:off x="266760" y="1209600"/>
-            <a:ext cx="8608680" cy="2722320"/>
+            <a:ext cx="8607600" cy="2721240"/>
           </a:xfrm>
           <a:prstGeom prst="rect">
             <a:avLst/>
@@ -5834,14 +10130,14 @@
       </p:pic>
       <p:sp>
         <p:nvSpPr>
-          <p:cNvPr id="135" name="CustomShape 4"/>
+          <p:cNvPr id="217" name="CustomShape 4"/>
           <p:cNvSpPr/>
           <p:nvPr/>
         </p:nvSpPr>
         <p:spPr>
           <a:xfrm>
             <a:off x="8283240" y="1439280"/>
-            <a:ext cx="438120" cy="90000"/>
+            <a:ext cx="437040" cy="88920"/>
           </a:xfrm>
           <a:prstGeom prst="rect">
             <a:avLst/>
@@ -5864,14 +10160,14 @@
       </p:sp>
       <p:sp>
         <p:nvSpPr>
-          <p:cNvPr id="136" name="CustomShape 5"/>
+          <p:cNvPr id="218" name="CustomShape 5"/>
           <p:cNvSpPr/>
           <p:nvPr/>
         </p:nvSpPr>
         <p:spPr>
           <a:xfrm>
             <a:off x="8229600" y="1463040"/>
-            <a:ext cx="127800" cy="90000"/>
+            <a:ext cx="126720" cy="88920"/>
           </a:xfrm>
           <a:prstGeom prst="rect">
             <a:avLst/>
@@ -5891,6 +10187,55 @@
           <a:effectRef idx="0"/>
           <a:fontRef idx="minor"/>
         </p:style>
+      </p:sp>
+      <p:sp>
+        <p:nvSpPr>
+          <p:cNvPr id="219" name="CustomShape 6"/>
+          <p:cNvSpPr/>
+          <p:nvPr/>
+        </p:nvSpPr>
+        <p:spPr>
+          <a:xfrm>
+            <a:off x="8557200" y="4749840"/>
+            <a:ext cx="547920" cy="392760"/>
+          </a:xfrm>
+          <a:prstGeom prst="rect">
+            <a:avLst/>
+          </a:prstGeom>
+          <a:noFill/>
+          <a:ln>
+            <a:noFill/>
+          </a:ln>
+        </p:spPr>
+        <p:style>
+          <a:lnRef idx="0"/>
+          <a:fillRef idx="0"/>
+          <a:effectRef idx="0"/>
+          <a:fontRef idx="minor"/>
+        </p:style>
+        <p:txBody>
+          <a:bodyPr lIns="90000" rIns="90000" tIns="91440" bIns="91440"/>
+          <a:p>
+            <a:pPr algn="r">
+              <a:lnSpc>
+                <a:spcPct val="100000"/>
+              </a:lnSpc>
+            </a:pPr>
+            <a:fld id="{0E88141D-E12F-4622-98FA-05F5FD02D108}" type="slidenum">
+              <a:rPr b="0" lang="en-US" sz="1300" spc="-1" strike="noStrike">
+                <a:solidFill>
+                  <a:srgbClr val="000000"/>
+                </a:solidFill>
+                <a:latin typeface="Arial"/>
+                <a:ea typeface="Arial"/>
+              </a:rPr>
+              <a:t>1</a:t>
+            </a:fld>
+            <a:endParaRPr b="0" lang="en-US" sz="1300" spc="-1" strike="noStrike">
+              <a:latin typeface="Arial"/>
+            </a:endParaRPr>
+          </a:p>
+        </p:txBody>
       </p:sp>
     </p:spTree>
   </p:cSld>
@@ -5943,14 +10288,14 @@
       </p:grpSpPr>
       <p:sp>
         <p:nvSpPr>
-          <p:cNvPr id="137" name="CustomShape 1"/>
+          <p:cNvPr id="220" name="CustomShape 1"/>
           <p:cNvSpPr/>
           <p:nvPr/>
         </p:nvSpPr>
         <p:spPr>
           <a:xfrm>
             <a:off x="311760" y="444960"/>
-            <a:ext cx="8518680" cy="570960"/>
+            <a:ext cx="8517600" cy="569880"/>
           </a:xfrm>
           <a:prstGeom prst="rect">
             <a:avLst/>
@@ -5975,6 +10320,16 @@
               </a:lnSpc>
             </a:pPr>
             <a:r>
+              <a:rPr b="0" lang="en-US" sz="2800" spc="-1" strike="noStrike">
+                <a:solidFill>
+                  <a:srgbClr val="000000"/>
+                </a:solidFill>
+                <a:latin typeface="Arial"/>
+                <a:ea typeface="Arial"/>
+              </a:rPr>
+              <a:t>Mining Tabular: Example results of rule mining (</a:t>
+            </a:r>
+            <a:r>
               <a:rPr b="0" lang="en-US" sz="2600" spc="-1" strike="noStrike">
                 <a:solidFill>
                   <a:srgbClr val="000000"/>
@@ -5982,7 +10337,7 @@
                 <a:latin typeface="Arial"/>
                 <a:ea typeface="Arial"/>
               </a:rPr>
-              <a:t>Mining Tabular: Association rule mining with Bayesian Rule  Set mining</a:t>
+              <a:t>Bayesian Rule  Set mining)</a:t>
             </a:r>
             <a:endParaRPr b="0" lang="en-US" sz="2600" spc="-1" strike="noStrike">
               <a:latin typeface="Arial"/>
@@ -5992,14 +10347,14 @@
       </p:sp>
       <p:sp>
         <p:nvSpPr>
-          <p:cNvPr id="138" name="CustomShape 2"/>
+          <p:cNvPr id="221" name="CustomShape 2"/>
           <p:cNvSpPr/>
           <p:nvPr/>
         </p:nvSpPr>
         <p:spPr>
           <a:xfrm>
             <a:off x="311760" y="1152360"/>
-            <a:ext cx="8518680" cy="3414600"/>
+            <a:ext cx="8517600" cy="3413520"/>
           </a:xfrm>
           <a:prstGeom prst="rect">
             <a:avLst/>
@@ -6018,14 +10373,14 @@
       </p:sp>
       <p:sp>
         <p:nvSpPr>
-          <p:cNvPr id="139" name="CustomShape 3"/>
+          <p:cNvPr id="222" name="CustomShape 3"/>
           <p:cNvSpPr/>
           <p:nvPr/>
         </p:nvSpPr>
         <p:spPr>
           <a:xfrm>
             <a:off x="8472600" y="4663080"/>
-            <a:ext cx="546840" cy="391680"/>
+            <a:ext cx="545760" cy="390600"/>
           </a:xfrm>
           <a:prstGeom prst="rect">
             <a:avLst/>
@@ -6042,29 +10397,698 @@
           <a:fontRef idx="minor"/>
         </p:style>
       </p:sp>
-      <p:pic>
-        <p:nvPicPr>
-          <p:cNvPr id="140" name="" descr=""/>
-          <p:cNvPicPr/>
+      <p:sp>
+        <p:nvSpPr>
+          <p:cNvPr id="223" name="CustomShape 4"/>
+          <p:cNvSpPr/>
           <p:nvPr/>
-        </p:nvPicPr>
-        <p:blipFill>
-          <a:blip r:embed="rId1"/>
-          <a:stretch/>
-        </p:blipFill>
-        <p:spPr>
-          <a:xfrm>
-            <a:off x="548640" y="1466280"/>
-            <a:ext cx="7954560" cy="3100680"/>
-          </a:xfrm>
-          <a:prstGeom prst="rect">
-            <a:avLst/>
-          </a:prstGeom>
+        </p:nvSpPr>
+        <p:spPr>
+          <a:xfrm>
+            <a:off x="1463040" y="1645920"/>
+            <a:ext cx="6578280" cy="2422800"/>
+          </a:xfrm>
+          <a:prstGeom prst="rect">
+            <a:avLst/>
+          </a:prstGeom>
+          <a:noFill/>
           <a:ln>
             <a:noFill/>
           </a:ln>
         </p:spPr>
-      </p:pic>
+        <p:style>
+          <a:lnRef idx="0"/>
+          <a:fillRef idx="0"/>
+          <a:effectRef idx="0"/>
+          <a:fontRef idx="minor"/>
+        </p:style>
+        <p:txBody>
+          <a:bodyPr lIns="90000" rIns="90000" tIns="45000" bIns="45000"/>
+          <a:p>
+            <a:pPr>
+              <a:lnSpc>
+                <a:spcPct val="100000"/>
+              </a:lnSpc>
+            </a:pPr>
+            <a:r>
+              <a:rPr b="0" lang="en-US" sz="1100" spc="-1" strike="noStrike">
+                <a:latin typeface="Arial"/>
+              </a:rPr>
+              <a:t>Antigenic &amp; Antitoxin and Cold            </a:t>
+            </a:r>
+            <a:r>
+              <a:rPr b="0" lang="en-US" sz="1100" spc="-1" strike="noStrike">
+                <a:latin typeface="Arial"/>
+              </a:rPr>
+              <a:t>	</a:t>
+            </a:r>
+            <a:r>
+              <a:rPr b="0" lang="en-US" sz="1100" spc="-1" strike="noStrike">
+                <a:latin typeface="Arial"/>
+              </a:rPr>
+              <a:t>	</a:t>
+            </a:r>
+            <a:r>
+              <a:rPr b="0" lang="en-US" sz="1100" spc="-1" strike="noStrike">
+                <a:latin typeface="Arial"/>
+              </a:rPr>
+              <a:t>	</a:t>
+            </a:r>
+            <a:r>
+              <a:rPr b="0" lang="en-US" sz="1100" spc="-1" strike="noStrike">
+                <a:latin typeface="Arial"/>
+              </a:rPr>
+              <a:t>         OpenCitations_Ontology([10;100])</a:t>
+            </a:r>
+            <a:endParaRPr b="0" lang="en-US" sz="1100" spc="-1" strike="noStrike">
+              <a:latin typeface="Arial"/>
+            </a:endParaRPr>
+          </a:p>
+          <a:p>
+            <a:pPr>
+              <a:lnSpc>
+                <a:spcPct val="100000"/>
+              </a:lnSpc>
+            </a:pPr>
+            <a:endParaRPr b="0" lang="en-US" sz="1100" spc="-1" strike="noStrike">
+              <a:latin typeface="Arial"/>
+            </a:endParaRPr>
+          </a:p>
+          <a:p>
+            <a:pPr>
+              <a:lnSpc>
+                <a:spcPct val="100000"/>
+              </a:lnSpc>
+            </a:pPr>
+            <a:r>
+              <a:rPr b="0" lang="en-US" sz="1100" spc="-1" strike="noStrike">
+                <a:latin typeface="Arial"/>
+              </a:rPr>
+              <a:t>Antigenic &amp; Annual        </a:t>
+            </a:r>
+            <a:r>
+              <a:rPr b="0" lang="en-US" sz="1100" spc="-1" strike="noStrike">
+                <a:latin typeface="Arial"/>
+              </a:rPr>
+              <a:t>	</a:t>
+            </a:r>
+            <a:r>
+              <a:rPr b="0" lang="en-US" sz="1100" spc="-1" strike="noStrike">
+                <a:latin typeface="Arial"/>
+              </a:rPr>
+              <a:t>	</a:t>
+            </a:r>
+            <a:r>
+              <a:rPr b="0" lang="en-US" sz="1100" spc="-1" strike="noStrike">
+                <a:latin typeface="Arial"/>
+              </a:rPr>
+              <a:t>	</a:t>
+            </a:r>
+            <a:r>
+              <a:rPr b="0" lang="en-US" sz="1100" spc="-1" strike="noStrike">
+                <a:latin typeface="Arial"/>
+              </a:rPr>
+              <a:t>	</a:t>
+            </a:r>
+            <a:r>
+              <a:rPr b="0" lang="en-US" sz="1100" spc="-1" strike="noStrike">
+                <a:latin typeface="Arial"/>
+              </a:rPr>
+              <a:t>	</a:t>
+            </a:r>
+            <a:r>
+              <a:rPr b="0" lang="en-US" sz="1100" spc="-1" strike="noStrike">
+                <a:latin typeface="Arial"/>
+              </a:rPr>
+              <a:t>         OpenCitations_Ontology([10;100])</a:t>
+            </a:r>
+            <a:endParaRPr b="0" lang="en-US" sz="1100" spc="-1" strike="noStrike">
+              <a:latin typeface="Arial"/>
+            </a:endParaRPr>
+          </a:p>
+          <a:p>
+            <a:pPr>
+              <a:lnSpc>
+                <a:spcPct val="100000"/>
+              </a:lnSpc>
+            </a:pPr>
+            <a:endParaRPr b="0" lang="en-US" sz="1100" spc="-1" strike="noStrike">
+              <a:latin typeface="Arial"/>
+            </a:endParaRPr>
+          </a:p>
+          <a:p>
+            <a:pPr>
+              <a:lnSpc>
+                <a:spcPct val="100000"/>
+              </a:lnSpc>
+            </a:pPr>
+            <a:r>
+              <a:rPr b="0" lang="en-US" sz="1100" spc="-1" strike="noStrike">
+                <a:latin typeface="Arial"/>
+              </a:rPr>
+              <a:t>DNA &amp; Antigenic &amp; Diagnosis        </a:t>
+            </a:r>
+            <a:r>
+              <a:rPr b="0" lang="en-US" sz="1100" spc="-1" strike="noStrike">
+                <a:latin typeface="Arial"/>
+              </a:rPr>
+              <a:t>	</a:t>
+            </a:r>
+            <a:r>
+              <a:rPr b="0" lang="en-US" sz="1100" spc="-1" strike="noStrike">
+                <a:latin typeface="Arial"/>
+              </a:rPr>
+              <a:t>	</a:t>
+            </a:r>
+            <a:r>
+              <a:rPr b="0" lang="en-US" sz="1100" spc="-1" strike="noStrike">
+                <a:latin typeface="Arial"/>
+              </a:rPr>
+              <a:t>	</a:t>
+            </a:r>
+            <a:r>
+              <a:rPr b="0" lang="en-US" sz="1100" spc="-1" strike="noStrike">
+                <a:latin typeface="Arial"/>
+              </a:rPr>
+              <a:t>                     OpenCitations_Ontology([10;100])</a:t>
+            </a:r>
+            <a:endParaRPr b="0" lang="en-US" sz="1100" spc="-1" strike="noStrike">
+              <a:latin typeface="Arial"/>
+            </a:endParaRPr>
+          </a:p>
+          <a:p>
+            <a:pPr>
+              <a:lnSpc>
+                <a:spcPct val="100000"/>
+              </a:lnSpc>
+            </a:pPr>
+            <a:endParaRPr b="0" lang="en-US" sz="1100" spc="-1" strike="noStrike">
+              <a:latin typeface="Arial"/>
+            </a:endParaRPr>
+          </a:p>
+          <a:p>
+            <a:pPr>
+              <a:lnSpc>
+                <a:spcPct val="100000"/>
+              </a:lnSpc>
+            </a:pPr>
+            <a:r>
+              <a:rPr b="0" lang="en-US" sz="1100" spc="-1" strike="noStrike">
+                <a:latin typeface="Arial"/>
+              </a:rPr>
+              <a:t>Information &amp; Annual &amp; Diagnosis        </a:t>
+            </a:r>
+            <a:r>
+              <a:rPr b="0" lang="en-US" sz="1100" spc="-1" strike="noStrike">
+                <a:latin typeface="Arial"/>
+              </a:rPr>
+              <a:t>	</a:t>
+            </a:r>
+            <a:r>
+              <a:rPr b="0" lang="en-US" sz="1100" spc="-1" strike="noStrike">
+                <a:latin typeface="Arial"/>
+              </a:rPr>
+              <a:t>	</a:t>
+            </a:r>
+            <a:r>
+              <a:rPr b="0" lang="en-US" sz="1100" spc="-1" strike="noStrike">
+                <a:latin typeface="Arial"/>
+              </a:rPr>
+              <a:t>	</a:t>
+            </a:r>
+            <a:r>
+              <a:rPr b="0" lang="en-US" sz="1100" spc="-1" strike="noStrike">
+                <a:latin typeface="Arial"/>
+              </a:rPr>
+              <a:t>         OpenCitations_Ontology([10;100])</a:t>
+            </a:r>
+            <a:endParaRPr b="0" lang="en-US" sz="1100" spc="-1" strike="noStrike">
+              <a:latin typeface="Arial"/>
+            </a:endParaRPr>
+          </a:p>
+          <a:p>
+            <a:pPr>
+              <a:lnSpc>
+                <a:spcPct val="100000"/>
+              </a:lnSpc>
+            </a:pPr>
+            <a:endParaRPr b="0" lang="en-US" sz="1100" spc="-1" strike="noStrike">
+              <a:latin typeface="Arial"/>
+            </a:endParaRPr>
+          </a:p>
+          <a:p>
+            <a:pPr>
+              <a:lnSpc>
+                <a:spcPct val="100000"/>
+              </a:lnSpc>
+            </a:pPr>
+            <a:r>
+              <a:rPr b="0" lang="en-US" sz="1100" spc="-1" strike="noStrike">
+                <a:latin typeface="Arial"/>
+              </a:rPr>
+              <a:t>DNA &amp; Years &amp; Diagnosis        </a:t>
+            </a:r>
+            <a:r>
+              <a:rPr b="0" lang="en-US" sz="1100" spc="-1" strike="noStrike">
+                <a:latin typeface="Arial"/>
+              </a:rPr>
+              <a:t>	</a:t>
+            </a:r>
+            <a:r>
+              <a:rPr b="0" lang="en-US" sz="1100" spc="-1" strike="noStrike">
+                <a:latin typeface="Arial"/>
+              </a:rPr>
+              <a:t>	</a:t>
+            </a:r>
+            <a:r>
+              <a:rPr b="0" lang="en-US" sz="1100" spc="-1" strike="noStrike">
+                <a:latin typeface="Arial"/>
+              </a:rPr>
+              <a:t>	</a:t>
+            </a:r>
+            <a:r>
+              <a:rPr b="0" lang="en-US" sz="1100" spc="-1" strike="noStrike">
+                <a:latin typeface="Arial"/>
+              </a:rPr>
+              <a:t>	</a:t>
+            </a:r>
+            <a:r>
+              <a:rPr b="0" lang="en-US" sz="1100" spc="-1" strike="noStrike">
+                <a:latin typeface="Arial"/>
+              </a:rPr>
+              <a:t>         OpenCitations_Ontology([10;100])</a:t>
+            </a:r>
+            <a:endParaRPr b="0" lang="en-US" sz="1100" spc="-1" strike="noStrike">
+              <a:latin typeface="Arial"/>
+            </a:endParaRPr>
+          </a:p>
+          <a:p>
+            <a:pPr>
+              <a:lnSpc>
+                <a:spcPct val="100000"/>
+              </a:lnSpc>
+            </a:pPr>
+            <a:endParaRPr b="0" lang="en-US" sz="1100" spc="-1" strike="noStrike">
+              <a:latin typeface="Arial"/>
+            </a:endParaRPr>
+          </a:p>
+          <a:p>
+            <a:pPr>
+              <a:lnSpc>
+                <a:spcPct val="100000"/>
+              </a:lnSpc>
+            </a:pPr>
+            <a:r>
+              <a:rPr b="0" lang="en-US" sz="1100" spc="-1" strike="noStrike">
+                <a:latin typeface="Arial"/>
+              </a:rPr>
+              <a:t>Antigenic &amp; Years &amp; People        </a:t>
+            </a:r>
+            <a:r>
+              <a:rPr b="0" lang="en-US" sz="1100" spc="-1" strike="noStrike">
+                <a:latin typeface="Arial"/>
+              </a:rPr>
+              <a:t>	</a:t>
+            </a:r>
+            <a:r>
+              <a:rPr b="0" lang="en-US" sz="1100" spc="-1" strike="noStrike">
+                <a:latin typeface="Arial"/>
+              </a:rPr>
+              <a:t>	</a:t>
+            </a:r>
+            <a:r>
+              <a:rPr b="0" lang="en-US" sz="1100" spc="-1" strike="noStrike">
+                <a:latin typeface="Arial"/>
+              </a:rPr>
+              <a:t>	</a:t>
+            </a:r>
+            <a:r>
+              <a:rPr b="0" lang="en-US" sz="1100" spc="-1" strike="noStrike">
+                <a:latin typeface="Arial"/>
+              </a:rPr>
+              <a:t>	</a:t>
+            </a:r>
+            <a:r>
+              <a:rPr b="0" lang="en-US" sz="1100" spc="-1" strike="noStrike">
+                <a:latin typeface="Arial"/>
+              </a:rPr>
+              <a:t>         OpenCitations_Ontology([10;100])</a:t>
+            </a:r>
+            <a:endParaRPr b="0" lang="en-US" sz="1100" spc="-1" strike="noStrike">
+              <a:latin typeface="Arial"/>
+            </a:endParaRPr>
+          </a:p>
+          <a:p>
+            <a:pPr>
+              <a:lnSpc>
+                <a:spcPct val="100000"/>
+              </a:lnSpc>
+            </a:pPr>
+            <a:endParaRPr b="0" lang="en-US" sz="1100" spc="-1" strike="noStrike">
+              <a:latin typeface="Arial"/>
+            </a:endParaRPr>
+          </a:p>
+          <a:p>
+            <a:pPr>
+              <a:lnSpc>
+                <a:spcPct val="100000"/>
+              </a:lnSpc>
+            </a:pPr>
+            <a:r>
+              <a:rPr b="0" lang="en-US" sz="1100" spc="-1" strike="noStrike">
+                <a:latin typeface="Arial"/>
+              </a:rPr>
+              <a:t>Epidemic &amp; Clinical manifestations        </a:t>
+            </a:r>
+            <a:r>
+              <a:rPr b="0" lang="en-US" sz="1100" spc="-1" strike="noStrike">
+                <a:latin typeface="Arial"/>
+              </a:rPr>
+              <a:t>	</a:t>
+            </a:r>
+            <a:r>
+              <a:rPr b="0" lang="en-US" sz="1100" spc="-1" strike="noStrike">
+                <a:latin typeface="Arial"/>
+              </a:rPr>
+              <a:t>	</a:t>
+            </a:r>
+            <a:r>
+              <a:rPr b="0" lang="en-US" sz="1100" spc="-1" strike="noStrike">
+                <a:latin typeface="Arial"/>
+              </a:rPr>
+              <a:t>	</a:t>
+            </a:r>
+            <a:r>
+              <a:rPr b="0" lang="en-US" sz="1100" spc="-1" strike="noStrike">
+                <a:latin typeface="Arial"/>
+              </a:rPr>
+              <a:t>         OpenCitations_Ontology([10;100])</a:t>
+            </a:r>
+            <a:endParaRPr b="0" lang="en-US" sz="1100" spc="-1" strike="noStrike">
+              <a:latin typeface="Arial"/>
+            </a:endParaRPr>
+          </a:p>
+          <a:p>
+            <a:pPr>
+              <a:lnSpc>
+                <a:spcPct val="100000"/>
+              </a:lnSpc>
+            </a:pPr>
+            <a:endParaRPr b="0" lang="en-US" sz="1100" spc="-1" strike="noStrike">
+              <a:latin typeface="Arial"/>
+            </a:endParaRPr>
+          </a:p>
+          <a:p>
+            <a:pPr>
+              <a:lnSpc>
+                <a:spcPct val="100000"/>
+              </a:lnSpc>
+            </a:pPr>
+            <a:r>
+              <a:rPr b="0" lang="en-US" sz="1100" spc="-1" strike="noStrike">
+                <a:latin typeface="Arial"/>
+              </a:rPr>
+              <a:t>Middle east respiratory syndrome coronavirus &amp; Effective             OpenCitations_Ontology([10;100])</a:t>
+            </a:r>
+            <a:endParaRPr b="0" lang="en-US" sz="1100" spc="-1" strike="noStrike">
+              <a:latin typeface="Arial"/>
+            </a:endParaRPr>
+          </a:p>
+        </p:txBody>
+      </p:sp>
+      <p:sp>
+        <p:nvSpPr>
+          <p:cNvPr id="224" name="Line 5"/>
+          <p:cNvSpPr/>
+          <p:nvPr/>
+        </p:nvSpPr>
+        <p:spPr>
+          <a:xfrm>
+            <a:off x="3657600" y="2103120"/>
+            <a:ext cx="1828800" cy="360"/>
+          </a:xfrm>
+          <a:prstGeom prst="line">
+            <a:avLst/>
+          </a:prstGeom>
+          <a:ln>
+            <a:solidFill>
+              <a:srgbClr val="000000"/>
+            </a:solidFill>
+            <a:tailEnd len="med" type="triangle" w="med"/>
+          </a:ln>
+        </p:spPr>
+        <p:style>
+          <a:lnRef idx="0"/>
+          <a:fillRef idx="0"/>
+          <a:effectRef idx="0"/>
+          <a:fontRef idx="minor"/>
+        </p:style>
+      </p:sp>
+      <p:sp>
+        <p:nvSpPr>
+          <p:cNvPr id="225" name="Line 6"/>
+          <p:cNvSpPr/>
+          <p:nvPr/>
+        </p:nvSpPr>
+        <p:spPr>
+          <a:xfrm>
+            <a:off x="3657600" y="1737360"/>
+            <a:ext cx="1828800" cy="360"/>
+          </a:xfrm>
+          <a:prstGeom prst="line">
+            <a:avLst/>
+          </a:prstGeom>
+          <a:ln>
+            <a:solidFill>
+              <a:srgbClr val="000000"/>
+            </a:solidFill>
+            <a:tailEnd len="med" type="triangle" w="med"/>
+          </a:ln>
+        </p:spPr>
+        <p:style>
+          <a:lnRef idx="0"/>
+          <a:fillRef idx="0"/>
+          <a:effectRef idx="0"/>
+          <a:fontRef idx="minor"/>
+        </p:style>
+      </p:sp>
+      <p:sp>
+        <p:nvSpPr>
+          <p:cNvPr id="226" name="Line 7"/>
+          <p:cNvSpPr/>
+          <p:nvPr/>
+        </p:nvSpPr>
+        <p:spPr>
+          <a:xfrm>
+            <a:off x="3657600" y="2377440"/>
+            <a:ext cx="1828800" cy="360"/>
+          </a:xfrm>
+          <a:prstGeom prst="line">
+            <a:avLst/>
+          </a:prstGeom>
+          <a:ln>
+            <a:solidFill>
+              <a:srgbClr val="000000"/>
+            </a:solidFill>
+            <a:tailEnd len="med" type="triangle" w="med"/>
+          </a:ln>
+        </p:spPr>
+        <p:style>
+          <a:lnRef idx="0"/>
+          <a:fillRef idx="0"/>
+          <a:effectRef idx="0"/>
+          <a:fontRef idx="minor"/>
+        </p:style>
+      </p:sp>
+      <p:sp>
+        <p:nvSpPr>
+          <p:cNvPr id="227" name="Line 8"/>
+          <p:cNvSpPr/>
+          <p:nvPr/>
+        </p:nvSpPr>
+        <p:spPr>
+          <a:xfrm>
+            <a:off x="3840480" y="2743200"/>
+            <a:ext cx="1554480" cy="360"/>
+          </a:xfrm>
+          <a:prstGeom prst="line">
+            <a:avLst/>
+          </a:prstGeom>
+          <a:ln>
+            <a:solidFill>
+              <a:srgbClr val="000000"/>
+            </a:solidFill>
+            <a:tailEnd len="med" type="triangle" w="med"/>
+          </a:ln>
+        </p:spPr>
+        <p:style>
+          <a:lnRef idx="0"/>
+          <a:fillRef idx="0"/>
+          <a:effectRef idx="0"/>
+          <a:fontRef idx="minor"/>
+        </p:style>
+      </p:sp>
+      <p:sp>
+        <p:nvSpPr>
+          <p:cNvPr id="228" name="Line 9"/>
+          <p:cNvSpPr/>
+          <p:nvPr/>
+        </p:nvSpPr>
+        <p:spPr>
+          <a:xfrm>
+            <a:off x="3566160" y="3017520"/>
+            <a:ext cx="1828800" cy="360"/>
+          </a:xfrm>
+          <a:prstGeom prst="line">
+            <a:avLst/>
+          </a:prstGeom>
+          <a:ln>
+            <a:solidFill>
+              <a:srgbClr val="000000"/>
+            </a:solidFill>
+            <a:tailEnd len="med" type="triangle" w="med"/>
+          </a:ln>
+        </p:spPr>
+        <p:style>
+          <a:lnRef idx="0"/>
+          <a:fillRef idx="0"/>
+          <a:effectRef idx="0"/>
+          <a:fontRef idx="minor"/>
+        </p:style>
+      </p:sp>
+      <p:sp>
+        <p:nvSpPr>
+          <p:cNvPr id="229" name="Line 10"/>
+          <p:cNvSpPr/>
+          <p:nvPr/>
+        </p:nvSpPr>
+        <p:spPr>
+          <a:xfrm>
+            <a:off x="3566160" y="3383280"/>
+            <a:ext cx="1828800" cy="360"/>
+          </a:xfrm>
+          <a:prstGeom prst="line">
+            <a:avLst/>
+          </a:prstGeom>
+          <a:ln>
+            <a:solidFill>
+              <a:srgbClr val="000000"/>
+            </a:solidFill>
+            <a:tailEnd len="med" type="triangle" w="med"/>
+          </a:ln>
+        </p:spPr>
+        <p:style>
+          <a:lnRef idx="0"/>
+          <a:fillRef idx="0"/>
+          <a:effectRef idx="0"/>
+          <a:fontRef idx="minor"/>
+        </p:style>
+      </p:sp>
+      <p:sp>
+        <p:nvSpPr>
+          <p:cNvPr id="230" name="Line 11"/>
+          <p:cNvSpPr/>
+          <p:nvPr/>
+        </p:nvSpPr>
+        <p:spPr>
+          <a:xfrm>
+            <a:off x="3840480" y="3657600"/>
+            <a:ext cx="1463040" cy="360"/>
+          </a:xfrm>
+          <a:prstGeom prst="line">
+            <a:avLst/>
+          </a:prstGeom>
+          <a:ln>
+            <a:solidFill>
+              <a:srgbClr val="000000"/>
+            </a:solidFill>
+            <a:tailEnd len="med" type="triangle" w="med"/>
+          </a:ln>
+        </p:spPr>
+        <p:style>
+          <a:lnRef idx="0"/>
+          <a:fillRef idx="0"/>
+          <a:effectRef idx="0"/>
+          <a:fontRef idx="minor"/>
+        </p:style>
+      </p:sp>
+      <p:sp>
+        <p:nvSpPr>
+          <p:cNvPr id="231" name="Line 12"/>
+          <p:cNvSpPr/>
+          <p:nvPr/>
+        </p:nvSpPr>
+        <p:spPr>
+          <a:xfrm>
+            <a:off x="5212080" y="3931920"/>
+            <a:ext cx="274320" cy="360"/>
+          </a:xfrm>
+          <a:prstGeom prst="line">
+            <a:avLst/>
+          </a:prstGeom>
+          <a:ln>
+            <a:solidFill>
+              <a:srgbClr val="000000"/>
+            </a:solidFill>
+            <a:tailEnd len="med" type="triangle" w="med"/>
+          </a:ln>
+        </p:spPr>
+        <p:style>
+          <a:lnRef idx="0"/>
+          <a:fillRef idx="0"/>
+          <a:effectRef idx="0"/>
+          <a:fontRef idx="minor"/>
+        </p:style>
+      </p:sp>
+      <p:sp>
+        <p:nvSpPr>
+          <p:cNvPr id="232" name="CustomShape 13"/>
+          <p:cNvSpPr/>
+          <p:nvPr/>
+        </p:nvSpPr>
+        <p:spPr>
+          <a:xfrm>
+            <a:off x="8557200" y="4749840"/>
+            <a:ext cx="547920" cy="392760"/>
+          </a:xfrm>
+          <a:prstGeom prst="rect">
+            <a:avLst/>
+          </a:prstGeom>
+          <a:noFill/>
+          <a:ln>
+            <a:noFill/>
+          </a:ln>
+        </p:spPr>
+        <p:style>
+          <a:lnRef idx="0"/>
+          <a:fillRef idx="0"/>
+          <a:effectRef idx="0"/>
+          <a:fontRef idx="minor"/>
+        </p:style>
+        <p:txBody>
+          <a:bodyPr lIns="90000" rIns="90000" tIns="91440" bIns="91440"/>
+          <a:p>
+            <a:pPr algn="r">
+              <a:lnSpc>
+                <a:spcPct val="100000"/>
+              </a:lnSpc>
+            </a:pPr>
+            <a:fld id="{8B5095D1-B47E-4435-B3BA-3BF709CA907D}" type="slidenum">
+              <a:rPr b="0" lang="en-US" sz="1300" spc="-1" strike="noStrike">
+                <a:solidFill>
+                  <a:srgbClr val="000000"/>
+                </a:solidFill>
+                <a:latin typeface="Arial"/>
+                <a:ea typeface="Arial"/>
+              </a:rPr>
+              <a:t>1</a:t>
+            </a:fld>
+            <a:endParaRPr b="0" lang="en-US" sz="1300" spc="-1" strike="noStrike">
+              <a:latin typeface="Arial"/>
+            </a:endParaRPr>
+          </a:p>
+        </p:txBody>
+      </p:sp>
     </p:spTree>
   </p:cSld>
   <p:timing>
@@ -6116,14 +11140,14 @@
       </p:grpSpPr>
       <p:sp>
         <p:nvSpPr>
-          <p:cNvPr id="141" name="CustomShape 1"/>
+          <p:cNvPr id="233" name="CustomShape 1"/>
           <p:cNvSpPr/>
           <p:nvPr/>
         </p:nvSpPr>
         <p:spPr>
           <a:xfrm>
             <a:off x="457200" y="246240"/>
-            <a:ext cx="8227080" cy="623520"/>
+            <a:ext cx="8226000" cy="622440"/>
           </a:xfrm>
           <a:prstGeom prst="rect">
             <a:avLst/>
@@ -6165,14 +11189,14 @@
       </p:sp>
       <p:sp>
         <p:nvSpPr>
-          <p:cNvPr id="142" name="CustomShape 2"/>
+          <p:cNvPr id="234" name="CustomShape 2"/>
           <p:cNvSpPr/>
           <p:nvPr/>
         </p:nvSpPr>
         <p:spPr>
           <a:xfrm>
             <a:off x="347760" y="1240560"/>
-            <a:ext cx="3605040" cy="3102480"/>
+            <a:ext cx="3603960" cy="3101400"/>
           </a:xfrm>
           <a:prstGeom prst="rect">
             <a:avLst/>
@@ -6191,14 +11215,14 @@
       </p:sp>
       <p:sp>
         <p:nvSpPr>
-          <p:cNvPr id="143" name="CustomShape 3"/>
+          <p:cNvPr id="235" name="CustomShape 3"/>
           <p:cNvSpPr/>
           <p:nvPr/>
         </p:nvSpPr>
         <p:spPr>
           <a:xfrm>
             <a:off x="4051440" y="1484280"/>
-            <a:ext cx="5090760" cy="3723120"/>
+            <a:ext cx="5089680" cy="3722040"/>
           </a:xfrm>
           <a:prstGeom prst="rect">
             <a:avLst/>
@@ -6222,7 +11246,7 @@
                 <a:spcPct val="115000"/>
               </a:lnSpc>
             </a:pPr>
-            <a:endParaRPr b="0" lang="en-US" sz="1800" spc="-1" strike="noStrike">
+            <a:endParaRPr b="0" lang="en-US" sz="1100" spc="-1" strike="noStrike">
               <a:latin typeface="Arial"/>
             </a:endParaRPr>
           </a:p>
@@ -6232,7 +11256,7 @@
                 <a:spcPct val="115000"/>
               </a:lnSpc>
             </a:pPr>
-            <a:endParaRPr b="0" lang="en-US" sz="1800" spc="-1" strike="noStrike">
+            <a:endParaRPr b="0" lang="en-US" sz="1100" spc="-1" strike="noStrike">
               <a:latin typeface="Arial"/>
             </a:endParaRPr>
           </a:p>
@@ -6245,22 +11269,22 @@
                 <a:spcPts val="1001"/>
               </a:spcBef>
             </a:pPr>
-            <a:endParaRPr b="0" lang="en-US" sz="1800" spc="-1" strike="noStrike">
-              <a:latin typeface="Arial"/>
-            </a:endParaRPr>
-          </a:p>
-        </p:txBody>
-      </p:sp>
-      <p:sp>
-        <p:nvSpPr>
-          <p:cNvPr id="144" name="CustomShape 4"/>
+            <a:endParaRPr b="0" lang="en-US" sz="1100" spc="-1" strike="noStrike">
+              <a:latin typeface="Arial"/>
+            </a:endParaRPr>
+          </a:p>
+        </p:txBody>
+      </p:sp>
+      <p:sp>
+        <p:nvSpPr>
+          <p:cNvPr id="236" name="CustomShape 4"/>
           <p:cNvSpPr/>
           <p:nvPr/>
         </p:nvSpPr>
         <p:spPr>
           <a:xfrm>
             <a:off x="8556840" y="4749840"/>
-            <a:ext cx="546840" cy="391680"/>
+            <a:ext cx="545760" cy="390600"/>
           </a:xfrm>
           <a:prstGeom prst="rect">
             <a:avLst/>
@@ -6279,14 +11303,14 @@
       </p:sp>
       <p:sp>
         <p:nvSpPr>
-          <p:cNvPr id="145" name="CustomShape 5"/>
+          <p:cNvPr id="237" name="CustomShape 5"/>
           <p:cNvSpPr/>
           <p:nvPr/>
         </p:nvSpPr>
         <p:spPr>
           <a:xfrm>
             <a:off x="0" y="1280160"/>
-            <a:ext cx="9016200" cy="2925360"/>
+            <a:ext cx="9015120" cy="2924280"/>
           </a:xfrm>
           <a:prstGeom prst="rect">
             <a:avLst/>
@@ -6310,7 +11334,7 @@
                 <a:spcPct val="100000"/>
               </a:lnSpc>
             </a:pPr>
-            <a:endParaRPr b="0" lang="en-US" sz="1800" spc="-1" strike="noStrike">
+            <a:endParaRPr b="0" lang="en-US" sz="1100" spc="-1" strike="noStrike">
               <a:latin typeface="Arial"/>
             </a:endParaRPr>
           </a:p>
@@ -6541,6 +11565,55 @@
               <a:t>from research papers. </a:t>
             </a:r>
             <a:endParaRPr b="0" lang="en-US" sz="1600" spc="-1" strike="noStrike">
+              <a:latin typeface="Arial"/>
+            </a:endParaRPr>
+          </a:p>
+        </p:txBody>
+      </p:sp>
+      <p:sp>
+        <p:nvSpPr>
+          <p:cNvPr id="238" name="CustomShape 6"/>
+          <p:cNvSpPr/>
+          <p:nvPr/>
+        </p:nvSpPr>
+        <p:spPr>
+          <a:xfrm>
+            <a:off x="8557200" y="4749840"/>
+            <a:ext cx="547920" cy="392760"/>
+          </a:xfrm>
+          <a:prstGeom prst="rect">
+            <a:avLst/>
+          </a:prstGeom>
+          <a:noFill/>
+          <a:ln>
+            <a:noFill/>
+          </a:ln>
+        </p:spPr>
+        <p:style>
+          <a:lnRef idx="0"/>
+          <a:fillRef idx="0"/>
+          <a:effectRef idx="0"/>
+          <a:fontRef idx="minor"/>
+        </p:style>
+        <p:txBody>
+          <a:bodyPr lIns="90000" rIns="90000" tIns="91440" bIns="91440"/>
+          <a:p>
+            <a:pPr algn="r">
+              <a:lnSpc>
+                <a:spcPct val="100000"/>
+              </a:lnSpc>
+            </a:pPr>
+            <a:fld id="{853D686E-57DC-4A36-B6FF-B77FE2332496}" type="slidenum">
+              <a:rPr b="0" lang="en-US" sz="1300" spc="-1" strike="noStrike">
+                <a:solidFill>
+                  <a:srgbClr val="000000"/>
+                </a:solidFill>
+                <a:latin typeface="Arial"/>
+                <a:ea typeface="Arial"/>
+              </a:rPr>
+              <a:t>1</a:t>
+            </a:fld>
+            <a:endParaRPr b="0" lang="en-US" sz="1300" spc="-1" strike="noStrike">
               <a:latin typeface="Arial"/>
             </a:endParaRPr>
           </a:p>
@@ -6597,14 +11670,14 @@
       </p:grpSpPr>
       <p:sp>
         <p:nvSpPr>
-          <p:cNvPr id="146" name="CustomShape 1"/>
+          <p:cNvPr id="239" name="CustomShape 1"/>
           <p:cNvSpPr/>
           <p:nvPr/>
         </p:nvSpPr>
         <p:spPr>
           <a:xfrm>
             <a:off x="457200" y="246240"/>
-            <a:ext cx="8227080" cy="623520"/>
+            <a:ext cx="8226000" cy="622440"/>
           </a:xfrm>
           <a:prstGeom prst="rect">
             <a:avLst/>
@@ -6636,7 +11709,17 @@
                 <a:latin typeface="Arial"/>
                 <a:ea typeface="Arial"/>
               </a:rPr>
-              <a:t>Future Work</a:t>
+              <a:t>Future Work - PubAnnotation</a:t>
+            </a:r>
+            <a:r>
+              <a:rPr b="0" lang="en-US" sz="4400" spc="-1" strike="noStrike">
+                <a:solidFill>
+                  <a:srgbClr val="000000"/>
+                </a:solidFill>
+                <a:latin typeface="Arial"/>
+                <a:ea typeface="Arial"/>
+              </a:rPr>
+              <a:t> </a:t>
             </a:r>
             <a:endParaRPr b="0" lang="en-US" sz="4400" spc="-1" strike="noStrike">
               <a:latin typeface="Arial"/>
@@ -6646,14 +11729,14 @@
       </p:sp>
       <p:sp>
         <p:nvSpPr>
-          <p:cNvPr id="147" name="CustomShape 2"/>
+          <p:cNvPr id="240" name="CustomShape 2"/>
           <p:cNvSpPr/>
           <p:nvPr/>
         </p:nvSpPr>
         <p:spPr>
           <a:xfrm>
             <a:off x="347760" y="1240560"/>
-            <a:ext cx="3605040" cy="3102480"/>
+            <a:ext cx="3603960" cy="3101400"/>
           </a:xfrm>
           <a:prstGeom prst="rect">
             <a:avLst/>
@@ -6672,14 +11755,14 @@
       </p:sp>
       <p:sp>
         <p:nvSpPr>
-          <p:cNvPr id="148" name="CustomShape 3"/>
+          <p:cNvPr id="241" name="CustomShape 3"/>
           <p:cNvSpPr/>
           <p:nvPr/>
         </p:nvSpPr>
         <p:spPr>
           <a:xfrm>
             <a:off x="4480560" y="1097280"/>
-            <a:ext cx="4296240" cy="3198960"/>
+            <a:ext cx="4295160" cy="3197880"/>
           </a:xfrm>
           <a:prstGeom prst="rect">
             <a:avLst/>
@@ -6698,14 +11781,14 @@
       </p:sp>
       <p:sp>
         <p:nvSpPr>
-          <p:cNvPr id="149" name="CustomShape 4"/>
+          <p:cNvPr id="242" name="CustomShape 4"/>
           <p:cNvSpPr/>
           <p:nvPr/>
         </p:nvSpPr>
         <p:spPr>
           <a:xfrm>
             <a:off x="8556840" y="4749840"/>
-            <a:ext cx="546840" cy="391680"/>
+            <a:ext cx="545760" cy="390600"/>
           </a:xfrm>
           <a:prstGeom prst="rect">
             <a:avLst/>
@@ -6724,14 +11807,14 @@
       </p:sp>
       <p:sp>
         <p:nvSpPr>
-          <p:cNvPr id="150" name="CustomShape 5"/>
+          <p:cNvPr id="243" name="CustomShape 5"/>
           <p:cNvSpPr/>
           <p:nvPr/>
         </p:nvSpPr>
         <p:spPr>
           <a:xfrm>
             <a:off x="640080" y="1554480"/>
-            <a:ext cx="7954560" cy="2559600"/>
+            <a:ext cx="7953480" cy="2558520"/>
           </a:xfrm>
           <a:prstGeom prst="rect">
             <a:avLst/>
@@ -6765,6 +11848,106 @@
                 <a:spcPct val="100000"/>
               </a:lnSpc>
             </a:pPr>
+            <a:endParaRPr b="0" lang="en-US" sz="1800" spc="-1" strike="noStrike">
+              <a:latin typeface="Arial"/>
+            </a:endParaRPr>
+          </a:p>
+          <a:p>
+            <a:pPr>
+              <a:lnSpc>
+                <a:spcPct val="100000"/>
+              </a:lnSpc>
+            </a:pPr>
+            <a:endParaRPr b="0" lang="en-US" sz="1800" spc="-1" strike="noStrike">
+              <a:latin typeface="Arial"/>
+            </a:endParaRPr>
+          </a:p>
+          <a:p>
+            <a:pPr>
+              <a:lnSpc>
+                <a:spcPct val="100000"/>
+              </a:lnSpc>
+            </a:pPr>
+            <a:endParaRPr b="0" lang="en-US" sz="1800" spc="-1" strike="noStrike">
+              <a:latin typeface="Arial"/>
+            </a:endParaRPr>
+          </a:p>
+          <a:p>
+            <a:pPr>
+              <a:lnSpc>
+                <a:spcPct val="100000"/>
+              </a:lnSpc>
+            </a:pPr>
+            <a:endParaRPr b="0" lang="en-US" sz="1800" spc="-1" strike="noStrike">
+              <a:latin typeface="Arial"/>
+            </a:endParaRPr>
+          </a:p>
+          <a:p>
+            <a:pPr>
+              <a:lnSpc>
+                <a:spcPct val="100000"/>
+              </a:lnSpc>
+            </a:pPr>
+            <a:endParaRPr b="0" lang="en-US" sz="1800" spc="-1" strike="noStrike">
+              <a:latin typeface="Arial"/>
+            </a:endParaRPr>
+          </a:p>
+          <a:p>
+            <a:pPr>
+              <a:lnSpc>
+                <a:spcPct val="100000"/>
+              </a:lnSpc>
+            </a:pPr>
+            <a:endParaRPr b="0" lang="en-US" sz="1800" spc="-1" strike="noStrike">
+              <a:latin typeface="Arial"/>
+            </a:endParaRPr>
+          </a:p>
+          <a:p>
+            <a:pPr>
+              <a:lnSpc>
+                <a:spcPct val="100000"/>
+              </a:lnSpc>
+            </a:pPr>
+            <a:endParaRPr b="0" lang="en-US" sz="1800" spc="-1" strike="noStrike">
+              <a:latin typeface="Arial"/>
+            </a:endParaRPr>
+          </a:p>
+          <a:p>
+            <a:pPr>
+              <a:lnSpc>
+                <a:spcPct val="100000"/>
+              </a:lnSpc>
+            </a:pPr>
+            <a:endParaRPr b="0" lang="en-US" sz="1800" spc="-1" strike="noStrike">
+              <a:latin typeface="Arial"/>
+            </a:endParaRPr>
+          </a:p>
+          <a:p>
+            <a:pPr>
+              <a:lnSpc>
+                <a:spcPct val="100000"/>
+              </a:lnSpc>
+            </a:pPr>
+            <a:endParaRPr b="0" lang="en-US" sz="1800" spc="-1" strike="noStrike">
+              <a:latin typeface="Arial"/>
+            </a:endParaRPr>
+          </a:p>
+          <a:p>
+            <a:pPr>
+              <a:lnSpc>
+                <a:spcPct val="100000"/>
+              </a:lnSpc>
+            </a:pPr>
+            <a:endParaRPr b="0" lang="en-US" sz="1800" spc="-1" strike="noStrike">
+              <a:latin typeface="Arial"/>
+            </a:endParaRPr>
+          </a:p>
+          <a:p>
+            <a:pPr>
+              <a:lnSpc>
+                <a:spcPct val="100000"/>
+              </a:lnSpc>
+            </a:pPr>
             <a:r>
               <a:rPr b="0" lang="en-US" sz="1600" spc="-1" strike="noStrike">
                 <a:solidFill>
@@ -6773,18 +11956,8 @@
                 <a:latin typeface="Calibri"/>
                 <a:ea typeface="Calibri"/>
               </a:rPr>
-              <a:t>1.Building a knowledge graph (KG)</a:t>
-            </a:r>
-            <a:endParaRPr b="0" lang="en-US" sz="1600" spc="-1" strike="noStrike">
-              <a:latin typeface="Arial"/>
-            </a:endParaRPr>
-          </a:p>
-          <a:p>
-            <a:pPr>
-              <a:lnSpc>
-                <a:spcPct val="100000"/>
-              </a:lnSpc>
-            </a:pPr>
+              <a:t>[1] </a:t>
+            </a:r>
             <a:r>
               <a:rPr b="0" lang="en-US" sz="1600" spc="-1" strike="noStrike">
                 <a:solidFill>
@@ -6793,18 +11966,8 @@
                 <a:latin typeface="Calibri"/>
                 <a:ea typeface="Calibri"/>
               </a:rPr>
-              <a:t>2. Prediction of missing triples in KG</a:t>
-            </a:r>
-            <a:endParaRPr b="0" lang="en-US" sz="1600" spc="-1" strike="noStrike">
-              <a:latin typeface="Arial"/>
-            </a:endParaRPr>
-          </a:p>
-          <a:p>
-            <a:pPr>
-              <a:lnSpc>
-                <a:spcPct val="100000"/>
-              </a:lnSpc>
-            </a:pPr>
+              <a:t>http://pubanno</a:t>
+            </a:r>
             <a:r>
               <a:rPr b="0" lang="en-US" sz="1600" spc="-1" strike="noStrike">
                 <a:solidFill>
@@ -6813,18 +11976,8 @@
                 <a:latin typeface="Calibri"/>
                 <a:ea typeface="Calibri"/>
               </a:rPr>
-              <a:t>3. Classification in KGs</a:t>
-            </a:r>
-            <a:endParaRPr b="0" lang="en-US" sz="1600" spc="-1" strike="noStrike">
-              <a:latin typeface="Arial"/>
-            </a:endParaRPr>
-          </a:p>
-          <a:p>
-            <a:pPr>
-              <a:lnSpc>
-                <a:spcPct val="100000"/>
-              </a:lnSpc>
-            </a:pPr>
+              <a:t>tation.org/coll</a:t>
+            </a:r>
             <a:r>
               <a:rPr b="0" lang="en-US" sz="1600" spc="-1" strike="noStrike">
                 <a:solidFill>
@@ -6833,7 +11986,17 @@
                 <a:latin typeface="Calibri"/>
                 <a:ea typeface="Calibri"/>
               </a:rPr>
-              <a:t>4. Clustering of similar rules</a:t>
+              <a:t>ections/CORD-</a:t>
+            </a:r>
+            <a:r>
+              <a:rPr b="0" lang="en-US" sz="1600" spc="-1" strike="noStrike">
+                <a:solidFill>
+                  <a:srgbClr val="000000"/>
+                </a:solidFill>
+                <a:latin typeface="Calibri"/>
+                <a:ea typeface="Calibri"/>
+              </a:rPr>
+              <a:t>19</a:t>
             </a:r>
             <a:endParaRPr b="0" lang="en-US" sz="1600" spc="-1" strike="noStrike">
               <a:latin typeface="Arial"/>
@@ -6841,6 +12004,29 @@
           </a:p>
         </p:txBody>
       </p:sp>
+      <p:pic>
+        <p:nvPicPr>
+          <p:cNvPr id="244" name="" descr=""/>
+          <p:cNvPicPr/>
+          <p:nvPr/>
+        </p:nvPicPr>
+        <p:blipFill>
+          <a:blip r:embed="rId1"/>
+          <a:stretch/>
+        </p:blipFill>
+        <p:spPr>
+          <a:xfrm>
+            <a:off x="982080" y="1005840"/>
+            <a:ext cx="7156080" cy="3200400"/>
+          </a:xfrm>
+          <a:prstGeom prst="rect">
+            <a:avLst/>
+          </a:prstGeom>
+          <a:ln>
+            <a:noFill/>
+          </a:ln>
+        </p:spPr>
+      </p:pic>
     </p:spTree>
   </p:cSld>
   <p:timing>
@@ -6850,6 +12036,282 @@
           <p:childTnLst>
             <p:seq>
               <p:cTn id="16" dur="indefinite" nodeType="mainSeq"/>
+              <p:prevCondLst>
+                <p:cond delay="0" evt="onPrev">
+                  <p:tgtEl>
+                    <p:sldTgt/>
+                  </p:tgtEl>
+                </p:cond>
+              </p:prevCondLst>
+              <p:nextCondLst>
+                <p:cond delay="0" evt="onNext">
+                  <p:tgtEl>
+                    <p:sldTgt/>
+                  </p:tgtEl>
+                </p:cond>
+              </p:nextCondLst>
+            </p:seq>
+          </p:childTnLst>
+        </p:cTn>
+      </p:par>
+    </p:tnLst>
+  </p:timing>
+</p:sld>
+</file>
+
+<file path=ppt/slides/slide9.xml><?xml version="1.0" encoding="utf-8"?>
+<p:sld xmlns:a="http://schemas.openxmlformats.org/drawingml/2006/main" xmlns:p="http://schemas.openxmlformats.org/presentationml/2006/main" xmlns:r="http://schemas.openxmlformats.org/officeDocument/2006/relationships" xmlns:p14="http://schemas.microsoft.com/office/powerpoint/2010/main" xmlns:p15="http://schemas.microsoft.com/office/powerpoint/2012/main" xmlns:mc="http://schemas.openxmlformats.org/markup-compatibility/2006">
+  <p:cSld>
+    <p:spTree>
+      <p:nvGrpSpPr>
+        <p:cNvPr id="1" name=""/>
+        <p:cNvGrpSpPr/>
+        <p:nvPr/>
+      </p:nvGrpSpPr>
+      <p:grpSpPr>
+        <a:xfrm>
+          <a:off x="0" y="0"/>
+          <a:ext cx="0" cy="0"/>
+          <a:chOff x="0" y="0"/>
+          <a:chExt cx="0" cy="0"/>
+        </a:xfrm>
+      </p:grpSpPr>
+      <p:sp>
+        <p:nvSpPr>
+          <p:cNvPr id="245" name="CustomShape 1"/>
+          <p:cNvSpPr/>
+          <p:nvPr/>
+        </p:nvSpPr>
+        <p:spPr>
+          <a:xfrm>
+            <a:off x="457200" y="246240"/>
+            <a:ext cx="8228160" cy="624600"/>
+          </a:xfrm>
+          <a:prstGeom prst="rect">
+            <a:avLst/>
+          </a:prstGeom>
+          <a:noFill/>
+          <a:ln>
+            <a:noFill/>
+          </a:ln>
+        </p:spPr>
+        <p:style>
+          <a:lnRef idx="0"/>
+          <a:fillRef idx="0"/>
+          <a:effectRef idx="0"/>
+          <a:fontRef idx="minor"/>
+        </p:style>
+        <p:txBody>
+          <a:bodyPr lIns="0" rIns="0" tIns="0" bIns="0" anchor="ctr"/>
+          <a:p>
+            <a:pPr>
+              <a:lnSpc>
+                <a:spcPct val="90000"/>
+              </a:lnSpc>
+            </a:pPr>
+            <a:r>
+              <a:rPr b="0" lang="en-US" sz="4400" spc="-1" strike="noStrike">
+                <a:solidFill>
+                  <a:srgbClr val="000000"/>
+                </a:solidFill>
+                <a:latin typeface="Arial"/>
+                <a:ea typeface="Arial"/>
+              </a:rPr>
+              <a:t>Future Work – Demo </a:t>
+            </a:r>
+            <a:r>
+              <a:rPr b="0" lang="en-US" sz="4400" spc="-1" strike="noStrike">
+                <a:solidFill>
+                  <a:srgbClr val="000000"/>
+                </a:solidFill>
+                <a:latin typeface="Arial"/>
+                <a:ea typeface="Arial"/>
+              </a:rPr>
+              <a:t>Results</a:t>
+            </a:r>
+            <a:endParaRPr b="0" lang="en-US" sz="4400" spc="-1" strike="noStrike">
+              <a:latin typeface="Arial"/>
+            </a:endParaRPr>
+          </a:p>
+        </p:txBody>
+      </p:sp>
+      <p:sp>
+        <p:nvSpPr>
+          <p:cNvPr id="246" name="CustomShape 2"/>
+          <p:cNvSpPr/>
+          <p:nvPr/>
+        </p:nvSpPr>
+        <p:spPr>
+          <a:xfrm>
+            <a:off x="8556840" y="4749840"/>
+            <a:ext cx="547920" cy="392760"/>
+          </a:xfrm>
+          <a:prstGeom prst="rect">
+            <a:avLst/>
+          </a:prstGeom>
+          <a:noFill/>
+          <a:ln>
+            <a:noFill/>
+          </a:ln>
+        </p:spPr>
+        <p:style>
+          <a:lnRef idx="0"/>
+          <a:fillRef idx="0"/>
+          <a:effectRef idx="0"/>
+          <a:fontRef idx="minor"/>
+        </p:style>
+        <p:txBody>
+          <a:bodyPr lIns="90000" rIns="90000" tIns="91440" bIns="91440"/>
+          <a:p>
+            <a:pPr algn="r">
+              <a:lnSpc>
+                <a:spcPct val="100000"/>
+              </a:lnSpc>
+            </a:pPr>
+            <a:fld id="{73298B8C-8299-41F8-B59D-D1B95E36F9E2}" type="slidenum">
+              <a:rPr b="0" lang="en-US" sz="1300" spc="-1" strike="noStrike">
+                <a:solidFill>
+                  <a:srgbClr val="000000"/>
+                </a:solidFill>
+                <a:latin typeface="Arial"/>
+                <a:ea typeface="Arial"/>
+              </a:rPr>
+              <a:t>1</a:t>
+            </a:fld>
+            <a:endParaRPr b="0" lang="en-US" sz="1300" spc="-1" strike="noStrike">
+              <a:latin typeface="Arial"/>
+            </a:endParaRPr>
+          </a:p>
+        </p:txBody>
+      </p:sp>
+      <p:sp>
+        <p:nvSpPr>
+          <p:cNvPr id="247" name="CustomShape 3"/>
+          <p:cNvSpPr/>
+          <p:nvPr/>
+        </p:nvSpPr>
+        <p:spPr>
+          <a:xfrm>
+            <a:off x="97200" y="1103760"/>
+            <a:ext cx="8873280" cy="2999160"/>
+          </a:xfrm>
+          <a:prstGeom prst="rect">
+            <a:avLst/>
+          </a:prstGeom>
+          <a:noFill/>
+          <a:ln>
+            <a:noFill/>
+          </a:ln>
+        </p:spPr>
+        <p:style>
+          <a:lnRef idx="0"/>
+          <a:fillRef idx="0"/>
+          <a:effectRef idx="0"/>
+          <a:fontRef idx="minor"/>
+        </p:style>
+        <p:txBody>
+          <a:bodyPr lIns="90000" rIns="90000" tIns="91440" bIns="91440"/>
+          <a:p>
+            <a:pPr>
+              <a:lnSpc>
+                <a:spcPct val="100000"/>
+              </a:lnSpc>
+            </a:pPr>
+            <a:r>
+              <a:rPr b="0" lang="en-US" sz="1400" spc="-1" strike="noStrike">
+                <a:solidFill>
+                  <a:srgbClr val="000000"/>
+                </a:solidFill>
+                <a:latin typeface="Arial"/>
+                <a:ea typeface="Arial"/>
+              </a:rPr>
+              <a:t>(?a &lt;https://www.ica.org/standards/RiC/ontology#publishedBy&gt; &lt;http://dbpedia.org/resource/Elsevier&gt;) ^ (?b &lt;http://www.w3.org/1999/02/22-rdf-syntax-ns#type&gt; &lt;http://dbpedia.org/ontology/ChemicalCompound&gt;) -&gt; (?a &lt;http://idlab.github.io/covid19#hasConcept&gt; ?b) | support: 81987, headCoverage: 0.04837402115577961, headSize: 1694856</a:t>
+            </a:r>
+            <a:endParaRPr b="0" lang="en-US" sz="1400" spc="-1" strike="noStrike">
+              <a:latin typeface="Arial"/>
+            </a:endParaRPr>
+          </a:p>
+          <a:p>
+            <a:pPr>
+              <a:lnSpc>
+                <a:spcPct val="100000"/>
+              </a:lnSpc>
+            </a:pPr>
+            <a:endParaRPr b="0" lang="en-US" sz="1400" spc="-1" strike="noStrike">
+              <a:latin typeface="Arial"/>
+            </a:endParaRPr>
+          </a:p>
+          <a:p>
+            <a:pPr>
+              <a:lnSpc>
+                <a:spcPct val="100000"/>
+              </a:lnSpc>
+            </a:pPr>
+            <a:r>
+              <a:rPr b="0" lang="en-US" sz="1400" spc="-1" strike="noStrike">
+                <a:solidFill>
+                  <a:srgbClr val="000000"/>
+                </a:solidFill>
+                <a:latin typeface="Arial"/>
+                <a:ea typeface="Arial"/>
+              </a:rPr>
+              <a:t>(?a &lt;http://www.w3.org/1999/02/22-rdf-syntax-ns#type&gt; &lt;http://purl.org/spar/fabio/JournalArticle&gt;) ^ (?b &lt;http://www.w3.org/1999/02/22-rdf-syntax-ns#type&gt; &lt;http://dbpedia.org/ontology/ChemicalCompound&gt;) -&gt; (?a &lt;http://idlab.github.io/covid19#hasConcept&gt; ?b) | support: 161969, headCoverage: 0.09556505095418136, headSize: 1694856</a:t>
+            </a:r>
+            <a:endParaRPr b="0" lang="en-US" sz="1400" spc="-1" strike="noStrike">
+              <a:latin typeface="Arial"/>
+            </a:endParaRPr>
+          </a:p>
+          <a:p>
+            <a:pPr>
+              <a:lnSpc>
+                <a:spcPct val="100000"/>
+              </a:lnSpc>
+            </a:pPr>
+            <a:endParaRPr b="0" lang="en-US" sz="1400" spc="-1" strike="noStrike">
+              <a:latin typeface="Arial"/>
+            </a:endParaRPr>
+          </a:p>
+          <a:p>
+            <a:pPr>
+              <a:lnSpc>
+                <a:spcPct val="100000"/>
+              </a:lnSpc>
+            </a:pPr>
+            <a:r>
+              <a:rPr b="0" lang="en-US" sz="1400" spc="-1" strike="noStrike">
+                <a:solidFill>
+                  <a:srgbClr val="000000"/>
+                </a:solidFill>
+                <a:latin typeface="Arial"/>
+                <a:ea typeface="Arial"/>
+              </a:rPr>
+              <a:t>(?a &lt;http://www.w3.org/1999/02/22-rdf-syntax-ns#type&gt; &lt;http://purl.org/spar/fabio/Work&gt;) ^ (?b &lt;http://www.w3.org/1999/02/22-rdf-syntax-ns#type&gt; &lt;http://dbpedia.org/ontology/ChemicalCompound&gt;) -&gt; (?a &lt;http://idlab.github.io/covid19#hasConcept&gt; ?b) | support: 178542, headCoverage: 0.10534346280745975, headSize: 1694856</a:t>
+            </a:r>
+            <a:endParaRPr b="0" lang="en-US" sz="1400" spc="-1" strike="noStrike">
+              <a:latin typeface="Arial"/>
+            </a:endParaRPr>
+          </a:p>
+          <a:p>
+            <a:pPr>
+              <a:lnSpc>
+                <a:spcPct val="100000"/>
+              </a:lnSpc>
+            </a:pPr>
+            <a:endParaRPr b="0" lang="en-US" sz="1400" spc="-1" strike="noStrike">
+              <a:latin typeface="Arial"/>
+            </a:endParaRPr>
+          </a:p>
+        </p:txBody>
+      </p:sp>
+    </p:spTree>
+  </p:cSld>
+  <p:timing>
+    <p:tnLst>
+      <p:par>
+        <p:cTn id="17" dur="indefinite" restart="never" nodeType="tmRoot">
+          <p:childTnLst>
+            <p:seq>
+              <p:cTn id="18" dur="indefinite" nodeType="mainSeq"/>
               <p:prevCondLst>
                 <p:cond delay="0" evt="onPrev">
                   <p:tgtEl>
@@ -7540,4 +13002,450 @@
     </a:fmtScheme>
   </a:themeElements>
 </a:theme>
+</file>
+
+<file path=ppt/theme/theme4.xml><?xml version="1.0" encoding="utf-8"?>
+<a:theme xmlns:a="http://schemas.openxmlformats.org/drawingml/2006/main" name="Office Theme">
+  <a:themeElements>
+    <a:clrScheme name="Office">
+      <a:dk1>
+        <a:sysClr val="windowText" lastClr="000000"/>
+      </a:dk1>
+      <a:lt1>
+        <a:sysClr val="window" lastClr="FFFFFF"/>
+      </a:lt1>
+      <a:dk2>
+        <a:srgbClr val="1f497d"/>
+      </a:dk2>
+      <a:lt2>
+        <a:srgbClr val="eeece1"/>
+      </a:lt2>
+      <a:accent1>
+        <a:srgbClr val="4f81bd"/>
+      </a:accent1>
+      <a:accent2>
+        <a:srgbClr val="c0504d"/>
+      </a:accent2>
+      <a:accent3>
+        <a:srgbClr val="9bbb59"/>
+      </a:accent3>
+      <a:accent4>
+        <a:srgbClr val="8064a2"/>
+      </a:accent4>
+      <a:accent5>
+        <a:srgbClr val="4bacc6"/>
+      </a:accent5>
+      <a:accent6>
+        <a:srgbClr val="f79646"/>
+      </a:accent6>
+      <a:hlink>
+        <a:srgbClr val="0000ff"/>
+      </a:hlink>
+      <a:folHlink>
+        <a:srgbClr val="800080"/>
+      </a:folHlink>
+    </a:clrScheme>
+    <a:fontScheme name="Office">
+      <a:majorFont>
+        <a:latin typeface="Arial"/>
+        <a:ea typeface="DejaVu Sans"/>
+        <a:cs typeface="DejaVu Sans"/>
+      </a:majorFont>
+      <a:minorFont>
+        <a:latin typeface="Arial"/>
+        <a:ea typeface="DejaVu Sans"/>
+        <a:cs typeface="DejaVu Sans"/>
+      </a:minorFont>
+    </a:fontScheme>
+    <a:fmtScheme name="Office">
+      <a:fillStyleLst>
+        <a:solidFill>
+          <a:schemeClr val="phClr"/>
+        </a:solidFill>
+        <a:gradFill rotWithShape="1">
+          <a:gsLst>
+            <a:gs pos="0">
+              <a:schemeClr val="phClr">
+                <a:tint val="50000"/>
+                <a:satMod val="300000"/>
+              </a:schemeClr>
+            </a:gs>
+            <a:gs pos="35000">
+              <a:schemeClr val="phClr">
+                <a:tint val="37000"/>
+                <a:satMod val="300000"/>
+              </a:schemeClr>
+            </a:gs>
+            <a:gs pos="100000">
+              <a:schemeClr val="phClr">
+                <a:tint val="15000"/>
+                <a:satMod val="350000"/>
+              </a:schemeClr>
+            </a:gs>
+          </a:gsLst>
+          <a:lin ang="16200000" scaled="1"/>
+        </a:gradFill>
+        <a:gradFill rotWithShape="1">
+          <a:gsLst>
+            <a:gs pos="0">
+              <a:schemeClr val="phClr">
+                <a:shade val="51000"/>
+                <a:satMod val="130000"/>
+              </a:schemeClr>
+            </a:gs>
+            <a:gs pos="80000">
+              <a:schemeClr val="phClr">
+                <a:shade val="93000"/>
+                <a:satMod val="130000"/>
+              </a:schemeClr>
+            </a:gs>
+            <a:gs pos="100000">
+              <a:schemeClr val="phClr">
+                <a:shade val="94000"/>
+                <a:satMod val="135000"/>
+              </a:schemeClr>
+            </a:gs>
+          </a:gsLst>
+          <a:lin ang="16200000" scaled="0"/>
+        </a:gradFill>
+      </a:fillStyleLst>
+      <a:lnStyleLst>
+        <a:ln w="9525" cap="flat" cmpd="sng" algn="ctr">
+          <a:solidFill>
+            <a:schemeClr val="phClr">
+              <a:shade val="95000"/>
+              <a:satMod val="105000"/>
+            </a:schemeClr>
+          </a:solidFill>
+          <a:prstDash val="solid"/>
+        </a:ln>
+        <a:ln w="25400" cap="flat" cmpd="sng" algn="ctr">
+          <a:solidFill>
+            <a:schemeClr val="phClr"/>
+          </a:solidFill>
+          <a:prstDash val="solid"/>
+        </a:ln>
+        <a:ln w="38100" cap="flat" cmpd="sng" algn="ctr">
+          <a:solidFill>
+            <a:schemeClr val="phClr"/>
+          </a:solidFill>
+          <a:prstDash val="solid"/>
+        </a:ln>
+      </a:lnStyleLst>
+      <a:effectStyleLst>
+        <a:effectStyle>
+          <a:effectLst>
+            <a:outerShdw blurRad="40000" dist="20000" dir="5400000" rotWithShape="0">
+              <a:srgbClr val="000000">
+                <a:alpha val="38000"/>
+              </a:srgbClr>
+            </a:outerShdw>
+          </a:effectLst>
+        </a:effectStyle>
+        <a:effectStyle>
+          <a:effectLst>
+            <a:outerShdw blurRad="40000" dist="23000" dir="5400000" rotWithShape="0">
+              <a:srgbClr val="000000">
+                <a:alpha val="35000"/>
+              </a:srgbClr>
+            </a:outerShdw>
+          </a:effectLst>
+        </a:effectStyle>
+        <a:effectStyle>
+          <a:effectLst>
+            <a:outerShdw blurRad="40000" dist="23000" dir="5400000" rotWithShape="0">
+              <a:srgbClr val="000000">
+                <a:alpha val="35000"/>
+              </a:srgbClr>
+            </a:outerShdw>
+          </a:effectLst>
+          <a:scene3d>
+            <a:camera prst="orthographicFront">
+              <a:rot lat="0" lon="0" rev="0"/>
+            </a:camera>
+            <a:lightRig rig="threePt" dir="t">
+              <a:rot lat="0" lon="0" rev="1200000"/>
+            </a:lightRig>
+          </a:scene3d>
+          <a:sp3d>
+            <a:bevelT w="63500" h="25400"/>
+          </a:sp3d>
+        </a:effectStyle>
+      </a:effectStyleLst>
+      <a:bgFillStyleLst>
+        <a:solidFill>
+          <a:schemeClr val="phClr"/>
+        </a:solidFill>
+        <a:gradFill rotWithShape="1">
+          <a:gsLst>
+            <a:gs pos="0">
+              <a:schemeClr val="phClr">
+                <a:tint val="40000"/>
+                <a:satMod val="350000"/>
+              </a:schemeClr>
+            </a:gs>
+            <a:gs pos="40000">
+              <a:schemeClr val="phClr">
+                <a:tint val="45000"/>
+                <a:shade val="99000"/>
+                <a:satMod val="350000"/>
+              </a:schemeClr>
+            </a:gs>
+            <a:gs pos="100000">
+              <a:schemeClr val="phClr">
+                <a:shade val="20000"/>
+                <a:satMod val="255000"/>
+              </a:schemeClr>
+            </a:gs>
+          </a:gsLst>
+          <a:path path="circle">
+            <a:fillToRect l="50000" t="-80000" r="50000" b="180000"/>
+          </a:path>
+        </a:gradFill>
+        <a:gradFill rotWithShape="1">
+          <a:gsLst>
+            <a:gs pos="0">
+              <a:schemeClr val="phClr">
+                <a:tint val="80000"/>
+                <a:satMod val="300000"/>
+              </a:schemeClr>
+            </a:gs>
+            <a:gs pos="100000">
+              <a:schemeClr val="phClr">
+                <a:shade val="30000"/>
+                <a:satMod val="200000"/>
+              </a:schemeClr>
+            </a:gs>
+          </a:gsLst>
+          <a:path path="circle">
+            <a:fillToRect l="50000" t="50000" r="50000" b="50000"/>
+          </a:path>
+        </a:gradFill>
+      </a:bgFillStyleLst>
+    </a:fmtScheme>
+  </a:themeElements>
+</a:theme>
+</file>
+
+<file path=ppt/theme/theme5.xml><?xml version="1.0" encoding="utf-8"?>
+<a:theme xmlns:a="http://schemas.openxmlformats.org/drawingml/2006/main" name="Office Theme">
+  <a:themeElements>
+    <a:clrScheme name="Office">
+      <a:dk1>
+        <a:sysClr val="windowText" lastClr="000000"/>
+      </a:dk1>
+      <a:lt1>
+        <a:sysClr val="window" lastClr="FFFFFF"/>
+      </a:lt1>
+      <a:dk2>
+        <a:srgbClr val="1f497d"/>
+      </a:dk2>
+      <a:lt2>
+        <a:srgbClr val="eeece1"/>
+      </a:lt2>
+      <a:accent1>
+        <a:srgbClr val="4f81bd"/>
+      </a:accent1>
+      <a:accent2>
+        <a:srgbClr val="c0504d"/>
+      </a:accent2>
+      <a:accent3>
+        <a:srgbClr val="9bbb59"/>
+      </a:accent3>
+      <a:accent4>
+        <a:srgbClr val="8064a2"/>
+      </a:accent4>
+      <a:accent5>
+        <a:srgbClr val="4bacc6"/>
+      </a:accent5>
+      <a:accent6>
+        <a:srgbClr val="f79646"/>
+      </a:accent6>
+      <a:hlink>
+        <a:srgbClr val="0000ff"/>
+      </a:hlink>
+      <a:folHlink>
+        <a:srgbClr val="800080"/>
+      </a:folHlink>
+    </a:clrScheme>
+    <a:fontScheme name="Office">
+      <a:majorFont>
+        <a:latin typeface="Arial"/>
+        <a:ea typeface="DejaVu Sans"/>
+        <a:cs typeface="DejaVu Sans"/>
+      </a:majorFont>
+      <a:minorFont>
+        <a:latin typeface="Arial"/>
+        <a:ea typeface="DejaVu Sans"/>
+        <a:cs typeface="DejaVu Sans"/>
+      </a:minorFont>
+    </a:fontScheme>
+    <a:fmtScheme name="Office">
+      <a:fillStyleLst>
+        <a:solidFill>
+          <a:schemeClr val="phClr"/>
+        </a:solidFill>
+        <a:gradFill rotWithShape="1">
+          <a:gsLst>
+            <a:gs pos="0">
+              <a:schemeClr val="phClr">
+                <a:tint val="50000"/>
+                <a:satMod val="300000"/>
+              </a:schemeClr>
+            </a:gs>
+            <a:gs pos="35000">
+              <a:schemeClr val="phClr">
+                <a:tint val="37000"/>
+                <a:satMod val="300000"/>
+              </a:schemeClr>
+            </a:gs>
+            <a:gs pos="100000">
+              <a:schemeClr val="phClr">
+                <a:tint val="15000"/>
+                <a:satMod val="350000"/>
+              </a:schemeClr>
+            </a:gs>
+          </a:gsLst>
+          <a:lin ang="16200000" scaled="1"/>
+        </a:gradFill>
+        <a:gradFill rotWithShape="1">
+          <a:gsLst>
+            <a:gs pos="0">
+              <a:schemeClr val="phClr">
+                <a:shade val="51000"/>
+                <a:satMod val="130000"/>
+              </a:schemeClr>
+            </a:gs>
+            <a:gs pos="80000">
+              <a:schemeClr val="phClr">
+                <a:shade val="93000"/>
+                <a:satMod val="130000"/>
+              </a:schemeClr>
+            </a:gs>
+            <a:gs pos="100000">
+              <a:schemeClr val="phClr">
+                <a:shade val="94000"/>
+                <a:satMod val="135000"/>
+              </a:schemeClr>
+            </a:gs>
+          </a:gsLst>
+          <a:lin ang="16200000" scaled="0"/>
+        </a:gradFill>
+      </a:fillStyleLst>
+      <a:lnStyleLst>
+        <a:ln w="9525" cap="flat" cmpd="sng" algn="ctr">
+          <a:solidFill>
+            <a:schemeClr val="phClr">
+              <a:shade val="95000"/>
+              <a:satMod val="105000"/>
+            </a:schemeClr>
+          </a:solidFill>
+          <a:prstDash val="solid"/>
+        </a:ln>
+        <a:ln w="25400" cap="flat" cmpd="sng" algn="ctr">
+          <a:solidFill>
+            <a:schemeClr val="phClr"/>
+          </a:solidFill>
+          <a:prstDash val="solid"/>
+        </a:ln>
+        <a:ln w="38100" cap="flat" cmpd="sng" algn="ctr">
+          <a:solidFill>
+            <a:schemeClr val="phClr"/>
+          </a:solidFill>
+          <a:prstDash val="solid"/>
+        </a:ln>
+      </a:lnStyleLst>
+      <a:effectStyleLst>
+        <a:effectStyle>
+          <a:effectLst>
+            <a:outerShdw blurRad="40000" dist="20000" dir="5400000" rotWithShape="0">
+              <a:srgbClr val="000000">
+                <a:alpha val="38000"/>
+              </a:srgbClr>
+            </a:outerShdw>
+          </a:effectLst>
+        </a:effectStyle>
+        <a:effectStyle>
+          <a:effectLst>
+            <a:outerShdw blurRad="40000" dist="23000" dir="5400000" rotWithShape="0">
+              <a:srgbClr val="000000">
+                <a:alpha val="35000"/>
+              </a:srgbClr>
+            </a:outerShdw>
+          </a:effectLst>
+        </a:effectStyle>
+        <a:effectStyle>
+          <a:effectLst>
+            <a:outerShdw blurRad="40000" dist="23000" dir="5400000" rotWithShape="0">
+              <a:srgbClr val="000000">
+                <a:alpha val="35000"/>
+              </a:srgbClr>
+            </a:outerShdw>
+          </a:effectLst>
+          <a:scene3d>
+            <a:camera prst="orthographicFront">
+              <a:rot lat="0" lon="0" rev="0"/>
+            </a:camera>
+            <a:lightRig rig="threePt" dir="t">
+              <a:rot lat="0" lon="0" rev="1200000"/>
+            </a:lightRig>
+          </a:scene3d>
+          <a:sp3d>
+            <a:bevelT w="63500" h="25400"/>
+          </a:sp3d>
+        </a:effectStyle>
+      </a:effectStyleLst>
+      <a:bgFillStyleLst>
+        <a:solidFill>
+          <a:schemeClr val="phClr"/>
+        </a:solidFill>
+        <a:gradFill rotWithShape="1">
+          <a:gsLst>
+            <a:gs pos="0">
+              <a:schemeClr val="phClr">
+                <a:tint val="40000"/>
+                <a:satMod val="350000"/>
+              </a:schemeClr>
+            </a:gs>
+            <a:gs pos="40000">
+              <a:schemeClr val="phClr">
+                <a:tint val="45000"/>
+                <a:shade val="99000"/>
+                <a:satMod val="350000"/>
+              </a:schemeClr>
+            </a:gs>
+            <a:gs pos="100000">
+              <a:schemeClr val="phClr">
+                <a:shade val="20000"/>
+                <a:satMod val="255000"/>
+              </a:schemeClr>
+            </a:gs>
+          </a:gsLst>
+          <a:path path="circle">
+            <a:fillToRect l="50000" t="-80000" r="50000" b="180000"/>
+          </a:path>
+        </a:gradFill>
+        <a:gradFill rotWithShape="1">
+          <a:gsLst>
+            <a:gs pos="0">
+              <a:schemeClr val="phClr">
+                <a:tint val="80000"/>
+                <a:satMod val="300000"/>
+              </a:schemeClr>
+            </a:gs>
+            <a:gs pos="100000">
+              <a:schemeClr val="phClr">
+                <a:shade val="30000"/>
+                <a:satMod val="200000"/>
+              </a:schemeClr>
+            </a:gs>
+          </a:gsLst>
+          <a:path path="circle">
+            <a:fillToRect l="50000" t="50000" r="50000" b="50000"/>
+          </a:path>
+        </a:gradFill>
+      </a:bgFillStyleLst>
+    </a:fmtScheme>
+  </a:themeElements>
+</a:theme>
 </file>
--- a/Entity-Based Document Classification on the CORD- 19 Corpus.pptx
+++ b/Entity-Based Document Classification on the CORD- 19 Corpus.pptx
@@ -78,7 +78,7 @@
         <p:spPr>
           <a:xfrm>
             <a:off x="457200" y="205200"/>
-            <a:ext cx="8228880" cy="858240"/>
+            <a:ext cx="8229240" cy="858600"/>
           </a:xfrm>
           <a:prstGeom prst="rect">
             <a:avLst/>
@@ -107,7 +107,7 @@
         <p:spPr>
           <a:xfrm>
             <a:off x="457200" y="1203480"/>
-            <a:ext cx="8228880" cy="1422360"/>
+            <a:ext cx="8229240" cy="1422720"/>
           </a:xfrm>
           <a:prstGeom prst="rect">
             <a:avLst/>
@@ -136,8 +136,8 @@
         </p:nvSpPr>
         <p:spPr>
           <a:xfrm>
-            <a:off x="457200" y="2761200"/>
-            <a:ext cx="8228880" cy="1422360"/>
+            <a:off x="457200" y="2761920"/>
+            <a:ext cx="8229240" cy="1422720"/>
           </a:xfrm>
           <a:prstGeom prst="rect">
             <a:avLst/>
@@ -189,7 +189,7 @@
         <p:spPr>
           <a:xfrm>
             <a:off x="457200" y="205200"/>
-            <a:ext cx="8228880" cy="858240"/>
+            <a:ext cx="8229240" cy="858600"/>
           </a:xfrm>
           <a:prstGeom prst="rect">
             <a:avLst/>
@@ -218,7 +218,7 @@
         <p:spPr>
           <a:xfrm>
             <a:off x="457200" y="1203480"/>
-            <a:ext cx="4015440" cy="1422360"/>
+            <a:ext cx="4015800" cy="1422720"/>
           </a:xfrm>
           <a:prstGeom prst="rect">
             <a:avLst/>
@@ -247,8 +247,8 @@
         </p:nvSpPr>
         <p:spPr>
           <a:xfrm>
-            <a:off x="4673880" y="1203480"/>
-            <a:ext cx="4015440" cy="1422360"/>
+            <a:off x="4674240" y="1203480"/>
+            <a:ext cx="4015800" cy="1422720"/>
           </a:xfrm>
           <a:prstGeom prst="rect">
             <a:avLst/>
@@ -277,8 +277,8 @@
         </p:nvSpPr>
         <p:spPr>
           <a:xfrm>
-            <a:off x="457200" y="2761200"/>
-            <a:ext cx="4015440" cy="1422360"/>
+            <a:off x="457200" y="2761920"/>
+            <a:ext cx="4015800" cy="1422720"/>
           </a:xfrm>
           <a:prstGeom prst="rect">
             <a:avLst/>
@@ -307,8 +307,8 @@
         </p:nvSpPr>
         <p:spPr>
           <a:xfrm>
-            <a:off x="4673880" y="2761200"/>
-            <a:ext cx="4015440" cy="1422360"/>
+            <a:off x="4674240" y="2761920"/>
+            <a:ext cx="4015800" cy="1422720"/>
           </a:xfrm>
           <a:prstGeom prst="rect">
             <a:avLst/>
@@ -360,7 +360,7 @@
         <p:spPr>
           <a:xfrm>
             <a:off x="457200" y="205200"/>
-            <a:ext cx="8228880" cy="858240"/>
+            <a:ext cx="8229240" cy="858600"/>
           </a:xfrm>
           <a:prstGeom prst="rect">
             <a:avLst/>
@@ -389,7 +389,7 @@
         <p:spPr>
           <a:xfrm>
             <a:off x="457200" y="1203480"/>
-            <a:ext cx="2649600" cy="1422360"/>
+            <a:ext cx="2649600" cy="1422720"/>
           </a:xfrm>
           <a:prstGeom prst="rect">
             <a:avLst/>
@@ -419,7 +419,7 @@
         <p:spPr>
           <a:xfrm>
             <a:off x="3239640" y="1203480"/>
-            <a:ext cx="2649600" cy="1422360"/>
+            <a:ext cx="2649600" cy="1422720"/>
           </a:xfrm>
           <a:prstGeom prst="rect">
             <a:avLst/>
@@ -449,7 +449,7 @@
         <p:spPr>
           <a:xfrm>
             <a:off x="6022080" y="1203480"/>
-            <a:ext cx="2649600" cy="1422360"/>
+            <a:ext cx="2649600" cy="1422720"/>
           </a:xfrm>
           <a:prstGeom prst="rect">
             <a:avLst/>
@@ -478,8 +478,8 @@
         </p:nvSpPr>
         <p:spPr>
           <a:xfrm>
-            <a:off x="457200" y="2761200"/>
-            <a:ext cx="2649600" cy="1422360"/>
+            <a:off x="457200" y="2761920"/>
+            <a:ext cx="2649600" cy="1422720"/>
           </a:xfrm>
           <a:prstGeom prst="rect">
             <a:avLst/>
@@ -508,8 +508,8 @@
         </p:nvSpPr>
         <p:spPr>
           <a:xfrm>
-            <a:off x="3239640" y="2761200"/>
-            <a:ext cx="2649600" cy="1422360"/>
+            <a:off x="3239640" y="2761920"/>
+            <a:ext cx="2649600" cy="1422720"/>
           </a:xfrm>
           <a:prstGeom prst="rect">
             <a:avLst/>
@@ -538,8 +538,8 @@
         </p:nvSpPr>
         <p:spPr>
           <a:xfrm>
-            <a:off x="6022080" y="2761200"/>
-            <a:ext cx="2649600" cy="1422360"/>
+            <a:off x="6022080" y="2761920"/>
+            <a:ext cx="2649600" cy="1422720"/>
           </a:xfrm>
           <a:prstGeom prst="rect">
             <a:avLst/>
@@ -613,7 +613,7 @@
         <p:spPr>
           <a:xfrm>
             <a:off x="457200" y="205200"/>
-            <a:ext cx="8228880" cy="858240"/>
+            <a:ext cx="8229240" cy="858600"/>
           </a:xfrm>
           <a:prstGeom prst="rect">
             <a:avLst/>
@@ -642,7 +642,7 @@
         <p:spPr>
           <a:xfrm>
             <a:off x="457200" y="1203480"/>
-            <a:ext cx="8228880" cy="2982600"/>
+            <a:ext cx="8229240" cy="2982960"/>
           </a:xfrm>
           <a:prstGeom prst="rect">
             <a:avLst/>
@@ -693,7 +693,7 @@
         <p:spPr>
           <a:xfrm>
             <a:off x="457200" y="205200"/>
-            <a:ext cx="8228880" cy="858240"/>
+            <a:ext cx="8229240" cy="858600"/>
           </a:xfrm>
           <a:prstGeom prst="rect">
             <a:avLst/>
@@ -722,7 +722,7 @@
         <p:spPr>
           <a:xfrm>
             <a:off x="457200" y="1203480"/>
-            <a:ext cx="8228880" cy="2982600"/>
+            <a:ext cx="8229240" cy="2982960"/>
           </a:xfrm>
           <a:prstGeom prst="rect">
             <a:avLst/>
@@ -774,7 +774,7 @@
         <p:spPr>
           <a:xfrm>
             <a:off x="457200" y="205200"/>
-            <a:ext cx="8228880" cy="858240"/>
+            <a:ext cx="8229240" cy="858600"/>
           </a:xfrm>
           <a:prstGeom prst="rect">
             <a:avLst/>
@@ -803,7 +803,7 @@
         <p:spPr>
           <a:xfrm>
             <a:off x="457200" y="1203480"/>
-            <a:ext cx="4015440" cy="2982600"/>
+            <a:ext cx="4015800" cy="2982960"/>
           </a:xfrm>
           <a:prstGeom prst="rect">
             <a:avLst/>
@@ -832,8 +832,8 @@
         </p:nvSpPr>
         <p:spPr>
           <a:xfrm>
-            <a:off x="4673880" y="1203480"/>
-            <a:ext cx="4015440" cy="2982600"/>
+            <a:off x="4674240" y="1203480"/>
+            <a:ext cx="4015800" cy="2982960"/>
           </a:xfrm>
           <a:prstGeom prst="rect">
             <a:avLst/>
@@ -885,7 +885,7 @@
         <p:spPr>
           <a:xfrm>
             <a:off x="457200" y="205200"/>
-            <a:ext cx="8228880" cy="858240"/>
+            <a:ext cx="8229240" cy="858600"/>
           </a:xfrm>
           <a:prstGeom prst="rect">
             <a:avLst/>
@@ -936,7 +936,7 @@
         <p:spPr>
           <a:xfrm>
             <a:off x="457200" y="205200"/>
-            <a:ext cx="8228880" cy="3979440"/>
+            <a:ext cx="8229240" cy="3981240"/>
           </a:xfrm>
           <a:prstGeom prst="rect">
             <a:avLst/>
@@ -987,7 +987,7 @@
         <p:spPr>
           <a:xfrm>
             <a:off x="457200" y="205200"/>
-            <a:ext cx="8228880" cy="858240"/>
+            <a:ext cx="8229240" cy="858600"/>
           </a:xfrm>
           <a:prstGeom prst="rect">
             <a:avLst/>
@@ -1016,7 +1016,7 @@
         <p:spPr>
           <a:xfrm>
             <a:off x="457200" y="1203480"/>
-            <a:ext cx="4015440" cy="1422360"/>
+            <a:ext cx="4015800" cy="1422720"/>
           </a:xfrm>
           <a:prstGeom prst="rect">
             <a:avLst/>
@@ -1045,8 +1045,8 @@
         </p:nvSpPr>
         <p:spPr>
           <a:xfrm>
-            <a:off x="4673880" y="1203480"/>
-            <a:ext cx="4015440" cy="2982600"/>
+            <a:off x="4674240" y="1203480"/>
+            <a:ext cx="4015800" cy="2982960"/>
           </a:xfrm>
           <a:prstGeom prst="rect">
             <a:avLst/>
@@ -1075,8 +1075,8 @@
         </p:nvSpPr>
         <p:spPr>
           <a:xfrm>
-            <a:off x="457200" y="2761200"/>
-            <a:ext cx="4015440" cy="1422360"/>
+            <a:off x="457200" y="2761920"/>
+            <a:ext cx="4015800" cy="1422720"/>
           </a:xfrm>
           <a:prstGeom prst="rect">
             <a:avLst/>
@@ -1128,7 +1128,7 @@
         <p:spPr>
           <a:xfrm>
             <a:off x="457200" y="205200"/>
-            <a:ext cx="8228880" cy="858240"/>
+            <a:ext cx="8229240" cy="858600"/>
           </a:xfrm>
           <a:prstGeom prst="rect">
             <a:avLst/>
@@ -1157,7 +1157,7 @@
         <p:spPr>
           <a:xfrm>
             <a:off x="457200" y="1203480"/>
-            <a:ext cx="8228880" cy="2982600"/>
+            <a:ext cx="8229240" cy="2982960"/>
           </a:xfrm>
           <a:prstGeom prst="rect">
             <a:avLst/>
@@ -1208,7 +1208,7 @@
         <p:spPr>
           <a:xfrm>
             <a:off x="457200" y="205200"/>
-            <a:ext cx="8228880" cy="858240"/>
+            <a:ext cx="8229240" cy="858600"/>
           </a:xfrm>
           <a:prstGeom prst="rect">
             <a:avLst/>
@@ -1237,7 +1237,7 @@
         <p:spPr>
           <a:xfrm>
             <a:off x="457200" y="1203480"/>
-            <a:ext cx="4015440" cy="2982600"/>
+            <a:ext cx="4015800" cy="2982960"/>
           </a:xfrm>
           <a:prstGeom prst="rect">
             <a:avLst/>
@@ -1266,8 +1266,8 @@
         </p:nvSpPr>
         <p:spPr>
           <a:xfrm>
-            <a:off x="4673880" y="1203480"/>
-            <a:ext cx="4015440" cy="1422360"/>
+            <a:off x="4674240" y="1203480"/>
+            <a:ext cx="4015800" cy="1422720"/>
           </a:xfrm>
           <a:prstGeom prst="rect">
             <a:avLst/>
@@ -1296,8 +1296,8 @@
         </p:nvSpPr>
         <p:spPr>
           <a:xfrm>
-            <a:off x="4673880" y="2761200"/>
-            <a:ext cx="4015440" cy="1422360"/>
+            <a:off x="4674240" y="2761920"/>
+            <a:ext cx="4015800" cy="1422720"/>
           </a:xfrm>
           <a:prstGeom prst="rect">
             <a:avLst/>
@@ -1349,7 +1349,7 @@
         <p:spPr>
           <a:xfrm>
             <a:off x="457200" y="205200"/>
-            <a:ext cx="8228880" cy="858240"/>
+            <a:ext cx="8229240" cy="858600"/>
           </a:xfrm>
           <a:prstGeom prst="rect">
             <a:avLst/>
@@ -1378,7 +1378,7 @@
         <p:spPr>
           <a:xfrm>
             <a:off x="457200" y="1203480"/>
-            <a:ext cx="4015440" cy="1422360"/>
+            <a:ext cx="4015800" cy="1422720"/>
           </a:xfrm>
           <a:prstGeom prst="rect">
             <a:avLst/>
@@ -1407,8 +1407,8 @@
         </p:nvSpPr>
         <p:spPr>
           <a:xfrm>
-            <a:off x="4673880" y="1203480"/>
-            <a:ext cx="4015440" cy="1422360"/>
+            <a:off x="4674240" y="1203480"/>
+            <a:ext cx="4015800" cy="1422720"/>
           </a:xfrm>
           <a:prstGeom prst="rect">
             <a:avLst/>
@@ -1437,8 +1437,8 @@
         </p:nvSpPr>
         <p:spPr>
           <a:xfrm>
-            <a:off x="457200" y="2761200"/>
-            <a:ext cx="8228880" cy="1422360"/>
+            <a:off x="457200" y="2761920"/>
+            <a:ext cx="8229240" cy="1422720"/>
           </a:xfrm>
           <a:prstGeom prst="rect">
             <a:avLst/>
@@ -1490,7 +1490,7 @@
         <p:spPr>
           <a:xfrm>
             <a:off x="457200" y="205200"/>
-            <a:ext cx="8228880" cy="858240"/>
+            <a:ext cx="8229240" cy="858600"/>
           </a:xfrm>
           <a:prstGeom prst="rect">
             <a:avLst/>
@@ -1519,7 +1519,7 @@
         <p:spPr>
           <a:xfrm>
             <a:off x="457200" y="1203480"/>
-            <a:ext cx="8228880" cy="1422360"/>
+            <a:ext cx="8229240" cy="1422720"/>
           </a:xfrm>
           <a:prstGeom prst="rect">
             <a:avLst/>
@@ -1548,8 +1548,8 @@
         </p:nvSpPr>
         <p:spPr>
           <a:xfrm>
-            <a:off x="457200" y="2761200"/>
-            <a:ext cx="8228880" cy="1422360"/>
+            <a:off x="457200" y="2761920"/>
+            <a:ext cx="8229240" cy="1422720"/>
           </a:xfrm>
           <a:prstGeom prst="rect">
             <a:avLst/>
@@ -1601,7 +1601,7 @@
         <p:spPr>
           <a:xfrm>
             <a:off x="457200" y="205200"/>
-            <a:ext cx="8228880" cy="858240"/>
+            <a:ext cx="8229240" cy="858600"/>
           </a:xfrm>
           <a:prstGeom prst="rect">
             <a:avLst/>
@@ -1630,7 +1630,7 @@
         <p:spPr>
           <a:xfrm>
             <a:off x="457200" y="1203480"/>
-            <a:ext cx="4015440" cy="1422360"/>
+            <a:ext cx="4015800" cy="1422720"/>
           </a:xfrm>
           <a:prstGeom prst="rect">
             <a:avLst/>
@@ -1659,8 +1659,8 @@
         </p:nvSpPr>
         <p:spPr>
           <a:xfrm>
-            <a:off x="4673880" y="1203480"/>
-            <a:ext cx="4015440" cy="1422360"/>
+            <a:off x="4674240" y="1203480"/>
+            <a:ext cx="4015800" cy="1422720"/>
           </a:xfrm>
           <a:prstGeom prst="rect">
             <a:avLst/>
@@ -1689,8 +1689,8 @@
         </p:nvSpPr>
         <p:spPr>
           <a:xfrm>
-            <a:off x="457200" y="2761200"/>
-            <a:ext cx="4015440" cy="1422360"/>
+            <a:off x="457200" y="2761920"/>
+            <a:ext cx="4015800" cy="1422720"/>
           </a:xfrm>
           <a:prstGeom prst="rect">
             <a:avLst/>
@@ -1719,8 +1719,8 @@
         </p:nvSpPr>
         <p:spPr>
           <a:xfrm>
-            <a:off x="4673880" y="2761200"/>
-            <a:ext cx="4015440" cy="1422360"/>
+            <a:off x="4674240" y="2761920"/>
+            <a:ext cx="4015800" cy="1422720"/>
           </a:xfrm>
           <a:prstGeom prst="rect">
             <a:avLst/>
@@ -1772,7 +1772,7 @@
         <p:spPr>
           <a:xfrm>
             <a:off x="457200" y="205200"/>
-            <a:ext cx="8228880" cy="858240"/>
+            <a:ext cx="8229240" cy="858600"/>
           </a:xfrm>
           <a:prstGeom prst="rect">
             <a:avLst/>
@@ -1801,7 +1801,7 @@
         <p:spPr>
           <a:xfrm>
             <a:off x="457200" y="1203480"/>
-            <a:ext cx="2649600" cy="1422360"/>
+            <a:ext cx="2649600" cy="1422720"/>
           </a:xfrm>
           <a:prstGeom prst="rect">
             <a:avLst/>
@@ -1831,7 +1831,7 @@
         <p:spPr>
           <a:xfrm>
             <a:off x="3239640" y="1203480"/>
-            <a:ext cx="2649600" cy="1422360"/>
+            <a:ext cx="2649600" cy="1422720"/>
           </a:xfrm>
           <a:prstGeom prst="rect">
             <a:avLst/>
@@ -1861,7 +1861,7 @@
         <p:spPr>
           <a:xfrm>
             <a:off x="6022080" y="1203480"/>
-            <a:ext cx="2649600" cy="1422360"/>
+            <a:ext cx="2649600" cy="1422720"/>
           </a:xfrm>
           <a:prstGeom prst="rect">
             <a:avLst/>
@@ -1890,8 +1890,8 @@
         </p:nvSpPr>
         <p:spPr>
           <a:xfrm>
-            <a:off x="457200" y="2761200"/>
-            <a:ext cx="2649600" cy="1422360"/>
+            <a:off x="457200" y="2761920"/>
+            <a:ext cx="2649600" cy="1422720"/>
           </a:xfrm>
           <a:prstGeom prst="rect">
             <a:avLst/>
@@ -1920,8 +1920,8 @@
         </p:nvSpPr>
         <p:spPr>
           <a:xfrm>
-            <a:off x="3239640" y="2761200"/>
-            <a:ext cx="2649600" cy="1422360"/>
+            <a:off x="3239640" y="2761920"/>
+            <a:ext cx="2649600" cy="1422720"/>
           </a:xfrm>
           <a:prstGeom prst="rect">
             <a:avLst/>
@@ -1950,8 +1950,8 @@
         </p:nvSpPr>
         <p:spPr>
           <a:xfrm>
-            <a:off x="6022080" y="2761200"/>
-            <a:ext cx="2649600" cy="1422360"/>
+            <a:off x="6022080" y="2761920"/>
+            <a:ext cx="2649600" cy="1422720"/>
           </a:xfrm>
           <a:prstGeom prst="rect">
             <a:avLst/>
@@ -2025,7 +2025,7 @@
         <p:spPr>
           <a:xfrm>
             <a:off x="457200" y="205200"/>
-            <a:ext cx="8228880" cy="858240"/>
+            <a:ext cx="8229240" cy="858600"/>
           </a:xfrm>
           <a:prstGeom prst="rect">
             <a:avLst/>
@@ -2054,7 +2054,7 @@
         <p:spPr>
           <a:xfrm>
             <a:off x="457200" y="1203480"/>
-            <a:ext cx="8228880" cy="2982600"/>
+            <a:ext cx="8229240" cy="2982960"/>
           </a:xfrm>
           <a:prstGeom prst="rect">
             <a:avLst/>
@@ -2105,7 +2105,7 @@
         <p:spPr>
           <a:xfrm>
             <a:off x="457200" y="205200"/>
-            <a:ext cx="8228880" cy="858240"/>
+            <a:ext cx="8229240" cy="858600"/>
           </a:xfrm>
           <a:prstGeom prst="rect">
             <a:avLst/>
@@ -2134,7 +2134,7 @@
         <p:spPr>
           <a:xfrm>
             <a:off x="457200" y="1203480"/>
-            <a:ext cx="8228880" cy="2982600"/>
+            <a:ext cx="8229240" cy="2982960"/>
           </a:xfrm>
           <a:prstGeom prst="rect">
             <a:avLst/>
@@ -2186,7 +2186,7 @@
         <p:spPr>
           <a:xfrm>
             <a:off x="457200" y="205200"/>
-            <a:ext cx="8228880" cy="858240"/>
+            <a:ext cx="8229240" cy="858600"/>
           </a:xfrm>
           <a:prstGeom prst="rect">
             <a:avLst/>
@@ -2215,7 +2215,7 @@
         <p:spPr>
           <a:xfrm>
             <a:off x="457200" y="1203480"/>
-            <a:ext cx="4015440" cy="2982600"/>
+            <a:ext cx="4015800" cy="2982960"/>
           </a:xfrm>
           <a:prstGeom prst="rect">
             <a:avLst/>
@@ -2244,8 +2244,8 @@
         </p:nvSpPr>
         <p:spPr>
           <a:xfrm>
-            <a:off x="4673880" y="1203480"/>
-            <a:ext cx="4015440" cy="2982600"/>
+            <a:off x="4674240" y="1203480"/>
+            <a:ext cx="4015800" cy="2982960"/>
           </a:xfrm>
           <a:prstGeom prst="rect">
             <a:avLst/>
@@ -2297,7 +2297,7 @@
         <p:spPr>
           <a:xfrm>
             <a:off x="457200" y="205200"/>
-            <a:ext cx="8228880" cy="858240"/>
+            <a:ext cx="8229240" cy="858600"/>
           </a:xfrm>
           <a:prstGeom prst="rect">
             <a:avLst/>
@@ -2348,7 +2348,7 @@
         <p:spPr>
           <a:xfrm>
             <a:off x="457200" y="205200"/>
-            <a:ext cx="8228880" cy="858240"/>
+            <a:ext cx="8229240" cy="858600"/>
           </a:xfrm>
           <a:prstGeom prst="rect">
             <a:avLst/>
@@ -2377,7 +2377,7 @@
         <p:spPr>
           <a:xfrm>
             <a:off x="457200" y="1203480"/>
-            <a:ext cx="8228880" cy="2982600"/>
+            <a:ext cx="8229240" cy="2982960"/>
           </a:xfrm>
           <a:prstGeom prst="rect">
             <a:avLst/>
@@ -2429,7 +2429,7 @@
         <p:spPr>
           <a:xfrm>
             <a:off x="457200" y="205200"/>
-            <a:ext cx="8228880" cy="3979440"/>
+            <a:ext cx="8229240" cy="3981240"/>
           </a:xfrm>
           <a:prstGeom prst="rect">
             <a:avLst/>
@@ -2480,7 +2480,7 @@
         <p:spPr>
           <a:xfrm>
             <a:off x="457200" y="205200"/>
-            <a:ext cx="8228880" cy="858240"/>
+            <a:ext cx="8229240" cy="858600"/>
           </a:xfrm>
           <a:prstGeom prst="rect">
             <a:avLst/>
@@ -2509,7 +2509,7 @@
         <p:spPr>
           <a:xfrm>
             <a:off x="457200" y="1203480"/>
-            <a:ext cx="4015440" cy="1422360"/>
+            <a:ext cx="4015800" cy="1422720"/>
           </a:xfrm>
           <a:prstGeom prst="rect">
             <a:avLst/>
@@ -2538,8 +2538,8 @@
         </p:nvSpPr>
         <p:spPr>
           <a:xfrm>
-            <a:off x="4673880" y="1203480"/>
-            <a:ext cx="4015440" cy="2982600"/>
+            <a:off x="4674240" y="1203480"/>
+            <a:ext cx="4015800" cy="2982960"/>
           </a:xfrm>
           <a:prstGeom prst="rect">
             <a:avLst/>
@@ -2568,8 +2568,8 @@
         </p:nvSpPr>
         <p:spPr>
           <a:xfrm>
-            <a:off x="457200" y="2761200"/>
-            <a:ext cx="4015440" cy="1422360"/>
+            <a:off x="457200" y="2761920"/>
+            <a:ext cx="4015800" cy="1422720"/>
           </a:xfrm>
           <a:prstGeom prst="rect">
             <a:avLst/>
@@ -2621,7 +2621,7 @@
         <p:spPr>
           <a:xfrm>
             <a:off x="457200" y="205200"/>
-            <a:ext cx="8228880" cy="858240"/>
+            <a:ext cx="8229240" cy="858600"/>
           </a:xfrm>
           <a:prstGeom prst="rect">
             <a:avLst/>
@@ -2650,7 +2650,7 @@
         <p:spPr>
           <a:xfrm>
             <a:off x="457200" y="1203480"/>
-            <a:ext cx="4015440" cy="2982600"/>
+            <a:ext cx="4015800" cy="2982960"/>
           </a:xfrm>
           <a:prstGeom prst="rect">
             <a:avLst/>
@@ -2679,8 +2679,8 @@
         </p:nvSpPr>
         <p:spPr>
           <a:xfrm>
-            <a:off x="4673880" y="1203480"/>
-            <a:ext cx="4015440" cy="1422360"/>
+            <a:off x="4674240" y="1203480"/>
+            <a:ext cx="4015800" cy="1422720"/>
           </a:xfrm>
           <a:prstGeom prst="rect">
             <a:avLst/>
@@ -2709,8 +2709,8 @@
         </p:nvSpPr>
         <p:spPr>
           <a:xfrm>
-            <a:off x="4673880" y="2761200"/>
-            <a:ext cx="4015440" cy="1422360"/>
+            <a:off x="4674240" y="2761920"/>
+            <a:ext cx="4015800" cy="1422720"/>
           </a:xfrm>
           <a:prstGeom prst="rect">
             <a:avLst/>
@@ -2762,7 +2762,7 @@
         <p:spPr>
           <a:xfrm>
             <a:off x="457200" y="205200"/>
-            <a:ext cx="8228880" cy="858240"/>
+            <a:ext cx="8229240" cy="858600"/>
           </a:xfrm>
           <a:prstGeom prst="rect">
             <a:avLst/>
@@ -2791,7 +2791,7 @@
         <p:spPr>
           <a:xfrm>
             <a:off x="457200" y="1203480"/>
-            <a:ext cx="4015440" cy="1422360"/>
+            <a:ext cx="4015800" cy="1422720"/>
           </a:xfrm>
           <a:prstGeom prst="rect">
             <a:avLst/>
@@ -2820,8 +2820,8 @@
         </p:nvSpPr>
         <p:spPr>
           <a:xfrm>
-            <a:off x="4673880" y="1203480"/>
-            <a:ext cx="4015440" cy="1422360"/>
+            <a:off x="4674240" y="1203480"/>
+            <a:ext cx="4015800" cy="1422720"/>
           </a:xfrm>
           <a:prstGeom prst="rect">
             <a:avLst/>
@@ -2850,8 +2850,8 @@
         </p:nvSpPr>
         <p:spPr>
           <a:xfrm>
-            <a:off x="457200" y="2761200"/>
-            <a:ext cx="8228880" cy="1422360"/>
+            <a:off x="457200" y="2761920"/>
+            <a:ext cx="8229240" cy="1422720"/>
           </a:xfrm>
           <a:prstGeom prst="rect">
             <a:avLst/>
@@ -2903,7 +2903,7 @@
         <p:spPr>
           <a:xfrm>
             <a:off x="457200" y="205200"/>
-            <a:ext cx="8228880" cy="858240"/>
+            <a:ext cx="8229240" cy="858600"/>
           </a:xfrm>
           <a:prstGeom prst="rect">
             <a:avLst/>
@@ -2932,7 +2932,7 @@
         <p:spPr>
           <a:xfrm>
             <a:off x="457200" y="1203480"/>
-            <a:ext cx="8228880" cy="1422360"/>
+            <a:ext cx="8229240" cy="1422720"/>
           </a:xfrm>
           <a:prstGeom prst="rect">
             <a:avLst/>
@@ -2961,8 +2961,8 @@
         </p:nvSpPr>
         <p:spPr>
           <a:xfrm>
-            <a:off x="457200" y="2761200"/>
-            <a:ext cx="8228880" cy="1422360"/>
+            <a:off x="457200" y="2761920"/>
+            <a:ext cx="8229240" cy="1422720"/>
           </a:xfrm>
           <a:prstGeom prst="rect">
             <a:avLst/>
@@ -3014,7 +3014,7 @@
         <p:spPr>
           <a:xfrm>
             <a:off x="457200" y="205200"/>
-            <a:ext cx="8228880" cy="858240"/>
+            <a:ext cx="8229240" cy="858600"/>
           </a:xfrm>
           <a:prstGeom prst="rect">
             <a:avLst/>
@@ -3043,7 +3043,7 @@
         <p:spPr>
           <a:xfrm>
             <a:off x="457200" y="1203480"/>
-            <a:ext cx="4015440" cy="1422360"/>
+            <a:ext cx="4015800" cy="1422720"/>
           </a:xfrm>
           <a:prstGeom prst="rect">
             <a:avLst/>
@@ -3072,8 +3072,8 @@
         </p:nvSpPr>
         <p:spPr>
           <a:xfrm>
-            <a:off x="4673880" y="1203480"/>
-            <a:ext cx="4015440" cy="1422360"/>
+            <a:off x="4674240" y="1203480"/>
+            <a:ext cx="4015800" cy="1422720"/>
           </a:xfrm>
           <a:prstGeom prst="rect">
             <a:avLst/>
@@ -3102,8 +3102,8 @@
         </p:nvSpPr>
         <p:spPr>
           <a:xfrm>
-            <a:off x="457200" y="2761200"/>
-            <a:ext cx="4015440" cy="1422360"/>
+            <a:off x="457200" y="2761920"/>
+            <a:ext cx="4015800" cy="1422720"/>
           </a:xfrm>
           <a:prstGeom prst="rect">
             <a:avLst/>
@@ -3132,8 +3132,8 @@
         </p:nvSpPr>
         <p:spPr>
           <a:xfrm>
-            <a:off x="4673880" y="2761200"/>
-            <a:ext cx="4015440" cy="1422360"/>
+            <a:off x="4674240" y="2761920"/>
+            <a:ext cx="4015800" cy="1422720"/>
           </a:xfrm>
           <a:prstGeom prst="rect">
             <a:avLst/>
@@ -3185,7 +3185,7 @@
         <p:spPr>
           <a:xfrm>
             <a:off x="457200" y="205200"/>
-            <a:ext cx="8228880" cy="858240"/>
+            <a:ext cx="8229240" cy="858600"/>
           </a:xfrm>
           <a:prstGeom prst="rect">
             <a:avLst/>
@@ -3214,7 +3214,7 @@
         <p:spPr>
           <a:xfrm>
             <a:off x="457200" y="1203480"/>
-            <a:ext cx="2649600" cy="1422360"/>
+            <a:ext cx="2649600" cy="1422720"/>
           </a:xfrm>
           <a:prstGeom prst="rect">
             <a:avLst/>
@@ -3244,7 +3244,7 @@
         <p:spPr>
           <a:xfrm>
             <a:off x="3239640" y="1203480"/>
-            <a:ext cx="2649600" cy="1422360"/>
+            <a:ext cx="2649600" cy="1422720"/>
           </a:xfrm>
           <a:prstGeom prst="rect">
             <a:avLst/>
@@ -3274,7 +3274,7 @@
         <p:spPr>
           <a:xfrm>
             <a:off x="6022080" y="1203480"/>
-            <a:ext cx="2649600" cy="1422360"/>
+            <a:ext cx="2649600" cy="1422720"/>
           </a:xfrm>
           <a:prstGeom prst="rect">
             <a:avLst/>
@@ -3303,8 +3303,8 @@
         </p:nvSpPr>
         <p:spPr>
           <a:xfrm>
-            <a:off x="457200" y="2761200"/>
-            <a:ext cx="2649600" cy="1422360"/>
+            <a:off x="457200" y="2761920"/>
+            <a:ext cx="2649600" cy="1422720"/>
           </a:xfrm>
           <a:prstGeom prst="rect">
             <a:avLst/>
@@ -3333,8 +3333,8 @@
         </p:nvSpPr>
         <p:spPr>
           <a:xfrm>
-            <a:off x="3239640" y="2761200"/>
-            <a:ext cx="2649600" cy="1422360"/>
+            <a:off x="3239640" y="2761920"/>
+            <a:ext cx="2649600" cy="1422720"/>
           </a:xfrm>
           <a:prstGeom prst="rect">
             <a:avLst/>
@@ -3363,8 +3363,8 @@
         </p:nvSpPr>
         <p:spPr>
           <a:xfrm>
-            <a:off x="6022080" y="2761200"/>
-            <a:ext cx="2649600" cy="1422360"/>
+            <a:off x="6022080" y="2761920"/>
+            <a:ext cx="2649600" cy="1422720"/>
           </a:xfrm>
           <a:prstGeom prst="rect">
             <a:avLst/>
@@ -3427,7 +3427,7 @@
       </p:grpSpPr>
       <p:sp>
         <p:nvSpPr>
-          <p:cNvPr id="118" name="PlaceHolder 1"/>
+          <p:cNvPr id="121" name="PlaceHolder 1"/>
           <p:cNvSpPr>
             <a:spLocks noGrp="1"/>
           </p:cNvSpPr>
@@ -3438,7 +3438,7 @@
         <p:spPr>
           <a:xfrm>
             <a:off x="457200" y="205200"/>
-            <a:ext cx="8228880" cy="858240"/>
+            <a:ext cx="8229240" cy="858600"/>
           </a:xfrm>
           <a:prstGeom prst="rect">
             <a:avLst/>
@@ -3456,7 +3456,7 @@
       </p:sp>
       <p:sp>
         <p:nvSpPr>
-          <p:cNvPr id="119" name="PlaceHolder 2"/>
+          <p:cNvPr id="122" name="PlaceHolder 2"/>
           <p:cNvSpPr>
             <a:spLocks noGrp="1"/>
           </p:cNvSpPr>
@@ -3467,7 +3467,7 @@
         <p:spPr>
           <a:xfrm>
             <a:off x="457200" y="1203480"/>
-            <a:ext cx="8228880" cy="2982600"/>
+            <a:ext cx="8229240" cy="2982960"/>
           </a:xfrm>
           <a:prstGeom prst="rect">
             <a:avLst/>
@@ -3507,7 +3507,7 @@
       </p:grpSpPr>
       <p:sp>
         <p:nvSpPr>
-          <p:cNvPr id="120" name="PlaceHolder 1"/>
+          <p:cNvPr id="123" name="PlaceHolder 1"/>
           <p:cNvSpPr>
             <a:spLocks noGrp="1"/>
           </p:cNvSpPr>
@@ -3518,7 +3518,7 @@
         <p:spPr>
           <a:xfrm>
             <a:off x="457200" y="205200"/>
-            <a:ext cx="8228880" cy="858240"/>
+            <a:ext cx="8229240" cy="858600"/>
           </a:xfrm>
           <a:prstGeom prst="rect">
             <a:avLst/>
@@ -3536,7 +3536,7 @@
       </p:sp>
       <p:sp>
         <p:nvSpPr>
-          <p:cNvPr id="121" name="PlaceHolder 2"/>
+          <p:cNvPr id="124" name="PlaceHolder 2"/>
           <p:cNvSpPr>
             <a:spLocks noGrp="1"/>
           </p:cNvSpPr>
@@ -3547,7 +3547,7 @@
         <p:spPr>
           <a:xfrm>
             <a:off x="457200" y="1203480"/>
-            <a:ext cx="8228880" cy="2982600"/>
+            <a:ext cx="8229240" cy="2982960"/>
           </a:xfrm>
           <a:prstGeom prst="rect">
             <a:avLst/>
@@ -3599,7 +3599,7 @@
         <p:spPr>
           <a:xfrm>
             <a:off x="457200" y="205200"/>
-            <a:ext cx="8228880" cy="858240"/>
+            <a:ext cx="8229240" cy="858600"/>
           </a:xfrm>
           <a:prstGeom prst="rect">
             <a:avLst/>
@@ -3628,7 +3628,7 @@
         <p:spPr>
           <a:xfrm>
             <a:off x="457200" y="1203480"/>
-            <a:ext cx="4015440" cy="2982600"/>
+            <a:ext cx="4015800" cy="2982960"/>
           </a:xfrm>
           <a:prstGeom prst="rect">
             <a:avLst/>
@@ -3657,8 +3657,8 @@
         </p:nvSpPr>
         <p:spPr>
           <a:xfrm>
-            <a:off x="4673880" y="1203480"/>
-            <a:ext cx="4015440" cy="2982600"/>
+            <a:off x="4674240" y="1203480"/>
+            <a:ext cx="4015800" cy="2982960"/>
           </a:xfrm>
           <a:prstGeom prst="rect">
             <a:avLst/>
@@ -3699,7 +3699,7 @@
       </p:grpSpPr>
       <p:sp>
         <p:nvSpPr>
-          <p:cNvPr id="122" name="PlaceHolder 1"/>
+          <p:cNvPr id="125" name="PlaceHolder 1"/>
           <p:cNvSpPr>
             <a:spLocks noGrp="1"/>
           </p:cNvSpPr>
@@ -3710,7 +3710,7 @@
         <p:spPr>
           <a:xfrm>
             <a:off x="457200" y="205200"/>
-            <a:ext cx="8228880" cy="858240"/>
+            <a:ext cx="8229240" cy="858600"/>
           </a:xfrm>
           <a:prstGeom prst="rect">
             <a:avLst/>
@@ -3728,7 +3728,7 @@
       </p:sp>
       <p:sp>
         <p:nvSpPr>
-          <p:cNvPr id="123" name="PlaceHolder 2"/>
+          <p:cNvPr id="126" name="PlaceHolder 2"/>
           <p:cNvSpPr>
             <a:spLocks noGrp="1"/>
           </p:cNvSpPr>
@@ -3739,7 +3739,7 @@
         <p:spPr>
           <a:xfrm>
             <a:off x="457200" y="1203480"/>
-            <a:ext cx="4015440" cy="2982600"/>
+            <a:ext cx="4015800" cy="2982960"/>
           </a:xfrm>
           <a:prstGeom prst="rect">
             <a:avLst/>
@@ -3758,7 +3758,7 @@
       </p:sp>
       <p:sp>
         <p:nvSpPr>
-          <p:cNvPr id="124" name="PlaceHolder 3"/>
+          <p:cNvPr id="127" name="PlaceHolder 3"/>
           <p:cNvSpPr>
             <a:spLocks noGrp="1"/>
           </p:cNvSpPr>
@@ -3768,8 +3768,8 @@
         </p:nvSpPr>
         <p:spPr>
           <a:xfrm>
-            <a:off x="4673880" y="1203480"/>
-            <a:ext cx="4015440" cy="2982600"/>
+            <a:off x="4674240" y="1203480"/>
+            <a:ext cx="4015800" cy="2982960"/>
           </a:xfrm>
           <a:prstGeom prst="rect">
             <a:avLst/>
@@ -3810,7 +3810,7 @@
       </p:grpSpPr>
       <p:sp>
         <p:nvSpPr>
-          <p:cNvPr id="125" name="PlaceHolder 1"/>
+          <p:cNvPr id="128" name="PlaceHolder 1"/>
           <p:cNvSpPr>
             <a:spLocks noGrp="1"/>
           </p:cNvSpPr>
@@ -3821,7 +3821,7 @@
         <p:spPr>
           <a:xfrm>
             <a:off x="457200" y="205200"/>
-            <a:ext cx="8228880" cy="858240"/>
+            <a:ext cx="8229240" cy="858600"/>
           </a:xfrm>
           <a:prstGeom prst="rect">
             <a:avLst/>
@@ -3861,7 +3861,7 @@
       </p:grpSpPr>
       <p:sp>
         <p:nvSpPr>
-          <p:cNvPr id="126" name="PlaceHolder 1"/>
+          <p:cNvPr id="129" name="PlaceHolder 1"/>
           <p:cNvSpPr>
             <a:spLocks noGrp="1"/>
           </p:cNvSpPr>
@@ -3872,7 +3872,7 @@
         <p:spPr>
           <a:xfrm>
             <a:off x="457200" y="205200"/>
-            <a:ext cx="8228880" cy="3979440"/>
+            <a:ext cx="8229240" cy="3981240"/>
           </a:xfrm>
           <a:prstGeom prst="rect">
             <a:avLst/>
@@ -3912,7 +3912,7 @@
       </p:grpSpPr>
       <p:sp>
         <p:nvSpPr>
-          <p:cNvPr id="127" name="PlaceHolder 1"/>
+          <p:cNvPr id="130" name="PlaceHolder 1"/>
           <p:cNvSpPr>
             <a:spLocks noGrp="1"/>
           </p:cNvSpPr>
@@ -3923,7 +3923,7 @@
         <p:spPr>
           <a:xfrm>
             <a:off x="457200" y="205200"/>
-            <a:ext cx="8228880" cy="858240"/>
+            <a:ext cx="8229240" cy="858600"/>
           </a:xfrm>
           <a:prstGeom prst="rect">
             <a:avLst/>
@@ -3941,7 +3941,7 @@
       </p:sp>
       <p:sp>
         <p:nvSpPr>
-          <p:cNvPr id="128" name="PlaceHolder 2"/>
+          <p:cNvPr id="131" name="PlaceHolder 2"/>
           <p:cNvSpPr>
             <a:spLocks noGrp="1"/>
           </p:cNvSpPr>
@@ -3952,7 +3952,7 @@
         <p:spPr>
           <a:xfrm>
             <a:off x="457200" y="1203480"/>
-            <a:ext cx="4015440" cy="1422360"/>
+            <a:ext cx="4015800" cy="1422720"/>
           </a:xfrm>
           <a:prstGeom prst="rect">
             <a:avLst/>
@@ -3971,7 +3971,7 @@
       </p:sp>
       <p:sp>
         <p:nvSpPr>
-          <p:cNvPr id="129" name="PlaceHolder 3"/>
+          <p:cNvPr id="132" name="PlaceHolder 3"/>
           <p:cNvSpPr>
             <a:spLocks noGrp="1"/>
           </p:cNvSpPr>
@@ -3981,8 +3981,8 @@
         </p:nvSpPr>
         <p:spPr>
           <a:xfrm>
-            <a:off x="4673880" y="1203480"/>
-            <a:ext cx="4015440" cy="2982600"/>
+            <a:off x="4674240" y="1203480"/>
+            <a:ext cx="4015800" cy="2982960"/>
           </a:xfrm>
           <a:prstGeom prst="rect">
             <a:avLst/>
@@ -4001,7 +4001,7 @@
       </p:sp>
       <p:sp>
         <p:nvSpPr>
-          <p:cNvPr id="130" name="PlaceHolder 4"/>
+          <p:cNvPr id="133" name="PlaceHolder 4"/>
           <p:cNvSpPr>
             <a:spLocks noGrp="1"/>
           </p:cNvSpPr>
@@ -4011,8 +4011,8 @@
         </p:nvSpPr>
         <p:spPr>
           <a:xfrm>
-            <a:off x="457200" y="2761200"/>
-            <a:ext cx="4015440" cy="1422360"/>
+            <a:off x="457200" y="2761920"/>
+            <a:ext cx="4015800" cy="1422720"/>
           </a:xfrm>
           <a:prstGeom prst="rect">
             <a:avLst/>
@@ -4053,7 +4053,7 @@
       </p:grpSpPr>
       <p:sp>
         <p:nvSpPr>
-          <p:cNvPr id="131" name="PlaceHolder 1"/>
+          <p:cNvPr id="134" name="PlaceHolder 1"/>
           <p:cNvSpPr>
             <a:spLocks noGrp="1"/>
           </p:cNvSpPr>
@@ -4064,7 +4064,7 @@
         <p:spPr>
           <a:xfrm>
             <a:off x="457200" y="205200"/>
-            <a:ext cx="8228880" cy="858240"/>
+            <a:ext cx="8229240" cy="858600"/>
           </a:xfrm>
           <a:prstGeom prst="rect">
             <a:avLst/>
@@ -4082,7 +4082,7 @@
       </p:sp>
       <p:sp>
         <p:nvSpPr>
-          <p:cNvPr id="132" name="PlaceHolder 2"/>
+          <p:cNvPr id="135" name="PlaceHolder 2"/>
           <p:cNvSpPr>
             <a:spLocks noGrp="1"/>
           </p:cNvSpPr>
@@ -4093,7 +4093,7 @@
         <p:spPr>
           <a:xfrm>
             <a:off x="457200" y="1203480"/>
-            <a:ext cx="4015440" cy="2982600"/>
+            <a:ext cx="4015800" cy="2982960"/>
           </a:xfrm>
           <a:prstGeom prst="rect">
             <a:avLst/>
@@ -4112,7 +4112,7 @@
       </p:sp>
       <p:sp>
         <p:nvSpPr>
-          <p:cNvPr id="133" name="PlaceHolder 3"/>
+          <p:cNvPr id="136" name="PlaceHolder 3"/>
           <p:cNvSpPr>
             <a:spLocks noGrp="1"/>
           </p:cNvSpPr>
@@ -4122,8 +4122,8 @@
         </p:nvSpPr>
         <p:spPr>
           <a:xfrm>
-            <a:off x="4673880" y="1203480"/>
-            <a:ext cx="4015440" cy="1422360"/>
+            <a:off x="4674240" y="1203480"/>
+            <a:ext cx="4015800" cy="1422720"/>
           </a:xfrm>
           <a:prstGeom prst="rect">
             <a:avLst/>
@@ -4142,7 +4142,7 @@
       </p:sp>
       <p:sp>
         <p:nvSpPr>
-          <p:cNvPr id="134" name="PlaceHolder 4"/>
+          <p:cNvPr id="137" name="PlaceHolder 4"/>
           <p:cNvSpPr>
             <a:spLocks noGrp="1"/>
           </p:cNvSpPr>
@@ -4152,8 +4152,8 @@
         </p:nvSpPr>
         <p:spPr>
           <a:xfrm>
-            <a:off x="4673880" y="2761200"/>
-            <a:ext cx="4015440" cy="1422360"/>
+            <a:off x="4674240" y="2761920"/>
+            <a:ext cx="4015800" cy="1422720"/>
           </a:xfrm>
           <a:prstGeom prst="rect">
             <a:avLst/>
@@ -4194,7 +4194,7 @@
       </p:grpSpPr>
       <p:sp>
         <p:nvSpPr>
-          <p:cNvPr id="135" name="PlaceHolder 1"/>
+          <p:cNvPr id="138" name="PlaceHolder 1"/>
           <p:cNvSpPr>
             <a:spLocks noGrp="1"/>
           </p:cNvSpPr>
@@ -4205,7 +4205,7 @@
         <p:spPr>
           <a:xfrm>
             <a:off x="457200" y="205200"/>
-            <a:ext cx="8228880" cy="858240"/>
+            <a:ext cx="8229240" cy="858600"/>
           </a:xfrm>
           <a:prstGeom prst="rect">
             <a:avLst/>
@@ -4223,7 +4223,7 @@
       </p:sp>
       <p:sp>
         <p:nvSpPr>
-          <p:cNvPr id="136" name="PlaceHolder 2"/>
+          <p:cNvPr id="139" name="PlaceHolder 2"/>
           <p:cNvSpPr>
             <a:spLocks noGrp="1"/>
           </p:cNvSpPr>
@@ -4234,7 +4234,7 @@
         <p:spPr>
           <a:xfrm>
             <a:off x="457200" y="1203480"/>
-            <a:ext cx="4015440" cy="1422360"/>
+            <a:ext cx="4015800" cy="1422720"/>
           </a:xfrm>
           <a:prstGeom prst="rect">
             <a:avLst/>
@@ -4253,7 +4253,7 @@
       </p:sp>
       <p:sp>
         <p:nvSpPr>
-          <p:cNvPr id="137" name="PlaceHolder 3"/>
+          <p:cNvPr id="140" name="PlaceHolder 3"/>
           <p:cNvSpPr>
             <a:spLocks noGrp="1"/>
           </p:cNvSpPr>
@@ -4263,8 +4263,8 @@
         </p:nvSpPr>
         <p:spPr>
           <a:xfrm>
-            <a:off x="4673880" y="1203480"/>
-            <a:ext cx="4015440" cy="1422360"/>
+            <a:off x="4674240" y="1203480"/>
+            <a:ext cx="4015800" cy="1422720"/>
           </a:xfrm>
           <a:prstGeom prst="rect">
             <a:avLst/>
@@ -4283,7 +4283,7 @@
       </p:sp>
       <p:sp>
         <p:nvSpPr>
-          <p:cNvPr id="138" name="PlaceHolder 4"/>
+          <p:cNvPr id="141" name="PlaceHolder 4"/>
           <p:cNvSpPr>
             <a:spLocks noGrp="1"/>
           </p:cNvSpPr>
@@ -4293,8 +4293,8 @@
         </p:nvSpPr>
         <p:spPr>
           <a:xfrm>
-            <a:off x="457200" y="2761200"/>
-            <a:ext cx="8228880" cy="1422360"/>
+            <a:off x="457200" y="2761920"/>
+            <a:ext cx="8229240" cy="1422720"/>
           </a:xfrm>
           <a:prstGeom prst="rect">
             <a:avLst/>
@@ -4335,7 +4335,7 @@
       </p:grpSpPr>
       <p:sp>
         <p:nvSpPr>
-          <p:cNvPr id="139" name="PlaceHolder 1"/>
+          <p:cNvPr id="142" name="PlaceHolder 1"/>
           <p:cNvSpPr>
             <a:spLocks noGrp="1"/>
           </p:cNvSpPr>
@@ -4346,7 +4346,7 @@
         <p:spPr>
           <a:xfrm>
             <a:off x="457200" y="205200"/>
-            <a:ext cx="8228880" cy="858240"/>
+            <a:ext cx="8229240" cy="858600"/>
           </a:xfrm>
           <a:prstGeom prst="rect">
             <a:avLst/>
@@ -4364,7 +4364,7 @@
       </p:sp>
       <p:sp>
         <p:nvSpPr>
-          <p:cNvPr id="140" name="PlaceHolder 2"/>
+          <p:cNvPr id="143" name="PlaceHolder 2"/>
           <p:cNvSpPr>
             <a:spLocks noGrp="1"/>
           </p:cNvSpPr>
@@ -4375,7 +4375,7 @@
         <p:spPr>
           <a:xfrm>
             <a:off x="457200" y="1203480"/>
-            <a:ext cx="8228880" cy="1422360"/>
+            <a:ext cx="8229240" cy="1422720"/>
           </a:xfrm>
           <a:prstGeom prst="rect">
             <a:avLst/>
@@ -4394,7 +4394,7 @@
       </p:sp>
       <p:sp>
         <p:nvSpPr>
-          <p:cNvPr id="141" name="PlaceHolder 3"/>
+          <p:cNvPr id="144" name="PlaceHolder 3"/>
           <p:cNvSpPr>
             <a:spLocks noGrp="1"/>
           </p:cNvSpPr>
@@ -4404,8 +4404,8 @@
         </p:nvSpPr>
         <p:spPr>
           <a:xfrm>
-            <a:off x="457200" y="2761200"/>
-            <a:ext cx="8228880" cy="1422360"/>
+            <a:off x="457200" y="2761920"/>
+            <a:ext cx="8229240" cy="1422720"/>
           </a:xfrm>
           <a:prstGeom prst="rect">
             <a:avLst/>
@@ -4446,7 +4446,7 @@
       </p:grpSpPr>
       <p:sp>
         <p:nvSpPr>
-          <p:cNvPr id="142" name="PlaceHolder 1"/>
+          <p:cNvPr id="145" name="PlaceHolder 1"/>
           <p:cNvSpPr>
             <a:spLocks noGrp="1"/>
           </p:cNvSpPr>
@@ -4457,7 +4457,7 @@
         <p:spPr>
           <a:xfrm>
             <a:off x="457200" y="205200"/>
-            <a:ext cx="8228880" cy="858240"/>
+            <a:ext cx="8229240" cy="858600"/>
           </a:xfrm>
           <a:prstGeom prst="rect">
             <a:avLst/>
@@ -4475,7 +4475,7 @@
       </p:sp>
       <p:sp>
         <p:nvSpPr>
-          <p:cNvPr id="143" name="PlaceHolder 2"/>
+          <p:cNvPr id="146" name="PlaceHolder 2"/>
           <p:cNvSpPr>
             <a:spLocks noGrp="1"/>
           </p:cNvSpPr>
@@ -4486,7 +4486,7 @@
         <p:spPr>
           <a:xfrm>
             <a:off x="457200" y="1203480"/>
-            <a:ext cx="4015440" cy="1422360"/>
+            <a:ext cx="4015800" cy="1422720"/>
           </a:xfrm>
           <a:prstGeom prst="rect">
             <a:avLst/>
@@ -4505,7 +4505,7 @@
       </p:sp>
       <p:sp>
         <p:nvSpPr>
-          <p:cNvPr id="144" name="PlaceHolder 3"/>
+          <p:cNvPr id="147" name="PlaceHolder 3"/>
           <p:cNvSpPr>
             <a:spLocks noGrp="1"/>
           </p:cNvSpPr>
@@ -4515,8 +4515,8 @@
         </p:nvSpPr>
         <p:spPr>
           <a:xfrm>
-            <a:off x="4673880" y="1203480"/>
-            <a:ext cx="4015440" cy="1422360"/>
+            <a:off x="4674240" y="1203480"/>
+            <a:ext cx="4015800" cy="1422720"/>
           </a:xfrm>
           <a:prstGeom prst="rect">
             <a:avLst/>
@@ -4535,7 +4535,7 @@
       </p:sp>
       <p:sp>
         <p:nvSpPr>
-          <p:cNvPr id="145" name="PlaceHolder 4"/>
+          <p:cNvPr id="148" name="PlaceHolder 4"/>
           <p:cNvSpPr>
             <a:spLocks noGrp="1"/>
           </p:cNvSpPr>
@@ -4545,8 +4545,8 @@
         </p:nvSpPr>
         <p:spPr>
           <a:xfrm>
-            <a:off x="457200" y="2761200"/>
-            <a:ext cx="4015440" cy="1422360"/>
+            <a:off x="457200" y="2761920"/>
+            <a:ext cx="4015800" cy="1422720"/>
           </a:xfrm>
           <a:prstGeom prst="rect">
             <a:avLst/>
@@ -4565,7 +4565,7 @@
       </p:sp>
       <p:sp>
         <p:nvSpPr>
-          <p:cNvPr id="146" name="PlaceHolder 5"/>
+          <p:cNvPr id="149" name="PlaceHolder 5"/>
           <p:cNvSpPr>
             <a:spLocks noGrp="1"/>
           </p:cNvSpPr>
@@ -4575,8 +4575,8 @@
         </p:nvSpPr>
         <p:spPr>
           <a:xfrm>
-            <a:off x="4673880" y="2761200"/>
-            <a:ext cx="4015440" cy="1422360"/>
+            <a:off x="4674240" y="2761920"/>
+            <a:ext cx="4015800" cy="1422720"/>
           </a:xfrm>
           <a:prstGeom prst="rect">
             <a:avLst/>
@@ -4617,7 +4617,7 @@
       </p:grpSpPr>
       <p:sp>
         <p:nvSpPr>
-          <p:cNvPr id="147" name="PlaceHolder 1"/>
+          <p:cNvPr id="150" name="PlaceHolder 1"/>
           <p:cNvSpPr>
             <a:spLocks noGrp="1"/>
           </p:cNvSpPr>
@@ -4628,7 +4628,7 @@
         <p:spPr>
           <a:xfrm>
             <a:off x="457200" y="205200"/>
-            <a:ext cx="8228880" cy="858240"/>
+            <a:ext cx="8229240" cy="858600"/>
           </a:xfrm>
           <a:prstGeom prst="rect">
             <a:avLst/>
@@ -4646,7 +4646,7 @@
       </p:sp>
       <p:sp>
         <p:nvSpPr>
-          <p:cNvPr id="148" name="PlaceHolder 2"/>
+          <p:cNvPr id="151" name="PlaceHolder 2"/>
           <p:cNvSpPr>
             <a:spLocks noGrp="1"/>
           </p:cNvSpPr>
@@ -4657,7 +4657,7 @@
         <p:spPr>
           <a:xfrm>
             <a:off x="457200" y="1203480"/>
-            <a:ext cx="2649600" cy="1422360"/>
+            <a:ext cx="2649600" cy="1422720"/>
           </a:xfrm>
           <a:prstGeom prst="rect">
             <a:avLst/>
@@ -4676,7 +4676,7 @@
       </p:sp>
       <p:sp>
         <p:nvSpPr>
-          <p:cNvPr id="149" name="PlaceHolder 3"/>
+          <p:cNvPr id="152" name="PlaceHolder 3"/>
           <p:cNvSpPr>
             <a:spLocks noGrp="1"/>
           </p:cNvSpPr>
@@ -4687,7 +4687,7 @@
         <p:spPr>
           <a:xfrm>
             <a:off x="3239640" y="1203480"/>
-            <a:ext cx="2649600" cy="1422360"/>
+            <a:ext cx="2649600" cy="1422720"/>
           </a:xfrm>
           <a:prstGeom prst="rect">
             <a:avLst/>
@@ -4706,7 +4706,7 @@
       </p:sp>
       <p:sp>
         <p:nvSpPr>
-          <p:cNvPr id="150" name="PlaceHolder 4"/>
+          <p:cNvPr id="153" name="PlaceHolder 4"/>
           <p:cNvSpPr>
             <a:spLocks noGrp="1"/>
           </p:cNvSpPr>
@@ -4717,7 +4717,7 @@
         <p:spPr>
           <a:xfrm>
             <a:off x="6022080" y="1203480"/>
-            <a:ext cx="2649600" cy="1422360"/>
+            <a:ext cx="2649600" cy="1422720"/>
           </a:xfrm>
           <a:prstGeom prst="rect">
             <a:avLst/>
@@ -4736,7 +4736,7 @@
       </p:sp>
       <p:sp>
         <p:nvSpPr>
-          <p:cNvPr id="151" name="PlaceHolder 5"/>
+          <p:cNvPr id="154" name="PlaceHolder 5"/>
           <p:cNvSpPr>
             <a:spLocks noGrp="1"/>
           </p:cNvSpPr>
@@ -4746,8 +4746,8 @@
         </p:nvSpPr>
         <p:spPr>
           <a:xfrm>
-            <a:off x="457200" y="2761200"/>
-            <a:ext cx="2649600" cy="1422360"/>
+            <a:off x="457200" y="2761920"/>
+            <a:ext cx="2649600" cy="1422720"/>
           </a:xfrm>
           <a:prstGeom prst="rect">
             <a:avLst/>
@@ -4766,7 +4766,7 @@
       </p:sp>
       <p:sp>
         <p:nvSpPr>
-          <p:cNvPr id="152" name="PlaceHolder 6"/>
+          <p:cNvPr id="155" name="PlaceHolder 6"/>
           <p:cNvSpPr>
             <a:spLocks noGrp="1"/>
           </p:cNvSpPr>
@@ -4776,8 +4776,8 @@
         </p:nvSpPr>
         <p:spPr>
           <a:xfrm>
-            <a:off x="3239640" y="2761200"/>
-            <a:ext cx="2649600" cy="1422360"/>
+            <a:off x="3239640" y="2761920"/>
+            <a:ext cx="2649600" cy="1422720"/>
           </a:xfrm>
           <a:prstGeom prst="rect">
             <a:avLst/>
@@ -4796,7 +4796,7 @@
       </p:sp>
       <p:sp>
         <p:nvSpPr>
-          <p:cNvPr id="153" name="PlaceHolder 7"/>
+          <p:cNvPr id="156" name="PlaceHolder 7"/>
           <p:cNvSpPr>
             <a:spLocks noGrp="1"/>
           </p:cNvSpPr>
@@ -4806,8 +4806,8 @@
         </p:nvSpPr>
         <p:spPr>
           <a:xfrm>
-            <a:off x="6022080" y="2761200"/>
-            <a:ext cx="2649600" cy="1422360"/>
+            <a:off x="6022080" y="2761920"/>
+            <a:ext cx="2649600" cy="1422720"/>
           </a:xfrm>
           <a:prstGeom prst="rect">
             <a:avLst/>
@@ -4881,7 +4881,7 @@
         <p:spPr>
           <a:xfrm>
             <a:off x="457200" y="205200"/>
-            <a:ext cx="8228880" cy="858240"/>
+            <a:ext cx="8229240" cy="858600"/>
           </a:xfrm>
           <a:prstGeom prst="rect">
             <a:avLst/>
@@ -4932,7 +4932,7 @@
         <p:spPr>
           <a:xfrm>
             <a:off x="457200" y="205200"/>
-            <a:ext cx="8228880" cy="858240"/>
+            <a:ext cx="8229240" cy="858600"/>
           </a:xfrm>
           <a:prstGeom prst="rect">
             <a:avLst/>
@@ -4961,7 +4961,7 @@
         <p:spPr>
           <a:xfrm>
             <a:off x="457200" y="1203480"/>
-            <a:ext cx="8228880" cy="2982600"/>
+            <a:ext cx="8229240" cy="2982960"/>
           </a:xfrm>
           <a:prstGeom prst="rect">
             <a:avLst/>
@@ -5012,7 +5012,7 @@
         <p:spPr>
           <a:xfrm>
             <a:off x="457200" y="205200"/>
-            <a:ext cx="8228880" cy="858240"/>
+            <a:ext cx="8229240" cy="858600"/>
           </a:xfrm>
           <a:prstGeom prst="rect">
             <a:avLst/>
@@ -5041,7 +5041,7 @@
         <p:spPr>
           <a:xfrm>
             <a:off x="457200" y="1203480"/>
-            <a:ext cx="8228880" cy="2982600"/>
+            <a:ext cx="8229240" cy="2982960"/>
           </a:xfrm>
           <a:prstGeom prst="rect">
             <a:avLst/>
@@ -5093,7 +5093,7 @@
         <p:spPr>
           <a:xfrm>
             <a:off x="457200" y="205200"/>
-            <a:ext cx="8228880" cy="858240"/>
+            <a:ext cx="8229240" cy="858600"/>
           </a:xfrm>
           <a:prstGeom prst="rect">
             <a:avLst/>
@@ -5122,7 +5122,7 @@
         <p:spPr>
           <a:xfrm>
             <a:off x="457200" y="1203480"/>
-            <a:ext cx="4015440" cy="2982600"/>
+            <a:ext cx="4015800" cy="2982960"/>
           </a:xfrm>
           <a:prstGeom prst="rect">
             <a:avLst/>
@@ -5151,8 +5151,8 @@
         </p:nvSpPr>
         <p:spPr>
           <a:xfrm>
-            <a:off x="4673880" y="1203480"/>
-            <a:ext cx="4015440" cy="2982600"/>
+            <a:off x="4674240" y="1203480"/>
+            <a:ext cx="4015800" cy="2982960"/>
           </a:xfrm>
           <a:prstGeom prst="rect">
             <a:avLst/>
@@ -5204,7 +5204,7 @@
         <p:spPr>
           <a:xfrm>
             <a:off x="457200" y="205200"/>
-            <a:ext cx="8228880" cy="858240"/>
+            <a:ext cx="8229240" cy="858600"/>
           </a:xfrm>
           <a:prstGeom prst="rect">
             <a:avLst/>
@@ -5255,7 +5255,7 @@
         <p:spPr>
           <a:xfrm>
             <a:off x="457200" y="205200"/>
-            <a:ext cx="8228880" cy="3979440"/>
+            <a:ext cx="8229240" cy="3981240"/>
           </a:xfrm>
           <a:prstGeom prst="rect">
             <a:avLst/>
@@ -5306,7 +5306,7 @@
         <p:spPr>
           <a:xfrm>
             <a:off x="457200" y="205200"/>
-            <a:ext cx="8228880" cy="858240"/>
+            <a:ext cx="8229240" cy="858600"/>
           </a:xfrm>
           <a:prstGeom prst="rect">
             <a:avLst/>
@@ -5335,7 +5335,7 @@
         <p:spPr>
           <a:xfrm>
             <a:off x="457200" y="1203480"/>
-            <a:ext cx="4015440" cy="1422360"/>
+            <a:ext cx="4015800" cy="1422720"/>
           </a:xfrm>
           <a:prstGeom prst="rect">
             <a:avLst/>
@@ -5364,8 +5364,8 @@
         </p:nvSpPr>
         <p:spPr>
           <a:xfrm>
-            <a:off x="4673880" y="1203480"/>
-            <a:ext cx="4015440" cy="2982600"/>
+            <a:off x="4674240" y="1203480"/>
+            <a:ext cx="4015800" cy="2982960"/>
           </a:xfrm>
           <a:prstGeom prst="rect">
             <a:avLst/>
@@ -5394,8 +5394,8 @@
         </p:nvSpPr>
         <p:spPr>
           <a:xfrm>
-            <a:off x="457200" y="2761200"/>
-            <a:ext cx="4015440" cy="1422360"/>
+            <a:off x="457200" y="2761920"/>
+            <a:ext cx="4015800" cy="1422720"/>
           </a:xfrm>
           <a:prstGeom prst="rect">
             <a:avLst/>
@@ -5447,7 +5447,7 @@
         <p:spPr>
           <a:xfrm>
             <a:off x="457200" y="205200"/>
-            <a:ext cx="8228880" cy="858240"/>
+            <a:ext cx="8229240" cy="858600"/>
           </a:xfrm>
           <a:prstGeom prst="rect">
             <a:avLst/>
@@ -5476,7 +5476,7 @@
         <p:spPr>
           <a:xfrm>
             <a:off x="457200" y="1203480"/>
-            <a:ext cx="4015440" cy="2982600"/>
+            <a:ext cx="4015800" cy="2982960"/>
           </a:xfrm>
           <a:prstGeom prst="rect">
             <a:avLst/>
@@ -5505,8 +5505,8 @@
         </p:nvSpPr>
         <p:spPr>
           <a:xfrm>
-            <a:off x="4673880" y="1203480"/>
-            <a:ext cx="4015440" cy="1422360"/>
+            <a:off x="4674240" y="1203480"/>
+            <a:ext cx="4015800" cy="1422720"/>
           </a:xfrm>
           <a:prstGeom prst="rect">
             <a:avLst/>
@@ -5535,8 +5535,8 @@
         </p:nvSpPr>
         <p:spPr>
           <a:xfrm>
-            <a:off x="4673880" y="2761200"/>
-            <a:ext cx="4015440" cy="1422360"/>
+            <a:off x="4674240" y="2761920"/>
+            <a:ext cx="4015800" cy="1422720"/>
           </a:xfrm>
           <a:prstGeom prst="rect">
             <a:avLst/>
@@ -5588,7 +5588,7 @@
         <p:spPr>
           <a:xfrm>
             <a:off x="457200" y="205200"/>
-            <a:ext cx="8228880" cy="858240"/>
+            <a:ext cx="8229240" cy="858600"/>
           </a:xfrm>
           <a:prstGeom prst="rect">
             <a:avLst/>
@@ -5617,7 +5617,7 @@
         <p:spPr>
           <a:xfrm>
             <a:off x="457200" y="1203480"/>
-            <a:ext cx="4015440" cy="1422360"/>
+            <a:ext cx="4015800" cy="1422720"/>
           </a:xfrm>
           <a:prstGeom prst="rect">
             <a:avLst/>
@@ -5646,8 +5646,8 @@
         </p:nvSpPr>
         <p:spPr>
           <a:xfrm>
-            <a:off x="4673880" y="1203480"/>
-            <a:ext cx="4015440" cy="1422360"/>
+            <a:off x="4674240" y="1203480"/>
+            <a:ext cx="4015800" cy="1422720"/>
           </a:xfrm>
           <a:prstGeom prst="rect">
             <a:avLst/>
@@ -5676,8 +5676,8 @@
         </p:nvSpPr>
         <p:spPr>
           <a:xfrm>
-            <a:off x="457200" y="2761200"/>
-            <a:ext cx="8228880" cy="1422360"/>
+            <a:off x="457200" y="2761920"/>
+            <a:ext cx="8229240" cy="1422720"/>
           </a:xfrm>
           <a:prstGeom prst="rect">
             <a:avLst/>
@@ -5729,7 +5729,7 @@
         <p:spPr>
           <a:xfrm>
             <a:off x="457200" y="205200"/>
-            <a:ext cx="8228880" cy="858240"/>
+            <a:ext cx="8229240" cy="858600"/>
           </a:xfrm>
           <a:prstGeom prst="rect">
             <a:avLst/>
@@ -5758,7 +5758,7 @@
         <p:spPr>
           <a:xfrm>
             <a:off x="457200" y="1203480"/>
-            <a:ext cx="8228880" cy="1422360"/>
+            <a:ext cx="8229240" cy="1422720"/>
           </a:xfrm>
           <a:prstGeom prst="rect">
             <a:avLst/>
@@ -5787,8 +5787,8 @@
         </p:nvSpPr>
         <p:spPr>
           <a:xfrm>
-            <a:off x="457200" y="2761200"/>
-            <a:ext cx="8228880" cy="1422360"/>
+            <a:off x="457200" y="2761920"/>
+            <a:ext cx="8229240" cy="1422720"/>
           </a:xfrm>
           <a:prstGeom prst="rect">
             <a:avLst/>
@@ -5840,7 +5840,7 @@
         <p:spPr>
           <a:xfrm>
             <a:off x="457200" y="205200"/>
-            <a:ext cx="8228880" cy="858240"/>
+            <a:ext cx="8229240" cy="858600"/>
           </a:xfrm>
           <a:prstGeom prst="rect">
             <a:avLst/>
@@ -5869,7 +5869,7 @@
         <p:spPr>
           <a:xfrm>
             <a:off x="457200" y="1203480"/>
-            <a:ext cx="4015440" cy="1422360"/>
+            <a:ext cx="4015800" cy="1422720"/>
           </a:xfrm>
           <a:prstGeom prst="rect">
             <a:avLst/>
@@ -5898,8 +5898,8 @@
         </p:nvSpPr>
         <p:spPr>
           <a:xfrm>
-            <a:off x="4673880" y="1203480"/>
-            <a:ext cx="4015440" cy="1422360"/>
+            <a:off x="4674240" y="1203480"/>
+            <a:ext cx="4015800" cy="1422720"/>
           </a:xfrm>
           <a:prstGeom prst="rect">
             <a:avLst/>
@@ -5928,8 +5928,8 @@
         </p:nvSpPr>
         <p:spPr>
           <a:xfrm>
-            <a:off x="457200" y="2761200"/>
-            <a:ext cx="4015440" cy="1422360"/>
+            <a:off x="457200" y="2761920"/>
+            <a:ext cx="4015800" cy="1422720"/>
           </a:xfrm>
           <a:prstGeom prst="rect">
             <a:avLst/>
@@ -5958,8 +5958,8 @@
         </p:nvSpPr>
         <p:spPr>
           <a:xfrm>
-            <a:off x="4673880" y="2761200"/>
-            <a:ext cx="4015440" cy="1422360"/>
+            <a:off x="4674240" y="2761920"/>
+            <a:ext cx="4015800" cy="1422720"/>
           </a:xfrm>
           <a:prstGeom prst="rect">
             <a:avLst/>
@@ -6011,7 +6011,7 @@
         <p:spPr>
           <a:xfrm>
             <a:off x="457200" y="205200"/>
-            <a:ext cx="8228880" cy="3979440"/>
+            <a:ext cx="8229240" cy="3981240"/>
           </a:xfrm>
           <a:prstGeom prst="rect">
             <a:avLst/>
@@ -6062,7 +6062,7 @@
         <p:spPr>
           <a:xfrm>
             <a:off x="457200" y="205200"/>
-            <a:ext cx="8228880" cy="858240"/>
+            <a:ext cx="8229240" cy="858600"/>
           </a:xfrm>
           <a:prstGeom prst="rect">
             <a:avLst/>
@@ -6091,7 +6091,7 @@
         <p:spPr>
           <a:xfrm>
             <a:off x="457200" y="1203480"/>
-            <a:ext cx="2649600" cy="1422360"/>
+            <a:ext cx="2649600" cy="1422720"/>
           </a:xfrm>
           <a:prstGeom prst="rect">
             <a:avLst/>
@@ -6121,7 +6121,7 @@
         <p:spPr>
           <a:xfrm>
             <a:off x="3239640" y="1203480"/>
-            <a:ext cx="2649600" cy="1422360"/>
+            <a:ext cx="2649600" cy="1422720"/>
           </a:xfrm>
           <a:prstGeom prst="rect">
             <a:avLst/>
@@ -6151,7 +6151,7 @@
         <p:spPr>
           <a:xfrm>
             <a:off x="6022080" y="1203480"/>
-            <a:ext cx="2649600" cy="1422360"/>
+            <a:ext cx="2649600" cy="1422720"/>
           </a:xfrm>
           <a:prstGeom prst="rect">
             <a:avLst/>
@@ -6180,8 +6180,8 @@
         </p:nvSpPr>
         <p:spPr>
           <a:xfrm>
-            <a:off x="457200" y="2761200"/>
-            <a:ext cx="2649600" cy="1422360"/>
+            <a:off x="457200" y="2761920"/>
+            <a:ext cx="2649600" cy="1422720"/>
           </a:xfrm>
           <a:prstGeom prst="rect">
             <a:avLst/>
@@ -6210,8 +6210,8 @@
         </p:nvSpPr>
         <p:spPr>
           <a:xfrm>
-            <a:off x="3239640" y="2761200"/>
-            <a:ext cx="2649600" cy="1422360"/>
+            <a:off x="3239640" y="2761920"/>
+            <a:ext cx="2649600" cy="1422720"/>
           </a:xfrm>
           <a:prstGeom prst="rect">
             <a:avLst/>
@@ -6240,8 +6240,8 @@
         </p:nvSpPr>
         <p:spPr>
           <a:xfrm>
-            <a:off x="6022080" y="2761200"/>
-            <a:ext cx="2649600" cy="1422360"/>
+            <a:off x="6022080" y="2761920"/>
+            <a:ext cx="2649600" cy="1422720"/>
           </a:xfrm>
           <a:prstGeom prst="rect">
             <a:avLst/>
@@ -6293,7 +6293,7 @@
         <p:spPr>
           <a:xfrm>
             <a:off x="457200" y="205200"/>
-            <a:ext cx="8228880" cy="858240"/>
+            <a:ext cx="8229240" cy="858600"/>
           </a:xfrm>
           <a:prstGeom prst="rect">
             <a:avLst/>
@@ -6322,7 +6322,7 @@
         <p:spPr>
           <a:xfrm>
             <a:off x="457200" y="1203480"/>
-            <a:ext cx="4015440" cy="1422360"/>
+            <a:ext cx="4015800" cy="1422720"/>
           </a:xfrm>
           <a:prstGeom prst="rect">
             <a:avLst/>
@@ -6351,8 +6351,8 @@
         </p:nvSpPr>
         <p:spPr>
           <a:xfrm>
-            <a:off x="4673880" y="1203480"/>
-            <a:ext cx="4015440" cy="2982600"/>
+            <a:off x="4674240" y="1203480"/>
+            <a:ext cx="4015800" cy="2982960"/>
           </a:xfrm>
           <a:prstGeom prst="rect">
             <a:avLst/>
@@ -6381,8 +6381,8 @@
         </p:nvSpPr>
         <p:spPr>
           <a:xfrm>
-            <a:off x="457200" y="2761200"/>
-            <a:ext cx="4015440" cy="1422360"/>
+            <a:off x="457200" y="2761920"/>
+            <a:ext cx="4015800" cy="1422720"/>
           </a:xfrm>
           <a:prstGeom prst="rect">
             <a:avLst/>
@@ -6434,7 +6434,7 @@
         <p:spPr>
           <a:xfrm>
             <a:off x="457200" y="205200"/>
-            <a:ext cx="8228880" cy="858240"/>
+            <a:ext cx="8229240" cy="858600"/>
           </a:xfrm>
           <a:prstGeom prst="rect">
             <a:avLst/>
@@ -6463,7 +6463,7 @@
         <p:spPr>
           <a:xfrm>
             <a:off x="457200" y="1203480"/>
-            <a:ext cx="4015440" cy="2982600"/>
+            <a:ext cx="4015800" cy="2982960"/>
           </a:xfrm>
           <a:prstGeom prst="rect">
             <a:avLst/>
@@ -6492,8 +6492,8 @@
         </p:nvSpPr>
         <p:spPr>
           <a:xfrm>
-            <a:off x="4673880" y="1203480"/>
-            <a:ext cx="4015440" cy="1422360"/>
+            <a:off x="4674240" y="1203480"/>
+            <a:ext cx="4015800" cy="1422720"/>
           </a:xfrm>
           <a:prstGeom prst="rect">
             <a:avLst/>
@@ -6522,8 +6522,8 @@
         </p:nvSpPr>
         <p:spPr>
           <a:xfrm>
-            <a:off x="4673880" y="2761200"/>
-            <a:ext cx="4015440" cy="1422360"/>
+            <a:off x="4674240" y="2761920"/>
+            <a:ext cx="4015800" cy="1422720"/>
           </a:xfrm>
           <a:prstGeom prst="rect">
             <a:avLst/>
@@ -6575,7 +6575,7 @@
         <p:spPr>
           <a:xfrm>
             <a:off x="457200" y="205200"/>
-            <a:ext cx="8228880" cy="858240"/>
+            <a:ext cx="8229240" cy="858600"/>
           </a:xfrm>
           <a:prstGeom prst="rect">
             <a:avLst/>
@@ -6604,7 +6604,7 @@
         <p:spPr>
           <a:xfrm>
             <a:off x="457200" y="1203480"/>
-            <a:ext cx="4015440" cy="1422360"/>
+            <a:ext cx="4015800" cy="1422720"/>
           </a:xfrm>
           <a:prstGeom prst="rect">
             <a:avLst/>
@@ -6633,8 +6633,8 @@
         </p:nvSpPr>
         <p:spPr>
           <a:xfrm>
-            <a:off x="4673880" y="1203480"/>
-            <a:ext cx="4015440" cy="1422360"/>
+            <a:off x="4674240" y="1203480"/>
+            <a:ext cx="4015800" cy="1422720"/>
           </a:xfrm>
           <a:prstGeom prst="rect">
             <a:avLst/>
@@ -6663,8 +6663,8 @@
         </p:nvSpPr>
         <p:spPr>
           <a:xfrm>
-            <a:off x="457200" y="2761200"/>
-            <a:ext cx="8228880" cy="1422360"/>
+            <a:off x="457200" y="2761920"/>
+            <a:ext cx="8229240" cy="1422720"/>
           </a:xfrm>
           <a:prstGeom prst="rect">
             <a:avLst/>
@@ -6737,49 +6737,7 @@
               <a:rPr b="0" lang="en-US" sz="4400" spc="-1" strike="noStrike">
                 <a:latin typeface="Arial"/>
               </a:rPr>
-              <a:t>Clic</a:t>
-            </a:r>
-            <a:r>
-              <a:rPr b="0" lang="en-US" sz="4400" spc="-1" strike="noStrike">
-                <a:latin typeface="Arial"/>
-              </a:rPr>
-              <a:t>k to </a:t>
-            </a:r>
-            <a:r>
-              <a:rPr b="0" lang="en-US" sz="4400" spc="-1" strike="noStrike">
-                <a:latin typeface="Arial"/>
-              </a:rPr>
-              <a:t>edit </a:t>
-            </a:r>
-            <a:r>
-              <a:rPr b="0" lang="en-US" sz="4400" spc="-1" strike="noStrike">
-                <a:latin typeface="Arial"/>
-              </a:rPr>
-              <a:t>the </a:t>
-            </a:r>
-            <a:r>
-              <a:rPr b="0" lang="en-US" sz="4400" spc="-1" strike="noStrike">
-                <a:latin typeface="Arial"/>
-              </a:rPr>
-              <a:t>title </a:t>
-            </a:r>
-            <a:r>
-              <a:rPr b="0" lang="en-US" sz="4400" spc="-1" strike="noStrike">
-                <a:latin typeface="Arial"/>
-              </a:rPr>
-              <a:t>text </a:t>
-            </a:r>
-            <a:r>
-              <a:rPr b="0" lang="en-US" sz="4400" spc="-1" strike="noStrike">
-                <a:latin typeface="Arial"/>
-              </a:rPr>
-              <a:t>for</a:t>
-            </a:r>
-            <a:r>
-              <a:rPr b="0" lang="en-US" sz="4400" spc="-1" strike="noStrike">
-                <a:latin typeface="Arial"/>
-              </a:rPr>
-              <a:t>mat</a:t>
+              <a:t>Click to edit the title text format</a:t>
             </a:r>
             <a:endParaRPr b="0" lang="en-US" sz="4400" spc="-1" strike="noStrike">
               <a:latin typeface="Arial"/>
@@ -7277,7 +7235,7 @@
         <p:spPr>
           <a:xfrm>
             <a:off x="-14760" y="842760"/>
-            <a:ext cx="9159840" cy="360"/>
+            <a:ext cx="9159480" cy="360"/>
           </a:xfrm>
           <a:custGeom>
             <a:avLst/>
@@ -7319,7 +7277,7 @@
         <p:spPr>
           <a:xfrm>
             <a:off x="292320" y="4749840"/>
-            <a:ext cx="8441640" cy="360"/>
+            <a:ext cx="8441280" cy="360"/>
           </a:xfrm>
           <a:custGeom>
             <a:avLst/>
@@ -7343,8 +7301,8 @@
               <a:schemeClr val="dk2"/>
             </a:solidFill>
             <a:custDash>
-              <a:ds d="2900000" sp="2200000"/>
-              <a:ds d="100000" sp="2200000"/>
+              <a:ds d="3900000" sp="2900000"/>
+              <a:ds d="100000" sp="2900000"/>
             </a:custDash>
             <a:round/>
           </a:ln>
@@ -7616,7 +7574,95 @@
       </p:grpSpPr>
       <p:sp>
         <p:nvSpPr>
-          <p:cNvPr id="116" name="PlaceHolder 1"/>
+          <p:cNvPr id="116" name="CustomShape 1"/>
+          <p:cNvSpPr/>
+          <p:nvPr/>
+        </p:nvSpPr>
+        <p:spPr>
+          <a:xfrm>
+            <a:off x="-14760" y="842760"/>
+            <a:ext cx="9161640" cy="360"/>
+          </a:xfrm>
+          <a:custGeom>
+            <a:avLst/>
+            <a:gdLst/>
+            <a:ahLst/>
+            <a:rect l="l" t="t" r="r" b="b"/>
+            <a:pathLst>
+              <a:path w="21600" h="21600">
+                <a:moveTo>
+                  <a:pt x="0" y="0"/>
+                </a:moveTo>
+                <a:lnTo>
+                  <a:pt x="21600" y="21600"/>
+                </a:lnTo>
+              </a:path>
+            </a:pathLst>
+          </a:custGeom>
+          <a:noFill/>
+          <a:ln w="19080">
+            <a:solidFill>
+              <a:schemeClr val="dk2"/>
+            </a:solidFill>
+            <a:round/>
+          </a:ln>
+        </p:spPr>
+        <p:style>
+          <a:lnRef idx="0"/>
+          <a:fillRef idx="0"/>
+          <a:effectRef idx="0"/>
+          <a:fontRef idx="minor"/>
+        </p:style>
+      </p:sp>
+      <p:sp>
+        <p:nvSpPr>
+          <p:cNvPr id="117" name="CustomShape 2"/>
+          <p:cNvSpPr/>
+          <p:nvPr/>
+        </p:nvSpPr>
+        <p:spPr>
+          <a:xfrm>
+            <a:off x="292320" y="4749840"/>
+            <a:ext cx="8443440" cy="360"/>
+          </a:xfrm>
+          <a:custGeom>
+            <a:avLst/>
+            <a:gdLst/>
+            <a:ahLst/>
+            <a:rect l="l" t="t" r="r" b="b"/>
+            <a:pathLst>
+              <a:path w="21600" h="21600">
+                <a:moveTo>
+                  <a:pt x="0" y="0"/>
+                </a:moveTo>
+                <a:lnTo>
+                  <a:pt x="21600" y="21600"/>
+                </a:lnTo>
+              </a:path>
+            </a:pathLst>
+          </a:custGeom>
+          <a:noFill/>
+          <a:ln cap="rnd" w="9360">
+            <a:solidFill>
+              <a:schemeClr val="dk2"/>
+            </a:solidFill>
+            <a:custDash>
+              <a:ds d="800000" sp="600000"/>
+              <a:ds d="100000" sp="600000"/>
+            </a:custDash>
+            <a:round/>
+          </a:ln>
+        </p:spPr>
+        <p:style>
+          <a:lnRef idx="0"/>
+          <a:fillRef idx="0"/>
+          <a:effectRef idx="0"/>
+          <a:fontRef idx="minor"/>
+        </p:style>
+      </p:sp>
+      <p:sp>
+        <p:nvSpPr>
+          <p:cNvPr id="118" name="PlaceHolder 3"/>
           <p:cNvSpPr>
             <a:spLocks noGrp="1"/>
           </p:cNvSpPr>
@@ -7627,7 +7673,7 @@
         <p:spPr>
           <a:xfrm>
             <a:off x="457200" y="205200"/>
-            <a:ext cx="8228880" cy="858240"/>
+            <a:ext cx="8228520" cy="857880"/>
           </a:xfrm>
           <a:prstGeom prst="rect">
             <a:avLst/>
@@ -7650,7 +7696,7 @@
       </p:sp>
       <p:sp>
         <p:nvSpPr>
-          <p:cNvPr id="117" name="PlaceHolder 2"/>
+          <p:cNvPr id="119" name="PlaceHolder 4"/>
           <p:cNvSpPr>
             <a:spLocks noGrp="1"/>
           </p:cNvSpPr>
@@ -7661,7 +7707,186 @@
         <p:spPr>
           <a:xfrm>
             <a:off x="457200" y="1203480"/>
-            <a:ext cx="8228880" cy="2982600"/>
+            <a:ext cx="4015080" cy="2982240"/>
+          </a:xfrm>
+          <a:prstGeom prst="rect">
+            <a:avLst/>
+          </a:prstGeom>
+        </p:spPr>
+        <p:txBody>
+          <a:bodyPr lIns="0" rIns="0" tIns="0" bIns="0">
+            <a:normAutofit/>
+          </a:bodyPr>
+          <a:p>
+            <a:pPr marL="432000" indent="-324000">
+              <a:spcBef>
+                <a:spcPts val="1417"/>
+              </a:spcBef>
+              <a:buClr>
+                <a:srgbClr val="000000"/>
+              </a:buClr>
+              <a:buSzPct val="45000"/>
+              <a:buFont typeface="Wingdings" charset="2"/>
+              <a:buChar char=""/>
+            </a:pPr>
+            <a:r>
+              <a:rPr b="0" lang="en-US" sz="1800" spc="-1" strike="noStrike">
+                <a:latin typeface="Arial"/>
+              </a:rPr>
+              <a:t>Click to edit the outline text format</a:t>
+            </a:r>
+            <a:endParaRPr b="0" lang="en-US" sz="1800" spc="-1" strike="noStrike">
+              <a:latin typeface="Arial"/>
+            </a:endParaRPr>
+          </a:p>
+          <a:p>
+            <a:pPr lvl="1" marL="864000" indent="-324000">
+              <a:spcBef>
+                <a:spcPts val="1134"/>
+              </a:spcBef>
+              <a:buClr>
+                <a:srgbClr val="000000"/>
+              </a:buClr>
+              <a:buSzPct val="75000"/>
+              <a:buFont typeface="Symbol" charset="2"/>
+              <a:buChar char=""/>
+            </a:pPr>
+            <a:r>
+              <a:rPr b="0" lang="en-US" sz="1800" spc="-1" strike="noStrike">
+                <a:latin typeface="Arial"/>
+              </a:rPr>
+              <a:t>Second Outline Level</a:t>
+            </a:r>
+            <a:endParaRPr b="0" lang="en-US" sz="1800" spc="-1" strike="noStrike">
+              <a:latin typeface="Arial"/>
+            </a:endParaRPr>
+          </a:p>
+          <a:p>
+            <a:pPr lvl="2" marL="1296000" indent="-288000">
+              <a:spcBef>
+                <a:spcPts val="850"/>
+              </a:spcBef>
+              <a:buClr>
+                <a:srgbClr val="000000"/>
+              </a:buClr>
+              <a:buSzPct val="45000"/>
+              <a:buFont typeface="Wingdings" charset="2"/>
+              <a:buChar char=""/>
+            </a:pPr>
+            <a:r>
+              <a:rPr b="0" lang="en-US" sz="1800" spc="-1" strike="noStrike">
+                <a:latin typeface="Arial"/>
+              </a:rPr>
+              <a:t>Third Outline Level</a:t>
+            </a:r>
+            <a:endParaRPr b="0" lang="en-US" sz="1800" spc="-1" strike="noStrike">
+              <a:latin typeface="Arial"/>
+            </a:endParaRPr>
+          </a:p>
+          <a:p>
+            <a:pPr lvl="3" marL="1728000" indent="-216000">
+              <a:spcBef>
+                <a:spcPts val="567"/>
+              </a:spcBef>
+              <a:buClr>
+                <a:srgbClr val="000000"/>
+              </a:buClr>
+              <a:buSzPct val="75000"/>
+              <a:buFont typeface="Symbol" charset="2"/>
+              <a:buChar char=""/>
+            </a:pPr>
+            <a:r>
+              <a:rPr b="0" lang="en-US" sz="1800" spc="-1" strike="noStrike">
+                <a:latin typeface="Arial"/>
+              </a:rPr>
+              <a:t>Fourth Outline Level</a:t>
+            </a:r>
+            <a:endParaRPr b="0" lang="en-US" sz="1800" spc="-1" strike="noStrike">
+              <a:latin typeface="Arial"/>
+            </a:endParaRPr>
+          </a:p>
+          <a:p>
+            <a:pPr lvl="4" marL="2160000" indent="-216000">
+              <a:spcBef>
+                <a:spcPts val="283"/>
+              </a:spcBef>
+              <a:buClr>
+                <a:srgbClr val="000000"/>
+              </a:buClr>
+              <a:buSzPct val="45000"/>
+              <a:buFont typeface="Wingdings" charset="2"/>
+              <a:buChar char=""/>
+            </a:pPr>
+            <a:r>
+              <a:rPr b="0" lang="en-US" sz="1800" spc="-1" strike="noStrike">
+                <a:latin typeface="Arial"/>
+              </a:rPr>
+              <a:t>Fifth Outline Level</a:t>
+            </a:r>
+            <a:endParaRPr b="0" lang="en-US" sz="1800" spc="-1" strike="noStrike">
+              <a:latin typeface="Arial"/>
+            </a:endParaRPr>
+          </a:p>
+          <a:p>
+            <a:pPr lvl="5" marL="2592000" indent="-216000">
+              <a:spcBef>
+                <a:spcPts val="283"/>
+              </a:spcBef>
+              <a:buClr>
+                <a:srgbClr val="000000"/>
+              </a:buClr>
+              <a:buSzPct val="45000"/>
+              <a:buFont typeface="Wingdings" charset="2"/>
+              <a:buChar char=""/>
+            </a:pPr>
+            <a:r>
+              <a:rPr b="0" lang="en-US" sz="1800" spc="-1" strike="noStrike">
+                <a:latin typeface="Arial"/>
+              </a:rPr>
+              <a:t>Sixth Outline Level</a:t>
+            </a:r>
+            <a:endParaRPr b="0" lang="en-US" sz="1800" spc="-1" strike="noStrike">
+              <a:latin typeface="Arial"/>
+            </a:endParaRPr>
+          </a:p>
+          <a:p>
+            <a:pPr lvl="6" marL="3024000" indent="-216000">
+              <a:spcBef>
+                <a:spcPts val="283"/>
+              </a:spcBef>
+              <a:buClr>
+                <a:srgbClr val="000000"/>
+              </a:buClr>
+              <a:buSzPct val="45000"/>
+              <a:buFont typeface="Wingdings" charset="2"/>
+              <a:buChar char=""/>
+            </a:pPr>
+            <a:r>
+              <a:rPr b="0" lang="en-US" sz="1800" spc="-1" strike="noStrike">
+                <a:latin typeface="Arial"/>
+              </a:rPr>
+              <a:t>Seventh Outline Level</a:t>
+            </a:r>
+            <a:endParaRPr b="0" lang="en-US" sz="1800" spc="-1" strike="noStrike">
+              <a:latin typeface="Arial"/>
+            </a:endParaRPr>
+          </a:p>
+        </p:txBody>
+      </p:sp>
+      <p:sp>
+        <p:nvSpPr>
+          <p:cNvPr id="120" name="PlaceHolder 5"/>
+          <p:cNvSpPr>
+            <a:spLocks noGrp="1"/>
+          </p:cNvSpPr>
+          <p:nvPr>
+            <p:ph type="body"/>
+          </p:nvPr>
+        </p:nvSpPr>
+        <p:spPr>
+          <a:xfrm>
+            <a:off x="4673880" y="1203480"/>
+            <a:ext cx="4015080" cy="2982240"/>
           </a:xfrm>
           <a:prstGeom prst="rect">
             <a:avLst/>
@@ -7873,95 +8098,7 @@
       </p:grpSpPr>
       <p:sp>
         <p:nvSpPr>
-          <p:cNvPr id="154" name="CustomShape 1"/>
-          <p:cNvSpPr/>
-          <p:nvPr/>
-        </p:nvSpPr>
-        <p:spPr>
-          <a:xfrm>
-            <a:off x="-14760" y="842760"/>
-            <a:ext cx="9162000" cy="360"/>
-          </a:xfrm>
-          <a:custGeom>
-            <a:avLst/>
-            <a:gdLst/>
-            <a:ahLst/>
-            <a:rect l="l" t="t" r="r" b="b"/>
-            <a:pathLst>
-              <a:path w="21600" h="21600">
-                <a:moveTo>
-                  <a:pt x="0" y="0"/>
-                </a:moveTo>
-                <a:lnTo>
-                  <a:pt x="21600" y="21600"/>
-                </a:lnTo>
-              </a:path>
-            </a:pathLst>
-          </a:custGeom>
-          <a:noFill/>
-          <a:ln w="19080">
-            <a:solidFill>
-              <a:schemeClr val="dk2"/>
-            </a:solidFill>
-            <a:round/>
-          </a:ln>
-        </p:spPr>
-        <p:style>
-          <a:lnRef idx="0"/>
-          <a:fillRef idx="0"/>
-          <a:effectRef idx="0"/>
-          <a:fontRef idx="minor"/>
-        </p:style>
-      </p:sp>
-      <p:sp>
-        <p:nvSpPr>
-          <p:cNvPr id="155" name="CustomShape 2"/>
-          <p:cNvSpPr/>
-          <p:nvPr/>
-        </p:nvSpPr>
-        <p:spPr>
-          <a:xfrm>
-            <a:off x="292320" y="4749840"/>
-            <a:ext cx="8443800" cy="360"/>
-          </a:xfrm>
-          <a:custGeom>
-            <a:avLst/>
-            <a:gdLst/>
-            <a:ahLst/>
-            <a:rect l="l" t="t" r="r" b="b"/>
-            <a:pathLst>
-              <a:path w="21600" h="21600">
-                <a:moveTo>
-                  <a:pt x="0" y="0"/>
-                </a:moveTo>
-                <a:lnTo>
-                  <a:pt x="21600" y="21600"/>
-                </a:lnTo>
-              </a:path>
-            </a:pathLst>
-          </a:custGeom>
-          <a:noFill/>
-          <a:ln cap="rnd" w="9360">
-            <a:solidFill>
-              <a:schemeClr val="dk2"/>
-            </a:solidFill>
-            <a:custDash>
-              <a:ds d="600000" sp="500000"/>
-              <a:ds d="100000" sp="500000"/>
-            </a:custDash>
-            <a:round/>
-          </a:ln>
-        </p:spPr>
-        <p:style>
-          <a:lnRef idx="0"/>
-          <a:fillRef idx="0"/>
-          <a:effectRef idx="0"/>
-          <a:fontRef idx="minor"/>
-        </p:style>
-      </p:sp>
-      <p:sp>
-        <p:nvSpPr>
-          <p:cNvPr id="156" name="PlaceHolder 3"/>
+          <p:cNvPr id="157" name="PlaceHolder 1"/>
           <p:cNvSpPr>
             <a:spLocks noGrp="1"/>
           </p:cNvSpPr>
@@ -7972,7 +8109,7 @@
         <p:spPr>
           <a:xfrm>
             <a:off x="457200" y="205200"/>
-            <a:ext cx="8228880" cy="858240"/>
+            <a:ext cx="8229240" cy="858600"/>
           </a:xfrm>
           <a:prstGeom prst="rect">
             <a:avLst/>
@@ -7981,81 +8118,22 @@
         <p:txBody>
           <a:bodyPr lIns="0" rIns="0" tIns="0" bIns="0" anchor="ctr"/>
           <a:p>
+            <a:pPr algn="ctr"/>
             <a:r>
-              <a:rPr b="0" lang="en-US" sz="1800" spc="-1" strike="noStrike">
+              <a:rPr b="0" lang="en-US" sz="4400" spc="-1" strike="noStrike">
                 <a:latin typeface="Arial"/>
               </a:rPr>
-              <a:t>Cli</a:t>
+              <a:t>Click to edit the title text format</a:t>
             </a:r>
-            <a:r>
-              <a:rPr b="0" lang="en-US" sz="1800" spc="-1" strike="noStrike">
-                <a:latin typeface="Arial"/>
-              </a:rPr>
-              <a:t>ck </a:t>
-            </a:r>
-            <a:r>
-              <a:rPr b="0" lang="en-US" sz="1800" spc="-1" strike="noStrike">
-                <a:latin typeface="Arial"/>
-              </a:rPr>
-              <a:t>to </a:t>
-            </a:r>
-            <a:r>
-              <a:rPr b="0" lang="en-US" sz="1800" spc="-1" strike="noStrike">
-                <a:latin typeface="Arial"/>
-              </a:rPr>
-              <a:t>edit </a:t>
-            </a:r>
-            <a:r>
-              <a:rPr b="0" lang="en-US" sz="1800" spc="-1" strike="noStrike">
-                <a:latin typeface="Arial"/>
-              </a:rPr>
-              <a:t>the </a:t>
-            </a:r>
-            <a:r>
-              <a:rPr b="0" lang="en-US" sz="1800" spc="-1" strike="noStrike">
-                <a:latin typeface="Arial"/>
-              </a:rPr>
-              <a:t>title </a:t>
-            </a:r>
-            <a:r>
-              <a:rPr b="0" lang="en-US" sz="1800" spc="-1" strike="noStrike">
-                <a:latin typeface="Arial"/>
-              </a:rPr>
-              <a:t>tex</a:t>
-            </a:r>
-            <a:r>
-              <a:rPr b="0" lang="en-US" sz="1800" spc="-1" strike="noStrike">
-                <a:latin typeface="Arial"/>
-              </a:rPr>
-              <a:t>t </a:t>
-            </a:r>
-            <a:r>
-              <a:rPr b="0" lang="en-US" sz="1800" spc="-1" strike="noStrike">
-                <a:latin typeface="Arial"/>
-              </a:rPr>
-              <a:t>for</a:t>
-            </a:r>
-            <a:r>
-              <a:rPr b="0" lang="en-US" sz="1800" spc="-1" strike="noStrike">
-                <a:latin typeface="Arial"/>
-              </a:rPr>
-              <a:t>ma</a:t>
-            </a:r>
-            <a:r>
-              <a:rPr b="0" lang="en-US" sz="1800" spc="-1" strike="noStrike">
-                <a:latin typeface="Arial"/>
-              </a:rPr>
-              <a:t>t</a:t>
-            </a:r>
-            <a:endParaRPr b="0" lang="en-US" sz="1800" spc="-1" strike="noStrike">
-              <a:latin typeface="Arial"/>
-            </a:endParaRPr>
-          </a:p>
-        </p:txBody>
-      </p:sp>
-      <p:sp>
-        <p:nvSpPr>
-          <p:cNvPr id="157" name="PlaceHolder 4"/>
+            <a:endParaRPr b="0" lang="en-US" sz="4400" spc="-1" strike="noStrike">
+              <a:latin typeface="Arial"/>
+            </a:endParaRPr>
+          </a:p>
+        </p:txBody>
+      </p:sp>
+      <p:sp>
+        <p:nvSpPr>
+          <p:cNvPr id="158" name="PlaceHolder 2"/>
           <p:cNvSpPr>
             <a:spLocks noGrp="1"/>
           </p:cNvSpPr>
@@ -8066,7 +8144,7 @@
         <p:spPr>
           <a:xfrm>
             <a:off x="457200" y="1203480"/>
-            <a:ext cx="4015440" cy="2982600"/>
+            <a:ext cx="8229240" cy="2982960"/>
           </a:xfrm>
           <a:prstGeom prst="rect">
             <a:avLst/>
@@ -8089,12 +8167,12 @@
               <a:buChar char=""/>
             </a:pPr>
             <a:r>
-              <a:rPr b="0" lang="en-US" sz="1800" spc="-1" strike="noStrike">
+              <a:rPr b="0" lang="en-US" sz="3200" spc="-1" strike="noStrike">
                 <a:latin typeface="Arial"/>
               </a:rPr>
               <a:t>Click to edit the outline text format</a:t>
             </a:r>
-            <a:endParaRPr b="0" lang="en-US" sz="1800" spc="-1" strike="noStrike">
+            <a:endParaRPr b="0" lang="en-US" sz="3200" spc="-1" strike="noStrike">
               <a:latin typeface="Arial"/>
             </a:endParaRPr>
           </a:p>
@@ -8111,12 +8189,12 @@
               <a:buChar char=""/>
             </a:pPr>
             <a:r>
-              <a:rPr b="0" lang="en-US" sz="1800" spc="-1" strike="noStrike">
+              <a:rPr b="0" lang="en-US" sz="2800" spc="-1" strike="noStrike">
                 <a:latin typeface="Arial"/>
               </a:rPr>
               <a:t>Second Outline Level</a:t>
             </a:r>
-            <a:endParaRPr b="0" lang="en-US" sz="1800" spc="-1" strike="noStrike">
+            <a:endParaRPr b="0" lang="en-US" sz="2800" spc="-1" strike="noStrike">
               <a:latin typeface="Arial"/>
             </a:endParaRPr>
           </a:p>
@@ -8133,12 +8211,12 @@
               <a:buChar char=""/>
             </a:pPr>
             <a:r>
-              <a:rPr b="0" lang="en-US" sz="1800" spc="-1" strike="noStrike">
+              <a:rPr b="0" lang="en-US" sz="2400" spc="-1" strike="noStrike">
                 <a:latin typeface="Arial"/>
               </a:rPr>
               <a:t>Third Outline Level</a:t>
             </a:r>
-            <a:endParaRPr b="0" lang="en-US" sz="1800" spc="-1" strike="noStrike">
+            <a:endParaRPr b="0" lang="en-US" sz="2400" spc="-1" strike="noStrike">
               <a:latin typeface="Arial"/>
             </a:endParaRPr>
           </a:p>
@@ -8155,12 +8233,12 @@
               <a:buChar char=""/>
             </a:pPr>
             <a:r>
-              <a:rPr b="0" lang="en-US" sz="1800" spc="-1" strike="noStrike">
+              <a:rPr b="0" lang="en-US" sz="2000" spc="-1" strike="noStrike">
                 <a:latin typeface="Arial"/>
               </a:rPr>
               <a:t>Fourth Outline Level</a:t>
             </a:r>
-            <a:endParaRPr b="0" lang="en-US" sz="1800" spc="-1" strike="noStrike">
+            <a:endParaRPr b="0" lang="en-US" sz="2000" spc="-1" strike="noStrike">
               <a:latin typeface="Arial"/>
             </a:endParaRPr>
           </a:p>
@@ -8177,12 +8255,12 @@
               <a:buChar char=""/>
             </a:pPr>
             <a:r>
-              <a:rPr b="0" lang="en-US" sz="1800" spc="-1" strike="noStrike">
+              <a:rPr b="0" lang="en-US" sz="2000" spc="-1" strike="noStrike">
                 <a:latin typeface="Arial"/>
               </a:rPr>
               <a:t>Fifth Outline Level</a:t>
             </a:r>
-            <a:endParaRPr b="0" lang="en-US" sz="1800" spc="-1" strike="noStrike">
+            <a:endParaRPr b="0" lang="en-US" sz="2000" spc="-1" strike="noStrike">
               <a:latin typeface="Arial"/>
             </a:endParaRPr>
           </a:p>
@@ -8199,12 +8277,12 @@
               <a:buChar char=""/>
             </a:pPr>
             <a:r>
-              <a:rPr b="0" lang="en-US" sz="1800" spc="-1" strike="noStrike">
+              <a:rPr b="0" lang="en-US" sz="2000" spc="-1" strike="noStrike">
                 <a:latin typeface="Arial"/>
               </a:rPr>
               <a:t>Sixth Outline Level</a:t>
             </a:r>
-            <a:endParaRPr b="0" lang="en-US" sz="1800" spc="-1" strike="noStrike">
+            <a:endParaRPr b="0" lang="en-US" sz="2000" spc="-1" strike="noStrike">
               <a:latin typeface="Arial"/>
             </a:endParaRPr>
           </a:p>
@@ -8221,191 +8299,12 @@
               <a:buChar char=""/>
             </a:pPr>
             <a:r>
-              <a:rPr b="0" lang="en-US" sz="1800" spc="-1" strike="noStrike">
+              <a:rPr b="0" lang="en-US" sz="2000" spc="-1" strike="noStrike">
                 <a:latin typeface="Arial"/>
               </a:rPr>
               <a:t>Seventh Outline Level</a:t>
             </a:r>
-            <a:endParaRPr b="0" lang="en-US" sz="1800" spc="-1" strike="noStrike">
-              <a:latin typeface="Arial"/>
-            </a:endParaRPr>
-          </a:p>
-        </p:txBody>
-      </p:sp>
-      <p:sp>
-        <p:nvSpPr>
-          <p:cNvPr id="158" name="PlaceHolder 5"/>
-          <p:cNvSpPr>
-            <a:spLocks noGrp="1"/>
-          </p:cNvSpPr>
-          <p:nvPr>
-            <p:ph type="body"/>
-          </p:nvPr>
-        </p:nvSpPr>
-        <p:spPr>
-          <a:xfrm>
-            <a:off x="4674240" y="1203480"/>
-            <a:ext cx="4015440" cy="2982600"/>
-          </a:xfrm>
-          <a:prstGeom prst="rect">
-            <a:avLst/>
-          </a:prstGeom>
-        </p:spPr>
-        <p:txBody>
-          <a:bodyPr lIns="0" rIns="0" tIns="0" bIns="0">
-            <a:normAutofit/>
-          </a:bodyPr>
-          <a:p>
-            <a:pPr marL="432000" indent="-324000">
-              <a:spcBef>
-                <a:spcPts val="1417"/>
-              </a:spcBef>
-              <a:buClr>
-                <a:srgbClr val="000000"/>
-              </a:buClr>
-              <a:buSzPct val="45000"/>
-              <a:buFont typeface="Wingdings" charset="2"/>
-              <a:buChar char=""/>
-            </a:pPr>
-            <a:r>
-              <a:rPr b="0" lang="en-US" sz="1800" spc="-1" strike="noStrike">
-                <a:latin typeface="Arial"/>
-              </a:rPr>
-              <a:t>Click to edit the outline text format</a:t>
-            </a:r>
-            <a:endParaRPr b="0" lang="en-US" sz="1800" spc="-1" strike="noStrike">
-              <a:latin typeface="Arial"/>
-            </a:endParaRPr>
-          </a:p>
-          <a:p>
-            <a:pPr lvl="1" marL="864000" indent="-324000">
-              <a:spcBef>
-                <a:spcPts val="1134"/>
-              </a:spcBef>
-              <a:buClr>
-                <a:srgbClr val="000000"/>
-              </a:buClr>
-              <a:buSzPct val="75000"/>
-              <a:buFont typeface="Symbol" charset="2"/>
-              <a:buChar char=""/>
-            </a:pPr>
-            <a:r>
-              <a:rPr b="0" lang="en-US" sz="1800" spc="-1" strike="noStrike">
-                <a:latin typeface="Arial"/>
-              </a:rPr>
-              <a:t>Second Outline Level</a:t>
-            </a:r>
-            <a:endParaRPr b="0" lang="en-US" sz="1800" spc="-1" strike="noStrike">
-              <a:latin typeface="Arial"/>
-            </a:endParaRPr>
-          </a:p>
-          <a:p>
-            <a:pPr lvl="2" marL="1296000" indent="-288000">
-              <a:spcBef>
-                <a:spcPts val="850"/>
-              </a:spcBef>
-              <a:buClr>
-                <a:srgbClr val="000000"/>
-              </a:buClr>
-              <a:buSzPct val="45000"/>
-              <a:buFont typeface="Wingdings" charset="2"/>
-              <a:buChar char=""/>
-            </a:pPr>
-            <a:r>
-              <a:rPr b="0" lang="en-US" sz="1800" spc="-1" strike="noStrike">
-                <a:latin typeface="Arial"/>
-              </a:rPr>
-              <a:t>Third Outline Level</a:t>
-            </a:r>
-            <a:endParaRPr b="0" lang="en-US" sz="1800" spc="-1" strike="noStrike">
-              <a:latin typeface="Arial"/>
-            </a:endParaRPr>
-          </a:p>
-          <a:p>
-            <a:pPr lvl="3" marL="1728000" indent="-216000">
-              <a:spcBef>
-                <a:spcPts val="567"/>
-              </a:spcBef>
-              <a:buClr>
-                <a:srgbClr val="000000"/>
-              </a:buClr>
-              <a:buSzPct val="75000"/>
-              <a:buFont typeface="Symbol" charset="2"/>
-              <a:buChar char=""/>
-            </a:pPr>
-            <a:r>
-              <a:rPr b="0" lang="en-US" sz="1800" spc="-1" strike="noStrike">
-                <a:latin typeface="Arial"/>
-              </a:rPr>
-              <a:t>Fourth Outline Level</a:t>
-            </a:r>
-            <a:endParaRPr b="0" lang="en-US" sz="1800" spc="-1" strike="noStrike">
-              <a:latin typeface="Arial"/>
-            </a:endParaRPr>
-          </a:p>
-          <a:p>
-            <a:pPr lvl="4" marL="2160000" indent="-216000">
-              <a:spcBef>
-                <a:spcPts val="283"/>
-              </a:spcBef>
-              <a:buClr>
-                <a:srgbClr val="000000"/>
-              </a:buClr>
-              <a:buSzPct val="45000"/>
-              <a:buFont typeface="Wingdings" charset="2"/>
-              <a:buChar char=""/>
-            </a:pPr>
-            <a:r>
-              <a:rPr b="0" lang="en-US" sz="1800" spc="-1" strike="noStrike">
-                <a:latin typeface="Arial"/>
-              </a:rPr>
-              <a:t>Fifth Outline Level</a:t>
-            </a:r>
-            <a:endParaRPr b="0" lang="en-US" sz="1800" spc="-1" strike="noStrike">
-              <a:latin typeface="Arial"/>
-            </a:endParaRPr>
-          </a:p>
-          <a:p>
-            <a:pPr lvl="5" marL="2592000" indent="-216000">
-              <a:spcBef>
-                <a:spcPts val="283"/>
-              </a:spcBef>
-              <a:buClr>
-                <a:srgbClr val="000000"/>
-              </a:buClr>
-              <a:buSzPct val="45000"/>
-              <a:buFont typeface="Wingdings" charset="2"/>
-              <a:buChar char=""/>
-            </a:pPr>
-            <a:r>
-              <a:rPr b="0" lang="en-US" sz="1800" spc="-1" strike="noStrike">
-                <a:latin typeface="Arial"/>
-              </a:rPr>
-              <a:t>Sixth Outline Level</a:t>
-            </a:r>
-            <a:endParaRPr b="0" lang="en-US" sz="1800" spc="-1" strike="noStrike">
-              <a:latin typeface="Arial"/>
-            </a:endParaRPr>
-          </a:p>
-          <a:p>
-            <a:pPr lvl="6" marL="3024000" indent="-216000">
-              <a:spcBef>
-                <a:spcPts val="283"/>
-              </a:spcBef>
-              <a:buClr>
-                <a:srgbClr val="000000"/>
-              </a:buClr>
-              <a:buSzPct val="45000"/>
-              <a:buFont typeface="Wingdings" charset="2"/>
-              <a:buChar char=""/>
-            </a:pPr>
-            <a:r>
-              <a:rPr b="0" lang="en-US" sz="1800" spc="-1" strike="noStrike">
-                <a:latin typeface="Arial"/>
-              </a:rPr>
-              <a:t>Seventh Outline Level</a:t>
-            </a:r>
-            <a:endParaRPr b="0" lang="en-US" sz="1800" spc="-1" strike="noStrike">
+            <a:endParaRPr b="0" lang="en-US" sz="2000" spc="-1" strike="noStrike">
               <a:latin typeface="Arial"/>
             </a:endParaRPr>
           </a:p>
@@ -8457,7 +8356,7 @@
         <p:spPr>
           <a:xfrm>
             <a:off x="311760" y="744480"/>
-            <a:ext cx="8517600" cy="2049840"/>
+            <a:ext cx="8517240" cy="2049480"/>
           </a:xfrm>
           <a:prstGeom prst="rect">
             <a:avLst/>
@@ -8517,7 +8416,7 @@
         <p:spPr>
           <a:xfrm>
             <a:off x="311760" y="2834280"/>
-            <a:ext cx="8726040" cy="789840"/>
+            <a:ext cx="8725680" cy="789480"/>
           </a:xfrm>
           <a:prstGeom prst="rect">
             <a:avLst/>
@@ -8607,7 +8506,7 @@
         <p:spPr>
           <a:xfrm>
             <a:off x="8472600" y="4663080"/>
-            <a:ext cx="545760" cy="390600"/>
+            <a:ext cx="545400" cy="390240"/>
           </a:xfrm>
           <a:prstGeom prst="rect">
             <a:avLst/>
@@ -8675,14 +8574,14 @@
       </p:grpSpPr>
       <p:sp>
         <p:nvSpPr>
-          <p:cNvPr id="248" name="CustomShape 1"/>
+          <p:cNvPr id="254" name="CustomShape 1"/>
           <p:cNvSpPr/>
           <p:nvPr/>
         </p:nvSpPr>
         <p:spPr>
           <a:xfrm>
-            <a:off x="457200" y="341280"/>
-            <a:ext cx="8228160" cy="434160"/>
+            <a:off x="457200" y="246240"/>
+            <a:ext cx="8227800" cy="624240"/>
           </a:xfrm>
           <a:prstGeom prst="rect">
             <a:avLst/>
@@ -8699,11 +8598,11 @@
           <a:fontRef idx="minor"/>
         </p:style>
         <p:txBody>
-          <a:bodyPr lIns="90000" rIns="90000" tIns="91440" bIns="91440" anchor="b"/>
+          <a:bodyPr lIns="0" rIns="0" tIns="0" bIns="0" anchor="ctr"/>
           <a:p>
             <a:pPr>
               <a:lnSpc>
-                <a:spcPct val="100000"/>
+                <a:spcPct val="90000"/>
               </a:lnSpc>
             </a:pPr>
             <a:r>
@@ -8714,46 +8613,31 @@
                 <a:latin typeface="Arial"/>
                 <a:ea typeface="Arial"/>
               </a:rPr>
-              <a:t>Future Work</a:t>
+              <a:t>Future Work – Demo Results</a:t>
             </a:r>
-            <a:r>
-              <a:rPr b="0" lang="en-US" sz="2800" spc="-1" strike="noStrike">
-                <a:solidFill>
-                  <a:srgbClr val="000000"/>
-                </a:solidFill>
-                <a:latin typeface="Arial"/>
-                <a:ea typeface="Arial"/>
-              </a:rPr>
-              <a:t> - Mining data with RDFRules</a:t>
-            </a:r>
-            <a:endParaRPr b="0" lang="en-US" sz="2800" spc="-1" strike="noStrike">
-              <a:latin typeface="Arial"/>
-            </a:endParaRPr>
-          </a:p>
-        </p:txBody>
-      </p:sp>
-      <p:sp>
-        <p:nvSpPr>
-          <p:cNvPr id="249" name="CustomShape 2"/>
+            <a:endParaRPr b="0" lang="en-US" sz="4400" spc="-1" strike="noStrike">
+              <a:latin typeface="Arial"/>
+            </a:endParaRPr>
+          </a:p>
+        </p:txBody>
+      </p:sp>
+      <p:sp>
+        <p:nvSpPr>
+          <p:cNvPr id="255" name="CustomShape 2"/>
           <p:cNvSpPr/>
           <p:nvPr/>
         </p:nvSpPr>
         <p:spPr>
           <a:xfrm>
-            <a:off x="513360" y="1623960"/>
-            <a:ext cx="1222200" cy="980280"/>
-          </a:xfrm>
-          <a:prstGeom prst="flowChartDocument">
-            <a:avLst/>
-          </a:prstGeom>
-          <a:solidFill>
-            <a:schemeClr val="lt1"/>
-          </a:solidFill>
-          <a:ln w="25560">
-            <a:solidFill>
-              <a:schemeClr val="accent3"/>
-            </a:solidFill>
-            <a:round/>
+            <a:off x="8556840" y="4749840"/>
+            <a:ext cx="547560" cy="392400"/>
+          </a:xfrm>
+          <a:prstGeom prst="rect">
+            <a:avLst/>
+          </a:prstGeom>
+          <a:noFill/>
+          <a:ln>
+            <a:noFill/>
           </a:ln>
         </p:spPr>
         <p:style>
@@ -8763,51 +8647,46 @@
           <a:fontRef idx="minor"/>
         </p:style>
         <p:txBody>
-          <a:bodyPr lIns="90000" rIns="90000" tIns="45000" bIns="45000" anchor="ctr"/>
-          <a:p>
-            <a:pPr algn="ctr">
+          <a:bodyPr lIns="90000" rIns="90000" tIns="91440" bIns="91440"/>
+          <a:p>
+            <a:pPr algn="r">
               <a:lnSpc>
                 <a:spcPct val="100000"/>
               </a:lnSpc>
             </a:pPr>
-            <a:r>
-              <a:rPr b="0" lang="en-US" sz="1800" spc="-1" strike="noStrike">
+            <a:fld id="{F3C12E2C-8D23-4D74-8AC4-524844237EC7}" type="slidenum">
+              <a:rPr b="0" lang="en-US" sz="1300" spc="-1" strike="noStrike">
                 <a:solidFill>
                   <a:srgbClr val="000000"/>
                 </a:solidFill>
                 <a:latin typeface="Arial"/>
                 <a:ea typeface="Arial"/>
               </a:rPr>
-              <a:t>COVID19 KG</a:t>
-            </a:r>
-            <a:endParaRPr b="0" lang="en-US" sz="1800" spc="-1" strike="noStrike">
-              <a:latin typeface="Arial"/>
-            </a:endParaRPr>
-          </a:p>
-        </p:txBody>
-      </p:sp>
-      <p:sp>
-        <p:nvSpPr>
-          <p:cNvPr id="250" name="CustomShape 3"/>
+              <a:t>&lt;number&gt;</a:t>
+            </a:fld>
+            <a:endParaRPr b="0" lang="en-US" sz="1300" spc="-1" strike="noStrike">
+              <a:latin typeface="Arial"/>
+            </a:endParaRPr>
+          </a:p>
+        </p:txBody>
+      </p:sp>
+      <p:sp>
+        <p:nvSpPr>
+          <p:cNvPr id="256" name="CustomShape 3"/>
           <p:cNvSpPr/>
           <p:nvPr/>
         </p:nvSpPr>
         <p:spPr>
           <a:xfrm>
-            <a:off x="2963160" y="1574280"/>
-            <a:ext cx="1413720" cy="1011240"/>
-          </a:xfrm>
-          <a:prstGeom prst="flowChartMultidocument">
-            <a:avLst/>
-          </a:prstGeom>
-          <a:solidFill>
-            <a:schemeClr val="lt1"/>
-          </a:solidFill>
-          <a:ln w="25560">
-            <a:solidFill>
-              <a:schemeClr val="accent5"/>
-            </a:solidFill>
-            <a:round/>
+            <a:off x="97200" y="1103760"/>
+            <a:ext cx="8872920" cy="2998800"/>
+          </a:xfrm>
+          <a:prstGeom prst="rect">
+            <a:avLst/>
+          </a:prstGeom>
+          <a:noFill/>
+          <a:ln>
+            <a:noFill/>
           </a:ln>
         </p:spPr>
         <p:style>
@@ -8817,362 +8696,94 @@
           <a:fontRef idx="minor"/>
         </p:style>
         <p:txBody>
-          <a:bodyPr lIns="90000" rIns="90000" tIns="45000" bIns="45000" anchor="ctr"/>
-          <a:p>
-            <a:pPr algn="ctr">
+          <a:bodyPr lIns="90000" rIns="90000" tIns="91440" bIns="91440"/>
+          <a:p>
+            <a:pPr>
               <a:lnSpc>
                 <a:spcPct val="100000"/>
               </a:lnSpc>
             </a:pPr>
             <a:r>
-              <a:rPr b="0" lang="en-US" sz="1800" spc="-1" strike="noStrike">
+              <a:rPr b="0" lang="en-US" sz="1400" spc="-1" strike="noStrike">
                 <a:solidFill>
                   <a:srgbClr val="000000"/>
                 </a:solidFill>
                 <a:latin typeface="Arial"/>
                 <a:ea typeface="Arial"/>
               </a:rPr>
-              <a:t>TRIPLES</a:t>
+              <a:t>(?a &lt;https://www.ica.org/standards/RiC/ontology#publishedBy&gt; &lt;http://dbpedia.org/resource/Elsevier&gt;) ^ (?b &lt;http://www.w3.org/1999/02/22-rdf-syntax-ns#type&gt; &lt;http://dbpedia.org/ontology/ChemicalCompound&gt;) -&gt; (?a &lt;http://idlab.github.io/covid19#hasConcept&gt; ?b) | support: 81987, headCoverage: 0.04837402115577961, headSize: 1694856</a:t>
             </a:r>
-            <a:endParaRPr b="0" lang="en-US" sz="1800" spc="-1" strike="noStrike">
-              <a:latin typeface="Arial"/>
-            </a:endParaRPr>
-          </a:p>
-        </p:txBody>
-      </p:sp>
-      <p:sp>
-        <p:nvSpPr>
-          <p:cNvPr id="251" name="CustomShape 4"/>
-          <p:cNvSpPr/>
-          <p:nvPr/>
-        </p:nvSpPr>
-        <p:spPr>
-          <a:xfrm>
-            <a:off x="5797800" y="1299240"/>
-            <a:ext cx="2703600" cy="1346760"/>
-          </a:xfrm>
-          <a:prstGeom prst="flowChartProcess">
-            <a:avLst/>
-          </a:prstGeom>
-          <a:solidFill>
-            <a:schemeClr val="accent1"/>
-          </a:solidFill>
-          <a:ln w="25560">
-            <a:solidFill>
-              <a:srgbClr val="395e89"/>
-            </a:solidFill>
-            <a:round/>
-          </a:ln>
-        </p:spPr>
-        <p:style>
-          <a:lnRef idx="0"/>
-          <a:fillRef idx="0"/>
-          <a:effectRef idx="0"/>
-          <a:fontRef idx="minor"/>
-        </p:style>
-        <p:txBody>
-          <a:bodyPr lIns="90000" rIns="90000" tIns="45000" bIns="45000" anchor="ctr"/>
-          <a:p>
-            <a:pPr algn="ctr">
+            <a:endParaRPr b="0" lang="en-US" sz="1400" spc="-1" strike="noStrike">
+              <a:latin typeface="Arial"/>
+            </a:endParaRPr>
+          </a:p>
+          <a:p>
+            <a:pPr>
+              <a:lnSpc>
+                <a:spcPct val="100000"/>
+              </a:lnSpc>
+            </a:pPr>
+            <a:endParaRPr b="0" lang="en-US" sz="1400" spc="-1" strike="noStrike">
+              <a:latin typeface="Arial"/>
+            </a:endParaRPr>
+          </a:p>
+          <a:p>
+            <a:pPr>
               <a:lnSpc>
                 <a:spcPct val="100000"/>
               </a:lnSpc>
             </a:pPr>
             <a:r>
-              <a:rPr b="1" lang="en-US" sz="1600" spc="-1" strike="noStrike">
+              <a:rPr b="0" lang="en-US" sz="1400" spc="-1" strike="noStrike">
                 <a:solidFill>
-                  <a:srgbClr val="ffffff"/>
+                  <a:srgbClr val="000000"/>
                 </a:solidFill>
                 <a:latin typeface="Arial"/>
                 <a:ea typeface="Arial"/>
               </a:rPr>
-              <a:t>Mine</a:t>
+              <a:t>(?a &lt;http://www.w3.org/1999/02/22-rdf-syntax-ns#type&gt; &lt;http://purl.org/spar/fabio/JournalArticle&gt;) ^ (?b &lt;http://www.w3.org/1999/02/22-rdf-syntax-ns#type&gt; &lt;http://dbpedia.org/ontology/ChemicalCompound&gt;) -&gt; (?a &lt;http://idlab.github.io/covid19#hasConcept&gt; ?b) | support: 161969, headCoverage: 0.09556505095418136, headSize: 1694856</a:t>
             </a:r>
-            <a:br/>
-            <a:r>
-              <a:rPr b="0" lang="en-US" sz="1600" spc="-1" strike="noStrike">
-                <a:solidFill>
-                  <a:srgbClr val="ffffff"/>
-                </a:solidFill>
-                <a:latin typeface="Arial"/>
-                <a:ea typeface="Arial"/>
-              </a:rPr>
-              <a:t>only logical rules with default thresholds</a:t>
-            </a:r>
-            <a:endParaRPr b="0" lang="en-US" sz="1600" spc="-1" strike="noStrike">
-              <a:latin typeface="Arial"/>
-            </a:endParaRPr>
-          </a:p>
-        </p:txBody>
-      </p:sp>
-      <p:sp>
-        <p:nvSpPr>
-          <p:cNvPr id="252" name="CustomShape 5"/>
-          <p:cNvSpPr/>
-          <p:nvPr/>
-        </p:nvSpPr>
-        <p:spPr>
-          <a:xfrm>
-            <a:off x="6493320" y="3286800"/>
-            <a:ext cx="1312560" cy="938880"/>
-          </a:xfrm>
-          <a:prstGeom prst="flowChartMultidocument">
-            <a:avLst/>
-          </a:prstGeom>
-          <a:solidFill>
-            <a:schemeClr val="lt1"/>
-          </a:solidFill>
-          <a:ln w="25560">
-            <a:solidFill>
-              <a:schemeClr val="accent5"/>
-            </a:solidFill>
-            <a:round/>
-          </a:ln>
-        </p:spPr>
-        <p:style>
-          <a:lnRef idx="0"/>
-          <a:fillRef idx="0"/>
-          <a:effectRef idx="0"/>
-          <a:fontRef idx="minor"/>
-        </p:style>
-        <p:txBody>
-          <a:bodyPr lIns="90000" rIns="90000" tIns="45000" bIns="45000" anchor="ctr"/>
-          <a:p>
-            <a:pPr algn="ctr">
+            <a:endParaRPr b="0" lang="en-US" sz="1400" spc="-1" strike="noStrike">
+              <a:latin typeface="Arial"/>
+            </a:endParaRPr>
+          </a:p>
+          <a:p>
+            <a:pPr>
+              <a:lnSpc>
+                <a:spcPct val="100000"/>
+              </a:lnSpc>
+            </a:pPr>
+            <a:endParaRPr b="0" lang="en-US" sz="1400" spc="-1" strike="noStrike">
+              <a:latin typeface="Arial"/>
+            </a:endParaRPr>
+          </a:p>
+          <a:p>
+            <a:pPr>
               <a:lnSpc>
                 <a:spcPct val="100000"/>
               </a:lnSpc>
             </a:pPr>
             <a:r>
-              <a:rPr b="0" lang="en-US" sz="1800" spc="-1" strike="noStrike">
+              <a:rPr b="0" lang="en-US" sz="1400" spc="-1" strike="noStrike">
                 <a:solidFill>
                   <a:srgbClr val="000000"/>
                 </a:solidFill>
                 <a:latin typeface="Arial"/>
                 <a:ea typeface="Arial"/>
               </a:rPr>
-              <a:t>Exported</a:t>
+              <a:t>(?a &lt;http://www.w3.org/1999/02/22-rdf-syntax-ns#type&gt; &lt;http://purl.org/spar/fabio/Work&gt;) ^ (?b &lt;http://www.w3.org/1999/02/22-rdf-syntax-ns#type&gt; &lt;http://dbpedia.org/ontology/ChemicalCompound&gt;) -&gt; (?a &lt;http://idlab.github.io/covid19#hasConcept&gt; ?b) | support: 178542, headCoverage: 0.10534346280745975, headSize: 1694856</a:t>
             </a:r>
-            <a:endParaRPr b="0" lang="en-US" sz="1800" spc="-1" strike="noStrike">
-              <a:latin typeface="Arial"/>
-            </a:endParaRPr>
-          </a:p>
-          <a:p>
-            <a:pPr algn="ctr">
+            <a:endParaRPr b="0" lang="en-US" sz="1400" spc="-1" strike="noStrike">
+              <a:latin typeface="Arial"/>
+            </a:endParaRPr>
+          </a:p>
+          <a:p>
+            <a:pPr>
               <a:lnSpc>
                 <a:spcPct val="100000"/>
               </a:lnSpc>
             </a:pPr>
-            <a:r>
-              <a:rPr b="0" lang="en-US" sz="1800" spc="-1" strike="noStrike">
-                <a:solidFill>
-                  <a:srgbClr val="000000"/>
-                </a:solidFill>
-                <a:latin typeface="Arial"/>
-                <a:ea typeface="Arial"/>
-              </a:rPr>
-              <a:t>Rules</a:t>
-            </a:r>
-            <a:endParaRPr b="0" lang="en-US" sz="1800" spc="-1" strike="noStrike">
-              <a:latin typeface="Arial"/>
-            </a:endParaRPr>
-          </a:p>
-        </p:txBody>
-      </p:sp>
-      <p:sp>
-        <p:nvSpPr>
-          <p:cNvPr id="253" name="CustomShape 6"/>
-          <p:cNvSpPr/>
-          <p:nvPr/>
-        </p:nvSpPr>
-        <p:spPr>
-          <a:xfrm>
-            <a:off x="4377600" y="1976400"/>
-            <a:ext cx="1419840" cy="360"/>
-          </a:xfrm>
-          <a:custGeom>
-            <a:avLst/>
-            <a:gdLst/>
-            <a:ahLst/>
-            <a:rect l="l" t="t" r="r" b="b"/>
-            <a:pathLst>
-              <a:path w="21600" h="21600">
-                <a:moveTo>
-                  <a:pt x="0" y="0"/>
-                </a:moveTo>
-                <a:lnTo>
-                  <a:pt x="21600" y="21600"/>
-                </a:lnTo>
-              </a:path>
-            </a:pathLst>
-          </a:custGeom>
-          <a:noFill/>
-          <a:ln w="38160">
-            <a:solidFill>
-              <a:schemeClr val="accent1"/>
-            </a:solidFill>
-            <a:round/>
-            <a:tailEnd len="med" type="triangle" w="med"/>
-          </a:ln>
-          <a:effectLst>
-            <a:outerShdw blurRad="40000" dir="5400000" dist="23000" rotWithShape="0">
-              <a:srgbClr val="000000">
-                <a:alpha val="35000"/>
-              </a:srgbClr>
-            </a:outerShdw>
-          </a:effectLst>
-        </p:spPr>
-        <p:style>
-          <a:lnRef idx="0"/>
-          <a:fillRef idx="0"/>
-          <a:effectRef idx="0"/>
-          <a:fontRef idx="minor"/>
-        </p:style>
-      </p:sp>
-      <p:sp>
-        <p:nvSpPr>
-          <p:cNvPr id="254" name="CustomShape 7"/>
-          <p:cNvSpPr/>
-          <p:nvPr/>
-        </p:nvSpPr>
-        <p:spPr>
-          <a:xfrm>
-            <a:off x="7149960" y="2646720"/>
-            <a:ext cx="360" cy="639360"/>
-          </a:xfrm>
-          <a:custGeom>
-            <a:avLst/>
-            <a:gdLst/>
-            <a:ahLst/>
-            <a:rect l="l" t="t" r="r" b="b"/>
-            <a:pathLst>
-              <a:path w="21600" h="21600">
-                <a:moveTo>
-                  <a:pt x="0" y="0"/>
-                </a:moveTo>
-                <a:lnTo>
-                  <a:pt x="21600" y="21600"/>
-                </a:lnTo>
-              </a:path>
-            </a:pathLst>
-          </a:custGeom>
-          <a:noFill/>
-          <a:ln w="38160">
-            <a:solidFill>
-              <a:schemeClr val="accent1"/>
-            </a:solidFill>
-            <a:round/>
-            <a:tailEnd len="med" type="triangle" w="med"/>
-          </a:ln>
-          <a:effectLst>
-            <a:outerShdw blurRad="40000" dir="5400000" dist="23000" rotWithShape="0">
-              <a:srgbClr val="000000">
-                <a:alpha val="35000"/>
-              </a:srgbClr>
-            </a:outerShdw>
-          </a:effectLst>
-        </p:spPr>
-        <p:style>
-          <a:lnRef idx="0"/>
-          <a:fillRef idx="0"/>
-          <a:effectRef idx="0"/>
-          <a:fontRef idx="minor"/>
-        </p:style>
-      </p:sp>
-      <p:sp>
-        <p:nvSpPr>
-          <p:cNvPr id="255" name="CustomShape 8"/>
-          <p:cNvSpPr/>
-          <p:nvPr/>
-        </p:nvSpPr>
-        <p:spPr>
-          <a:xfrm>
-            <a:off x="1736280" y="1987200"/>
-            <a:ext cx="1226160" cy="360"/>
-          </a:xfrm>
-          <a:custGeom>
-            <a:avLst/>
-            <a:gdLst/>
-            <a:ahLst/>
-            <a:rect l="l" t="t" r="r" b="b"/>
-            <a:pathLst>
-              <a:path w="21600" h="21600">
-                <a:moveTo>
-                  <a:pt x="0" y="0"/>
-                </a:moveTo>
-                <a:lnTo>
-                  <a:pt x="21600" y="21600"/>
-                </a:lnTo>
-              </a:path>
-            </a:pathLst>
-          </a:custGeom>
-          <a:noFill/>
-          <a:ln w="38160">
-            <a:solidFill>
-              <a:schemeClr val="accent1"/>
-            </a:solidFill>
-            <a:round/>
-            <a:tailEnd len="med" type="triangle" w="med"/>
-          </a:ln>
-          <a:effectLst>
-            <a:outerShdw blurRad="40000" dir="5400000" dist="23000" rotWithShape="0">
-              <a:srgbClr val="000000">
-                <a:alpha val="35000"/>
-              </a:srgbClr>
-            </a:outerShdw>
-          </a:effectLst>
-        </p:spPr>
-        <p:style>
-          <a:lnRef idx="0"/>
-          <a:fillRef idx="0"/>
-          <a:effectRef idx="0"/>
-          <a:fontRef idx="minor"/>
-        </p:style>
-      </p:sp>
-      <p:sp>
-        <p:nvSpPr>
-          <p:cNvPr id="256" name="CustomShape 9"/>
-          <p:cNvSpPr/>
-          <p:nvPr/>
-        </p:nvSpPr>
-        <p:spPr>
-          <a:xfrm>
-            <a:off x="8556840" y="4749840"/>
-            <a:ext cx="547920" cy="392760"/>
-          </a:xfrm>
-          <a:prstGeom prst="rect">
-            <a:avLst/>
-          </a:prstGeom>
-          <a:noFill/>
-          <a:ln>
-            <a:noFill/>
-          </a:ln>
-        </p:spPr>
-        <p:style>
-          <a:lnRef idx="0"/>
-          <a:fillRef idx="0"/>
-          <a:effectRef idx="0"/>
-          <a:fontRef idx="minor"/>
-        </p:style>
-        <p:txBody>
-          <a:bodyPr lIns="90000" rIns="90000" tIns="91440" bIns="91440"/>
-          <a:p>
-            <a:pPr algn="r">
-              <a:lnSpc>
-                <a:spcPct val="100000"/>
-              </a:lnSpc>
-            </a:pPr>
-            <a:fld id="{2E35A694-8BF8-413F-9B8C-08E058A52535}" type="slidenum">
-              <a:rPr b="0" lang="en-US" sz="1300" spc="-1" strike="noStrike">
-                <a:solidFill>
-                  <a:srgbClr val="000000"/>
-                </a:solidFill>
-                <a:latin typeface="Arial"/>
-                <a:ea typeface="Arial"/>
-              </a:rPr>
-              <a:t>1</a:t>
-            </a:fld>
-            <a:endParaRPr b="0" lang="en-US" sz="1300" spc="-1" strike="noStrike">
+            <a:endParaRPr b="0" lang="en-US" sz="1400" spc="-1" strike="noStrike">
               <a:latin typeface="Arial"/>
             </a:endParaRPr>
           </a:p>
@@ -9240,7 +8851,7 @@
         <p:spPr>
           <a:xfrm>
             <a:off x="1371600" y="1203480"/>
-            <a:ext cx="6035040" cy="2982600"/>
+            <a:ext cx="6034680" cy="2982240"/>
           </a:xfrm>
           <a:prstGeom prst="rect">
             <a:avLst/>
@@ -9308,7 +8919,7 @@
         <p:spPr>
           <a:xfrm>
             <a:off x="311760" y="444960"/>
-            <a:ext cx="8517600" cy="569880"/>
+            <a:ext cx="8517240" cy="569520"/>
           </a:xfrm>
           <a:prstGeom prst="rect">
             <a:avLst/>
@@ -9357,7 +8968,7 @@
         <p:spPr>
           <a:xfrm>
             <a:off x="311760" y="1152360"/>
-            <a:ext cx="8517600" cy="3413520"/>
+            <a:ext cx="8517240" cy="3413160"/>
           </a:xfrm>
           <a:prstGeom prst="rect">
             <a:avLst/>
@@ -9442,7 +9053,7 @@
         <p:spPr>
           <a:xfrm>
             <a:off x="3202920" y="4643640"/>
-            <a:ext cx="2997000" cy="370800"/>
+            <a:ext cx="2996640" cy="370440"/>
           </a:xfrm>
           <a:prstGeom prst="rect">
             <a:avLst/>
@@ -9468,7 +9079,7 @@
         <p:spPr>
           <a:xfrm>
             <a:off x="8472600" y="4663080"/>
-            <a:ext cx="545760" cy="390600"/>
+            <a:ext cx="545400" cy="390240"/>
           </a:xfrm>
           <a:prstGeom prst="rect">
             <a:avLst/>
@@ -9494,7 +9105,7 @@
         <p:spPr>
           <a:xfrm>
             <a:off x="8557200" y="4749840"/>
-            <a:ext cx="547920" cy="392760"/>
+            <a:ext cx="547560" cy="392400"/>
           </a:xfrm>
           <a:prstGeom prst="rect">
             <a:avLst/>
@@ -9518,7 +9129,7 @@
                 <a:spcPct val="100000"/>
               </a:lnSpc>
             </a:pPr>
-            <a:fld id="{40318FF2-B673-4343-AB5F-6882911EDA8C}" type="slidenum">
+            <a:fld id="{1F503584-E3E0-45C5-86DD-C4D3DE48D573}" type="slidenum">
               <a:rPr b="0" lang="en-US" sz="1300" spc="-1" strike="noStrike">
                 <a:solidFill>
                   <a:srgbClr val="000000"/>
@@ -9526,7 +9137,7 @@
                 <a:latin typeface="Arial"/>
                 <a:ea typeface="Arial"/>
               </a:rPr>
-              <a:t>1</a:t>
+              <a:t>&lt;number&gt;</a:t>
             </a:fld>
             <a:endParaRPr b="0" lang="en-US" sz="1300" spc="-1" strike="noStrike">
               <a:latin typeface="Arial"/>
@@ -9592,7 +9203,7 @@
         <p:spPr>
           <a:xfrm>
             <a:off x="311760" y="444960"/>
-            <a:ext cx="8517600" cy="569880"/>
+            <a:ext cx="8517240" cy="569520"/>
           </a:xfrm>
           <a:prstGeom prst="rect">
             <a:avLst/>
@@ -9641,7 +9252,7 @@
         <p:spPr>
           <a:xfrm>
             <a:off x="311760" y="1152360"/>
-            <a:ext cx="8517600" cy="3413520"/>
+            <a:ext cx="8517240" cy="3413160"/>
           </a:xfrm>
           <a:prstGeom prst="rect">
             <a:avLst/>
@@ -9671,7 +9282,7 @@
         <p:spPr>
           <a:xfrm>
             <a:off x="225000" y="1152360"/>
-            <a:ext cx="7638120" cy="3382560"/>
+            <a:ext cx="7637760" cy="3382200"/>
           </a:xfrm>
           <a:prstGeom prst="rect">
             <a:avLst/>
@@ -9690,7 +9301,7 @@
         <p:spPr>
           <a:xfrm>
             <a:off x="8472600" y="4663080"/>
-            <a:ext cx="545760" cy="390600"/>
+            <a:ext cx="545400" cy="390240"/>
           </a:xfrm>
           <a:prstGeom prst="rect">
             <a:avLst/>
@@ -9716,7 +9327,7 @@
         <p:spPr>
           <a:xfrm>
             <a:off x="8557200" y="4749840"/>
-            <a:ext cx="547920" cy="392760"/>
+            <a:ext cx="547560" cy="392400"/>
           </a:xfrm>
           <a:prstGeom prst="rect">
             <a:avLst/>
@@ -9740,7 +9351,7 @@
                 <a:spcPct val="100000"/>
               </a:lnSpc>
             </a:pPr>
-            <a:fld id="{8D2FCDF5-DE16-4B3F-A2C1-1225A639D94D}" type="slidenum">
+            <a:fld id="{100768D5-C476-4B64-B34C-9AE49CC21FC4}" type="slidenum">
               <a:rPr b="0" lang="en-US" sz="1300" spc="-1" strike="noStrike">
                 <a:solidFill>
                   <a:srgbClr val="000000"/>
@@ -9748,7 +9359,7 @@
                 <a:latin typeface="Arial"/>
                 <a:ea typeface="Arial"/>
               </a:rPr>
-              <a:t>1</a:t>
+              <a:t>&lt;number&gt;</a:t>
             </a:fld>
             <a:endParaRPr b="0" lang="en-US" sz="1300" spc="-1" strike="noStrike">
               <a:latin typeface="Arial"/>
@@ -9814,7 +9425,7 @@
         <p:spPr>
           <a:xfrm>
             <a:off x="311760" y="444960"/>
-            <a:ext cx="8517600" cy="569880"/>
+            <a:ext cx="8517240" cy="569520"/>
           </a:xfrm>
           <a:prstGeom prst="rect">
             <a:avLst/>
@@ -9840,7 +9451,7 @@
         <p:spPr>
           <a:xfrm>
             <a:off x="311760" y="1152360"/>
-            <a:ext cx="8517600" cy="3413520"/>
+            <a:ext cx="8517240" cy="3413160"/>
           </a:xfrm>
           <a:prstGeom prst="rect">
             <a:avLst/>
@@ -9866,7 +9477,7 @@
         <p:spPr>
           <a:xfrm>
             <a:off x="8472600" y="4663080"/>
-            <a:ext cx="545760" cy="390600"/>
+            <a:ext cx="545400" cy="390240"/>
           </a:xfrm>
           <a:prstGeom prst="rect">
             <a:avLst/>
@@ -9896,7 +9507,7 @@
         <p:spPr>
           <a:xfrm>
             <a:off x="548640" y="1097280"/>
-            <a:ext cx="7830000" cy="3291120"/>
+            <a:ext cx="7829640" cy="3290760"/>
           </a:xfrm>
           <a:prstGeom prst="rect">
             <a:avLst/>
@@ -9915,7 +9526,7 @@
         <p:spPr>
           <a:xfrm>
             <a:off x="8557200" y="4749840"/>
-            <a:ext cx="547920" cy="392760"/>
+            <a:ext cx="547560" cy="392400"/>
           </a:xfrm>
           <a:prstGeom prst="rect">
             <a:avLst/>
@@ -9939,7 +9550,7 @@
                 <a:spcPct val="100000"/>
               </a:lnSpc>
             </a:pPr>
-            <a:fld id="{6B238F70-9314-4E0E-89B8-DE21AB1B4564}" type="slidenum">
+            <a:fld id="{AD682A55-B635-4BDC-9940-7D66687D30DF}" type="slidenum">
               <a:rPr b="0" lang="en-US" sz="1300" spc="-1" strike="noStrike">
                 <a:solidFill>
                   <a:srgbClr val="000000"/>
@@ -9947,7 +9558,7 @@
                 <a:latin typeface="Arial"/>
                 <a:ea typeface="Arial"/>
               </a:rPr>
-              <a:t>1</a:t>
+              <a:t>&lt;number&gt;</a:t>
             </a:fld>
             <a:endParaRPr b="0" lang="en-US" sz="1300" spc="-1" strike="noStrike">
               <a:latin typeface="Arial"/>
@@ -10013,7 +9624,7 @@
         <p:spPr>
           <a:xfrm>
             <a:off x="311760" y="444960"/>
-            <a:ext cx="8517600" cy="569880"/>
+            <a:ext cx="8517240" cy="569520"/>
           </a:xfrm>
           <a:prstGeom prst="rect">
             <a:avLst/>
@@ -10062,7 +9673,7 @@
         <p:spPr>
           <a:xfrm>
             <a:off x="311760" y="1152360"/>
-            <a:ext cx="8517600" cy="3413520"/>
+            <a:ext cx="8517240" cy="3413160"/>
           </a:xfrm>
           <a:prstGeom prst="rect">
             <a:avLst/>
@@ -10088,7 +9699,7 @@
         <p:spPr>
           <a:xfrm>
             <a:off x="8472600" y="4663080"/>
-            <a:ext cx="545760" cy="390600"/>
+            <a:ext cx="545400" cy="390240"/>
           </a:xfrm>
           <a:prstGeom prst="rect">
             <a:avLst/>
@@ -10118,7 +9729,7 @@
         <p:spPr>
           <a:xfrm>
             <a:off x="266760" y="1209600"/>
-            <a:ext cx="8607600" cy="2721240"/>
+            <a:ext cx="8607240" cy="2720880"/>
           </a:xfrm>
           <a:prstGeom prst="rect">
             <a:avLst/>
@@ -10137,7 +9748,7 @@
         <p:spPr>
           <a:xfrm>
             <a:off x="8283240" y="1439280"/>
-            <a:ext cx="437040" cy="88920"/>
+            <a:ext cx="436680" cy="88560"/>
           </a:xfrm>
           <a:prstGeom prst="rect">
             <a:avLst/>
@@ -10167,7 +9778,7 @@
         <p:spPr>
           <a:xfrm>
             <a:off x="8229600" y="1463040"/>
-            <a:ext cx="126720" cy="88920"/>
+            <a:ext cx="126360" cy="88560"/>
           </a:xfrm>
           <a:prstGeom prst="rect">
             <a:avLst/>
@@ -10197,7 +9808,7 @@
         <p:spPr>
           <a:xfrm>
             <a:off x="8557200" y="4749840"/>
-            <a:ext cx="547920" cy="392760"/>
+            <a:ext cx="547560" cy="392400"/>
           </a:xfrm>
           <a:prstGeom prst="rect">
             <a:avLst/>
@@ -10221,7 +9832,7 @@
                 <a:spcPct val="100000"/>
               </a:lnSpc>
             </a:pPr>
-            <a:fld id="{0E88141D-E12F-4622-98FA-05F5FD02D108}" type="slidenum">
+            <a:fld id="{E1943485-E04D-4363-AEF1-473C00ADEE1D}" type="slidenum">
               <a:rPr b="0" lang="en-US" sz="1300" spc="-1" strike="noStrike">
                 <a:solidFill>
                   <a:srgbClr val="000000"/>
@@ -10229,7 +9840,7 @@
                 <a:latin typeface="Arial"/>
                 <a:ea typeface="Arial"/>
               </a:rPr>
-              <a:t>1</a:t>
+              <a:t>&lt;number&gt;</a:t>
             </a:fld>
             <a:endParaRPr b="0" lang="en-US" sz="1300" spc="-1" strike="noStrike">
               <a:latin typeface="Arial"/>
@@ -10295,7 +9906,7 @@
         <p:spPr>
           <a:xfrm>
             <a:off x="311760" y="444960"/>
-            <a:ext cx="8517600" cy="569880"/>
+            <a:ext cx="8517240" cy="569520"/>
           </a:xfrm>
           <a:prstGeom prst="rect">
             <a:avLst/>
@@ -10354,7 +9965,7 @@
         <p:spPr>
           <a:xfrm>
             <a:off x="311760" y="1152360"/>
-            <a:ext cx="8517600" cy="3413520"/>
+            <a:ext cx="8517240" cy="3413160"/>
           </a:xfrm>
           <a:prstGeom prst="rect">
             <a:avLst/>
@@ -10380,7 +9991,7 @@
         <p:spPr>
           <a:xfrm>
             <a:off x="8472600" y="4663080"/>
-            <a:ext cx="545760" cy="390600"/>
+            <a:ext cx="545400" cy="390240"/>
           </a:xfrm>
           <a:prstGeom prst="rect">
             <a:avLst/>
@@ -10406,7 +10017,7 @@
         <p:spPr>
           <a:xfrm>
             <a:off x="1463040" y="1645920"/>
-            <a:ext cx="6578280" cy="2422800"/>
+            <a:ext cx="6577920" cy="2422440"/>
           </a:xfrm>
           <a:prstGeom prst="rect">
             <a:avLst/>
@@ -10432,31 +10043,51 @@
             </a:pPr>
             <a:r>
               <a:rPr b="0" lang="en-US" sz="1100" spc="-1" strike="noStrike">
+                <a:solidFill>
+                  <a:srgbClr val="000000"/>
+                </a:solidFill>
                 <a:latin typeface="Arial"/>
+                <a:ea typeface="DejaVu Sans"/>
               </a:rPr>
               <a:t>Antigenic &amp; Antitoxin and Cold            </a:t>
             </a:r>
             <a:r>
               <a:rPr b="0" lang="en-US" sz="1100" spc="-1" strike="noStrike">
+                <a:solidFill>
+                  <a:srgbClr val="000000"/>
+                </a:solidFill>
                 <a:latin typeface="Arial"/>
+                <a:ea typeface="DejaVu Sans"/>
               </a:rPr>
               <a:t>	</a:t>
             </a:r>
             <a:r>
               <a:rPr b="0" lang="en-US" sz="1100" spc="-1" strike="noStrike">
+                <a:solidFill>
+                  <a:srgbClr val="000000"/>
+                </a:solidFill>
                 <a:latin typeface="Arial"/>
+                <a:ea typeface="DejaVu Sans"/>
               </a:rPr>
               <a:t>	</a:t>
             </a:r>
             <a:r>
               <a:rPr b="0" lang="en-US" sz="1100" spc="-1" strike="noStrike">
+                <a:solidFill>
+                  <a:srgbClr val="000000"/>
+                </a:solidFill>
                 <a:latin typeface="Arial"/>
+                <a:ea typeface="DejaVu Sans"/>
               </a:rPr>
               <a:t>	</a:t>
             </a:r>
             <a:r>
               <a:rPr b="0" lang="en-US" sz="1100" spc="-1" strike="noStrike">
+                <a:solidFill>
+                  <a:srgbClr val="000000"/>
+                </a:solidFill>
                 <a:latin typeface="Arial"/>
+                <a:ea typeface="DejaVu Sans"/>
               </a:rPr>
               <a:t>         OpenCitations_Ontology([10;100])</a:t>
             </a:r>
@@ -10482,43 +10113,71 @@
             </a:pPr>
             <a:r>
               <a:rPr b="0" lang="en-US" sz="1100" spc="-1" strike="noStrike">
+                <a:solidFill>
+                  <a:srgbClr val="000000"/>
+                </a:solidFill>
                 <a:latin typeface="Arial"/>
+                <a:ea typeface="DejaVu Sans"/>
               </a:rPr>
               <a:t>Antigenic &amp; Annual        </a:t>
             </a:r>
             <a:r>
               <a:rPr b="0" lang="en-US" sz="1100" spc="-1" strike="noStrike">
+                <a:solidFill>
+                  <a:srgbClr val="000000"/>
+                </a:solidFill>
                 <a:latin typeface="Arial"/>
+                <a:ea typeface="DejaVu Sans"/>
               </a:rPr>
               <a:t>	</a:t>
             </a:r>
             <a:r>
               <a:rPr b="0" lang="en-US" sz="1100" spc="-1" strike="noStrike">
+                <a:solidFill>
+                  <a:srgbClr val="000000"/>
+                </a:solidFill>
                 <a:latin typeface="Arial"/>
+                <a:ea typeface="DejaVu Sans"/>
               </a:rPr>
               <a:t>	</a:t>
             </a:r>
             <a:r>
               <a:rPr b="0" lang="en-US" sz="1100" spc="-1" strike="noStrike">
+                <a:solidFill>
+                  <a:srgbClr val="000000"/>
+                </a:solidFill>
                 <a:latin typeface="Arial"/>
+                <a:ea typeface="DejaVu Sans"/>
               </a:rPr>
               <a:t>	</a:t>
             </a:r>
             <a:r>
               <a:rPr b="0" lang="en-US" sz="1100" spc="-1" strike="noStrike">
+                <a:solidFill>
+                  <a:srgbClr val="000000"/>
+                </a:solidFill>
                 <a:latin typeface="Arial"/>
+                <a:ea typeface="DejaVu Sans"/>
               </a:rPr>
               <a:t>	</a:t>
             </a:r>
             <a:r>
               <a:rPr b="0" lang="en-US" sz="1100" spc="-1" strike="noStrike">
+                <a:solidFill>
+                  <a:srgbClr val="000000"/>
+                </a:solidFill>
                 <a:latin typeface="Arial"/>
+                <a:ea typeface="DejaVu Sans"/>
               </a:rPr>
               <a:t>	</a:t>
             </a:r>
             <a:r>
               <a:rPr b="0" lang="en-US" sz="1100" spc="-1" strike="noStrike">
+                <a:solidFill>
+                  <a:srgbClr val="000000"/>
+                </a:solidFill>
                 <a:latin typeface="Arial"/>
+                <a:ea typeface="DejaVu Sans"/>
               </a:rPr>
               <a:t>         OpenCitations_Ontology([10;100])</a:t>
             </a:r>
@@ -10544,31 +10203,51 @@
             </a:pPr>
             <a:r>
               <a:rPr b="0" lang="en-US" sz="1100" spc="-1" strike="noStrike">
+                <a:solidFill>
+                  <a:srgbClr val="000000"/>
+                </a:solidFill>
                 <a:latin typeface="Arial"/>
+                <a:ea typeface="DejaVu Sans"/>
               </a:rPr>
               <a:t>DNA &amp; Antigenic &amp; Diagnosis        </a:t>
             </a:r>
             <a:r>
               <a:rPr b="0" lang="en-US" sz="1100" spc="-1" strike="noStrike">
+                <a:solidFill>
+                  <a:srgbClr val="000000"/>
+                </a:solidFill>
                 <a:latin typeface="Arial"/>
+                <a:ea typeface="DejaVu Sans"/>
               </a:rPr>
               <a:t>	</a:t>
             </a:r>
             <a:r>
               <a:rPr b="0" lang="en-US" sz="1100" spc="-1" strike="noStrike">
+                <a:solidFill>
+                  <a:srgbClr val="000000"/>
+                </a:solidFill>
                 <a:latin typeface="Arial"/>
+                <a:ea typeface="DejaVu Sans"/>
               </a:rPr>
               <a:t>	</a:t>
             </a:r>
             <a:r>
               <a:rPr b="0" lang="en-US" sz="1100" spc="-1" strike="noStrike">
+                <a:solidFill>
+                  <a:srgbClr val="000000"/>
+                </a:solidFill>
                 <a:latin typeface="Arial"/>
+                <a:ea typeface="DejaVu Sans"/>
               </a:rPr>
               <a:t>	</a:t>
             </a:r>
             <a:r>
               <a:rPr b="0" lang="en-US" sz="1100" spc="-1" strike="noStrike">
+                <a:solidFill>
+                  <a:srgbClr val="000000"/>
+                </a:solidFill>
                 <a:latin typeface="Arial"/>
+                <a:ea typeface="DejaVu Sans"/>
               </a:rPr>
               <a:t>                     OpenCitations_Ontology([10;100])</a:t>
             </a:r>
@@ -10594,31 +10273,51 @@
             </a:pPr>
             <a:r>
               <a:rPr b="0" lang="en-US" sz="1100" spc="-1" strike="noStrike">
+                <a:solidFill>
+                  <a:srgbClr val="000000"/>
+                </a:solidFill>
                 <a:latin typeface="Arial"/>
+                <a:ea typeface="DejaVu Sans"/>
               </a:rPr>
               <a:t>Information &amp; Annual &amp; Diagnosis        </a:t>
             </a:r>
             <a:r>
               <a:rPr b="0" lang="en-US" sz="1100" spc="-1" strike="noStrike">
+                <a:solidFill>
+                  <a:srgbClr val="000000"/>
+                </a:solidFill>
                 <a:latin typeface="Arial"/>
+                <a:ea typeface="DejaVu Sans"/>
               </a:rPr>
               <a:t>	</a:t>
             </a:r>
             <a:r>
               <a:rPr b="0" lang="en-US" sz="1100" spc="-1" strike="noStrike">
+                <a:solidFill>
+                  <a:srgbClr val="000000"/>
+                </a:solidFill>
                 <a:latin typeface="Arial"/>
+                <a:ea typeface="DejaVu Sans"/>
               </a:rPr>
               <a:t>	</a:t>
             </a:r>
             <a:r>
               <a:rPr b="0" lang="en-US" sz="1100" spc="-1" strike="noStrike">
+                <a:solidFill>
+                  <a:srgbClr val="000000"/>
+                </a:solidFill>
                 <a:latin typeface="Arial"/>
+                <a:ea typeface="DejaVu Sans"/>
               </a:rPr>
               <a:t>	</a:t>
             </a:r>
             <a:r>
               <a:rPr b="0" lang="en-US" sz="1100" spc="-1" strike="noStrike">
+                <a:solidFill>
+                  <a:srgbClr val="000000"/>
+                </a:solidFill>
                 <a:latin typeface="Arial"/>
+                <a:ea typeface="DejaVu Sans"/>
               </a:rPr>
               <a:t>         OpenCitations_Ontology([10;100])</a:t>
             </a:r>
@@ -10644,37 +10343,61 @@
             </a:pPr>
             <a:r>
               <a:rPr b="0" lang="en-US" sz="1100" spc="-1" strike="noStrike">
+                <a:solidFill>
+                  <a:srgbClr val="000000"/>
+                </a:solidFill>
                 <a:latin typeface="Arial"/>
+                <a:ea typeface="DejaVu Sans"/>
               </a:rPr>
               <a:t>DNA &amp; Years &amp; Diagnosis        </a:t>
             </a:r>
             <a:r>
               <a:rPr b="0" lang="en-US" sz="1100" spc="-1" strike="noStrike">
+                <a:solidFill>
+                  <a:srgbClr val="000000"/>
+                </a:solidFill>
                 <a:latin typeface="Arial"/>
+                <a:ea typeface="DejaVu Sans"/>
               </a:rPr>
               <a:t>	</a:t>
             </a:r>
             <a:r>
               <a:rPr b="0" lang="en-US" sz="1100" spc="-1" strike="noStrike">
+                <a:solidFill>
+                  <a:srgbClr val="000000"/>
+                </a:solidFill>
                 <a:latin typeface="Arial"/>
+                <a:ea typeface="DejaVu Sans"/>
               </a:rPr>
               <a:t>	</a:t>
             </a:r>
             <a:r>
               <a:rPr b="0" lang="en-US" sz="1100" spc="-1" strike="noStrike">
+                <a:solidFill>
+                  <a:srgbClr val="000000"/>
+                </a:solidFill>
                 <a:latin typeface="Arial"/>
+                <a:ea typeface="DejaVu Sans"/>
               </a:rPr>
               <a:t>	</a:t>
             </a:r>
             <a:r>
               <a:rPr b="0" lang="en-US" sz="1100" spc="-1" strike="noStrike">
+                <a:solidFill>
+                  <a:srgbClr val="000000"/>
+                </a:solidFill>
                 <a:latin typeface="Arial"/>
+                <a:ea typeface="DejaVu Sans"/>
               </a:rPr>
               <a:t>	</a:t>
             </a:r>
             <a:r>
               <a:rPr b="0" lang="en-US" sz="1100" spc="-1" strike="noStrike">
+                <a:solidFill>
+                  <a:srgbClr val="000000"/>
+                </a:solidFill>
                 <a:latin typeface="Arial"/>
+                <a:ea typeface="DejaVu Sans"/>
               </a:rPr>
               <a:t>         OpenCitations_Ontology([10;100])</a:t>
             </a:r>
@@ -10700,37 +10423,61 @@
             </a:pPr>
             <a:r>
               <a:rPr b="0" lang="en-US" sz="1100" spc="-1" strike="noStrike">
+                <a:solidFill>
+                  <a:srgbClr val="000000"/>
+                </a:solidFill>
                 <a:latin typeface="Arial"/>
+                <a:ea typeface="DejaVu Sans"/>
               </a:rPr>
               <a:t>Antigenic &amp; Years &amp; People        </a:t>
             </a:r>
             <a:r>
               <a:rPr b="0" lang="en-US" sz="1100" spc="-1" strike="noStrike">
+                <a:solidFill>
+                  <a:srgbClr val="000000"/>
+                </a:solidFill>
                 <a:latin typeface="Arial"/>
+                <a:ea typeface="DejaVu Sans"/>
               </a:rPr>
               <a:t>	</a:t>
             </a:r>
             <a:r>
               <a:rPr b="0" lang="en-US" sz="1100" spc="-1" strike="noStrike">
+                <a:solidFill>
+                  <a:srgbClr val="000000"/>
+                </a:solidFill>
                 <a:latin typeface="Arial"/>
+                <a:ea typeface="DejaVu Sans"/>
               </a:rPr>
               <a:t>	</a:t>
             </a:r>
             <a:r>
               <a:rPr b="0" lang="en-US" sz="1100" spc="-1" strike="noStrike">
+                <a:solidFill>
+                  <a:srgbClr val="000000"/>
+                </a:solidFill>
                 <a:latin typeface="Arial"/>
+                <a:ea typeface="DejaVu Sans"/>
               </a:rPr>
               <a:t>	</a:t>
             </a:r>
             <a:r>
               <a:rPr b="0" lang="en-US" sz="1100" spc="-1" strike="noStrike">
+                <a:solidFill>
+                  <a:srgbClr val="000000"/>
+                </a:solidFill>
                 <a:latin typeface="Arial"/>
+                <a:ea typeface="DejaVu Sans"/>
               </a:rPr>
               <a:t>	</a:t>
             </a:r>
             <a:r>
               <a:rPr b="0" lang="en-US" sz="1100" spc="-1" strike="noStrike">
+                <a:solidFill>
+                  <a:srgbClr val="000000"/>
+                </a:solidFill>
                 <a:latin typeface="Arial"/>
+                <a:ea typeface="DejaVu Sans"/>
               </a:rPr>
               <a:t>         OpenCitations_Ontology([10;100])</a:t>
             </a:r>
@@ -10756,31 +10503,51 @@
             </a:pPr>
             <a:r>
               <a:rPr b="0" lang="en-US" sz="1100" spc="-1" strike="noStrike">
+                <a:solidFill>
+                  <a:srgbClr val="000000"/>
+                </a:solidFill>
                 <a:latin typeface="Arial"/>
+                <a:ea typeface="DejaVu Sans"/>
               </a:rPr>
               <a:t>Epidemic &amp; Clinical manifestations        </a:t>
             </a:r>
             <a:r>
               <a:rPr b="0" lang="en-US" sz="1100" spc="-1" strike="noStrike">
+                <a:solidFill>
+                  <a:srgbClr val="000000"/>
+                </a:solidFill>
                 <a:latin typeface="Arial"/>
+                <a:ea typeface="DejaVu Sans"/>
               </a:rPr>
               <a:t>	</a:t>
             </a:r>
             <a:r>
               <a:rPr b="0" lang="en-US" sz="1100" spc="-1" strike="noStrike">
+                <a:solidFill>
+                  <a:srgbClr val="000000"/>
+                </a:solidFill>
                 <a:latin typeface="Arial"/>
+                <a:ea typeface="DejaVu Sans"/>
               </a:rPr>
               <a:t>	</a:t>
             </a:r>
             <a:r>
               <a:rPr b="0" lang="en-US" sz="1100" spc="-1" strike="noStrike">
+                <a:solidFill>
+                  <a:srgbClr val="000000"/>
+                </a:solidFill>
                 <a:latin typeface="Arial"/>
+                <a:ea typeface="DejaVu Sans"/>
               </a:rPr>
               <a:t>	</a:t>
             </a:r>
             <a:r>
               <a:rPr b="0" lang="en-US" sz="1100" spc="-1" strike="noStrike">
+                <a:solidFill>
+                  <a:srgbClr val="000000"/>
+                </a:solidFill>
                 <a:latin typeface="Arial"/>
+                <a:ea typeface="DejaVu Sans"/>
               </a:rPr>
               <a:t>         OpenCitations_Ontology([10;100])</a:t>
             </a:r>
@@ -10806,7 +10573,11 @@
             </a:pPr>
             <a:r>
               <a:rPr b="0" lang="en-US" sz="1100" spc="-1" strike="noStrike">
+                <a:solidFill>
+                  <a:srgbClr val="000000"/>
+                </a:solidFill>
                 <a:latin typeface="Arial"/>
+                <a:ea typeface="DejaVu Sans"/>
               </a:rPr>
               <a:t>Middle east respiratory syndrome coronavirus &amp; Effective             OpenCitations_Ontology([10;100])</a:t>
             </a:r>
@@ -11049,7 +10820,7 @@
         <p:spPr>
           <a:xfrm>
             <a:off x="8557200" y="4749840"/>
-            <a:ext cx="547920" cy="392760"/>
+            <a:ext cx="547560" cy="392400"/>
           </a:xfrm>
           <a:prstGeom prst="rect">
             <a:avLst/>
@@ -11073,7 +10844,7 @@
                 <a:spcPct val="100000"/>
               </a:lnSpc>
             </a:pPr>
-            <a:fld id="{8B5095D1-B47E-4435-B3BA-3BF709CA907D}" type="slidenum">
+            <a:fld id="{6A55D194-9A82-4A75-B268-0C90E0FA6B3C}" type="slidenum">
               <a:rPr b="0" lang="en-US" sz="1300" spc="-1" strike="noStrike">
                 <a:solidFill>
                   <a:srgbClr val="000000"/>
@@ -11081,7 +10852,7 @@
                 <a:latin typeface="Arial"/>
                 <a:ea typeface="Arial"/>
               </a:rPr>
-              <a:t>1</a:t>
+              <a:t>&lt;number&gt;</a:t>
             </a:fld>
             <a:endParaRPr b="0" lang="en-US" sz="1300" spc="-1" strike="noStrike">
               <a:latin typeface="Arial"/>
@@ -11147,7 +10918,7 @@
         <p:spPr>
           <a:xfrm>
             <a:off x="457200" y="246240"/>
-            <a:ext cx="8226000" cy="622440"/>
+            <a:ext cx="8225640" cy="622080"/>
           </a:xfrm>
           <a:prstGeom prst="rect">
             <a:avLst/>
@@ -11196,7 +10967,7 @@
         <p:spPr>
           <a:xfrm>
             <a:off x="347760" y="1240560"/>
-            <a:ext cx="3603960" cy="3101400"/>
+            <a:ext cx="3603600" cy="3101040"/>
           </a:xfrm>
           <a:prstGeom prst="rect">
             <a:avLst/>
@@ -11222,7 +10993,7 @@
         <p:spPr>
           <a:xfrm>
             <a:off x="4051440" y="1484280"/>
-            <a:ext cx="5089680" cy="3722040"/>
+            <a:ext cx="5089320" cy="3721680"/>
           </a:xfrm>
           <a:prstGeom prst="rect">
             <a:avLst/>
@@ -11246,7 +11017,7 @@
                 <a:spcPct val="115000"/>
               </a:lnSpc>
             </a:pPr>
-            <a:endParaRPr b="0" lang="en-US" sz="1100" spc="-1" strike="noStrike">
+            <a:endParaRPr b="0" lang="en-US" sz="1800" spc="-1" strike="noStrike">
               <a:latin typeface="Arial"/>
             </a:endParaRPr>
           </a:p>
@@ -11256,7 +11027,7 @@
                 <a:spcPct val="115000"/>
               </a:lnSpc>
             </a:pPr>
-            <a:endParaRPr b="0" lang="en-US" sz="1100" spc="-1" strike="noStrike">
+            <a:endParaRPr b="0" lang="en-US" sz="1800" spc="-1" strike="noStrike">
               <a:latin typeface="Arial"/>
             </a:endParaRPr>
           </a:p>
@@ -11269,7 +11040,7 @@
                 <a:spcPts val="1001"/>
               </a:spcBef>
             </a:pPr>
-            <a:endParaRPr b="0" lang="en-US" sz="1100" spc="-1" strike="noStrike">
+            <a:endParaRPr b="0" lang="en-US" sz="1800" spc="-1" strike="noStrike">
               <a:latin typeface="Arial"/>
             </a:endParaRPr>
           </a:p>
@@ -11284,7 +11055,7 @@
         <p:spPr>
           <a:xfrm>
             <a:off x="8556840" y="4749840"/>
-            <a:ext cx="545760" cy="390600"/>
+            <a:ext cx="545400" cy="390240"/>
           </a:xfrm>
           <a:prstGeom prst="rect">
             <a:avLst/>
@@ -11310,7 +11081,7 @@
         <p:spPr>
           <a:xfrm>
             <a:off x="0" y="1280160"/>
-            <a:ext cx="9015120" cy="2924280"/>
+            <a:ext cx="9014760" cy="2923920"/>
           </a:xfrm>
           <a:prstGeom prst="rect">
             <a:avLst/>
@@ -11334,7 +11105,7 @@
                 <a:spcPct val="100000"/>
               </a:lnSpc>
             </a:pPr>
-            <a:endParaRPr b="0" lang="en-US" sz="1100" spc="-1" strike="noStrike">
+            <a:endParaRPr b="0" lang="en-US" sz="1800" spc="-1" strike="noStrike">
               <a:latin typeface="Arial"/>
             </a:endParaRPr>
           </a:p>
@@ -11579,7 +11350,7 @@
         <p:spPr>
           <a:xfrm>
             <a:off x="8557200" y="4749840"/>
-            <a:ext cx="547920" cy="392760"/>
+            <a:ext cx="547560" cy="392400"/>
           </a:xfrm>
           <a:prstGeom prst="rect">
             <a:avLst/>
@@ -11603,7 +11374,7 @@
                 <a:spcPct val="100000"/>
               </a:lnSpc>
             </a:pPr>
-            <a:fld id="{853D686E-57DC-4A36-B6FF-B77FE2332496}" type="slidenum">
+            <a:fld id="{AAB73EC8-0113-4326-9DC7-24FBAADDF6C9}" type="slidenum">
               <a:rPr b="0" lang="en-US" sz="1300" spc="-1" strike="noStrike">
                 <a:solidFill>
                   <a:srgbClr val="000000"/>
@@ -11611,7 +11382,7 @@
                 <a:latin typeface="Arial"/>
                 <a:ea typeface="Arial"/>
               </a:rPr>
-              <a:t>1</a:t>
+              <a:t>&lt;number&gt;</a:t>
             </a:fld>
             <a:endParaRPr b="0" lang="en-US" sz="1300" spc="-1" strike="noStrike">
               <a:latin typeface="Arial"/>
@@ -11677,7 +11448,7 @@
         <p:spPr>
           <a:xfrm>
             <a:off x="457200" y="246240"/>
-            <a:ext cx="8226000" cy="622440"/>
+            <a:ext cx="8225640" cy="622080"/>
           </a:xfrm>
           <a:prstGeom prst="rect">
             <a:avLst/>
@@ -11709,17 +11480,7 @@
                 <a:latin typeface="Arial"/>
                 <a:ea typeface="Arial"/>
               </a:rPr>
-              <a:t>Future Work - PubAnnotation</a:t>
-            </a:r>
-            <a:r>
-              <a:rPr b="0" lang="en-US" sz="4400" spc="-1" strike="noStrike">
-                <a:solidFill>
-                  <a:srgbClr val="000000"/>
-                </a:solidFill>
-                <a:latin typeface="Arial"/>
-                <a:ea typeface="Arial"/>
-              </a:rPr>
-              <a:t> </a:t>
+              <a:t>Future Work - PubAnnotation </a:t>
             </a:r>
             <a:endParaRPr b="0" lang="en-US" sz="4400" spc="-1" strike="noStrike">
               <a:latin typeface="Arial"/>
@@ -11736,7 +11497,7 @@
         <p:spPr>
           <a:xfrm>
             <a:off x="347760" y="1240560"/>
-            <a:ext cx="3603960" cy="3101400"/>
+            <a:ext cx="3603600" cy="3101040"/>
           </a:xfrm>
           <a:prstGeom prst="rect">
             <a:avLst/>
@@ -11762,7 +11523,7 @@
         <p:spPr>
           <a:xfrm>
             <a:off x="4480560" y="1097280"/>
-            <a:ext cx="4295160" cy="3197880"/>
+            <a:ext cx="4294800" cy="3197520"/>
           </a:xfrm>
           <a:prstGeom prst="rect">
             <a:avLst/>
@@ -11788,7 +11549,7 @@
         <p:spPr>
           <a:xfrm>
             <a:off x="8556840" y="4749840"/>
-            <a:ext cx="545760" cy="390600"/>
+            <a:ext cx="545400" cy="390240"/>
           </a:xfrm>
           <a:prstGeom prst="rect">
             <a:avLst/>
@@ -11814,7 +11575,7 @@
         <p:spPr>
           <a:xfrm>
             <a:off x="640080" y="1554480"/>
-            <a:ext cx="7953480" cy="2558520"/>
+            <a:ext cx="7953120" cy="2558160"/>
           </a:xfrm>
           <a:prstGeom prst="rect">
             <a:avLst/>
@@ -11956,47 +11717,7 @@
                 <a:latin typeface="Calibri"/>
                 <a:ea typeface="Calibri"/>
               </a:rPr>
-              <a:t>[1] </a:t>
-            </a:r>
-            <a:r>
-              <a:rPr b="0" lang="en-US" sz="1600" spc="-1" strike="noStrike">
-                <a:solidFill>
-                  <a:srgbClr val="000000"/>
-                </a:solidFill>
-                <a:latin typeface="Calibri"/>
-                <a:ea typeface="Calibri"/>
-              </a:rPr>
-              <a:t>http://pubanno</a:t>
-            </a:r>
-            <a:r>
-              <a:rPr b="0" lang="en-US" sz="1600" spc="-1" strike="noStrike">
-                <a:solidFill>
-                  <a:srgbClr val="000000"/>
-                </a:solidFill>
-                <a:latin typeface="Calibri"/>
-                <a:ea typeface="Calibri"/>
-              </a:rPr>
-              <a:t>tation.org/coll</a:t>
-            </a:r>
-            <a:r>
-              <a:rPr b="0" lang="en-US" sz="1600" spc="-1" strike="noStrike">
-                <a:solidFill>
-                  <a:srgbClr val="000000"/>
-                </a:solidFill>
-                <a:latin typeface="Calibri"/>
-                <a:ea typeface="Calibri"/>
-              </a:rPr>
-              <a:t>ections/CORD-</a:t>
-            </a:r>
-            <a:r>
-              <a:rPr b="0" lang="en-US" sz="1600" spc="-1" strike="noStrike">
-                <a:solidFill>
-                  <a:srgbClr val="000000"/>
-                </a:solidFill>
-                <a:latin typeface="Calibri"/>
-                <a:ea typeface="Calibri"/>
-              </a:rPr>
-              <a:t>19</a:t>
+              <a:t>[1] http://pubannotation.org/collections/CORD-19</a:t>
             </a:r>
             <a:endParaRPr b="0" lang="en-US" sz="1600" spc="-1" strike="noStrike">
               <a:latin typeface="Arial"/>
@@ -12017,7 +11738,7 @@
         <p:spPr>
           <a:xfrm>
             <a:off x="982080" y="1005840"/>
-            <a:ext cx="7156080" cy="3200400"/>
+            <a:ext cx="7155720" cy="3200040"/>
           </a:xfrm>
           <a:prstGeom prst="rect">
             <a:avLst/>
@@ -12084,8 +11805,8 @@
         </p:nvSpPr>
         <p:spPr>
           <a:xfrm>
-            <a:off x="457200" y="246240"/>
-            <a:ext cx="8228160" cy="624600"/>
+            <a:off x="457200" y="341280"/>
+            <a:ext cx="8227800" cy="433800"/>
           </a:xfrm>
           <a:prstGeom prst="rect">
             <a:avLst/>
@@ -12102,11 +11823,11 @@
           <a:fontRef idx="minor"/>
         </p:style>
         <p:txBody>
-          <a:bodyPr lIns="0" rIns="0" tIns="0" bIns="0" anchor="ctr"/>
+          <a:bodyPr lIns="90000" rIns="90000" tIns="91440" bIns="91440" anchor="b"/>
           <a:p>
             <a:pPr>
               <a:lnSpc>
-                <a:spcPct val="90000"/>
+                <a:spcPct val="100000"/>
               </a:lnSpc>
             </a:pPr>
             <a:r>
@@ -12117,19 +11838,19 @@
                 <a:latin typeface="Arial"/>
                 <a:ea typeface="Arial"/>
               </a:rPr>
-              <a:t>Future Work – Demo </a:t>
+              <a:t>Future Work</a:t>
             </a:r>
             <a:r>
-              <a:rPr b="0" lang="en-US" sz="4400" spc="-1" strike="noStrike">
+              <a:rPr b="0" lang="en-US" sz="2800" spc="-1" strike="noStrike">
                 <a:solidFill>
                   <a:srgbClr val="000000"/>
                 </a:solidFill>
                 <a:latin typeface="Arial"/>
                 <a:ea typeface="Arial"/>
               </a:rPr>
-              <a:t>Results</a:t>
+              <a:t> - Mining data with RDFRules</a:t>
             </a:r>
-            <a:endParaRPr b="0" lang="en-US" sz="4400" spc="-1" strike="noStrike">
+            <a:endParaRPr b="0" lang="en-US" sz="2800" spc="-1" strike="noStrike">
               <a:latin typeface="Arial"/>
             </a:endParaRPr>
           </a:p>
@@ -12143,15 +11864,20 @@
         </p:nvSpPr>
         <p:spPr>
           <a:xfrm>
-            <a:off x="8556840" y="4749840"/>
-            <a:ext cx="547920" cy="392760"/>
-          </a:xfrm>
-          <a:prstGeom prst="rect">
-            <a:avLst/>
-          </a:prstGeom>
-          <a:noFill/>
-          <a:ln>
-            <a:noFill/>
+            <a:off x="513360" y="1623960"/>
+            <a:ext cx="1221840" cy="979920"/>
+          </a:xfrm>
+          <a:prstGeom prst="flowChartDocument">
+            <a:avLst/>
+          </a:prstGeom>
+          <a:solidFill>
+            <a:schemeClr val="lt1"/>
+          </a:solidFill>
+          <a:ln w="25560">
+            <a:solidFill>
+              <a:schemeClr val="accent3"/>
+            </a:solidFill>
+            <a:round/>
           </a:ln>
         </p:spPr>
         <p:style>
@@ -12161,6 +11887,398 @@
           <a:fontRef idx="minor"/>
         </p:style>
         <p:txBody>
+          <a:bodyPr lIns="90000" rIns="90000" tIns="45000" bIns="45000" anchor="ctr"/>
+          <a:p>
+            <a:pPr algn="ctr">
+              <a:lnSpc>
+                <a:spcPct val="100000"/>
+              </a:lnSpc>
+            </a:pPr>
+            <a:r>
+              <a:rPr b="0" lang="en-US" sz="1800" spc="-1" strike="noStrike">
+                <a:solidFill>
+                  <a:srgbClr val="000000"/>
+                </a:solidFill>
+                <a:latin typeface="Arial"/>
+                <a:ea typeface="Arial"/>
+              </a:rPr>
+              <a:t>COVID19 KG</a:t>
+            </a:r>
+            <a:endParaRPr b="0" lang="en-US" sz="1800" spc="-1" strike="noStrike">
+              <a:latin typeface="Arial"/>
+            </a:endParaRPr>
+          </a:p>
+        </p:txBody>
+      </p:sp>
+      <p:sp>
+        <p:nvSpPr>
+          <p:cNvPr id="247" name="CustomShape 3"/>
+          <p:cNvSpPr/>
+          <p:nvPr/>
+        </p:nvSpPr>
+        <p:spPr>
+          <a:xfrm>
+            <a:off x="2963160" y="1574280"/>
+            <a:ext cx="1413360" cy="1010880"/>
+          </a:xfrm>
+          <a:prstGeom prst="flowChartMultidocument">
+            <a:avLst/>
+          </a:prstGeom>
+          <a:solidFill>
+            <a:schemeClr val="lt1"/>
+          </a:solidFill>
+          <a:ln w="25560">
+            <a:solidFill>
+              <a:schemeClr val="accent5"/>
+            </a:solidFill>
+            <a:round/>
+          </a:ln>
+        </p:spPr>
+        <p:style>
+          <a:lnRef idx="0"/>
+          <a:fillRef idx="0"/>
+          <a:effectRef idx="0"/>
+          <a:fontRef idx="minor"/>
+        </p:style>
+        <p:txBody>
+          <a:bodyPr lIns="90000" rIns="90000" tIns="45000" bIns="45000" anchor="ctr"/>
+          <a:p>
+            <a:pPr algn="ctr">
+              <a:lnSpc>
+                <a:spcPct val="100000"/>
+              </a:lnSpc>
+            </a:pPr>
+            <a:r>
+              <a:rPr b="0" lang="en-US" sz="1800" spc="-1" strike="noStrike">
+                <a:solidFill>
+                  <a:srgbClr val="000000"/>
+                </a:solidFill>
+                <a:latin typeface="Arial"/>
+                <a:ea typeface="Arial"/>
+              </a:rPr>
+              <a:t>TRIPLES</a:t>
+            </a:r>
+            <a:endParaRPr b="0" lang="en-US" sz="1800" spc="-1" strike="noStrike">
+              <a:latin typeface="Arial"/>
+            </a:endParaRPr>
+          </a:p>
+        </p:txBody>
+      </p:sp>
+      <p:sp>
+        <p:nvSpPr>
+          <p:cNvPr id="248" name="CustomShape 4"/>
+          <p:cNvSpPr/>
+          <p:nvPr/>
+        </p:nvSpPr>
+        <p:spPr>
+          <a:xfrm>
+            <a:off x="5797800" y="1299240"/>
+            <a:ext cx="2703240" cy="1346400"/>
+          </a:xfrm>
+          <a:prstGeom prst="flowChartProcess">
+            <a:avLst/>
+          </a:prstGeom>
+          <a:solidFill>
+            <a:schemeClr val="accent1"/>
+          </a:solidFill>
+          <a:ln w="25560">
+            <a:solidFill>
+              <a:srgbClr val="395e89"/>
+            </a:solidFill>
+            <a:round/>
+          </a:ln>
+        </p:spPr>
+        <p:style>
+          <a:lnRef idx="0"/>
+          <a:fillRef idx="0"/>
+          <a:effectRef idx="0"/>
+          <a:fontRef idx="minor"/>
+        </p:style>
+        <p:txBody>
+          <a:bodyPr lIns="90000" rIns="90000" tIns="45000" bIns="45000" anchor="ctr"/>
+          <a:p>
+            <a:pPr algn="ctr">
+              <a:lnSpc>
+                <a:spcPct val="100000"/>
+              </a:lnSpc>
+            </a:pPr>
+            <a:r>
+              <a:rPr b="1" lang="en-US" sz="1600" spc="-1" strike="noStrike">
+                <a:solidFill>
+                  <a:srgbClr val="ffffff"/>
+                </a:solidFill>
+                <a:latin typeface="Arial"/>
+                <a:ea typeface="Arial"/>
+              </a:rPr>
+              <a:t>Mine</a:t>
+            </a:r>
+            <a:br/>
+            <a:r>
+              <a:rPr b="0" lang="en-US" sz="1600" spc="-1" strike="noStrike">
+                <a:solidFill>
+                  <a:srgbClr val="ffffff"/>
+                </a:solidFill>
+                <a:latin typeface="Arial"/>
+                <a:ea typeface="Arial"/>
+              </a:rPr>
+              <a:t>only logical rules with default thresholds</a:t>
+            </a:r>
+            <a:endParaRPr b="0" lang="en-US" sz="1600" spc="-1" strike="noStrike">
+              <a:latin typeface="Arial"/>
+            </a:endParaRPr>
+          </a:p>
+        </p:txBody>
+      </p:sp>
+      <p:sp>
+        <p:nvSpPr>
+          <p:cNvPr id="249" name="CustomShape 5"/>
+          <p:cNvSpPr/>
+          <p:nvPr/>
+        </p:nvSpPr>
+        <p:spPr>
+          <a:xfrm>
+            <a:off x="6493320" y="3286800"/>
+            <a:ext cx="1312200" cy="938520"/>
+          </a:xfrm>
+          <a:prstGeom prst="flowChartMultidocument">
+            <a:avLst/>
+          </a:prstGeom>
+          <a:solidFill>
+            <a:schemeClr val="lt1"/>
+          </a:solidFill>
+          <a:ln w="25560">
+            <a:solidFill>
+              <a:schemeClr val="accent5"/>
+            </a:solidFill>
+            <a:round/>
+          </a:ln>
+        </p:spPr>
+        <p:style>
+          <a:lnRef idx="0"/>
+          <a:fillRef idx="0"/>
+          <a:effectRef idx="0"/>
+          <a:fontRef idx="minor"/>
+        </p:style>
+        <p:txBody>
+          <a:bodyPr lIns="90000" rIns="90000" tIns="45000" bIns="45000" anchor="ctr"/>
+          <a:p>
+            <a:pPr algn="ctr">
+              <a:lnSpc>
+                <a:spcPct val="100000"/>
+              </a:lnSpc>
+            </a:pPr>
+            <a:r>
+              <a:rPr b="0" lang="en-US" sz="1800" spc="-1" strike="noStrike">
+                <a:solidFill>
+                  <a:srgbClr val="000000"/>
+                </a:solidFill>
+                <a:latin typeface="Arial"/>
+                <a:ea typeface="Arial"/>
+              </a:rPr>
+              <a:t>Exported</a:t>
+            </a:r>
+            <a:endParaRPr b="0" lang="en-US" sz="1800" spc="-1" strike="noStrike">
+              <a:latin typeface="Arial"/>
+            </a:endParaRPr>
+          </a:p>
+          <a:p>
+            <a:pPr algn="ctr">
+              <a:lnSpc>
+                <a:spcPct val="100000"/>
+              </a:lnSpc>
+            </a:pPr>
+            <a:r>
+              <a:rPr b="0" lang="en-US" sz="1800" spc="-1" strike="noStrike">
+                <a:solidFill>
+                  <a:srgbClr val="000000"/>
+                </a:solidFill>
+                <a:latin typeface="Arial"/>
+                <a:ea typeface="Arial"/>
+              </a:rPr>
+              <a:t>Rules</a:t>
+            </a:r>
+            <a:endParaRPr b="0" lang="en-US" sz="1800" spc="-1" strike="noStrike">
+              <a:latin typeface="Arial"/>
+            </a:endParaRPr>
+          </a:p>
+        </p:txBody>
+      </p:sp>
+      <p:sp>
+        <p:nvSpPr>
+          <p:cNvPr id="250" name="CustomShape 6"/>
+          <p:cNvSpPr/>
+          <p:nvPr/>
+        </p:nvSpPr>
+        <p:spPr>
+          <a:xfrm>
+            <a:off x="4377600" y="1976400"/>
+            <a:ext cx="1419480" cy="360"/>
+          </a:xfrm>
+          <a:custGeom>
+            <a:avLst/>
+            <a:gdLst/>
+            <a:ahLst/>
+            <a:rect l="l" t="t" r="r" b="b"/>
+            <a:pathLst>
+              <a:path w="21600" h="21600">
+                <a:moveTo>
+                  <a:pt x="0" y="0"/>
+                </a:moveTo>
+                <a:lnTo>
+                  <a:pt x="21600" y="21600"/>
+                </a:lnTo>
+              </a:path>
+            </a:pathLst>
+          </a:custGeom>
+          <a:noFill/>
+          <a:ln w="38160">
+            <a:solidFill>
+              <a:schemeClr val="accent1"/>
+            </a:solidFill>
+            <a:round/>
+            <a:tailEnd len="med" type="triangle" w="med"/>
+          </a:ln>
+          <a:effectLst>
+            <a:outerShdw blurRad="40000" dir="5400000" dist="23000" rotWithShape="0">
+              <a:srgbClr val="000000">
+                <a:alpha val="35000"/>
+              </a:srgbClr>
+            </a:outerShdw>
+          </a:effectLst>
+        </p:spPr>
+        <p:style>
+          <a:lnRef idx="0"/>
+          <a:fillRef idx="0"/>
+          <a:effectRef idx="0"/>
+          <a:fontRef idx="minor"/>
+        </p:style>
+      </p:sp>
+      <p:sp>
+        <p:nvSpPr>
+          <p:cNvPr id="251" name="CustomShape 7"/>
+          <p:cNvSpPr/>
+          <p:nvPr/>
+        </p:nvSpPr>
+        <p:spPr>
+          <a:xfrm>
+            <a:off x="7149960" y="2646720"/>
+            <a:ext cx="360" cy="639000"/>
+          </a:xfrm>
+          <a:custGeom>
+            <a:avLst/>
+            <a:gdLst/>
+            <a:ahLst/>
+            <a:rect l="l" t="t" r="r" b="b"/>
+            <a:pathLst>
+              <a:path w="21600" h="21600">
+                <a:moveTo>
+                  <a:pt x="0" y="0"/>
+                </a:moveTo>
+                <a:lnTo>
+                  <a:pt x="21600" y="21600"/>
+                </a:lnTo>
+              </a:path>
+            </a:pathLst>
+          </a:custGeom>
+          <a:noFill/>
+          <a:ln w="38160">
+            <a:solidFill>
+              <a:schemeClr val="accent1"/>
+            </a:solidFill>
+            <a:round/>
+            <a:tailEnd len="med" type="triangle" w="med"/>
+          </a:ln>
+          <a:effectLst>
+            <a:outerShdw blurRad="40000" dir="5400000" dist="23000" rotWithShape="0">
+              <a:srgbClr val="000000">
+                <a:alpha val="35000"/>
+              </a:srgbClr>
+            </a:outerShdw>
+          </a:effectLst>
+        </p:spPr>
+        <p:style>
+          <a:lnRef idx="0"/>
+          <a:fillRef idx="0"/>
+          <a:effectRef idx="0"/>
+          <a:fontRef idx="minor"/>
+        </p:style>
+      </p:sp>
+      <p:sp>
+        <p:nvSpPr>
+          <p:cNvPr id="252" name="CustomShape 8"/>
+          <p:cNvSpPr/>
+          <p:nvPr/>
+        </p:nvSpPr>
+        <p:spPr>
+          <a:xfrm>
+            <a:off x="1736280" y="1987200"/>
+            <a:ext cx="1225800" cy="360"/>
+          </a:xfrm>
+          <a:custGeom>
+            <a:avLst/>
+            <a:gdLst/>
+            <a:ahLst/>
+            <a:rect l="l" t="t" r="r" b="b"/>
+            <a:pathLst>
+              <a:path w="21600" h="21600">
+                <a:moveTo>
+                  <a:pt x="0" y="0"/>
+                </a:moveTo>
+                <a:lnTo>
+                  <a:pt x="21600" y="21600"/>
+                </a:lnTo>
+              </a:path>
+            </a:pathLst>
+          </a:custGeom>
+          <a:noFill/>
+          <a:ln w="38160">
+            <a:solidFill>
+              <a:schemeClr val="accent1"/>
+            </a:solidFill>
+            <a:round/>
+            <a:tailEnd len="med" type="triangle" w="med"/>
+          </a:ln>
+          <a:effectLst>
+            <a:outerShdw blurRad="40000" dir="5400000" dist="23000" rotWithShape="0">
+              <a:srgbClr val="000000">
+                <a:alpha val="35000"/>
+              </a:srgbClr>
+            </a:outerShdw>
+          </a:effectLst>
+        </p:spPr>
+        <p:style>
+          <a:lnRef idx="0"/>
+          <a:fillRef idx="0"/>
+          <a:effectRef idx="0"/>
+          <a:fontRef idx="minor"/>
+        </p:style>
+      </p:sp>
+      <p:sp>
+        <p:nvSpPr>
+          <p:cNvPr id="253" name="CustomShape 9"/>
+          <p:cNvSpPr/>
+          <p:nvPr/>
+        </p:nvSpPr>
+        <p:spPr>
+          <a:xfrm>
+            <a:off x="8556840" y="4749840"/>
+            <a:ext cx="547560" cy="392400"/>
+          </a:xfrm>
+          <a:prstGeom prst="rect">
+            <a:avLst/>
+          </a:prstGeom>
+          <a:noFill/>
+          <a:ln>
+            <a:noFill/>
+          </a:ln>
+        </p:spPr>
+        <p:style>
+          <a:lnRef idx="0"/>
+          <a:fillRef idx="0"/>
+          <a:effectRef idx="0"/>
+          <a:fontRef idx="minor"/>
+        </p:style>
+        <p:txBody>
           <a:bodyPr lIns="90000" rIns="90000" tIns="91440" bIns="91440"/>
           <a:p>
             <a:pPr algn="r">
@@ -12168,7 +12286,7 @@
                 <a:spcPct val="100000"/>
               </a:lnSpc>
             </a:pPr>
-            <a:fld id="{73298B8C-8299-41F8-B59D-D1B95E36F9E2}" type="slidenum">
+            <a:fld id="{2FB92424-BB66-4A69-AC4B-CFEBBAA67508}" type="slidenum">
               <a:rPr b="0" lang="en-US" sz="1300" spc="-1" strike="noStrike">
                 <a:solidFill>
                   <a:srgbClr val="000000"/>
@@ -12176,128 +12294,9 @@
                 <a:latin typeface="Arial"/>
                 <a:ea typeface="Arial"/>
               </a:rPr>
-              <a:t>1</a:t>
+              <a:t>&lt;number&gt;</a:t>
             </a:fld>
             <a:endParaRPr b="0" lang="en-US" sz="1300" spc="-1" strike="noStrike">
-              <a:latin typeface="Arial"/>
-            </a:endParaRPr>
-          </a:p>
-        </p:txBody>
-      </p:sp>
-      <p:sp>
-        <p:nvSpPr>
-          <p:cNvPr id="247" name="CustomShape 3"/>
-          <p:cNvSpPr/>
-          <p:nvPr/>
-        </p:nvSpPr>
-        <p:spPr>
-          <a:xfrm>
-            <a:off x="97200" y="1103760"/>
-            <a:ext cx="8873280" cy="2999160"/>
-          </a:xfrm>
-          <a:prstGeom prst="rect">
-            <a:avLst/>
-          </a:prstGeom>
-          <a:noFill/>
-          <a:ln>
-            <a:noFill/>
-          </a:ln>
-        </p:spPr>
-        <p:style>
-          <a:lnRef idx="0"/>
-          <a:fillRef idx="0"/>
-          <a:effectRef idx="0"/>
-          <a:fontRef idx="minor"/>
-        </p:style>
-        <p:txBody>
-          <a:bodyPr lIns="90000" rIns="90000" tIns="91440" bIns="91440"/>
-          <a:p>
-            <a:pPr>
-              <a:lnSpc>
-                <a:spcPct val="100000"/>
-              </a:lnSpc>
-            </a:pPr>
-            <a:r>
-              <a:rPr b="0" lang="en-US" sz="1400" spc="-1" strike="noStrike">
-                <a:solidFill>
-                  <a:srgbClr val="000000"/>
-                </a:solidFill>
-                <a:latin typeface="Arial"/>
-                <a:ea typeface="Arial"/>
-              </a:rPr>
-              <a:t>(?a &lt;https://www.ica.org/standards/RiC/ontology#publishedBy&gt; &lt;http://dbpedia.org/resource/Elsevier&gt;) ^ (?b &lt;http://www.w3.org/1999/02/22-rdf-syntax-ns#type&gt; &lt;http://dbpedia.org/ontology/ChemicalCompound&gt;) -&gt; (?a &lt;http://idlab.github.io/covid19#hasConcept&gt; ?b) | support: 81987, headCoverage: 0.04837402115577961, headSize: 1694856</a:t>
-            </a:r>
-            <a:endParaRPr b="0" lang="en-US" sz="1400" spc="-1" strike="noStrike">
-              <a:latin typeface="Arial"/>
-            </a:endParaRPr>
-          </a:p>
-          <a:p>
-            <a:pPr>
-              <a:lnSpc>
-                <a:spcPct val="100000"/>
-              </a:lnSpc>
-            </a:pPr>
-            <a:endParaRPr b="0" lang="en-US" sz="1400" spc="-1" strike="noStrike">
-              <a:latin typeface="Arial"/>
-            </a:endParaRPr>
-          </a:p>
-          <a:p>
-            <a:pPr>
-              <a:lnSpc>
-                <a:spcPct val="100000"/>
-              </a:lnSpc>
-            </a:pPr>
-            <a:r>
-              <a:rPr b="0" lang="en-US" sz="1400" spc="-1" strike="noStrike">
-                <a:solidFill>
-                  <a:srgbClr val="000000"/>
-                </a:solidFill>
-                <a:latin typeface="Arial"/>
-                <a:ea typeface="Arial"/>
-              </a:rPr>
-              <a:t>(?a &lt;http://www.w3.org/1999/02/22-rdf-syntax-ns#type&gt; &lt;http://purl.org/spar/fabio/JournalArticle&gt;) ^ (?b &lt;http://www.w3.org/1999/02/22-rdf-syntax-ns#type&gt; &lt;http://dbpedia.org/ontology/ChemicalCompound&gt;) -&gt; (?a &lt;http://idlab.github.io/covid19#hasConcept&gt; ?b) | support: 161969, headCoverage: 0.09556505095418136, headSize: 1694856</a:t>
-            </a:r>
-            <a:endParaRPr b="0" lang="en-US" sz="1400" spc="-1" strike="noStrike">
-              <a:latin typeface="Arial"/>
-            </a:endParaRPr>
-          </a:p>
-          <a:p>
-            <a:pPr>
-              <a:lnSpc>
-                <a:spcPct val="100000"/>
-              </a:lnSpc>
-            </a:pPr>
-            <a:endParaRPr b="0" lang="en-US" sz="1400" spc="-1" strike="noStrike">
-              <a:latin typeface="Arial"/>
-            </a:endParaRPr>
-          </a:p>
-          <a:p>
-            <a:pPr>
-              <a:lnSpc>
-                <a:spcPct val="100000"/>
-              </a:lnSpc>
-            </a:pPr>
-            <a:r>
-              <a:rPr b="0" lang="en-US" sz="1400" spc="-1" strike="noStrike">
-                <a:solidFill>
-                  <a:srgbClr val="000000"/>
-                </a:solidFill>
-                <a:latin typeface="Arial"/>
-                <a:ea typeface="Arial"/>
-              </a:rPr>
-              <a:t>(?a &lt;http://www.w3.org/1999/02/22-rdf-syntax-ns#type&gt; &lt;http://purl.org/spar/fabio/Work&gt;) ^ (?b &lt;http://www.w3.org/1999/02/22-rdf-syntax-ns#type&gt; &lt;http://dbpedia.org/ontology/ChemicalCompound&gt;) -&gt; (?a &lt;http://idlab.github.io/covid19#hasConcept&gt; ?b) | support: 178542, headCoverage: 0.10534346280745975, headSize: 1694856</a:t>
-            </a:r>
-            <a:endParaRPr b="0" lang="en-US" sz="1400" spc="-1" strike="noStrike">
-              <a:latin typeface="Arial"/>
-            </a:endParaRPr>
-          </a:p>
-          <a:p>
-            <a:pPr>
-              <a:lnSpc>
-                <a:spcPct val="100000"/>
-              </a:lnSpc>
-            </a:pPr>
-            <a:endParaRPr b="0" lang="en-US" sz="1400" spc="-1" strike="noStrike">
               <a:latin typeface="Arial"/>
             </a:endParaRPr>
           </a:p>

--- a/Entity-Based Document Classification on the CORD- 19 Corpus.pptx
+++ b/Entity-Based Document Classification on the CORD- 19 Corpus.pptx
@@ -3427,7 +3427,7 @@
       </p:grpSpPr>
       <p:sp>
         <p:nvSpPr>
-          <p:cNvPr id="121" name="PlaceHolder 1"/>
+          <p:cNvPr id="118" name="PlaceHolder 1"/>
           <p:cNvSpPr>
             <a:spLocks noGrp="1"/>
           </p:cNvSpPr>
@@ -3456,7 +3456,7 @@
       </p:sp>
       <p:sp>
         <p:nvSpPr>
-          <p:cNvPr id="122" name="PlaceHolder 2"/>
+          <p:cNvPr id="119" name="PlaceHolder 2"/>
           <p:cNvSpPr>
             <a:spLocks noGrp="1"/>
           </p:cNvSpPr>
@@ -3507,7 +3507,7 @@
       </p:grpSpPr>
       <p:sp>
         <p:nvSpPr>
-          <p:cNvPr id="123" name="PlaceHolder 1"/>
+          <p:cNvPr id="120" name="PlaceHolder 1"/>
           <p:cNvSpPr>
             <a:spLocks noGrp="1"/>
           </p:cNvSpPr>
@@ -3536,7 +3536,7 @@
       </p:sp>
       <p:sp>
         <p:nvSpPr>
-          <p:cNvPr id="124" name="PlaceHolder 2"/>
+          <p:cNvPr id="121" name="PlaceHolder 2"/>
           <p:cNvSpPr>
             <a:spLocks noGrp="1"/>
           </p:cNvSpPr>
@@ -3699,7 +3699,7 @@
       </p:grpSpPr>
       <p:sp>
         <p:nvSpPr>
-          <p:cNvPr id="125" name="PlaceHolder 1"/>
+          <p:cNvPr id="122" name="PlaceHolder 1"/>
           <p:cNvSpPr>
             <a:spLocks noGrp="1"/>
           </p:cNvSpPr>
@@ -3728,7 +3728,7 @@
       </p:sp>
       <p:sp>
         <p:nvSpPr>
-          <p:cNvPr id="126" name="PlaceHolder 2"/>
+          <p:cNvPr id="123" name="PlaceHolder 2"/>
           <p:cNvSpPr>
             <a:spLocks noGrp="1"/>
           </p:cNvSpPr>
@@ -3758,7 +3758,7 @@
       </p:sp>
       <p:sp>
         <p:nvSpPr>
-          <p:cNvPr id="127" name="PlaceHolder 3"/>
+          <p:cNvPr id="124" name="PlaceHolder 3"/>
           <p:cNvSpPr>
             <a:spLocks noGrp="1"/>
           </p:cNvSpPr>
@@ -3810,7 +3810,7 @@
       </p:grpSpPr>
       <p:sp>
         <p:nvSpPr>
-          <p:cNvPr id="128" name="PlaceHolder 1"/>
+          <p:cNvPr id="125" name="PlaceHolder 1"/>
           <p:cNvSpPr>
             <a:spLocks noGrp="1"/>
           </p:cNvSpPr>
@@ -3861,7 +3861,7 @@
       </p:grpSpPr>
       <p:sp>
         <p:nvSpPr>
-          <p:cNvPr id="129" name="PlaceHolder 1"/>
+          <p:cNvPr id="126" name="PlaceHolder 1"/>
           <p:cNvSpPr>
             <a:spLocks noGrp="1"/>
           </p:cNvSpPr>
@@ -3912,7 +3912,7 @@
       </p:grpSpPr>
       <p:sp>
         <p:nvSpPr>
-          <p:cNvPr id="130" name="PlaceHolder 1"/>
+          <p:cNvPr id="127" name="PlaceHolder 1"/>
           <p:cNvSpPr>
             <a:spLocks noGrp="1"/>
           </p:cNvSpPr>
@@ -3941,7 +3941,7 @@
       </p:sp>
       <p:sp>
         <p:nvSpPr>
-          <p:cNvPr id="131" name="PlaceHolder 2"/>
+          <p:cNvPr id="128" name="PlaceHolder 2"/>
           <p:cNvSpPr>
             <a:spLocks noGrp="1"/>
           </p:cNvSpPr>
@@ -3971,7 +3971,7 @@
       </p:sp>
       <p:sp>
         <p:nvSpPr>
-          <p:cNvPr id="132" name="PlaceHolder 3"/>
+          <p:cNvPr id="129" name="PlaceHolder 3"/>
           <p:cNvSpPr>
             <a:spLocks noGrp="1"/>
           </p:cNvSpPr>
@@ -4001,7 +4001,7 @@
       </p:sp>
       <p:sp>
         <p:nvSpPr>
-          <p:cNvPr id="133" name="PlaceHolder 4"/>
+          <p:cNvPr id="130" name="PlaceHolder 4"/>
           <p:cNvSpPr>
             <a:spLocks noGrp="1"/>
           </p:cNvSpPr>
@@ -4053,7 +4053,7 @@
       </p:grpSpPr>
       <p:sp>
         <p:nvSpPr>
-          <p:cNvPr id="134" name="PlaceHolder 1"/>
+          <p:cNvPr id="131" name="PlaceHolder 1"/>
           <p:cNvSpPr>
             <a:spLocks noGrp="1"/>
           </p:cNvSpPr>
@@ -4082,7 +4082,7 @@
       </p:sp>
       <p:sp>
         <p:nvSpPr>
-          <p:cNvPr id="135" name="PlaceHolder 2"/>
+          <p:cNvPr id="132" name="PlaceHolder 2"/>
           <p:cNvSpPr>
             <a:spLocks noGrp="1"/>
           </p:cNvSpPr>
@@ -4112,7 +4112,7 @@
       </p:sp>
       <p:sp>
         <p:nvSpPr>
-          <p:cNvPr id="136" name="PlaceHolder 3"/>
+          <p:cNvPr id="133" name="PlaceHolder 3"/>
           <p:cNvSpPr>
             <a:spLocks noGrp="1"/>
           </p:cNvSpPr>
@@ -4142,7 +4142,7 @@
       </p:sp>
       <p:sp>
         <p:nvSpPr>
-          <p:cNvPr id="137" name="PlaceHolder 4"/>
+          <p:cNvPr id="134" name="PlaceHolder 4"/>
           <p:cNvSpPr>
             <a:spLocks noGrp="1"/>
           </p:cNvSpPr>
@@ -4194,7 +4194,7 @@
       </p:grpSpPr>
       <p:sp>
         <p:nvSpPr>
-          <p:cNvPr id="138" name="PlaceHolder 1"/>
+          <p:cNvPr id="135" name="PlaceHolder 1"/>
           <p:cNvSpPr>
             <a:spLocks noGrp="1"/>
           </p:cNvSpPr>
@@ -4223,7 +4223,7 @@
       </p:sp>
       <p:sp>
         <p:nvSpPr>
-          <p:cNvPr id="139" name="PlaceHolder 2"/>
+          <p:cNvPr id="136" name="PlaceHolder 2"/>
           <p:cNvSpPr>
             <a:spLocks noGrp="1"/>
           </p:cNvSpPr>
@@ -4253,7 +4253,7 @@
       </p:sp>
       <p:sp>
         <p:nvSpPr>
-          <p:cNvPr id="140" name="PlaceHolder 3"/>
+          <p:cNvPr id="137" name="PlaceHolder 3"/>
           <p:cNvSpPr>
             <a:spLocks noGrp="1"/>
           </p:cNvSpPr>
@@ -4283,7 +4283,7 @@
       </p:sp>
       <p:sp>
         <p:nvSpPr>
-          <p:cNvPr id="141" name="PlaceHolder 4"/>
+          <p:cNvPr id="138" name="PlaceHolder 4"/>
           <p:cNvSpPr>
             <a:spLocks noGrp="1"/>
           </p:cNvSpPr>
@@ -4335,7 +4335,7 @@
       </p:grpSpPr>
       <p:sp>
         <p:nvSpPr>
-          <p:cNvPr id="142" name="PlaceHolder 1"/>
+          <p:cNvPr id="139" name="PlaceHolder 1"/>
           <p:cNvSpPr>
             <a:spLocks noGrp="1"/>
           </p:cNvSpPr>
@@ -4364,7 +4364,7 @@
       </p:sp>
       <p:sp>
         <p:nvSpPr>
-          <p:cNvPr id="143" name="PlaceHolder 2"/>
+          <p:cNvPr id="140" name="PlaceHolder 2"/>
           <p:cNvSpPr>
             <a:spLocks noGrp="1"/>
           </p:cNvSpPr>
@@ -4394,7 +4394,7 @@
       </p:sp>
       <p:sp>
         <p:nvSpPr>
-          <p:cNvPr id="144" name="PlaceHolder 3"/>
+          <p:cNvPr id="141" name="PlaceHolder 3"/>
           <p:cNvSpPr>
             <a:spLocks noGrp="1"/>
           </p:cNvSpPr>
@@ -4446,7 +4446,7 @@
       </p:grpSpPr>
       <p:sp>
         <p:nvSpPr>
-          <p:cNvPr id="145" name="PlaceHolder 1"/>
+          <p:cNvPr id="142" name="PlaceHolder 1"/>
           <p:cNvSpPr>
             <a:spLocks noGrp="1"/>
           </p:cNvSpPr>
@@ -4475,7 +4475,7 @@
       </p:sp>
       <p:sp>
         <p:nvSpPr>
-          <p:cNvPr id="146" name="PlaceHolder 2"/>
+          <p:cNvPr id="143" name="PlaceHolder 2"/>
           <p:cNvSpPr>
             <a:spLocks noGrp="1"/>
           </p:cNvSpPr>
@@ -4505,7 +4505,7 @@
       </p:sp>
       <p:sp>
         <p:nvSpPr>
-          <p:cNvPr id="147" name="PlaceHolder 3"/>
+          <p:cNvPr id="144" name="PlaceHolder 3"/>
           <p:cNvSpPr>
             <a:spLocks noGrp="1"/>
           </p:cNvSpPr>
@@ -4535,7 +4535,7 @@
       </p:sp>
       <p:sp>
         <p:nvSpPr>
-          <p:cNvPr id="148" name="PlaceHolder 4"/>
+          <p:cNvPr id="145" name="PlaceHolder 4"/>
           <p:cNvSpPr>
             <a:spLocks noGrp="1"/>
           </p:cNvSpPr>
@@ -4565,7 +4565,7 @@
       </p:sp>
       <p:sp>
         <p:nvSpPr>
-          <p:cNvPr id="149" name="PlaceHolder 5"/>
+          <p:cNvPr id="146" name="PlaceHolder 5"/>
           <p:cNvSpPr>
             <a:spLocks noGrp="1"/>
           </p:cNvSpPr>
@@ -4617,7 +4617,7 @@
       </p:grpSpPr>
       <p:sp>
         <p:nvSpPr>
-          <p:cNvPr id="150" name="PlaceHolder 1"/>
+          <p:cNvPr id="147" name="PlaceHolder 1"/>
           <p:cNvSpPr>
             <a:spLocks noGrp="1"/>
           </p:cNvSpPr>
@@ -4646,7 +4646,7 @@
       </p:sp>
       <p:sp>
         <p:nvSpPr>
-          <p:cNvPr id="151" name="PlaceHolder 2"/>
+          <p:cNvPr id="148" name="PlaceHolder 2"/>
           <p:cNvSpPr>
             <a:spLocks noGrp="1"/>
           </p:cNvSpPr>
@@ -4676,7 +4676,7 @@
       </p:sp>
       <p:sp>
         <p:nvSpPr>
-          <p:cNvPr id="152" name="PlaceHolder 3"/>
+          <p:cNvPr id="149" name="PlaceHolder 3"/>
           <p:cNvSpPr>
             <a:spLocks noGrp="1"/>
           </p:cNvSpPr>
@@ -4706,7 +4706,7 @@
       </p:sp>
       <p:sp>
         <p:nvSpPr>
-          <p:cNvPr id="153" name="PlaceHolder 4"/>
+          <p:cNvPr id="150" name="PlaceHolder 4"/>
           <p:cNvSpPr>
             <a:spLocks noGrp="1"/>
           </p:cNvSpPr>
@@ -4736,7 +4736,7 @@
       </p:sp>
       <p:sp>
         <p:nvSpPr>
-          <p:cNvPr id="154" name="PlaceHolder 5"/>
+          <p:cNvPr id="151" name="PlaceHolder 5"/>
           <p:cNvSpPr>
             <a:spLocks noGrp="1"/>
           </p:cNvSpPr>
@@ -4766,7 +4766,7 @@
       </p:sp>
       <p:sp>
         <p:nvSpPr>
-          <p:cNvPr id="155" name="PlaceHolder 6"/>
+          <p:cNvPr id="152" name="PlaceHolder 6"/>
           <p:cNvSpPr>
             <a:spLocks noGrp="1"/>
           </p:cNvSpPr>
@@ -4796,7 +4796,7 @@
       </p:sp>
       <p:sp>
         <p:nvSpPr>
-          <p:cNvPr id="156" name="PlaceHolder 7"/>
+          <p:cNvPr id="153" name="PlaceHolder 7"/>
           <p:cNvSpPr>
             <a:spLocks noGrp="1"/>
           </p:cNvSpPr>
@@ -7235,7 +7235,7 @@
         <p:spPr>
           <a:xfrm>
             <a:off x="-14760" y="842760"/>
-            <a:ext cx="9159480" cy="360"/>
+            <a:ext cx="9158760" cy="360"/>
           </a:xfrm>
           <a:custGeom>
             <a:avLst/>
@@ -7277,7 +7277,7 @@
         <p:spPr>
           <a:xfrm>
             <a:off x="292320" y="4749840"/>
-            <a:ext cx="8441280" cy="360"/>
+            <a:ext cx="8440560" cy="360"/>
           </a:xfrm>
           <a:custGeom>
             <a:avLst/>
@@ -7301,8 +7301,8 @@
               <a:schemeClr val="dk2"/>
             </a:solidFill>
             <a:custDash>
-              <a:ds d="3900000" sp="2900000"/>
-              <a:ds d="100000" sp="2900000"/>
+              <a:ds d="7000000" sp="5200000"/>
+              <a:ds d="100000" sp="5200000"/>
             </a:custDash>
             <a:round/>
           </a:ln>
@@ -7574,95 +7574,7 @@
       </p:grpSpPr>
       <p:sp>
         <p:nvSpPr>
-          <p:cNvPr id="116" name="CustomShape 1"/>
-          <p:cNvSpPr/>
-          <p:nvPr/>
-        </p:nvSpPr>
-        <p:spPr>
-          <a:xfrm>
-            <a:off x="-14760" y="842760"/>
-            <a:ext cx="9161640" cy="360"/>
-          </a:xfrm>
-          <a:custGeom>
-            <a:avLst/>
-            <a:gdLst/>
-            <a:ahLst/>
-            <a:rect l="l" t="t" r="r" b="b"/>
-            <a:pathLst>
-              <a:path w="21600" h="21600">
-                <a:moveTo>
-                  <a:pt x="0" y="0"/>
-                </a:moveTo>
-                <a:lnTo>
-                  <a:pt x="21600" y="21600"/>
-                </a:lnTo>
-              </a:path>
-            </a:pathLst>
-          </a:custGeom>
-          <a:noFill/>
-          <a:ln w="19080">
-            <a:solidFill>
-              <a:schemeClr val="dk2"/>
-            </a:solidFill>
-            <a:round/>
-          </a:ln>
-        </p:spPr>
-        <p:style>
-          <a:lnRef idx="0"/>
-          <a:fillRef idx="0"/>
-          <a:effectRef idx="0"/>
-          <a:fontRef idx="minor"/>
-        </p:style>
-      </p:sp>
-      <p:sp>
-        <p:nvSpPr>
-          <p:cNvPr id="117" name="CustomShape 2"/>
-          <p:cNvSpPr/>
-          <p:nvPr/>
-        </p:nvSpPr>
-        <p:spPr>
-          <a:xfrm>
-            <a:off x="292320" y="4749840"/>
-            <a:ext cx="8443440" cy="360"/>
-          </a:xfrm>
-          <a:custGeom>
-            <a:avLst/>
-            <a:gdLst/>
-            <a:ahLst/>
-            <a:rect l="l" t="t" r="r" b="b"/>
-            <a:pathLst>
-              <a:path w="21600" h="21600">
-                <a:moveTo>
-                  <a:pt x="0" y="0"/>
-                </a:moveTo>
-                <a:lnTo>
-                  <a:pt x="21600" y="21600"/>
-                </a:lnTo>
-              </a:path>
-            </a:pathLst>
-          </a:custGeom>
-          <a:noFill/>
-          <a:ln cap="rnd" w="9360">
-            <a:solidFill>
-              <a:schemeClr val="dk2"/>
-            </a:solidFill>
-            <a:custDash>
-              <a:ds d="800000" sp="600000"/>
-              <a:ds d="100000" sp="600000"/>
-            </a:custDash>
-            <a:round/>
-          </a:ln>
-        </p:spPr>
-        <p:style>
-          <a:lnRef idx="0"/>
-          <a:fillRef idx="0"/>
-          <a:effectRef idx="0"/>
-          <a:fontRef idx="minor"/>
-        </p:style>
-      </p:sp>
-      <p:sp>
-        <p:nvSpPr>
-          <p:cNvPr id="118" name="PlaceHolder 3"/>
+          <p:cNvPr id="116" name="PlaceHolder 1"/>
           <p:cNvSpPr>
             <a:spLocks noGrp="1"/>
           </p:cNvSpPr>
@@ -7673,7 +7585,7 @@
         <p:spPr>
           <a:xfrm>
             <a:off x="457200" y="205200"/>
-            <a:ext cx="8228520" cy="857880"/>
+            <a:ext cx="8229240" cy="858600"/>
           </a:xfrm>
           <a:prstGeom prst="rect">
             <a:avLst/>
@@ -7682,21 +7594,22 @@
         <p:txBody>
           <a:bodyPr lIns="0" rIns="0" tIns="0" bIns="0" anchor="ctr"/>
           <a:p>
+            <a:pPr algn="ctr"/>
             <a:r>
-              <a:rPr b="0" lang="en-US" sz="1800" spc="-1" strike="noStrike">
+              <a:rPr b="0" lang="en-US" sz="4400" spc="-1" strike="noStrike">
                 <a:latin typeface="Arial"/>
               </a:rPr>
               <a:t>Click to edit the title text format</a:t>
             </a:r>
-            <a:endParaRPr b="0" lang="en-US" sz="1800" spc="-1" strike="noStrike">
-              <a:latin typeface="Arial"/>
-            </a:endParaRPr>
-          </a:p>
-        </p:txBody>
-      </p:sp>
-      <p:sp>
-        <p:nvSpPr>
-          <p:cNvPr id="119" name="PlaceHolder 4"/>
+            <a:endParaRPr b="0" lang="en-US" sz="4400" spc="-1" strike="noStrike">
+              <a:latin typeface="Arial"/>
+            </a:endParaRPr>
+          </a:p>
+        </p:txBody>
+      </p:sp>
+      <p:sp>
+        <p:nvSpPr>
+          <p:cNvPr id="117" name="PlaceHolder 2"/>
           <p:cNvSpPr>
             <a:spLocks noGrp="1"/>
           </p:cNvSpPr>
@@ -7707,7 +7620,7 @@
         <p:spPr>
           <a:xfrm>
             <a:off x="457200" y="1203480"/>
-            <a:ext cx="4015080" cy="2982240"/>
+            <a:ext cx="8229240" cy="2982960"/>
           </a:xfrm>
           <a:prstGeom prst="rect">
             <a:avLst/>
@@ -7730,12 +7643,12 @@
               <a:buChar char=""/>
             </a:pPr>
             <a:r>
-              <a:rPr b="0" lang="en-US" sz="1800" spc="-1" strike="noStrike">
+              <a:rPr b="0" lang="en-US" sz="3200" spc="-1" strike="noStrike">
                 <a:latin typeface="Arial"/>
               </a:rPr>
               <a:t>Click to edit the outline text format</a:t>
             </a:r>
-            <a:endParaRPr b="0" lang="en-US" sz="1800" spc="-1" strike="noStrike">
+            <a:endParaRPr b="0" lang="en-US" sz="3200" spc="-1" strike="noStrike">
               <a:latin typeface="Arial"/>
             </a:endParaRPr>
           </a:p>
@@ -7752,12 +7665,12 @@
               <a:buChar char=""/>
             </a:pPr>
             <a:r>
-              <a:rPr b="0" lang="en-US" sz="1800" spc="-1" strike="noStrike">
+              <a:rPr b="0" lang="en-US" sz="2800" spc="-1" strike="noStrike">
                 <a:latin typeface="Arial"/>
               </a:rPr>
               <a:t>Second Outline Level</a:t>
             </a:r>
-            <a:endParaRPr b="0" lang="en-US" sz="1800" spc="-1" strike="noStrike">
+            <a:endParaRPr b="0" lang="en-US" sz="2800" spc="-1" strike="noStrike">
               <a:latin typeface="Arial"/>
             </a:endParaRPr>
           </a:p>
@@ -7774,12 +7687,12 @@
               <a:buChar char=""/>
             </a:pPr>
             <a:r>
-              <a:rPr b="0" lang="en-US" sz="1800" spc="-1" strike="noStrike">
+              <a:rPr b="0" lang="en-US" sz="2400" spc="-1" strike="noStrike">
                 <a:latin typeface="Arial"/>
               </a:rPr>
               <a:t>Third Outline Level</a:t>
             </a:r>
-            <a:endParaRPr b="0" lang="en-US" sz="1800" spc="-1" strike="noStrike">
+            <a:endParaRPr b="0" lang="en-US" sz="2400" spc="-1" strike="noStrike">
               <a:latin typeface="Arial"/>
             </a:endParaRPr>
           </a:p>
@@ -7796,12 +7709,12 @@
               <a:buChar char=""/>
             </a:pPr>
             <a:r>
-              <a:rPr b="0" lang="en-US" sz="1800" spc="-1" strike="noStrike">
+              <a:rPr b="0" lang="en-US" sz="2000" spc="-1" strike="noStrike">
                 <a:latin typeface="Arial"/>
               </a:rPr>
               <a:t>Fourth Outline Level</a:t>
             </a:r>
-            <a:endParaRPr b="0" lang="en-US" sz="1800" spc="-1" strike="noStrike">
+            <a:endParaRPr b="0" lang="en-US" sz="2000" spc="-1" strike="noStrike">
               <a:latin typeface="Arial"/>
             </a:endParaRPr>
           </a:p>
@@ -7818,12 +7731,12 @@
               <a:buChar char=""/>
             </a:pPr>
             <a:r>
-              <a:rPr b="0" lang="en-US" sz="1800" spc="-1" strike="noStrike">
+              <a:rPr b="0" lang="en-US" sz="2000" spc="-1" strike="noStrike">
                 <a:latin typeface="Arial"/>
               </a:rPr>
               <a:t>Fifth Outline Level</a:t>
             </a:r>
-            <a:endParaRPr b="0" lang="en-US" sz="1800" spc="-1" strike="noStrike">
+            <a:endParaRPr b="0" lang="en-US" sz="2000" spc="-1" strike="noStrike">
               <a:latin typeface="Arial"/>
             </a:endParaRPr>
           </a:p>
@@ -7840,12 +7753,12 @@
               <a:buChar char=""/>
             </a:pPr>
             <a:r>
-              <a:rPr b="0" lang="en-US" sz="1800" spc="-1" strike="noStrike">
+              <a:rPr b="0" lang="en-US" sz="2000" spc="-1" strike="noStrike">
                 <a:latin typeface="Arial"/>
               </a:rPr>
               <a:t>Sixth Outline Level</a:t>
             </a:r>
-            <a:endParaRPr b="0" lang="en-US" sz="1800" spc="-1" strike="noStrike">
+            <a:endParaRPr b="0" lang="en-US" sz="2000" spc="-1" strike="noStrike">
               <a:latin typeface="Arial"/>
             </a:endParaRPr>
           </a:p>
@@ -7862,191 +7775,12 @@
               <a:buChar char=""/>
             </a:pPr>
             <a:r>
-              <a:rPr b="0" lang="en-US" sz="1800" spc="-1" strike="noStrike">
+              <a:rPr b="0" lang="en-US" sz="2000" spc="-1" strike="noStrike">
                 <a:latin typeface="Arial"/>
               </a:rPr>
               <a:t>Seventh Outline Level</a:t>
             </a:r>
-            <a:endParaRPr b="0" lang="en-US" sz="1800" spc="-1" strike="noStrike">
-              <a:latin typeface="Arial"/>
-            </a:endParaRPr>
-          </a:p>
-        </p:txBody>
-      </p:sp>
-      <p:sp>
-        <p:nvSpPr>
-          <p:cNvPr id="120" name="PlaceHolder 5"/>
-          <p:cNvSpPr>
-            <a:spLocks noGrp="1"/>
-          </p:cNvSpPr>
-          <p:nvPr>
-            <p:ph type="body"/>
-          </p:nvPr>
-        </p:nvSpPr>
-        <p:spPr>
-          <a:xfrm>
-            <a:off x="4673880" y="1203480"/>
-            <a:ext cx="4015080" cy="2982240"/>
-          </a:xfrm>
-          <a:prstGeom prst="rect">
-            <a:avLst/>
-          </a:prstGeom>
-        </p:spPr>
-        <p:txBody>
-          <a:bodyPr lIns="0" rIns="0" tIns="0" bIns="0">
-            <a:normAutofit/>
-          </a:bodyPr>
-          <a:p>
-            <a:pPr marL="432000" indent="-324000">
-              <a:spcBef>
-                <a:spcPts val="1417"/>
-              </a:spcBef>
-              <a:buClr>
-                <a:srgbClr val="000000"/>
-              </a:buClr>
-              <a:buSzPct val="45000"/>
-              <a:buFont typeface="Wingdings" charset="2"/>
-              <a:buChar char=""/>
-            </a:pPr>
-            <a:r>
-              <a:rPr b="0" lang="en-US" sz="1800" spc="-1" strike="noStrike">
-                <a:latin typeface="Arial"/>
-              </a:rPr>
-              <a:t>Click to edit the outline text format</a:t>
-            </a:r>
-            <a:endParaRPr b="0" lang="en-US" sz="1800" spc="-1" strike="noStrike">
-              <a:latin typeface="Arial"/>
-            </a:endParaRPr>
-          </a:p>
-          <a:p>
-            <a:pPr lvl="1" marL="864000" indent="-324000">
-              <a:spcBef>
-                <a:spcPts val="1134"/>
-              </a:spcBef>
-              <a:buClr>
-                <a:srgbClr val="000000"/>
-              </a:buClr>
-              <a:buSzPct val="75000"/>
-              <a:buFont typeface="Symbol" charset="2"/>
-              <a:buChar char=""/>
-            </a:pPr>
-            <a:r>
-              <a:rPr b="0" lang="en-US" sz="1800" spc="-1" strike="noStrike">
-                <a:latin typeface="Arial"/>
-              </a:rPr>
-              <a:t>Second Outline Level</a:t>
-            </a:r>
-            <a:endParaRPr b="0" lang="en-US" sz="1800" spc="-1" strike="noStrike">
-              <a:latin typeface="Arial"/>
-            </a:endParaRPr>
-          </a:p>
-          <a:p>
-            <a:pPr lvl="2" marL="1296000" indent="-288000">
-              <a:spcBef>
-                <a:spcPts val="850"/>
-              </a:spcBef>
-              <a:buClr>
-                <a:srgbClr val="000000"/>
-              </a:buClr>
-              <a:buSzPct val="45000"/>
-              <a:buFont typeface="Wingdings" charset="2"/>
-              <a:buChar char=""/>
-            </a:pPr>
-            <a:r>
-              <a:rPr b="0" lang="en-US" sz="1800" spc="-1" strike="noStrike">
-                <a:latin typeface="Arial"/>
-              </a:rPr>
-              <a:t>Third Outline Level</a:t>
-            </a:r>
-            <a:endParaRPr b="0" lang="en-US" sz="1800" spc="-1" strike="noStrike">
-              <a:latin typeface="Arial"/>
-            </a:endParaRPr>
-          </a:p>
-          <a:p>
-            <a:pPr lvl="3" marL="1728000" indent="-216000">
-              <a:spcBef>
-                <a:spcPts val="567"/>
-              </a:spcBef>
-              <a:buClr>
-                <a:srgbClr val="000000"/>
-              </a:buClr>
-              <a:buSzPct val="75000"/>
-              <a:buFont typeface="Symbol" charset="2"/>
-              <a:buChar char=""/>
-            </a:pPr>
-            <a:r>
-              <a:rPr b="0" lang="en-US" sz="1800" spc="-1" strike="noStrike">
-                <a:latin typeface="Arial"/>
-              </a:rPr>
-              <a:t>Fourth Outline Level</a:t>
-            </a:r>
-            <a:endParaRPr b="0" lang="en-US" sz="1800" spc="-1" strike="noStrike">
-              <a:latin typeface="Arial"/>
-            </a:endParaRPr>
-          </a:p>
-          <a:p>
-            <a:pPr lvl="4" marL="2160000" indent="-216000">
-              <a:spcBef>
-                <a:spcPts val="283"/>
-              </a:spcBef>
-              <a:buClr>
-                <a:srgbClr val="000000"/>
-              </a:buClr>
-              <a:buSzPct val="45000"/>
-              <a:buFont typeface="Wingdings" charset="2"/>
-              <a:buChar char=""/>
-            </a:pPr>
-            <a:r>
-              <a:rPr b="0" lang="en-US" sz="1800" spc="-1" strike="noStrike">
-                <a:latin typeface="Arial"/>
-              </a:rPr>
-              <a:t>Fifth Outline Level</a:t>
-            </a:r>
-            <a:endParaRPr b="0" lang="en-US" sz="1800" spc="-1" strike="noStrike">
-              <a:latin typeface="Arial"/>
-            </a:endParaRPr>
-          </a:p>
-          <a:p>
-            <a:pPr lvl="5" marL="2592000" indent="-216000">
-              <a:spcBef>
-                <a:spcPts val="283"/>
-              </a:spcBef>
-              <a:buClr>
-                <a:srgbClr val="000000"/>
-              </a:buClr>
-              <a:buSzPct val="45000"/>
-              <a:buFont typeface="Wingdings" charset="2"/>
-              <a:buChar char=""/>
-            </a:pPr>
-            <a:r>
-              <a:rPr b="0" lang="en-US" sz="1800" spc="-1" strike="noStrike">
-                <a:latin typeface="Arial"/>
-              </a:rPr>
-              <a:t>Sixth Outline Level</a:t>
-            </a:r>
-            <a:endParaRPr b="0" lang="en-US" sz="1800" spc="-1" strike="noStrike">
-              <a:latin typeface="Arial"/>
-            </a:endParaRPr>
-          </a:p>
-          <a:p>
-            <a:pPr lvl="6" marL="3024000" indent="-216000">
-              <a:spcBef>
-                <a:spcPts val="283"/>
-              </a:spcBef>
-              <a:buClr>
-                <a:srgbClr val="000000"/>
-              </a:buClr>
-              <a:buSzPct val="45000"/>
-              <a:buFont typeface="Wingdings" charset="2"/>
-              <a:buChar char=""/>
-            </a:pPr>
-            <a:r>
-              <a:rPr b="0" lang="en-US" sz="1800" spc="-1" strike="noStrike">
-                <a:latin typeface="Arial"/>
-              </a:rPr>
-              <a:t>Seventh Outline Level</a:t>
-            </a:r>
-            <a:endParaRPr b="0" lang="en-US" sz="1800" spc="-1" strike="noStrike">
+            <a:endParaRPr b="0" lang="en-US" sz="2000" spc="-1" strike="noStrike">
               <a:latin typeface="Arial"/>
             </a:endParaRPr>
           </a:p>
@@ -8098,7 +7832,95 @@
       </p:grpSpPr>
       <p:sp>
         <p:nvSpPr>
-          <p:cNvPr id="157" name="PlaceHolder 1"/>
+          <p:cNvPr id="154" name="CustomShape 1"/>
+          <p:cNvSpPr/>
+          <p:nvPr/>
+        </p:nvSpPr>
+        <p:spPr>
+          <a:xfrm>
+            <a:off x="-14760" y="842760"/>
+            <a:ext cx="9160920" cy="360"/>
+          </a:xfrm>
+          <a:custGeom>
+            <a:avLst/>
+            <a:gdLst/>
+            <a:ahLst/>
+            <a:rect l="l" t="t" r="r" b="b"/>
+            <a:pathLst>
+              <a:path w="21600" h="21600">
+                <a:moveTo>
+                  <a:pt x="0" y="0"/>
+                </a:moveTo>
+                <a:lnTo>
+                  <a:pt x="21600" y="21600"/>
+                </a:lnTo>
+              </a:path>
+            </a:pathLst>
+          </a:custGeom>
+          <a:noFill/>
+          <a:ln w="19080">
+            <a:solidFill>
+              <a:schemeClr val="dk2"/>
+            </a:solidFill>
+            <a:round/>
+          </a:ln>
+        </p:spPr>
+        <p:style>
+          <a:lnRef idx="0"/>
+          <a:fillRef idx="0"/>
+          <a:effectRef idx="0"/>
+          <a:fontRef idx="minor"/>
+        </p:style>
+      </p:sp>
+      <p:sp>
+        <p:nvSpPr>
+          <p:cNvPr id="155" name="CustomShape 2"/>
+          <p:cNvSpPr/>
+          <p:nvPr/>
+        </p:nvSpPr>
+        <p:spPr>
+          <a:xfrm>
+            <a:off x="292320" y="4749840"/>
+            <a:ext cx="8442720" cy="360"/>
+          </a:xfrm>
+          <a:custGeom>
+            <a:avLst/>
+            <a:gdLst/>
+            <a:ahLst/>
+            <a:rect l="l" t="t" r="r" b="b"/>
+            <a:pathLst>
+              <a:path w="21600" h="21600">
+                <a:moveTo>
+                  <a:pt x="0" y="0"/>
+                </a:moveTo>
+                <a:lnTo>
+                  <a:pt x="21600" y="21600"/>
+                </a:lnTo>
+              </a:path>
+            </a:pathLst>
+          </a:custGeom>
+          <a:noFill/>
+          <a:ln cap="rnd" w="9360">
+            <a:solidFill>
+              <a:schemeClr val="dk2"/>
+            </a:solidFill>
+            <a:custDash>
+              <a:ds d="1300000" sp="1000000"/>
+              <a:ds d="100000" sp="1000000"/>
+            </a:custDash>
+            <a:round/>
+          </a:ln>
+        </p:spPr>
+        <p:style>
+          <a:lnRef idx="0"/>
+          <a:fillRef idx="0"/>
+          <a:effectRef idx="0"/>
+          <a:fontRef idx="minor"/>
+        </p:style>
+      </p:sp>
+      <p:sp>
+        <p:nvSpPr>
+          <p:cNvPr id="156" name="PlaceHolder 3"/>
           <p:cNvSpPr>
             <a:spLocks noGrp="1"/>
           </p:cNvSpPr>
@@ -8109,7 +7931,7 @@
         <p:spPr>
           <a:xfrm>
             <a:off x="457200" y="205200"/>
-            <a:ext cx="8229240" cy="858600"/>
+            <a:ext cx="8228880" cy="858240"/>
           </a:xfrm>
           <a:prstGeom prst="rect">
             <a:avLst/>
@@ -8118,22 +7940,21 @@
         <p:txBody>
           <a:bodyPr lIns="0" rIns="0" tIns="0" bIns="0" anchor="ctr"/>
           <a:p>
-            <a:pPr algn="ctr"/>
             <a:r>
-              <a:rPr b="0" lang="en-US" sz="4400" spc="-1" strike="noStrike">
+              <a:rPr b="0" lang="en-US" sz="1800" spc="-1" strike="noStrike">
                 <a:latin typeface="Arial"/>
               </a:rPr>
               <a:t>Click to edit the title text format</a:t>
             </a:r>
-            <a:endParaRPr b="0" lang="en-US" sz="4400" spc="-1" strike="noStrike">
-              <a:latin typeface="Arial"/>
-            </a:endParaRPr>
-          </a:p>
-        </p:txBody>
-      </p:sp>
-      <p:sp>
-        <p:nvSpPr>
-          <p:cNvPr id="158" name="PlaceHolder 2"/>
+            <a:endParaRPr b="0" lang="en-US" sz="1800" spc="-1" strike="noStrike">
+              <a:latin typeface="Arial"/>
+            </a:endParaRPr>
+          </a:p>
+        </p:txBody>
+      </p:sp>
+      <p:sp>
+        <p:nvSpPr>
+          <p:cNvPr id="157" name="PlaceHolder 4"/>
           <p:cNvSpPr>
             <a:spLocks noGrp="1"/>
           </p:cNvSpPr>
@@ -8144,7 +7965,7 @@
         <p:spPr>
           <a:xfrm>
             <a:off x="457200" y="1203480"/>
-            <a:ext cx="8229240" cy="2982960"/>
+            <a:ext cx="4015440" cy="2982600"/>
           </a:xfrm>
           <a:prstGeom prst="rect">
             <a:avLst/>
@@ -8167,12 +7988,12 @@
               <a:buChar char=""/>
             </a:pPr>
             <a:r>
-              <a:rPr b="0" lang="en-US" sz="3200" spc="-1" strike="noStrike">
+              <a:rPr b="0" lang="en-US" sz="1800" spc="-1" strike="noStrike">
                 <a:latin typeface="Arial"/>
               </a:rPr>
               <a:t>Click to edit the outline text format</a:t>
             </a:r>
-            <a:endParaRPr b="0" lang="en-US" sz="3200" spc="-1" strike="noStrike">
+            <a:endParaRPr b="0" lang="en-US" sz="1800" spc="-1" strike="noStrike">
               <a:latin typeface="Arial"/>
             </a:endParaRPr>
           </a:p>
@@ -8189,12 +8010,12 @@
               <a:buChar char=""/>
             </a:pPr>
             <a:r>
-              <a:rPr b="0" lang="en-US" sz="2800" spc="-1" strike="noStrike">
+              <a:rPr b="0" lang="en-US" sz="1800" spc="-1" strike="noStrike">
                 <a:latin typeface="Arial"/>
               </a:rPr>
               <a:t>Second Outline Level</a:t>
             </a:r>
-            <a:endParaRPr b="0" lang="en-US" sz="2800" spc="-1" strike="noStrike">
+            <a:endParaRPr b="0" lang="en-US" sz="1800" spc="-1" strike="noStrike">
               <a:latin typeface="Arial"/>
             </a:endParaRPr>
           </a:p>
@@ -8211,12 +8032,12 @@
               <a:buChar char=""/>
             </a:pPr>
             <a:r>
-              <a:rPr b="0" lang="en-US" sz="2400" spc="-1" strike="noStrike">
+              <a:rPr b="0" lang="en-US" sz="1800" spc="-1" strike="noStrike">
                 <a:latin typeface="Arial"/>
               </a:rPr>
               <a:t>Third Outline Level</a:t>
             </a:r>
-            <a:endParaRPr b="0" lang="en-US" sz="2400" spc="-1" strike="noStrike">
+            <a:endParaRPr b="0" lang="en-US" sz="1800" spc="-1" strike="noStrike">
               <a:latin typeface="Arial"/>
             </a:endParaRPr>
           </a:p>
@@ -8233,12 +8054,12 @@
               <a:buChar char=""/>
             </a:pPr>
             <a:r>
-              <a:rPr b="0" lang="en-US" sz="2000" spc="-1" strike="noStrike">
+              <a:rPr b="0" lang="en-US" sz="1800" spc="-1" strike="noStrike">
                 <a:latin typeface="Arial"/>
               </a:rPr>
               <a:t>Fourth Outline Level</a:t>
             </a:r>
-            <a:endParaRPr b="0" lang="en-US" sz="2000" spc="-1" strike="noStrike">
+            <a:endParaRPr b="0" lang="en-US" sz="1800" spc="-1" strike="noStrike">
               <a:latin typeface="Arial"/>
             </a:endParaRPr>
           </a:p>
@@ -8255,12 +8076,12 @@
               <a:buChar char=""/>
             </a:pPr>
             <a:r>
-              <a:rPr b="0" lang="en-US" sz="2000" spc="-1" strike="noStrike">
+              <a:rPr b="0" lang="en-US" sz="1800" spc="-1" strike="noStrike">
                 <a:latin typeface="Arial"/>
               </a:rPr>
               <a:t>Fifth Outline Level</a:t>
             </a:r>
-            <a:endParaRPr b="0" lang="en-US" sz="2000" spc="-1" strike="noStrike">
+            <a:endParaRPr b="0" lang="en-US" sz="1800" spc="-1" strike="noStrike">
               <a:latin typeface="Arial"/>
             </a:endParaRPr>
           </a:p>
@@ -8277,12 +8098,12 @@
               <a:buChar char=""/>
             </a:pPr>
             <a:r>
-              <a:rPr b="0" lang="en-US" sz="2000" spc="-1" strike="noStrike">
+              <a:rPr b="0" lang="en-US" sz="1800" spc="-1" strike="noStrike">
                 <a:latin typeface="Arial"/>
               </a:rPr>
               <a:t>Sixth Outline Level</a:t>
             </a:r>
-            <a:endParaRPr b="0" lang="en-US" sz="2000" spc="-1" strike="noStrike">
+            <a:endParaRPr b="0" lang="en-US" sz="1800" spc="-1" strike="noStrike">
               <a:latin typeface="Arial"/>
             </a:endParaRPr>
           </a:p>
@@ -8299,12 +8120,191 @@
               <a:buChar char=""/>
             </a:pPr>
             <a:r>
-              <a:rPr b="0" lang="en-US" sz="2000" spc="-1" strike="noStrike">
+              <a:rPr b="0" lang="en-US" sz="1800" spc="-1" strike="noStrike">
                 <a:latin typeface="Arial"/>
               </a:rPr>
               <a:t>Seventh Outline Level</a:t>
             </a:r>
-            <a:endParaRPr b="0" lang="en-US" sz="2000" spc="-1" strike="noStrike">
+            <a:endParaRPr b="0" lang="en-US" sz="1800" spc="-1" strike="noStrike">
+              <a:latin typeface="Arial"/>
+            </a:endParaRPr>
+          </a:p>
+        </p:txBody>
+      </p:sp>
+      <p:sp>
+        <p:nvSpPr>
+          <p:cNvPr id="158" name="PlaceHolder 5"/>
+          <p:cNvSpPr>
+            <a:spLocks noGrp="1"/>
+          </p:cNvSpPr>
+          <p:nvPr>
+            <p:ph type="body"/>
+          </p:nvPr>
+        </p:nvSpPr>
+        <p:spPr>
+          <a:xfrm>
+            <a:off x="4674240" y="1203480"/>
+            <a:ext cx="4015440" cy="2982600"/>
+          </a:xfrm>
+          <a:prstGeom prst="rect">
+            <a:avLst/>
+          </a:prstGeom>
+        </p:spPr>
+        <p:txBody>
+          <a:bodyPr lIns="0" rIns="0" tIns="0" bIns="0">
+            <a:normAutofit/>
+          </a:bodyPr>
+          <a:p>
+            <a:pPr marL="432000" indent="-324000">
+              <a:spcBef>
+                <a:spcPts val="1417"/>
+              </a:spcBef>
+              <a:buClr>
+                <a:srgbClr val="000000"/>
+              </a:buClr>
+              <a:buSzPct val="45000"/>
+              <a:buFont typeface="Wingdings" charset="2"/>
+              <a:buChar char=""/>
+            </a:pPr>
+            <a:r>
+              <a:rPr b="0" lang="en-US" sz="1800" spc="-1" strike="noStrike">
+                <a:latin typeface="Arial"/>
+              </a:rPr>
+              <a:t>Click to edit the outline text format</a:t>
+            </a:r>
+            <a:endParaRPr b="0" lang="en-US" sz="1800" spc="-1" strike="noStrike">
+              <a:latin typeface="Arial"/>
+            </a:endParaRPr>
+          </a:p>
+          <a:p>
+            <a:pPr lvl="1" marL="864000" indent="-324000">
+              <a:spcBef>
+                <a:spcPts val="1134"/>
+              </a:spcBef>
+              <a:buClr>
+                <a:srgbClr val="000000"/>
+              </a:buClr>
+              <a:buSzPct val="75000"/>
+              <a:buFont typeface="Symbol" charset="2"/>
+              <a:buChar char=""/>
+            </a:pPr>
+            <a:r>
+              <a:rPr b="0" lang="en-US" sz="1800" spc="-1" strike="noStrike">
+                <a:latin typeface="Arial"/>
+              </a:rPr>
+              <a:t>Second Outline Level</a:t>
+            </a:r>
+            <a:endParaRPr b="0" lang="en-US" sz="1800" spc="-1" strike="noStrike">
+              <a:latin typeface="Arial"/>
+            </a:endParaRPr>
+          </a:p>
+          <a:p>
+            <a:pPr lvl="2" marL="1296000" indent="-288000">
+              <a:spcBef>
+                <a:spcPts val="850"/>
+              </a:spcBef>
+              <a:buClr>
+                <a:srgbClr val="000000"/>
+              </a:buClr>
+              <a:buSzPct val="45000"/>
+              <a:buFont typeface="Wingdings" charset="2"/>
+              <a:buChar char=""/>
+            </a:pPr>
+            <a:r>
+              <a:rPr b="0" lang="en-US" sz="1800" spc="-1" strike="noStrike">
+                <a:latin typeface="Arial"/>
+              </a:rPr>
+              <a:t>Third Outline Level</a:t>
+            </a:r>
+            <a:endParaRPr b="0" lang="en-US" sz="1800" spc="-1" strike="noStrike">
+              <a:latin typeface="Arial"/>
+            </a:endParaRPr>
+          </a:p>
+          <a:p>
+            <a:pPr lvl="3" marL="1728000" indent="-216000">
+              <a:spcBef>
+                <a:spcPts val="567"/>
+              </a:spcBef>
+              <a:buClr>
+                <a:srgbClr val="000000"/>
+              </a:buClr>
+              <a:buSzPct val="75000"/>
+              <a:buFont typeface="Symbol" charset="2"/>
+              <a:buChar char=""/>
+            </a:pPr>
+            <a:r>
+              <a:rPr b="0" lang="en-US" sz="1800" spc="-1" strike="noStrike">
+                <a:latin typeface="Arial"/>
+              </a:rPr>
+              <a:t>Fourth Outline Level</a:t>
+            </a:r>
+            <a:endParaRPr b="0" lang="en-US" sz="1800" spc="-1" strike="noStrike">
+              <a:latin typeface="Arial"/>
+            </a:endParaRPr>
+          </a:p>
+          <a:p>
+            <a:pPr lvl="4" marL="2160000" indent="-216000">
+              <a:spcBef>
+                <a:spcPts val="283"/>
+              </a:spcBef>
+              <a:buClr>
+                <a:srgbClr val="000000"/>
+              </a:buClr>
+              <a:buSzPct val="45000"/>
+              <a:buFont typeface="Wingdings" charset="2"/>
+              <a:buChar char=""/>
+            </a:pPr>
+            <a:r>
+              <a:rPr b="0" lang="en-US" sz="1800" spc="-1" strike="noStrike">
+                <a:latin typeface="Arial"/>
+              </a:rPr>
+              <a:t>Fifth Outline Level</a:t>
+            </a:r>
+            <a:endParaRPr b="0" lang="en-US" sz="1800" spc="-1" strike="noStrike">
+              <a:latin typeface="Arial"/>
+            </a:endParaRPr>
+          </a:p>
+          <a:p>
+            <a:pPr lvl="5" marL="2592000" indent="-216000">
+              <a:spcBef>
+                <a:spcPts val="283"/>
+              </a:spcBef>
+              <a:buClr>
+                <a:srgbClr val="000000"/>
+              </a:buClr>
+              <a:buSzPct val="45000"/>
+              <a:buFont typeface="Wingdings" charset="2"/>
+              <a:buChar char=""/>
+            </a:pPr>
+            <a:r>
+              <a:rPr b="0" lang="en-US" sz="1800" spc="-1" strike="noStrike">
+                <a:latin typeface="Arial"/>
+              </a:rPr>
+              <a:t>Sixth Outline Level</a:t>
+            </a:r>
+            <a:endParaRPr b="0" lang="en-US" sz="1800" spc="-1" strike="noStrike">
+              <a:latin typeface="Arial"/>
+            </a:endParaRPr>
+          </a:p>
+          <a:p>
+            <a:pPr lvl="6" marL="3024000" indent="-216000">
+              <a:spcBef>
+                <a:spcPts val="283"/>
+              </a:spcBef>
+              <a:buClr>
+                <a:srgbClr val="000000"/>
+              </a:buClr>
+              <a:buSzPct val="45000"/>
+              <a:buFont typeface="Wingdings" charset="2"/>
+              <a:buChar char=""/>
+            </a:pPr>
+            <a:r>
+              <a:rPr b="0" lang="en-US" sz="1800" spc="-1" strike="noStrike">
+                <a:latin typeface="Arial"/>
+              </a:rPr>
+              <a:t>Seventh Outline Level</a:t>
+            </a:r>
+            <a:endParaRPr b="0" lang="en-US" sz="1800" spc="-1" strike="noStrike">
               <a:latin typeface="Arial"/>
             </a:endParaRPr>
           </a:p>
@@ -8356,7 +8356,7 @@
         <p:spPr>
           <a:xfrm>
             <a:off x="311760" y="744480"/>
-            <a:ext cx="8517240" cy="2049480"/>
+            <a:ext cx="8516520" cy="2048760"/>
           </a:xfrm>
           <a:prstGeom prst="rect">
             <a:avLst/>
@@ -8416,7 +8416,7 @@
         <p:spPr>
           <a:xfrm>
             <a:off x="311760" y="2834280"/>
-            <a:ext cx="8725680" cy="789480"/>
+            <a:ext cx="8724960" cy="788760"/>
           </a:xfrm>
           <a:prstGeom prst="rect">
             <a:avLst/>
@@ -8506,7 +8506,7 @@
         <p:spPr>
           <a:xfrm>
             <a:off x="8472600" y="4663080"/>
-            <a:ext cx="545400" cy="390240"/>
+            <a:ext cx="544680" cy="389520"/>
           </a:xfrm>
           <a:prstGeom prst="rect">
             <a:avLst/>
@@ -8581,7 +8581,7 @@
         <p:spPr>
           <a:xfrm>
             <a:off x="457200" y="246240"/>
-            <a:ext cx="8227800" cy="624240"/>
+            <a:ext cx="8227080" cy="623520"/>
           </a:xfrm>
           <a:prstGeom prst="rect">
             <a:avLst/>
@@ -8630,7 +8630,7 @@
         <p:spPr>
           <a:xfrm>
             <a:off x="8556840" y="4749840"/>
-            <a:ext cx="547560" cy="392400"/>
+            <a:ext cx="546840" cy="391680"/>
           </a:xfrm>
           <a:prstGeom prst="rect">
             <a:avLst/>
@@ -8654,7 +8654,7 @@
                 <a:spcPct val="100000"/>
               </a:lnSpc>
             </a:pPr>
-            <a:fld id="{F3C12E2C-8D23-4D74-8AC4-524844237EC7}" type="slidenum">
+            <a:fld id="{F8B60AA7-B68B-4984-9E29-C71094FFDB38}" type="slidenum">
               <a:rPr b="0" lang="en-US" sz="1300" spc="-1" strike="noStrike">
                 <a:solidFill>
                   <a:srgbClr val="000000"/>
@@ -8679,7 +8679,7 @@
         <p:spPr>
           <a:xfrm>
             <a:off x="97200" y="1103760"/>
-            <a:ext cx="8872920" cy="2998800"/>
+            <a:ext cx="8872200" cy="2998080"/>
           </a:xfrm>
           <a:prstGeom prst="rect">
             <a:avLst/>
@@ -8851,7 +8851,7 @@
         <p:spPr>
           <a:xfrm>
             <a:off x="1371600" y="1203480"/>
-            <a:ext cx="6034680" cy="2982240"/>
+            <a:ext cx="6033960" cy="2981520"/>
           </a:xfrm>
           <a:prstGeom prst="rect">
             <a:avLst/>
@@ -8919,7 +8919,7 @@
         <p:spPr>
           <a:xfrm>
             <a:off x="311760" y="444960"/>
-            <a:ext cx="8517240" cy="569520"/>
+            <a:ext cx="8516520" cy="568800"/>
           </a:xfrm>
           <a:prstGeom prst="rect">
             <a:avLst/>
@@ -8968,7 +8968,7 @@
         <p:spPr>
           <a:xfrm>
             <a:off x="311760" y="1152360"/>
-            <a:ext cx="8517240" cy="3413160"/>
+            <a:ext cx="8516520" cy="3412440"/>
           </a:xfrm>
           <a:prstGeom prst="rect">
             <a:avLst/>
@@ -9020,7 +9020,7 @@
                 <a:latin typeface="Calibri"/>
                 <a:ea typeface="Calibri"/>
               </a:rPr>
-              <a:t>3. Since we use an "explainable" machine learning tool/algorithm, we could find which combination of concepts (e.g. chemical substances) is predictive of paper success.</a:t>
+              <a:t>3. Since we use explainable machine learning tools/algorithms, we could find which combination of concepts (e.g. chemical substances) is predictive of paper success.</a:t>
             </a:r>
             <a:endParaRPr b="0" lang="en-US" sz="1700" spc="-1" strike="noStrike">
               <a:latin typeface="Arial"/>
@@ -9053,7 +9053,7 @@
         <p:spPr>
           <a:xfrm>
             <a:off x="3202920" y="4643640"/>
-            <a:ext cx="2996640" cy="370440"/>
+            <a:ext cx="2995920" cy="369720"/>
           </a:xfrm>
           <a:prstGeom prst="rect">
             <a:avLst/>
@@ -9079,7 +9079,7 @@
         <p:spPr>
           <a:xfrm>
             <a:off x="8472600" y="4663080"/>
-            <a:ext cx="545400" cy="390240"/>
+            <a:ext cx="544680" cy="389520"/>
           </a:xfrm>
           <a:prstGeom prst="rect">
             <a:avLst/>
@@ -9105,7 +9105,7 @@
         <p:spPr>
           <a:xfrm>
             <a:off x="8557200" y="4749840"/>
-            <a:ext cx="547560" cy="392400"/>
+            <a:ext cx="546840" cy="391680"/>
           </a:xfrm>
           <a:prstGeom prst="rect">
             <a:avLst/>
@@ -9129,7 +9129,7 @@
                 <a:spcPct val="100000"/>
               </a:lnSpc>
             </a:pPr>
-            <a:fld id="{1F503584-E3E0-45C5-86DD-C4D3DE48D573}" type="slidenum">
+            <a:fld id="{A8EEEFC0-018F-4E9B-9DC2-A0492458B760}" type="slidenum">
               <a:rPr b="0" lang="en-US" sz="1300" spc="-1" strike="noStrike">
                 <a:solidFill>
                   <a:srgbClr val="000000"/>
@@ -9203,7 +9203,7 @@
         <p:spPr>
           <a:xfrm>
             <a:off x="311760" y="444960"/>
-            <a:ext cx="8517240" cy="569520"/>
+            <a:ext cx="8516520" cy="568800"/>
           </a:xfrm>
           <a:prstGeom prst="rect">
             <a:avLst/>
@@ -9235,7 +9235,7 @@
                 <a:latin typeface="Arial"/>
                 <a:ea typeface="Arial"/>
               </a:rPr>
-              <a:t>Project - Pre-processing data</a:t>
+              <a:t>Pre-processing data</a:t>
             </a:r>
             <a:endParaRPr b="0" lang="en-US" sz="2800" spc="-1" strike="noStrike">
               <a:latin typeface="Arial"/>
@@ -9252,7 +9252,7 @@
         <p:spPr>
           <a:xfrm>
             <a:off x="311760" y="1152360"/>
-            <a:ext cx="8517240" cy="3413160"/>
+            <a:ext cx="8516520" cy="3412440"/>
           </a:xfrm>
           <a:prstGeom prst="rect">
             <a:avLst/>
@@ -9282,7 +9282,7 @@
         <p:spPr>
           <a:xfrm>
             <a:off x="225000" y="1152360"/>
-            <a:ext cx="7637760" cy="3382200"/>
+            <a:ext cx="7637040" cy="3381480"/>
           </a:xfrm>
           <a:prstGeom prst="rect">
             <a:avLst/>
@@ -9301,7 +9301,7 @@
         <p:spPr>
           <a:xfrm>
             <a:off x="8472600" y="4663080"/>
-            <a:ext cx="545400" cy="390240"/>
+            <a:ext cx="544680" cy="389520"/>
           </a:xfrm>
           <a:prstGeom prst="rect">
             <a:avLst/>
@@ -9327,7 +9327,7 @@
         <p:spPr>
           <a:xfrm>
             <a:off x="8557200" y="4749840"/>
-            <a:ext cx="547560" cy="392400"/>
+            <a:ext cx="546840" cy="391680"/>
           </a:xfrm>
           <a:prstGeom prst="rect">
             <a:avLst/>
@@ -9351,7 +9351,7 @@
                 <a:spcPct val="100000"/>
               </a:lnSpc>
             </a:pPr>
-            <a:fld id="{100768D5-C476-4B64-B34C-9AE49CC21FC4}" type="slidenum">
+            <a:fld id="{FAF0BDEA-C36A-4AAB-9643-59C5CCAC392E}" type="slidenum">
               <a:rPr b="0" lang="en-US" sz="1300" spc="-1" strike="noStrike">
                 <a:solidFill>
                   <a:srgbClr val="000000"/>
@@ -9425,7 +9425,7 @@
         <p:spPr>
           <a:xfrm>
             <a:off x="311760" y="444960"/>
-            <a:ext cx="8517240" cy="569520"/>
+            <a:ext cx="8516520" cy="568800"/>
           </a:xfrm>
           <a:prstGeom prst="rect">
             <a:avLst/>
@@ -9451,7 +9451,7 @@
         <p:spPr>
           <a:xfrm>
             <a:off x="311760" y="1152360"/>
-            <a:ext cx="8517240" cy="3413160"/>
+            <a:ext cx="8516520" cy="3412440"/>
           </a:xfrm>
           <a:prstGeom prst="rect">
             <a:avLst/>
@@ -9477,7 +9477,7 @@
         <p:spPr>
           <a:xfrm>
             <a:off x="8472600" y="4663080"/>
-            <a:ext cx="545400" cy="390240"/>
+            <a:ext cx="544680" cy="389520"/>
           </a:xfrm>
           <a:prstGeom prst="rect">
             <a:avLst/>
@@ -9507,7 +9507,7 @@
         <p:spPr>
           <a:xfrm>
             <a:off x="548640" y="1097280"/>
-            <a:ext cx="7829640" cy="3290760"/>
+            <a:ext cx="7828920" cy="3290040"/>
           </a:xfrm>
           <a:prstGeom prst="rect">
             <a:avLst/>
@@ -9526,7 +9526,7 @@
         <p:spPr>
           <a:xfrm>
             <a:off x="8557200" y="4749840"/>
-            <a:ext cx="547560" cy="392400"/>
+            <a:ext cx="546840" cy="391680"/>
           </a:xfrm>
           <a:prstGeom prst="rect">
             <a:avLst/>
@@ -9550,7 +9550,7 @@
                 <a:spcPct val="100000"/>
               </a:lnSpc>
             </a:pPr>
-            <a:fld id="{AD682A55-B635-4BDC-9940-7D66687D30DF}" type="slidenum">
+            <a:fld id="{B7D90339-BDA3-4E57-A929-2A70B5DC64DF}" type="slidenum">
               <a:rPr b="0" lang="en-US" sz="1300" spc="-1" strike="noStrike">
                 <a:solidFill>
                   <a:srgbClr val="000000"/>
@@ -9624,7 +9624,7 @@
         <p:spPr>
           <a:xfrm>
             <a:off x="311760" y="444960"/>
-            <a:ext cx="8517240" cy="569520"/>
+            <a:ext cx="8516520" cy="568800"/>
           </a:xfrm>
           <a:prstGeom prst="rect">
             <a:avLst/>
@@ -9673,7 +9673,7 @@
         <p:spPr>
           <a:xfrm>
             <a:off x="311760" y="1152360"/>
-            <a:ext cx="8517240" cy="3413160"/>
+            <a:ext cx="8516520" cy="3412440"/>
           </a:xfrm>
           <a:prstGeom prst="rect">
             <a:avLst/>
@@ -9699,7 +9699,7 @@
         <p:spPr>
           <a:xfrm>
             <a:off x="8472600" y="4663080"/>
-            <a:ext cx="545400" cy="390240"/>
+            <a:ext cx="544680" cy="389520"/>
           </a:xfrm>
           <a:prstGeom prst="rect">
             <a:avLst/>
@@ -9729,7 +9729,7 @@
         <p:spPr>
           <a:xfrm>
             <a:off x="266760" y="1209600"/>
-            <a:ext cx="8607240" cy="2720880"/>
+            <a:ext cx="8606520" cy="2720160"/>
           </a:xfrm>
           <a:prstGeom prst="rect">
             <a:avLst/>
@@ -9748,7 +9748,7 @@
         <p:spPr>
           <a:xfrm>
             <a:off x="8283240" y="1439280"/>
-            <a:ext cx="436680" cy="88560"/>
+            <a:ext cx="435960" cy="87840"/>
           </a:xfrm>
           <a:prstGeom prst="rect">
             <a:avLst/>
@@ -9778,7 +9778,7 @@
         <p:spPr>
           <a:xfrm>
             <a:off x="8229600" y="1463040"/>
-            <a:ext cx="126360" cy="88560"/>
+            <a:ext cx="125640" cy="87840"/>
           </a:xfrm>
           <a:prstGeom prst="rect">
             <a:avLst/>
@@ -9808,7 +9808,7 @@
         <p:spPr>
           <a:xfrm>
             <a:off x="8557200" y="4749840"/>
-            <a:ext cx="547560" cy="392400"/>
+            <a:ext cx="546840" cy="391680"/>
           </a:xfrm>
           <a:prstGeom prst="rect">
             <a:avLst/>
@@ -9832,7 +9832,7 @@
                 <a:spcPct val="100000"/>
               </a:lnSpc>
             </a:pPr>
-            <a:fld id="{E1943485-E04D-4363-AEF1-473C00ADEE1D}" type="slidenum">
+            <a:fld id="{C222B1CB-4ADD-4983-8134-5CB14F799724}" type="slidenum">
               <a:rPr b="0" lang="en-US" sz="1300" spc="-1" strike="noStrike">
                 <a:solidFill>
                   <a:srgbClr val="000000"/>
@@ -9906,7 +9906,7 @@
         <p:spPr>
           <a:xfrm>
             <a:off x="311760" y="444960"/>
-            <a:ext cx="8517240" cy="569520"/>
+            <a:ext cx="8516520" cy="568800"/>
           </a:xfrm>
           <a:prstGeom prst="rect">
             <a:avLst/>
@@ -9965,7 +9965,7 @@
         <p:spPr>
           <a:xfrm>
             <a:off x="311760" y="1152360"/>
-            <a:ext cx="8517240" cy="3413160"/>
+            <a:ext cx="8516520" cy="3412440"/>
           </a:xfrm>
           <a:prstGeom prst="rect">
             <a:avLst/>
@@ -9991,7 +9991,7 @@
         <p:spPr>
           <a:xfrm>
             <a:off x="8472600" y="4663080"/>
-            <a:ext cx="545400" cy="390240"/>
+            <a:ext cx="544680" cy="389520"/>
           </a:xfrm>
           <a:prstGeom prst="rect">
             <a:avLst/>
@@ -10017,7 +10017,7 @@
         <p:spPr>
           <a:xfrm>
             <a:off x="1463040" y="1645920"/>
-            <a:ext cx="6577920" cy="2422440"/>
+            <a:ext cx="6577200" cy="2421720"/>
           </a:xfrm>
           <a:prstGeom prst="rect">
             <a:avLst/>
@@ -10651,7 +10651,7 @@
         </p:nvSpPr>
         <p:spPr>
           <a:xfrm>
-            <a:off x="3657600" y="2377440"/>
+            <a:off x="3657600" y="2468520"/>
             <a:ext cx="1828800" cy="360"/>
           </a:xfrm>
           <a:prstGeom prst="line">
@@ -10679,7 +10679,7 @@
         </p:nvSpPr>
         <p:spPr>
           <a:xfrm>
-            <a:off x="3840480" y="2743200"/>
+            <a:off x="3840480" y="2834280"/>
             <a:ext cx="1554480" cy="360"/>
           </a:xfrm>
           <a:prstGeom prst="line">
@@ -10707,7 +10707,7 @@
         </p:nvSpPr>
         <p:spPr>
           <a:xfrm>
-            <a:off x="3566160" y="3017520"/>
+            <a:off x="3566160" y="3108960"/>
             <a:ext cx="1828800" cy="360"/>
           </a:xfrm>
           <a:prstGeom prst="line">
@@ -10735,7 +10735,7 @@
         </p:nvSpPr>
         <p:spPr>
           <a:xfrm>
-            <a:off x="3566160" y="3383280"/>
+            <a:off x="3566160" y="3474360"/>
             <a:ext cx="1828800" cy="360"/>
           </a:xfrm>
           <a:prstGeom prst="line">
@@ -10763,7 +10763,7 @@
         </p:nvSpPr>
         <p:spPr>
           <a:xfrm>
-            <a:off x="3840480" y="3657600"/>
+            <a:off x="3840480" y="3749040"/>
             <a:ext cx="1463040" cy="360"/>
           </a:xfrm>
           <a:prstGeom prst="line">
@@ -10791,7 +10791,7 @@
         </p:nvSpPr>
         <p:spPr>
           <a:xfrm>
-            <a:off x="5212080" y="3931920"/>
+            <a:off x="5212080" y="4114800"/>
             <a:ext cx="274320" cy="360"/>
           </a:xfrm>
           <a:prstGeom prst="line">
@@ -10820,7 +10820,7 @@
         <p:spPr>
           <a:xfrm>
             <a:off x="8557200" y="4749840"/>
-            <a:ext cx="547560" cy="392400"/>
+            <a:ext cx="546840" cy="391680"/>
           </a:xfrm>
           <a:prstGeom prst="rect">
             <a:avLst/>
@@ -10844,7 +10844,7 @@
                 <a:spcPct val="100000"/>
               </a:lnSpc>
             </a:pPr>
-            <a:fld id="{6A55D194-9A82-4A75-B268-0C90E0FA6B3C}" type="slidenum">
+            <a:fld id="{D06997C0-3B1A-4B21-B17F-06DCDEB59403}" type="slidenum">
               <a:rPr b="0" lang="en-US" sz="1300" spc="-1" strike="noStrike">
                 <a:solidFill>
                   <a:srgbClr val="000000"/>
@@ -10918,7 +10918,7 @@
         <p:spPr>
           <a:xfrm>
             <a:off x="457200" y="246240"/>
-            <a:ext cx="8225640" cy="622080"/>
+            <a:ext cx="8224920" cy="621360"/>
           </a:xfrm>
           <a:prstGeom prst="rect">
             <a:avLst/>
@@ -10967,7 +10967,7 @@
         <p:spPr>
           <a:xfrm>
             <a:off x="347760" y="1240560"/>
-            <a:ext cx="3603600" cy="3101040"/>
+            <a:ext cx="3602880" cy="3100320"/>
           </a:xfrm>
           <a:prstGeom prst="rect">
             <a:avLst/>
@@ -10993,7 +10993,7 @@
         <p:spPr>
           <a:xfrm>
             <a:off x="4051440" y="1484280"/>
-            <a:ext cx="5089320" cy="3721680"/>
+            <a:ext cx="5088600" cy="3720960"/>
           </a:xfrm>
           <a:prstGeom prst="rect">
             <a:avLst/>
@@ -11055,7 +11055,7 @@
         <p:spPr>
           <a:xfrm>
             <a:off x="8556840" y="4749840"/>
-            <a:ext cx="545400" cy="390240"/>
+            <a:ext cx="544680" cy="389520"/>
           </a:xfrm>
           <a:prstGeom prst="rect">
             <a:avLst/>
@@ -11081,7 +11081,7 @@
         <p:spPr>
           <a:xfrm>
             <a:off x="0" y="1280160"/>
-            <a:ext cx="9014760" cy="2923920"/>
+            <a:ext cx="9014040" cy="2923200"/>
           </a:xfrm>
           <a:prstGeom prst="rect">
             <a:avLst/>
@@ -11350,7 +11350,7 @@
         <p:spPr>
           <a:xfrm>
             <a:off x="8557200" y="4749840"/>
-            <a:ext cx="547560" cy="392400"/>
+            <a:ext cx="546840" cy="391680"/>
           </a:xfrm>
           <a:prstGeom prst="rect">
             <a:avLst/>
@@ -11374,7 +11374,7 @@
                 <a:spcPct val="100000"/>
               </a:lnSpc>
             </a:pPr>
-            <a:fld id="{AAB73EC8-0113-4326-9DC7-24FBAADDF6C9}" type="slidenum">
+            <a:fld id="{438F11C6-0A3B-4B77-AF64-28EDB3899175}" type="slidenum">
               <a:rPr b="0" lang="en-US" sz="1300" spc="-1" strike="noStrike">
                 <a:solidFill>
                   <a:srgbClr val="000000"/>
@@ -11448,7 +11448,7 @@
         <p:spPr>
           <a:xfrm>
             <a:off x="457200" y="246240"/>
-            <a:ext cx="8225640" cy="622080"/>
+            <a:ext cx="8224920" cy="621360"/>
           </a:xfrm>
           <a:prstGeom prst="rect">
             <a:avLst/>
@@ -11497,7 +11497,7 @@
         <p:spPr>
           <a:xfrm>
             <a:off x="347760" y="1240560"/>
-            <a:ext cx="3603600" cy="3101040"/>
+            <a:ext cx="3602880" cy="3100320"/>
           </a:xfrm>
           <a:prstGeom prst="rect">
             <a:avLst/>
@@ -11523,7 +11523,7 @@
         <p:spPr>
           <a:xfrm>
             <a:off x="4480560" y="1097280"/>
-            <a:ext cx="4294800" cy="3197520"/>
+            <a:ext cx="4294080" cy="3196800"/>
           </a:xfrm>
           <a:prstGeom prst="rect">
             <a:avLst/>
@@ -11549,7 +11549,7 @@
         <p:spPr>
           <a:xfrm>
             <a:off x="8556840" y="4749840"/>
-            <a:ext cx="545400" cy="390240"/>
+            <a:ext cx="544680" cy="389520"/>
           </a:xfrm>
           <a:prstGeom prst="rect">
             <a:avLst/>
@@ -11575,7 +11575,7 @@
         <p:spPr>
           <a:xfrm>
             <a:off x="640080" y="1554480"/>
-            <a:ext cx="7953120" cy="2558160"/>
+            <a:ext cx="7952400" cy="2557440"/>
           </a:xfrm>
           <a:prstGeom prst="rect">
             <a:avLst/>
@@ -11738,7 +11738,7 @@
         <p:spPr>
           <a:xfrm>
             <a:off x="982080" y="1005840"/>
-            <a:ext cx="7155720" cy="3200040"/>
+            <a:ext cx="7155000" cy="3199320"/>
           </a:xfrm>
           <a:prstGeom prst="rect">
             <a:avLst/>
@@ -11806,7 +11806,7 @@
         <p:spPr>
           <a:xfrm>
             <a:off x="457200" y="341280"/>
-            <a:ext cx="8227800" cy="433800"/>
+            <a:ext cx="8227080" cy="433080"/>
           </a:xfrm>
           <a:prstGeom prst="rect">
             <a:avLst/>
@@ -11865,7 +11865,7 @@
         <p:spPr>
           <a:xfrm>
             <a:off x="513360" y="1623960"/>
-            <a:ext cx="1221840" cy="979920"/>
+            <a:ext cx="1221120" cy="979200"/>
           </a:xfrm>
           <a:prstGeom prst="flowChartDocument">
             <a:avLst/>
@@ -11919,7 +11919,7 @@
         <p:spPr>
           <a:xfrm>
             <a:off x="2963160" y="1574280"/>
-            <a:ext cx="1413360" cy="1010880"/>
+            <a:ext cx="1412640" cy="1010160"/>
           </a:xfrm>
           <a:prstGeom prst="flowChartMultidocument">
             <a:avLst/>
@@ -11973,7 +11973,7 @@
         <p:spPr>
           <a:xfrm>
             <a:off x="5797800" y="1299240"/>
-            <a:ext cx="2703240" cy="1346400"/>
+            <a:ext cx="2702520" cy="1345680"/>
           </a:xfrm>
           <a:prstGeom prst="flowChartProcess">
             <a:avLst/>
@@ -12038,7 +12038,7 @@
         <p:spPr>
           <a:xfrm>
             <a:off x="6493320" y="3286800"/>
-            <a:ext cx="1312200" cy="938520"/>
+            <a:ext cx="1311480" cy="937800"/>
           </a:xfrm>
           <a:prstGeom prst="flowChartMultidocument">
             <a:avLst/>
@@ -12112,7 +12112,7 @@
         <p:spPr>
           <a:xfrm>
             <a:off x="4377600" y="1976400"/>
-            <a:ext cx="1419480" cy="360"/>
+            <a:ext cx="1418760" cy="360"/>
           </a:xfrm>
           <a:custGeom>
             <a:avLst/>
@@ -12162,7 +12162,7 @@
         <p:spPr>
           <a:xfrm>
             <a:off x="7149960" y="2646720"/>
-            <a:ext cx="360" cy="639000"/>
+            <a:ext cx="360" cy="638280"/>
           </a:xfrm>
           <a:custGeom>
             <a:avLst/>
@@ -12212,7 +12212,7 @@
         <p:spPr>
           <a:xfrm>
             <a:off x="1736280" y="1987200"/>
-            <a:ext cx="1225800" cy="360"/>
+            <a:ext cx="1225080" cy="360"/>
           </a:xfrm>
           <a:custGeom>
             <a:avLst/>
@@ -12262,7 +12262,7 @@
         <p:spPr>
           <a:xfrm>
             <a:off x="8556840" y="4749840"/>
-            <a:ext cx="547560" cy="392400"/>
+            <a:ext cx="546840" cy="391680"/>
           </a:xfrm>
           <a:prstGeom prst="rect">
             <a:avLst/>
@@ -12286,7 +12286,7 @@
                 <a:spcPct val="100000"/>
               </a:lnSpc>
             </a:pPr>
-            <a:fld id="{2FB92424-BB66-4A69-AC4B-CFEBBAA67508}" type="slidenum">
+            <a:fld id="{813905FA-55D7-4353-B6F0-2BB29ABD8FFA}" type="slidenum">
               <a:rPr b="0" lang="en-US" sz="1300" spc="-1" strike="noStrike">
                 <a:solidFill>
                   <a:srgbClr val="000000"/>
